--- a/Internship Presentation.pptx
+++ b/Internship Presentation.pptx
@@ -5,20 +5,22 @@
     <p:sldMasterId id="2147483648" r:id="rId1"/>
   </p:sldMasterIdLst>
   <p:notesMasterIdLst>
-    <p:notesMasterId r:id="rId13"/>
+    <p:notesMasterId r:id="rId15"/>
   </p:notesMasterIdLst>
   <p:sldIdLst>
     <p:sldId id="256" r:id="rId2"/>
     <p:sldId id="257" r:id="rId3"/>
-    <p:sldId id="258" r:id="rId4"/>
-    <p:sldId id="259" r:id="rId5"/>
-    <p:sldId id="266" r:id="rId6"/>
-    <p:sldId id="261" r:id="rId7"/>
-    <p:sldId id="260" r:id="rId8"/>
-    <p:sldId id="263" r:id="rId9"/>
-    <p:sldId id="268" r:id="rId10"/>
-    <p:sldId id="269" r:id="rId11"/>
-    <p:sldId id="270" r:id="rId12"/>
+    <p:sldId id="272" r:id="rId4"/>
+    <p:sldId id="258" r:id="rId5"/>
+    <p:sldId id="259" r:id="rId6"/>
+    <p:sldId id="266" r:id="rId7"/>
+    <p:sldId id="261" r:id="rId8"/>
+    <p:sldId id="260" r:id="rId9"/>
+    <p:sldId id="263" r:id="rId10"/>
+    <p:sldId id="268" r:id="rId11"/>
+    <p:sldId id="269" r:id="rId12"/>
+    <p:sldId id="270" r:id="rId13"/>
+    <p:sldId id="271" r:id="rId14"/>
   </p:sldIdLst>
   <p:sldSz cx="12192000" cy="6858000"/>
   <p:notesSz cx="6858000" cy="9144000"/>
@@ -1729,42 +1731,6 @@
         </a:p>
       </dgm:t>
     </dgm:pt>
-    <dgm:pt modelId="{6D196E68-9BCE-4F9E-BA92-07F86C233369}">
-      <dgm:prSet phldrT="[Text]" custT="1"/>
-      <dgm:spPr/>
-      <dgm:t>
-        <a:bodyPr/>
-        <a:lstStyle/>
-        <a:p>
-          <a:r>
-            <a:rPr lang="en-US" sz="2200" dirty="0"/>
-            <a:t>Job Description</a:t>
-          </a:r>
-        </a:p>
-      </dgm:t>
-    </dgm:pt>
-    <dgm:pt modelId="{C86F4D91-76CD-4A6A-8405-BF0EF92B814D}" type="parTrans" cxnId="{3364562E-D4AD-4EC0-BB8F-C3C7E3AC2EF2}">
-      <dgm:prSet/>
-      <dgm:spPr/>
-      <dgm:t>
-        <a:bodyPr/>
-        <a:lstStyle/>
-        <a:p>
-          <a:endParaRPr lang="en-US"/>
-        </a:p>
-      </dgm:t>
-    </dgm:pt>
-    <dgm:pt modelId="{F60E057D-3E3D-4254-B81A-DC389A976875}" type="sibTrans" cxnId="{3364562E-D4AD-4EC0-BB8F-C3C7E3AC2EF2}">
-      <dgm:prSet/>
-      <dgm:spPr/>
-      <dgm:t>
-        <a:bodyPr/>
-        <a:lstStyle/>
-        <a:p>
-          <a:endParaRPr lang="en-US"/>
-        </a:p>
-      </dgm:t>
-    </dgm:pt>
     <dgm:pt modelId="{0915EC8B-1B90-472B-A451-CD4DECA8911B}">
       <dgm:prSet phldrT="[Text]" custT="1"/>
       <dgm:spPr/>
@@ -1810,7 +1776,7 @@
         <a:p>
           <a:r>
             <a:rPr lang="en-US" sz="2200" dirty="0"/>
-            <a:t>Summary and Conclusion</a:t>
+            <a:t>Recommendations</a:t>
           </a:r>
         </a:p>
       </dgm:t>
@@ -1856,7 +1822,7 @@
       <dgm:spPr/>
     </dgm:pt>
     <dgm:pt modelId="{323F8B21-4F28-476E-BAB7-4A790DA5F4CE}" type="pres">
-      <dgm:prSet presAssocID="{5B6B0AFF-A950-4B34-95C9-9E516C92907E}" presName="srcNode" presStyleLbl="node1" presStyleIdx="0" presStyleCnt="4"/>
+      <dgm:prSet presAssocID="{5B6B0AFF-A950-4B34-95C9-9E516C92907E}" presName="srcNode" presStyleLbl="node1" presStyleIdx="0" presStyleCnt="3"/>
       <dgm:spPr/>
     </dgm:pt>
     <dgm:pt modelId="{80647BE4-AEC8-4FC8-AEE9-EF2F5B3F65B2}" type="pres">
@@ -1864,15 +1830,15 @@
       <dgm:spPr/>
     </dgm:pt>
     <dgm:pt modelId="{9A50CB1B-42F7-4C33-897C-92E56359D729}" type="pres">
-      <dgm:prSet presAssocID="{5B6B0AFF-A950-4B34-95C9-9E516C92907E}" presName="extraNode" presStyleLbl="node1" presStyleIdx="0" presStyleCnt="4"/>
+      <dgm:prSet presAssocID="{5B6B0AFF-A950-4B34-95C9-9E516C92907E}" presName="extraNode" presStyleLbl="node1" presStyleIdx="0" presStyleCnt="3"/>
       <dgm:spPr/>
     </dgm:pt>
     <dgm:pt modelId="{863CC1D8-056A-4EB8-98AE-F25033FDA7AC}" type="pres">
-      <dgm:prSet presAssocID="{5B6B0AFF-A950-4B34-95C9-9E516C92907E}" presName="dstNode" presStyleLbl="node1" presStyleIdx="0" presStyleCnt="4"/>
+      <dgm:prSet presAssocID="{5B6B0AFF-A950-4B34-95C9-9E516C92907E}" presName="dstNode" presStyleLbl="node1" presStyleIdx="0" presStyleCnt="3"/>
       <dgm:spPr/>
     </dgm:pt>
     <dgm:pt modelId="{7A8F64B8-748C-4AEC-AA14-C6EE85C0F7D1}" type="pres">
-      <dgm:prSet presAssocID="{6278281A-E345-45F3-8C09-5DECB0999EE3}" presName="text_1" presStyleLbl="node1" presStyleIdx="0" presStyleCnt="4">
+      <dgm:prSet presAssocID="{6278281A-E345-45F3-8C09-5DECB0999EE3}" presName="text_1" presStyleLbl="node1" presStyleIdx="0" presStyleCnt="3">
         <dgm:presLayoutVars>
           <dgm:bulletEnabled val="1"/>
         </dgm:presLayoutVars>
@@ -1884,69 +1850,51 @@
       <dgm:spPr/>
     </dgm:pt>
     <dgm:pt modelId="{1DEF29F1-54D2-4A72-8A72-FFCFBD8CE235}" type="pres">
-      <dgm:prSet presAssocID="{6278281A-E345-45F3-8C09-5DECB0999EE3}" presName="accentRepeatNode" presStyleLbl="solidFgAcc1" presStyleIdx="0" presStyleCnt="4"/>
+      <dgm:prSet presAssocID="{6278281A-E345-45F3-8C09-5DECB0999EE3}" presName="accentRepeatNode" presStyleLbl="solidFgAcc1" presStyleIdx="0" presStyleCnt="3"/>
       <dgm:spPr/>
     </dgm:pt>
-    <dgm:pt modelId="{BDF66620-D423-4C53-93E0-E53B5A16C4B7}" type="pres">
-      <dgm:prSet presAssocID="{6D196E68-9BCE-4F9E-BA92-07F86C233369}" presName="text_2" presStyleLbl="node1" presStyleIdx="1" presStyleCnt="4">
+    <dgm:pt modelId="{ED0E63DF-8A54-4683-9443-335FB8EB8D67}" type="pres">
+      <dgm:prSet presAssocID="{0915EC8B-1B90-472B-A451-CD4DECA8911B}" presName="text_2" presStyleLbl="node1" presStyleIdx="1" presStyleCnt="3">
         <dgm:presLayoutVars>
           <dgm:bulletEnabled val="1"/>
         </dgm:presLayoutVars>
       </dgm:prSet>
       <dgm:spPr/>
     </dgm:pt>
-    <dgm:pt modelId="{E8BACF40-2139-45A6-8DC7-54E737CA14F9}" type="pres">
-      <dgm:prSet presAssocID="{6D196E68-9BCE-4F9E-BA92-07F86C233369}" presName="accent_2" presStyleCnt="0"/>
+    <dgm:pt modelId="{672E208D-0F9F-4761-B7A8-1D655BDAF78B}" type="pres">
+      <dgm:prSet presAssocID="{0915EC8B-1B90-472B-A451-CD4DECA8911B}" presName="accent_2" presStyleCnt="0"/>
       <dgm:spPr/>
     </dgm:pt>
-    <dgm:pt modelId="{3BBBDA4F-1173-48DB-A0C0-7C1BEC94E969}" type="pres">
-      <dgm:prSet presAssocID="{6D196E68-9BCE-4F9E-BA92-07F86C233369}" presName="accentRepeatNode" presStyleLbl="solidFgAcc1" presStyleIdx="1" presStyleCnt="4"/>
+    <dgm:pt modelId="{F133995C-85B7-4D5E-9568-4B0880D84DBF}" type="pres">
+      <dgm:prSet presAssocID="{0915EC8B-1B90-472B-A451-CD4DECA8911B}" presName="accentRepeatNode" presStyleLbl="solidFgAcc1" presStyleIdx="1" presStyleCnt="3"/>
       <dgm:spPr/>
     </dgm:pt>
-    <dgm:pt modelId="{44CE9DE9-BE00-41C8-9474-365D56482725}" type="pres">
-      <dgm:prSet presAssocID="{0915EC8B-1B90-472B-A451-CD4DECA8911B}" presName="text_3" presStyleLbl="node1" presStyleIdx="2" presStyleCnt="4">
+    <dgm:pt modelId="{9D6804E8-5949-4DC7-9594-48F7B5093CAE}" type="pres">
+      <dgm:prSet presAssocID="{91535248-8217-444A-91E9-20000CDE09B6}" presName="text_3" presStyleLbl="node1" presStyleIdx="2" presStyleCnt="3">
         <dgm:presLayoutVars>
           <dgm:bulletEnabled val="1"/>
         </dgm:presLayoutVars>
       </dgm:prSet>
       <dgm:spPr/>
     </dgm:pt>
-    <dgm:pt modelId="{4EE0B92B-7A7E-40F4-80D4-74A1FA8CC6CD}" type="pres">
-      <dgm:prSet presAssocID="{0915EC8B-1B90-472B-A451-CD4DECA8911B}" presName="accent_3" presStyleCnt="0"/>
-      <dgm:spPr/>
-    </dgm:pt>
-    <dgm:pt modelId="{F133995C-85B7-4D5E-9568-4B0880D84DBF}" type="pres">
-      <dgm:prSet presAssocID="{0915EC8B-1B90-472B-A451-CD4DECA8911B}" presName="accentRepeatNode" presStyleLbl="solidFgAcc1" presStyleIdx="2" presStyleCnt="4"/>
-      <dgm:spPr/>
-    </dgm:pt>
-    <dgm:pt modelId="{A134C807-1767-48A1-9074-6108FD47F4AE}" type="pres">
-      <dgm:prSet presAssocID="{91535248-8217-444A-91E9-20000CDE09B6}" presName="text_4" presStyleLbl="node1" presStyleIdx="3" presStyleCnt="4">
-        <dgm:presLayoutVars>
-          <dgm:bulletEnabled val="1"/>
-        </dgm:presLayoutVars>
-      </dgm:prSet>
-      <dgm:spPr/>
-    </dgm:pt>
-    <dgm:pt modelId="{9DD71CE6-64D0-4A73-BA91-0EFBDAD791E2}" type="pres">
-      <dgm:prSet presAssocID="{91535248-8217-444A-91E9-20000CDE09B6}" presName="accent_4" presStyleCnt="0"/>
+    <dgm:pt modelId="{0719BEA1-DDFF-4D4C-B50F-225A66C0F095}" type="pres">
+      <dgm:prSet presAssocID="{91535248-8217-444A-91E9-20000CDE09B6}" presName="accent_3" presStyleCnt="0"/>
       <dgm:spPr/>
     </dgm:pt>
     <dgm:pt modelId="{2D36FD09-1AE6-43F6-82D2-F62482BA680D}" type="pres">
-      <dgm:prSet presAssocID="{91535248-8217-444A-91E9-20000CDE09B6}" presName="accentRepeatNode" presStyleLbl="solidFgAcc1" presStyleIdx="3" presStyleCnt="4"/>
+      <dgm:prSet presAssocID="{91535248-8217-444A-91E9-20000CDE09B6}" presName="accentRepeatNode" presStyleLbl="solidFgAcc1" presStyleIdx="2" presStyleCnt="3"/>
       <dgm:spPr/>
     </dgm:pt>
   </dgm:ptLst>
   <dgm:cxnLst>
-    <dgm:cxn modelId="{BADF690C-3695-45E8-B867-DF6BB21EDA4F}" type="presOf" srcId="{0915EC8B-1B90-472B-A451-CD4DECA8911B}" destId="{44CE9DE9-BE00-41C8-9474-365D56482725}" srcOrd="0" destOrd="0" presId="urn:microsoft.com/office/officeart/2008/layout/VerticalCurvedList"/>
-    <dgm:cxn modelId="{3364562E-D4AD-4EC0-BB8F-C3C7E3AC2EF2}" srcId="{5B6B0AFF-A950-4B34-95C9-9E516C92907E}" destId="{6D196E68-9BCE-4F9E-BA92-07F86C233369}" srcOrd="1" destOrd="0" parTransId="{C86F4D91-76CD-4A6A-8405-BF0EF92B814D}" sibTransId="{F60E057D-3E3D-4254-B81A-DC389A976875}"/>
-    <dgm:cxn modelId="{499A2E5C-C8F8-4F91-AA02-64A16264ADC3}" type="presOf" srcId="{91535248-8217-444A-91E9-20000CDE09B6}" destId="{A134C807-1767-48A1-9074-6108FD47F4AE}" srcOrd="0" destOrd="0" presId="urn:microsoft.com/office/officeart/2008/layout/VerticalCurvedList"/>
-    <dgm:cxn modelId="{DACD244E-66C9-445C-89E7-DD723A0DC5B5}" srcId="{5B6B0AFF-A950-4B34-95C9-9E516C92907E}" destId="{91535248-8217-444A-91E9-20000CDE09B6}" srcOrd="3" destOrd="0" parTransId="{A96DC814-FD33-4D57-AA79-C4CF1AD29EFB}" sibTransId="{DF7D9BDA-5081-4043-A94B-1BAB9AE78138}"/>
+    <dgm:cxn modelId="{DACD244E-66C9-445C-89E7-DD723A0DC5B5}" srcId="{5B6B0AFF-A950-4B34-95C9-9E516C92907E}" destId="{91535248-8217-444A-91E9-20000CDE09B6}" srcOrd="2" destOrd="0" parTransId="{A96DC814-FD33-4D57-AA79-C4CF1AD29EFB}" sibTransId="{DF7D9BDA-5081-4043-A94B-1BAB9AE78138}"/>
     <dgm:cxn modelId="{FDC9586E-76D4-441F-AFC9-14A42EC4CD66}" type="presOf" srcId="{6278281A-E345-45F3-8C09-5DECB0999EE3}" destId="{7A8F64B8-748C-4AEC-AA14-C6EE85C0F7D1}" srcOrd="0" destOrd="0" presId="urn:microsoft.com/office/officeart/2008/layout/VerticalCurvedList"/>
     <dgm:cxn modelId="{AC33D593-895D-4CA7-9B89-A23DD0D3BC06}" type="presOf" srcId="{5B6B0AFF-A950-4B34-95C9-9E516C92907E}" destId="{58152BBB-1E1E-45F3-A530-31A91BD59536}" srcOrd="0" destOrd="0" presId="urn:microsoft.com/office/officeart/2008/layout/VerticalCurvedList"/>
-    <dgm:cxn modelId="{EBA413A2-AD8F-46A3-8593-E6A2A85097D2}" type="presOf" srcId="{6D196E68-9BCE-4F9E-BA92-07F86C233369}" destId="{BDF66620-D423-4C53-93E0-E53B5A16C4B7}" srcOrd="0" destOrd="0" presId="urn:microsoft.com/office/officeart/2008/layout/VerticalCurvedList"/>
+    <dgm:cxn modelId="{FAB37196-530B-426D-AC4F-98E69D9F698B}" type="presOf" srcId="{0915EC8B-1B90-472B-A451-CD4DECA8911B}" destId="{ED0E63DF-8A54-4683-9443-335FB8EB8D67}" srcOrd="0" destOrd="0" presId="urn:microsoft.com/office/officeart/2008/layout/VerticalCurvedList"/>
     <dgm:cxn modelId="{B1A74BC6-A735-4136-94E1-E9C8180A659E}" srcId="{5B6B0AFF-A950-4B34-95C9-9E516C92907E}" destId="{6278281A-E345-45F3-8C09-5DECB0999EE3}" srcOrd="0" destOrd="0" parTransId="{9CB67F6A-D9BA-4A2F-9A23-28F361A30669}" sibTransId="{E3E69C86-DDA3-44F1-BAC0-262041AE5588}"/>
-    <dgm:cxn modelId="{993FB7C9-3680-4B07-8A2C-7E52FDCADBAE}" srcId="{5B6B0AFF-A950-4B34-95C9-9E516C92907E}" destId="{0915EC8B-1B90-472B-A451-CD4DECA8911B}" srcOrd="2" destOrd="0" parTransId="{E0D7AB9A-1155-4637-93C8-6D05EE046C8B}" sibTransId="{B5CE64C5-0143-4B11-A84B-0B58841B0754}"/>
+    <dgm:cxn modelId="{993FB7C9-3680-4B07-8A2C-7E52FDCADBAE}" srcId="{5B6B0AFF-A950-4B34-95C9-9E516C92907E}" destId="{0915EC8B-1B90-472B-A451-CD4DECA8911B}" srcOrd="1" destOrd="0" parTransId="{E0D7AB9A-1155-4637-93C8-6D05EE046C8B}" sibTransId="{B5CE64C5-0143-4B11-A84B-0B58841B0754}"/>
     <dgm:cxn modelId="{8EBEAAE4-C7FE-4415-BD4D-4DAD3D285A6E}" type="presOf" srcId="{E3E69C86-DDA3-44F1-BAC0-262041AE5588}" destId="{80647BE4-AEC8-4FC8-AEE9-EF2F5B3F65B2}" srcOrd="0" destOrd="0" presId="urn:microsoft.com/office/officeart/2008/layout/VerticalCurvedList"/>
+    <dgm:cxn modelId="{41D017FD-EB1E-407F-8A48-6683D8F8F9C3}" type="presOf" srcId="{91535248-8217-444A-91E9-20000CDE09B6}" destId="{9D6804E8-5949-4DC7-9594-48F7B5093CAE}" srcOrd="0" destOrd="0" presId="urn:microsoft.com/office/officeart/2008/layout/VerticalCurvedList"/>
     <dgm:cxn modelId="{E8102895-7438-4038-94BE-8482BBBEF54A}" type="presParOf" srcId="{58152BBB-1E1E-45F3-A530-31A91BD59536}" destId="{2004083C-9FD0-4DFA-AC74-2EA98B752F0B}" srcOrd="0" destOrd="0" presId="urn:microsoft.com/office/officeart/2008/layout/VerticalCurvedList"/>
     <dgm:cxn modelId="{DE6CB633-FD4F-4FB0-B792-C9A3C8D3228E}" type="presParOf" srcId="{2004083C-9FD0-4DFA-AC74-2EA98B752F0B}" destId="{3FFAE158-0692-4635-9CC9-2137B6AFA91B}" srcOrd="0" destOrd="0" presId="urn:microsoft.com/office/officeart/2008/layout/VerticalCurvedList"/>
     <dgm:cxn modelId="{515BC8B4-A932-419C-97F0-76F0AC487AC0}" type="presParOf" srcId="{3FFAE158-0692-4635-9CC9-2137B6AFA91B}" destId="{323F8B21-4F28-476E-BAB7-4A790DA5F4CE}" srcOrd="0" destOrd="0" presId="urn:microsoft.com/office/officeart/2008/layout/VerticalCurvedList"/>
@@ -1956,15 +1904,12 @@
     <dgm:cxn modelId="{F9814767-8B9B-4DB3-B8C3-1D44EDD4D5F8}" type="presParOf" srcId="{2004083C-9FD0-4DFA-AC74-2EA98B752F0B}" destId="{7A8F64B8-748C-4AEC-AA14-C6EE85C0F7D1}" srcOrd="1" destOrd="0" presId="urn:microsoft.com/office/officeart/2008/layout/VerticalCurvedList"/>
     <dgm:cxn modelId="{1864B9A0-ADCE-4542-9239-2A8DD154385A}" type="presParOf" srcId="{2004083C-9FD0-4DFA-AC74-2EA98B752F0B}" destId="{A6B76D24-81F7-40ED-B7F7-B96EA0944C24}" srcOrd="2" destOrd="0" presId="urn:microsoft.com/office/officeart/2008/layout/VerticalCurvedList"/>
     <dgm:cxn modelId="{EDC73C00-575B-479F-8532-EF2E190D7DF2}" type="presParOf" srcId="{A6B76D24-81F7-40ED-B7F7-B96EA0944C24}" destId="{1DEF29F1-54D2-4A72-8A72-FFCFBD8CE235}" srcOrd="0" destOrd="0" presId="urn:microsoft.com/office/officeart/2008/layout/VerticalCurvedList"/>
-    <dgm:cxn modelId="{1BB0263E-2B79-4E15-9EBC-C48DDECEE219}" type="presParOf" srcId="{2004083C-9FD0-4DFA-AC74-2EA98B752F0B}" destId="{BDF66620-D423-4C53-93E0-E53B5A16C4B7}" srcOrd="3" destOrd="0" presId="urn:microsoft.com/office/officeart/2008/layout/VerticalCurvedList"/>
-    <dgm:cxn modelId="{A4A9123A-800A-4B4D-82D0-1D7563BE3119}" type="presParOf" srcId="{2004083C-9FD0-4DFA-AC74-2EA98B752F0B}" destId="{E8BACF40-2139-45A6-8DC7-54E737CA14F9}" srcOrd="4" destOrd="0" presId="urn:microsoft.com/office/officeart/2008/layout/VerticalCurvedList"/>
-    <dgm:cxn modelId="{34E12898-4F25-488F-90E2-AFEA15A99CE0}" type="presParOf" srcId="{E8BACF40-2139-45A6-8DC7-54E737CA14F9}" destId="{3BBBDA4F-1173-48DB-A0C0-7C1BEC94E969}" srcOrd="0" destOrd="0" presId="urn:microsoft.com/office/officeart/2008/layout/VerticalCurvedList"/>
-    <dgm:cxn modelId="{DBC7AF01-6B8A-4BC5-80A0-E043CCCD0487}" type="presParOf" srcId="{2004083C-9FD0-4DFA-AC74-2EA98B752F0B}" destId="{44CE9DE9-BE00-41C8-9474-365D56482725}" srcOrd="5" destOrd="0" presId="urn:microsoft.com/office/officeart/2008/layout/VerticalCurvedList"/>
-    <dgm:cxn modelId="{421CC9D4-E27B-48E1-93A9-ACF58AF3E931}" type="presParOf" srcId="{2004083C-9FD0-4DFA-AC74-2EA98B752F0B}" destId="{4EE0B92B-7A7E-40F4-80D4-74A1FA8CC6CD}" srcOrd="6" destOrd="0" presId="urn:microsoft.com/office/officeart/2008/layout/VerticalCurvedList"/>
-    <dgm:cxn modelId="{80E177C5-C1B7-43C2-9FA3-71F948FCB806}" type="presParOf" srcId="{4EE0B92B-7A7E-40F4-80D4-74A1FA8CC6CD}" destId="{F133995C-85B7-4D5E-9568-4B0880D84DBF}" srcOrd="0" destOrd="0" presId="urn:microsoft.com/office/officeart/2008/layout/VerticalCurvedList"/>
-    <dgm:cxn modelId="{7B03CA54-5F59-4D68-8E6F-D1E3CAC414DA}" type="presParOf" srcId="{2004083C-9FD0-4DFA-AC74-2EA98B752F0B}" destId="{A134C807-1767-48A1-9074-6108FD47F4AE}" srcOrd="7" destOrd="0" presId="urn:microsoft.com/office/officeart/2008/layout/VerticalCurvedList"/>
-    <dgm:cxn modelId="{DD1E1F91-561E-47CC-9B67-D7AD714E529B}" type="presParOf" srcId="{2004083C-9FD0-4DFA-AC74-2EA98B752F0B}" destId="{9DD71CE6-64D0-4A73-BA91-0EFBDAD791E2}" srcOrd="8" destOrd="0" presId="urn:microsoft.com/office/officeart/2008/layout/VerticalCurvedList"/>
-    <dgm:cxn modelId="{C63FCEB7-80C3-43F3-A198-7BEB742F47BE}" type="presParOf" srcId="{9DD71CE6-64D0-4A73-BA91-0EFBDAD791E2}" destId="{2D36FD09-1AE6-43F6-82D2-F62482BA680D}" srcOrd="0" destOrd="0" presId="urn:microsoft.com/office/officeart/2008/layout/VerticalCurvedList"/>
+    <dgm:cxn modelId="{8DC3FD3C-C3DF-4EE4-8512-AB9D01435A5A}" type="presParOf" srcId="{2004083C-9FD0-4DFA-AC74-2EA98B752F0B}" destId="{ED0E63DF-8A54-4683-9443-335FB8EB8D67}" srcOrd="3" destOrd="0" presId="urn:microsoft.com/office/officeart/2008/layout/VerticalCurvedList"/>
+    <dgm:cxn modelId="{47EEE67E-6BD4-4240-8AFE-CF2FFF0DA2EB}" type="presParOf" srcId="{2004083C-9FD0-4DFA-AC74-2EA98B752F0B}" destId="{672E208D-0F9F-4761-B7A8-1D655BDAF78B}" srcOrd="4" destOrd="0" presId="urn:microsoft.com/office/officeart/2008/layout/VerticalCurvedList"/>
+    <dgm:cxn modelId="{19F6F983-8584-4295-A1E8-6B99BE279BE0}" type="presParOf" srcId="{672E208D-0F9F-4761-B7A8-1D655BDAF78B}" destId="{F133995C-85B7-4D5E-9568-4B0880D84DBF}" srcOrd="0" destOrd="0" presId="urn:microsoft.com/office/officeart/2008/layout/VerticalCurvedList"/>
+    <dgm:cxn modelId="{8AFD540D-2B65-4DDB-936B-B22E352AAEFD}" type="presParOf" srcId="{2004083C-9FD0-4DFA-AC74-2EA98B752F0B}" destId="{9D6804E8-5949-4DC7-9594-48F7B5093CAE}" srcOrd="5" destOrd="0" presId="urn:microsoft.com/office/officeart/2008/layout/VerticalCurvedList"/>
+    <dgm:cxn modelId="{B85DB9D7-3FB6-4A87-9211-6A9E916DCA8D}" type="presParOf" srcId="{2004083C-9FD0-4DFA-AC74-2EA98B752F0B}" destId="{0719BEA1-DDFF-4D4C-B50F-225A66C0F095}" srcOrd="6" destOrd="0" presId="urn:microsoft.com/office/officeart/2008/layout/VerticalCurvedList"/>
+    <dgm:cxn modelId="{26E7EEA8-77C3-47B6-824B-88353ACA1FA9}" type="presParOf" srcId="{0719BEA1-DDFF-4D4C-B50F-225A66C0F095}" destId="{2D36FD09-1AE6-43F6-82D2-F62482BA680D}" srcOrd="0" destOrd="0" presId="urn:microsoft.com/office/officeart/2008/layout/VerticalCurvedList"/>
   </dgm:cxnLst>
   <dgm:bg/>
   <dgm:whole/>
@@ -2382,8 +2327,8 @@
       </dsp:nvSpPr>
       <dsp:spPr>
         <a:xfrm>
-          <a:off x="428408" y="290471"/>
-          <a:ext cx="8436317" cy="581245"/>
+          <a:off x="525887" y="377825"/>
+          <a:ext cx="8338839" cy="755650"/>
         </a:xfrm>
         <a:prstGeom prst="rect">
           <a:avLst/>
@@ -2425,7 +2370,7 @@
         </a:fontRef>
       </dsp:style>
       <dsp:txBody>
-        <a:bodyPr spcFirstLastPara="0" vert="horz" wrap="square" lIns="461364" tIns="55880" rIns="55880" bIns="55880" numCol="1" spcCol="1270" anchor="ctr" anchorCtr="0">
+        <a:bodyPr spcFirstLastPara="0" vert="horz" wrap="square" lIns="599797" tIns="55880" rIns="55880" bIns="55880" numCol="1" spcCol="1270" anchor="ctr" anchorCtr="0">
           <a:noAutofit/>
         </a:bodyPr>
         <a:lstStyle/>
@@ -2449,8 +2394,8 @@
         </a:p>
       </dsp:txBody>
       <dsp:txXfrm>
-        <a:off x="428408" y="290471"/>
-        <a:ext cx="8436317" cy="581245"/>
+        <a:off x="525887" y="377825"/>
+        <a:ext cx="8338839" cy="755650"/>
       </dsp:txXfrm>
     </dsp:sp>
     <dsp:sp modelId="{1DEF29F1-54D2-4A72-8A72-FFCFBD8CE235}">
@@ -2460,8 +2405,8 @@
       </dsp:nvSpPr>
       <dsp:spPr>
         <a:xfrm>
-          <a:off x="65129" y="217816"/>
-          <a:ext cx="726557" cy="726557"/>
+          <a:off x="53606" y="283368"/>
+          <a:ext cx="944562" cy="944562"/>
         </a:xfrm>
         <a:prstGeom prst="ellipse">
           <a:avLst/>
@@ -2500,15 +2445,15 @@
         <a:fontRef idx="minor"/>
       </dsp:style>
     </dsp:sp>
-    <dsp:sp modelId="{BDF66620-D423-4C53-93E0-E53B5A16C4B7}">
+    <dsp:sp modelId="{ED0E63DF-8A54-4683-9443-335FB8EB8D67}">
       <dsp:nvSpPr>
         <dsp:cNvPr id="0" name=""/>
         <dsp:cNvSpPr/>
       </dsp:nvSpPr>
       <dsp:spPr>
         <a:xfrm>
-          <a:off x="761650" y="1162491"/>
-          <a:ext cx="8103076" cy="581245"/>
+          <a:off x="800566" y="1511300"/>
+          <a:ext cx="8064160" cy="755650"/>
         </a:xfrm>
         <a:prstGeom prst="rect">
           <a:avLst/>
@@ -2550,7 +2495,7 @@
         </a:fontRef>
       </dsp:style>
       <dsp:txBody>
-        <a:bodyPr spcFirstLastPara="0" vert="horz" wrap="square" lIns="461364" tIns="55880" rIns="55880" bIns="55880" numCol="1" spcCol="1270" anchor="ctr" anchorCtr="0">
+        <a:bodyPr spcFirstLastPara="0" vert="horz" wrap="square" lIns="599797" tIns="55880" rIns="55880" bIns="55880" numCol="1" spcCol="1270" anchor="ctr" anchorCtr="0">
           <a:noAutofit/>
         </a:bodyPr>
         <a:lstStyle/>
@@ -2569,24 +2514,24 @@
           </a:pPr>
           <a:r>
             <a:rPr lang="en-US" sz="2200" kern="1200" dirty="0"/>
-            <a:t>Job Description</a:t>
+            <a:t>Results</a:t>
           </a:r>
         </a:p>
       </dsp:txBody>
       <dsp:txXfrm>
-        <a:off x="761650" y="1162491"/>
-        <a:ext cx="8103076" cy="581245"/>
+        <a:off x="800566" y="1511300"/>
+        <a:ext cx="8064160" cy="755650"/>
       </dsp:txXfrm>
     </dsp:sp>
-    <dsp:sp modelId="{3BBBDA4F-1173-48DB-A0C0-7C1BEC94E969}">
+    <dsp:sp modelId="{F133995C-85B7-4D5E-9568-4B0880D84DBF}">
       <dsp:nvSpPr>
         <dsp:cNvPr id="0" name=""/>
         <dsp:cNvSpPr/>
       </dsp:nvSpPr>
       <dsp:spPr>
         <a:xfrm>
-          <a:off x="398371" y="1089836"/>
-          <a:ext cx="726557" cy="726557"/>
+          <a:off x="328285" y="1416843"/>
+          <a:ext cx="944562" cy="944562"/>
         </a:xfrm>
         <a:prstGeom prst="ellipse">
           <a:avLst/>
@@ -2625,15 +2570,15 @@
         <a:fontRef idx="minor"/>
       </dsp:style>
     </dsp:sp>
-    <dsp:sp modelId="{44CE9DE9-BE00-41C8-9474-365D56482725}">
+    <dsp:sp modelId="{9D6804E8-5949-4DC7-9594-48F7B5093CAE}">
       <dsp:nvSpPr>
         <dsp:cNvPr id="0" name=""/>
         <dsp:cNvSpPr/>
       </dsp:nvSpPr>
       <dsp:spPr>
         <a:xfrm>
-          <a:off x="761650" y="2034512"/>
-          <a:ext cx="8103076" cy="581245"/>
+          <a:off x="525887" y="2644775"/>
+          <a:ext cx="8338839" cy="755650"/>
         </a:xfrm>
         <a:prstGeom prst="rect">
           <a:avLst/>
@@ -2675,7 +2620,7 @@
         </a:fontRef>
       </dsp:style>
       <dsp:txBody>
-        <a:bodyPr spcFirstLastPara="0" vert="horz" wrap="square" lIns="461364" tIns="55880" rIns="55880" bIns="55880" numCol="1" spcCol="1270" anchor="ctr" anchorCtr="0">
+        <a:bodyPr spcFirstLastPara="0" vert="horz" wrap="square" lIns="599797" tIns="55880" rIns="55880" bIns="55880" numCol="1" spcCol="1270" anchor="ctr" anchorCtr="0">
           <a:noAutofit/>
         </a:bodyPr>
         <a:lstStyle/>
@@ -2694,138 +2639,13 @@
           </a:pPr>
           <a:r>
             <a:rPr lang="en-US" sz="2200" kern="1200" dirty="0"/>
-            <a:t>Results</a:t>
+            <a:t>Recommendations</a:t>
           </a:r>
         </a:p>
       </dsp:txBody>
       <dsp:txXfrm>
-        <a:off x="761650" y="2034512"/>
-        <a:ext cx="8103076" cy="581245"/>
-      </dsp:txXfrm>
-    </dsp:sp>
-    <dsp:sp modelId="{F133995C-85B7-4D5E-9568-4B0880D84DBF}">
-      <dsp:nvSpPr>
-        <dsp:cNvPr id="0" name=""/>
-        <dsp:cNvSpPr/>
-      </dsp:nvSpPr>
-      <dsp:spPr>
-        <a:xfrm>
-          <a:off x="398371" y="1961856"/>
-          <a:ext cx="726557" cy="726557"/>
-        </a:xfrm>
-        <a:prstGeom prst="ellipse">
-          <a:avLst/>
-        </a:prstGeom>
-        <a:solidFill>
-          <a:schemeClr val="lt1">
-            <a:hueOff val="0"/>
-            <a:satOff val="0"/>
-            <a:lumOff val="0"/>
-            <a:alphaOff val="0"/>
-          </a:schemeClr>
-        </a:solidFill>
-        <a:ln w="15875" cap="rnd" cmpd="sng" algn="ctr">
-          <a:solidFill>
-            <a:schemeClr val="dk1">
-              <a:hueOff val="0"/>
-              <a:satOff val="0"/>
-              <a:lumOff val="0"/>
-              <a:alphaOff val="0"/>
-            </a:schemeClr>
-          </a:solidFill>
-          <a:prstDash val="solid"/>
-        </a:ln>
-        <a:effectLst/>
-      </dsp:spPr>
-      <dsp:style>
-        <a:lnRef idx="2">
-          <a:scrgbClr r="0" g="0" b="0"/>
-        </a:lnRef>
-        <a:fillRef idx="1">
-          <a:scrgbClr r="0" g="0" b="0"/>
-        </a:fillRef>
-        <a:effectRef idx="0">
-          <a:scrgbClr r="0" g="0" b="0"/>
-        </a:effectRef>
-        <a:fontRef idx="minor"/>
-      </dsp:style>
-    </dsp:sp>
-    <dsp:sp modelId="{A134C807-1767-48A1-9074-6108FD47F4AE}">
-      <dsp:nvSpPr>
-        <dsp:cNvPr id="0" name=""/>
-        <dsp:cNvSpPr/>
-      </dsp:nvSpPr>
-      <dsp:spPr>
-        <a:xfrm>
-          <a:off x="428408" y="2906532"/>
-          <a:ext cx="8436317" cy="581245"/>
-        </a:xfrm>
-        <a:prstGeom prst="rect">
-          <a:avLst/>
-        </a:prstGeom>
-        <a:solidFill>
-          <a:schemeClr val="lt1">
-            <a:hueOff val="0"/>
-            <a:satOff val="0"/>
-            <a:lumOff val="0"/>
-            <a:alphaOff val="0"/>
-          </a:schemeClr>
-        </a:solidFill>
-        <a:ln w="15875" cap="rnd" cmpd="sng" algn="ctr">
-          <a:solidFill>
-            <a:schemeClr val="dk1">
-              <a:shade val="80000"/>
-              <a:hueOff val="0"/>
-              <a:satOff val="0"/>
-              <a:lumOff val="0"/>
-              <a:alphaOff val="0"/>
-            </a:schemeClr>
-          </a:solidFill>
-          <a:prstDash val="solid"/>
-        </a:ln>
-        <a:effectLst/>
-      </dsp:spPr>
-      <dsp:style>
-        <a:lnRef idx="2">
-          <a:scrgbClr r="0" g="0" b="0"/>
-        </a:lnRef>
-        <a:fillRef idx="1">
-          <a:scrgbClr r="0" g="0" b="0"/>
-        </a:fillRef>
-        <a:effectRef idx="0">
-          <a:scrgbClr r="0" g="0" b="0"/>
-        </a:effectRef>
-        <a:fontRef idx="minor">
-          <a:schemeClr val="lt1"/>
-        </a:fontRef>
-      </dsp:style>
-      <dsp:txBody>
-        <a:bodyPr spcFirstLastPara="0" vert="horz" wrap="square" lIns="461364" tIns="55880" rIns="55880" bIns="55880" numCol="1" spcCol="1270" anchor="ctr" anchorCtr="0">
-          <a:noAutofit/>
-        </a:bodyPr>
-        <a:lstStyle/>
-        <a:p>
-          <a:pPr marL="0" lvl="0" indent="0" algn="l" defTabSz="977900">
-            <a:lnSpc>
-              <a:spcPct val="90000"/>
-            </a:lnSpc>
-            <a:spcBef>
-              <a:spcPct val="0"/>
-            </a:spcBef>
-            <a:spcAft>
-              <a:spcPct val="35000"/>
-            </a:spcAft>
-            <a:buNone/>
-          </a:pPr>
-          <a:r>
-            <a:rPr lang="en-US" sz="2200" kern="1200" dirty="0"/>
-            <a:t>Summary and Conclusion</a:t>
-          </a:r>
-        </a:p>
-      </dsp:txBody>
-      <dsp:txXfrm>
-        <a:off x="428408" y="2906532"/>
-        <a:ext cx="8436317" cy="581245"/>
+        <a:off x="525887" y="2644775"/>
+        <a:ext cx="8338839" cy="755650"/>
       </dsp:txXfrm>
     </dsp:sp>
     <dsp:sp modelId="{2D36FD09-1AE6-43F6-82D2-F62482BA680D}">
@@ -2835,8 +2655,8 @@
       </dsp:nvSpPr>
       <dsp:spPr>
         <a:xfrm>
-          <a:off x="65129" y="2833876"/>
-          <a:ext cx="726557" cy="726557"/>
+          <a:off x="53606" y="2550318"/>
+          <a:ext cx="944562" cy="944562"/>
         </a:xfrm>
         <a:prstGeom prst="ellipse">
           <a:avLst/>
@@ -7327,7 +7147,7 @@
           <a:p>
             <a:fld id="{67590C20-280B-46AC-B664-8ED8A31C37AD}" type="slidenum">
               <a:rPr lang="en-ID" smtClean="0"/>
-              <a:t>7</a:t>
+              <a:t>8</a:t>
             </a:fld>
             <a:endParaRPr lang="en-ID"/>
           </a:p>
@@ -15283,7 +15103,7 @@
           <a:p>
             <a:r>
               <a:rPr lang="en-US" dirty="0"/>
-              <a:t>Tablet Height Control</a:t>
+              <a:t>Demo Speech Recognition</a:t>
             </a:r>
             <a:endParaRPr lang="en-ID" dirty="0">
               <a:solidFill>
@@ -15658,10 +15478,48 @@
       </p:sp>
       <p:sp>
         <p:nvSpPr>
-          <p:cNvPr id="7" name="Rectangle 6">
+          <p:cNvPr id="3" name="Content Placeholder 2">
             <a:extLst>
               <a:ext uri="{FF2B5EF4-FFF2-40B4-BE49-F238E27FC236}">
-                <a16:creationId xmlns:a16="http://schemas.microsoft.com/office/drawing/2014/main" id="{7DF4BD9D-1E28-4254-BE35-D0A92AF58DFC}"/>
+                <a16:creationId xmlns:a16="http://schemas.microsoft.com/office/drawing/2014/main" id="{A4A25B62-F76B-47C4-91AD-E8DF92709D32}"/>
+              </a:ext>
+            </a:extLst>
+          </p:cNvPr>
+          <p:cNvSpPr>
+            <a:spLocks noGrp="1"/>
+          </p:cNvSpPr>
+          <p:nvPr>
+            <p:ph idx="1"/>
+          </p:nvPr>
+        </p:nvSpPr>
+        <p:spPr>
+          <a:xfrm>
+            <a:off x="901281" y="2129395"/>
+            <a:ext cx="4420019" cy="3777622"/>
+          </a:xfrm>
+        </p:spPr>
+        <p:txBody>
+          <a:bodyPr/>
+          <a:lstStyle/>
+          <a:p>
+            <a:pPr marL="0" indent="0">
+              <a:buNone/>
+            </a:pPr>
+            <a:r>
+              <a:rPr lang="en-US" dirty="0"/>
+              <a:t>Robot “ Come Here “ Command</a:t>
+            </a:r>
+            <a:endParaRPr lang="en-ID" dirty="0"/>
+          </a:p>
+        </p:txBody>
+      </p:sp>
+      <p:sp>
+        <p:nvSpPr>
+          <p:cNvPr id="6" name="Action Button: Go Forward or Next 5">
+            <a:hlinkClick r:id="rId2" action="ppaction://hlinkfile" highlightClick="1"/>
+            <a:extLst>
+              <a:ext uri="{FF2B5EF4-FFF2-40B4-BE49-F238E27FC236}">
+                <a16:creationId xmlns:a16="http://schemas.microsoft.com/office/drawing/2014/main" id="{4E4FC197-A09F-43D3-92A2-EC19930BA682}"/>
               </a:ext>
             </a:extLst>
           </p:cNvPr>
@@ -15670,107 +15528,8 @@
         </p:nvSpPr>
         <p:spPr>
           <a:xfrm>
-            <a:off x="661416" y="1458343"/>
-            <a:ext cx="6096000" cy="2585323"/>
-          </a:xfrm>
-          <a:prstGeom prst="rect">
-            <a:avLst/>
-          </a:prstGeom>
-        </p:spPr>
-        <p:txBody>
-          <a:bodyPr>
-            <a:spAutoFit/>
-          </a:bodyPr>
-          <a:lstStyle/>
-          <a:p>
-            <a:pPr marL="285750" indent="-285750">
-              <a:buClr>
-                <a:srgbClr val="FF9600"/>
-              </a:buClr>
-              <a:buFont typeface="Arial" panose="020B0604020202020204" pitchFamily="34" charset="0"/>
-              <a:buChar char="•"/>
-            </a:pPr>
-            <a:r>
-              <a:rPr lang="en-US" dirty="0"/>
-              <a:t>Using </a:t>
-            </a:r>
-            <a:r>
-              <a:rPr lang="en-US" dirty="0" err="1"/>
-              <a:t>roboclaw</a:t>
-            </a:r>
-            <a:r>
-              <a:rPr lang="en-US" dirty="0"/>
-              <a:t> motor and encoder to control the motor</a:t>
-            </a:r>
-          </a:p>
-          <a:p>
-            <a:pPr marL="285750" indent="-285750">
-              <a:buClr>
-                <a:srgbClr val="FF9600"/>
-              </a:buClr>
-              <a:buFont typeface="Arial" panose="020B0604020202020204" pitchFamily="34" charset="0"/>
-              <a:buChar char="•"/>
-            </a:pPr>
-            <a:r>
-              <a:rPr lang="en-US" dirty="0"/>
-              <a:t>Can be called with as service include the desired height</a:t>
-            </a:r>
-          </a:p>
-          <a:p>
-            <a:pPr marL="285750" indent="-285750">
-              <a:buClr>
-                <a:srgbClr val="FF9600"/>
-              </a:buClr>
-              <a:buFont typeface="Arial" panose="020B0604020202020204" pitchFamily="34" charset="0"/>
-              <a:buChar char="•"/>
-            </a:pPr>
-            <a:r>
-              <a:rPr lang="en-US" dirty="0"/>
-              <a:t>Controlled automatically but also can be controlled with joystick</a:t>
-            </a:r>
-          </a:p>
-          <a:p>
-            <a:pPr marL="285750" indent="-285750">
-              <a:buClr>
-                <a:srgbClr val="FF9600"/>
-              </a:buClr>
-              <a:buFont typeface="Arial" panose="020B0604020202020204" pitchFamily="34" charset="0"/>
-              <a:buChar char="•"/>
-            </a:pPr>
-            <a:r>
-              <a:rPr lang="en-US" dirty="0"/>
-              <a:t>Add acceleration and deceleration for the tablet speed</a:t>
-            </a:r>
-          </a:p>
-          <a:p>
-            <a:pPr marL="285750" indent="-285750">
-              <a:buClr>
-                <a:srgbClr val="FF9600"/>
-              </a:buClr>
-              <a:buFont typeface="Arial" panose="020B0604020202020204" pitchFamily="34" charset="0"/>
-              <a:buChar char="•"/>
-            </a:pPr>
-            <a:endParaRPr lang="en-US" dirty="0"/>
-          </a:p>
-        </p:txBody>
-      </p:sp>
-      <p:sp>
-        <p:nvSpPr>
-          <p:cNvPr id="3" name="Action Button: Go Forward or Next 2">
-            <a:hlinkClick r:id="rId2" action="ppaction://hlinkfile" highlightClick="1"/>
-            <a:extLst>
-              <a:ext uri="{FF2B5EF4-FFF2-40B4-BE49-F238E27FC236}">
-                <a16:creationId xmlns:a16="http://schemas.microsoft.com/office/drawing/2014/main" id="{59B0B468-C037-4E45-AA8B-EACA770924A1}"/>
-              </a:ext>
-            </a:extLst>
-          </p:cNvPr>
-          <p:cNvSpPr/>
-          <p:nvPr/>
-        </p:nvSpPr>
-        <p:spPr>
-          <a:xfrm>
-            <a:off x="901281" y="4120816"/>
-            <a:ext cx="2611940" cy="1649907"/>
+            <a:off x="1473200" y="2749550"/>
+            <a:ext cx="2679700" cy="1905000"/>
           </a:xfrm>
           <a:prstGeom prst="actionButtonForwardNext">
             <a:avLst/>
@@ -15803,33 +15562,267 @@
       </p:sp>
       <p:sp>
         <p:nvSpPr>
-          <p:cNvPr id="8" name="Content Placeholder 7">
+          <p:cNvPr id="10" name="Content Placeholder 2">
             <a:extLst>
               <a:ext uri="{FF2B5EF4-FFF2-40B4-BE49-F238E27FC236}">
-                <a16:creationId xmlns:a16="http://schemas.microsoft.com/office/drawing/2014/main" id="{E014EAB8-EC98-4367-8749-252A2A109C40}"/>
+                <a16:creationId xmlns:a16="http://schemas.microsoft.com/office/drawing/2014/main" id="{A1AA04F4-879F-4AB2-86D6-F64CF4F4242E}"/>
               </a:ext>
             </a:extLst>
           </p:cNvPr>
-          <p:cNvSpPr>
-            <a:spLocks noGrp="1"/>
+          <p:cNvSpPr txBox="1">
+            <a:spLocks/>
           </p:cNvSpPr>
-          <p:nvPr>
-            <p:ph idx="1"/>
-          </p:nvPr>
+          <p:nvPr/>
         </p:nvSpPr>
-        <p:spPr/>
+        <p:spPr>
+          <a:xfrm>
+            <a:off x="6094476" y="2092420"/>
+            <a:ext cx="6574535" cy="3759253"/>
+          </a:xfrm>
+          <a:prstGeom prst="rect">
+            <a:avLst/>
+          </a:prstGeom>
+        </p:spPr>
         <p:txBody>
-          <a:bodyPr/>
-          <a:lstStyle/>
+          <a:bodyPr vert="horz" lIns="91440" tIns="45720" rIns="91440" bIns="45720" rtlCol="0">
+            <a:normAutofit/>
+          </a:bodyPr>
+          <a:lstStyle>
+            <a:lvl1pPr marL="342900" indent="-342900" algn="l" defTabSz="457200" rtl="0" eaLnBrk="1" latinLnBrk="0" hangingPunct="1">
+              <a:spcBef>
+                <a:spcPts val="1000"/>
+              </a:spcBef>
+              <a:spcAft>
+                <a:spcPts val="0"/>
+              </a:spcAft>
+              <a:buClr>
+                <a:schemeClr val="accent1"/>
+              </a:buClr>
+              <a:buFont typeface="Wingdings 3" charset="2"/>
+              <a:buChar char=""/>
+              <a:defRPr sz="1800" kern="1200">
+                <a:solidFill>
+                  <a:schemeClr val="tx1">
+                    <a:lumMod val="75000"/>
+                    <a:lumOff val="25000"/>
+                  </a:schemeClr>
+                </a:solidFill>
+                <a:latin typeface="+mn-lt"/>
+                <a:ea typeface="+mn-ea"/>
+                <a:cs typeface="+mn-cs"/>
+              </a:defRPr>
+            </a:lvl1pPr>
+            <a:lvl2pPr marL="742950" indent="-285750" algn="l" defTabSz="457200" rtl="0" eaLnBrk="1" latinLnBrk="0" hangingPunct="1">
+              <a:spcBef>
+                <a:spcPts val="1000"/>
+              </a:spcBef>
+              <a:spcAft>
+                <a:spcPts val="0"/>
+              </a:spcAft>
+              <a:buClr>
+                <a:schemeClr val="accent1"/>
+              </a:buClr>
+              <a:buFont typeface="Wingdings 3" charset="2"/>
+              <a:buChar char=""/>
+              <a:defRPr sz="1600" kern="1200">
+                <a:solidFill>
+                  <a:schemeClr val="tx1">
+                    <a:lumMod val="75000"/>
+                    <a:lumOff val="25000"/>
+                  </a:schemeClr>
+                </a:solidFill>
+                <a:latin typeface="+mn-lt"/>
+                <a:ea typeface="+mn-ea"/>
+                <a:cs typeface="+mn-cs"/>
+              </a:defRPr>
+            </a:lvl2pPr>
+            <a:lvl3pPr marL="1143000" indent="-228600" algn="l" defTabSz="457200" rtl="0" eaLnBrk="1" latinLnBrk="0" hangingPunct="1">
+              <a:spcBef>
+                <a:spcPts val="1000"/>
+              </a:spcBef>
+              <a:spcAft>
+                <a:spcPts val="0"/>
+              </a:spcAft>
+              <a:buClr>
+                <a:schemeClr val="accent1"/>
+              </a:buClr>
+              <a:buFont typeface="Wingdings 3" charset="2"/>
+              <a:buChar char=""/>
+              <a:defRPr sz="1400" kern="1200">
+                <a:solidFill>
+                  <a:schemeClr val="tx1">
+                    <a:lumMod val="75000"/>
+                    <a:lumOff val="25000"/>
+                  </a:schemeClr>
+                </a:solidFill>
+                <a:latin typeface="+mn-lt"/>
+                <a:ea typeface="+mn-ea"/>
+                <a:cs typeface="+mn-cs"/>
+              </a:defRPr>
+            </a:lvl3pPr>
+            <a:lvl4pPr marL="1600200" indent="-228600" algn="l" defTabSz="457200" rtl="0" eaLnBrk="1" latinLnBrk="0" hangingPunct="1">
+              <a:spcBef>
+                <a:spcPts val="1000"/>
+              </a:spcBef>
+              <a:spcAft>
+                <a:spcPts val="0"/>
+              </a:spcAft>
+              <a:buClr>
+                <a:schemeClr val="accent1"/>
+              </a:buClr>
+              <a:buFont typeface="Wingdings 3" charset="2"/>
+              <a:buChar char=""/>
+              <a:defRPr sz="1200" kern="1200">
+                <a:solidFill>
+                  <a:schemeClr val="tx1">
+                    <a:lumMod val="75000"/>
+                    <a:lumOff val="25000"/>
+                  </a:schemeClr>
+                </a:solidFill>
+                <a:latin typeface="+mn-lt"/>
+                <a:ea typeface="+mn-ea"/>
+                <a:cs typeface="+mn-cs"/>
+              </a:defRPr>
+            </a:lvl4pPr>
+            <a:lvl5pPr marL="2057400" indent="-228600" algn="l" defTabSz="457200" rtl="0" eaLnBrk="1" latinLnBrk="0" hangingPunct="1">
+              <a:spcBef>
+                <a:spcPts val="1000"/>
+              </a:spcBef>
+              <a:spcAft>
+                <a:spcPts val="0"/>
+              </a:spcAft>
+              <a:buClr>
+                <a:schemeClr val="accent1"/>
+              </a:buClr>
+              <a:buFont typeface="Wingdings 3" charset="2"/>
+              <a:buChar char=""/>
+              <a:defRPr sz="1200" kern="1200">
+                <a:solidFill>
+                  <a:schemeClr val="tx1">
+                    <a:lumMod val="75000"/>
+                    <a:lumOff val="25000"/>
+                  </a:schemeClr>
+                </a:solidFill>
+                <a:latin typeface="+mn-lt"/>
+                <a:ea typeface="+mn-ea"/>
+                <a:cs typeface="+mn-cs"/>
+              </a:defRPr>
+            </a:lvl5pPr>
+            <a:lvl6pPr marL="2514600" indent="-228600" algn="l" defTabSz="457200" rtl="0" eaLnBrk="1" latinLnBrk="0" hangingPunct="1">
+              <a:spcBef>
+                <a:spcPts val="1000"/>
+              </a:spcBef>
+              <a:spcAft>
+                <a:spcPts val="0"/>
+              </a:spcAft>
+              <a:buClr>
+                <a:schemeClr val="accent1"/>
+              </a:buClr>
+              <a:buFont typeface="Wingdings 3" charset="2"/>
+              <a:buChar char=""/>
+              <a:defRPr sz="1200" kern="1200">
+                <a:solidFill>
+                  <a:schemeClr val="tx1">
+                    <a:lumMod val="75000"/>
+                    <a:lumOff val="25000"/>
+                  </a:schemeClr>
+                </a:solidFill>
+                <a:latin typeface="+mn-lt"/>
+                <a:ea typeface="+mn-ea"/>
+                <a:cs typeface="+mn-cs"/>
+              </a:defRPr>
+            </a:lvl6pPr>
+            <a:lvl7pPr marL="2971800" indent="-228600" algn="l" defTabSz="457200" rtl="0" eaLnBrk="1" latinLnBrk="0" hangingPunct="1">
+              <a:spcBef>
+                <a:spcPts val="1000"/>
+              </a:spcBef>
+              <a:spcAft>
+                <a:spcPts val="0"/>
+              </a:spcAft>
+              <a:buClr>
+                <a:schemeClr val="accent1"/>
+              </a:buClr>
+              <a:buFont typeface="Wingdings 3" charset="2"/>
+              <a:buChar char=""/>
+              <a:defRPr sz="1200" kern="1200">
+                <a:solidFill>
+                  <a:schemeClr val="tx1">
+                    <a:lumMod val="75000"/>
+                    <a:lumOff val="25000"/>
+                  </a:schemeClr>
+                </a:solidFill>
+                <a:latin typeface="+mn-lt"/>
+                <a:ea typeface="+mn-ea"/>
+                <a:cs typeface="+mn-cs"/>
+              </a:defRPr>
+            </a:lvl7pPr>
+            <a:lvl8pPr marL="3429000" indent="-228600" algn="l" defTabSz="457200" rtl="0" eaLnBrk="1" latinLnBrk="0" hangingPunct="1">
+              <a:spcBef>
+                <a:spcPts val="1000"/>
+              </a:spcBef>
+              <a:spcAft>
+                <a:spcPts val="0"/>
+              </a:spcAft>
+              <a:buClr>
+                <a:schemeClr val="accent1"/>
+              </a:buClr>
+              <a:buFont typeface="Wingdings 3" charset="2"/>
+              <a:buChar char=""/>
+              <a:defRPr sz="1200" kern="1200">
+                <a:solidFill>
+                  <a:schemeClr val="tx1">
+                    <a:lumMod val="75000"/>
+                    <a:lumOff val="25000"/>
+                  </a:schemeClr>
+                </a:solidFill>
+                <a:latin typeface="+mn-lt"/>
+                <a:ea typeface="+mn-ea"/>
+                <a:cs typeface="+mn-cs"/>
+              </a:defRPr>
+            </a:lvl8pPr>
+            <a:lvl9pPr marL="3886200" indent="-228600" algn="l" defTabSz="457200" rtl="0" eaLnBrk="1" latinLnBrk="0" hangingPunct="1">
+              <a:spcBef>
+                <a:spcPts val="1000"/>
+              </a:spcBef>
+              <a:spcAft>
+                <a:spcPts val="0"/>
+              </a:spcAft>
+              <a:buClr>
+                <a:schemeClr val="accent1"/>
+              </a:buClr>
+              <a:buFont typeface="Wingdings 3" charset="2"/>
+              <a:buChar char=""/>
+              <a:defRPr sz="1200" kern="1200">
+                <a:solidFill>
+                  <a:schemeClr val="tx1">
+                    <a:lumMod val="75000"/>
+                    <a:lumOff val="25000"/>
+                  </a:schemeClr>
+                </a:solidFill>
+                <a:latin typeface="+mn-lt"/>
+                <a:ea typeface="+mn-ea"/>
+                <a:cs typeface="+mn-cs"/>
+              </a:defRPr>
+            </a:lvl9pPr>
+          </a:lstStyle>
           <a:p>
-            <a:endParaRPr lang="en-ID"/>
+            <a:pPr marL="0" indent="0">
+              <a:buNone/>
+            </a:pPr>
+            <a:r>
+              <a:rPr lang="en-US" dirty="0"/>
+              <a:t>Testing speech recognition conversation</a:t>
+            </a:r>
+          </a:p>
+          <a:p>
+            <a:endParaRPr lang="en-ID" dirty="0"/>
           </a:p>
         </p:txBody>
       </p:sp>
     </p:spTree>
     <p:extLst>
       <p:ext uri="{BB962C8B-B14F-4D97-AF65-F5344CB8AC3E}">
-        <p14:creationId xmlns:p14="http://schemas.microsoft.com/office/powerpoint/2010/main" val="791413873"/>
+        <p14:creationId xmlns:p14="http://schemas.microsoft.com/office/powerpoint/2010/main" val="2446157986"/>
       </p:ext>
     </p:extLst>
   </p:cSld>
@@ -16060,7 +16053,7 @@
         <p:spPr>
           <a:xfrm>
             <a:off x="649224" y="645106"/>
-            <a:ext cx="8843692" cy="1259894"/>
+            <a:ext cx="6574536" cy="1259894"/>
           </a:xfrm>
         </p:spPr>
         <p:txBody>
@@ -16071,11 +16064,7 @@
           <a:p>
             <a:r>
               <a:rPr lang="en-US" dirty="0"/>
-              <a:t>Acceleration and </a:t>
-            </a:r>
-            <a:r>
-              <a:rPr lang="en-US" dirty="0" err="1"/>
-              <a:t>decceleration</a:t>
+              <a:t>Tablet Height Control</a:t>
             </a:r>
             <a:endParaRPr lang="en-ID" dirty="0">
               <a:solidFill>
@@ -16450,6 +16439,773 @@
       </p:sp>
       <p:sp>
         <p:nvSpPr>
+          <p:cNvPr id="7" name="Rectangle 6">
+            <a:extLst>
+              <a:ext uri="{FF2B5EF4-FFF2-40B4-BE49-F238E27FC236}">
+                <a16:creationId xmlns:a16="http://schemas.microsoft.com/office/drawing/2014/main" id="{7DF4BD9D-1E28-4254-BE35-D0A92AF58DFC}"/>
+              </a:ext>
+            </a:extLst>
+          </p:cNvPr>
+          <p:cNvSpPr/>
+          <p:nvPr/>
+        </p:nvSpPr>
+        <p:spPr>
+          <a:xfrm>
+            <a:off x="644669" y="1490093"/>
+            <a:ext cx="6272784" cy="2585323"/>
+          </a:xfrm>
+          <a:prstGeom prst="rect">
+            <a:avLst/>
+          </a:prstGeom>
+        </p:spPr>
+        <p:txBody>
+          <a:bodyPr wrap="square">
+            <a:spAutoFit/>
+          </a:bodyPr>
+          <a:lstStyle/>
+          <a:p>
+            <a:pPr marL="285750" indent="-285750">
+              <a:buClr>
+                <a:srgbClr val="FF9600"/>
+              </a:buClr>
+              <a:buFont typeface="Arial" panose="020B0604020202020204" pitchFamily="34" charset="0"/>
+              <a:buChar char="•"/>
+            </a:pPr>
+            <a:r>
+              <a:rPr lang="en-US" dirty="0"/>
+              <a:t>Using </a:t>
+            </a:r>
+            <a:r>
+              <a:rPr lang="en-US" dirty="0" err="1"/>
+              <a:t>Roboclaw</a:t>
+            </a:r>
+            <a:r>
+              <a:rPr lang="en-US" dirty="0"/>
+              <a:t> motor and encoder to control the motor</a:t>
+            </a:r>
+          </a:p>
+          <a:p>
+            <a:pPr marL="285750" indent="-285750">
+              <a:buClr>
+                <a:srgbClr val="FF9600"/>
+              </a:buClr>
+              <a:buFont typeface="Arial" panose="020B0604020202020204" pitchFamily="34" charset="0"/>
+              <a:buChar char="•"/>
+            </a:pPr>
+            <a:r>
+              <a:rPr lang="en-US" dirty="0"/>
+              <a:t>Can be called with a service, the service consist of the desired height (in cm)</a:t>
+            </a:r>
+          </a:p>
+          <a:p>
+            <a:pPr marL="285750" indent="-285750">
+              <a:buClr>
+                <a:srgbClr val="FF9600"/>
+              </a:buClr>
+              <a:buFont typeface="Arial" panose="020B0604020202020204" pitchFamily="34" charset="0"/>
+              <a:buChar char="•"/>
+            </a:pPr>
+            <a:r>
+              <a:rPr lang="en-US" dirty="0"/>
+              <a:t>Controlled automatically but also can be controlled with joystick</a:t>
+            </a:r>
+          </a:p>
+          <a:p>
+            <a:pPr marL="285750" indent="-285750">
+              <a:buClr>
+                <a:srgbClr val="FF9600"/>
+              </a:buClr>
+              <a:buFont typeface="Arial" panose="020B0604020202020204" pitchFamily="34" charset="0"/>
+              <a:buChar char="•"/>
+            </a:pPr>
+            <a:r>
+              <a:rPr lang="en-US" dirty="0"/>
+              <a:t>Add acceleration and deceleration for the tablet speed</a:t>
+            </a:r>
+          </a:p>
+          <a:p>
+            <a:pPr marL="285750" indent="-285750">
+              <a:buClr>
+                <a:srgbClr val="FF9600"/>
+              </a:buClr>
+              <a:buFont typeface="Arial" panose="020B0604020202020204" pitchFamily="34" charset="0"/>
+              <a:buChar char="•"/>
+            </a:pPr>
+            <a:endParaRPr lang="en-US" dirty="0"/>
+          </a:p>
+        </p:txBody>
+      </p:sp>
+      <p:sp>
+        <p:nvSpPr>
+          <p:cNvPr id="3" name="Action Button: Go Forward or Next 2">
+            <a:hlinkClick r:id="rId2" action="ppaction://hlinkfile" highlightClick="1"/>
+            <a:extLst>
+              <a:ext uri="{FF2B5EF4-FFF2-40B4-BE49-F238E27FC236}">
+                <a16:creationId xmlns:a16="http://schemas.microsoft.com/office/drawing/2014/main" id="{59B0B468-C037-4E45-AA8B-EACA770924A1}"/>
+              </a:ext>
+            </a:extLst>
+          </p:cNvPr>
+          <p:cNvSpPr/>
+          <p:nvPr/>
+        </p:nvSpPr>
+        <p:spPr>
+          <a:xfrm>
+            <a:off x="7379242" y="1080046"/>
+            <a:ext cx="4163534" cy="3076907"/>
+          </a:xfrm>
+          <a:prstGeom prst="actionButtonForwardNext">
+            <a:avLst/>
+          </a:prstGeom>
+        </p:spPr>
+        <p:style>
+          <a:lnRef idx="2">
+            <a:schemeClr val="accent1">
+              <a:shade val="50000"/>
+            </a:schemeClr>
+          </a:lnRef>
+          <a:fillRef idx="1">
+            <a:schemeClr val="accent1"/>
+          </a:fillRef>
+          <a:effectRef idx="0">
+            <a:schemeClr val="accent1"/>
+          </a:effectRef>
+          <a:fontRef idx="minor">
+            <a:schemeClr val="lt1"/>
+          </a:fontRef>
+        </p:style>
+        <p:txBody>
+          <a:bodyPr rtlCol="0" anchor="ctr"/>
+          <a:lstStyle/>
+          <a:p>
+            <a:pPr algn="ctr"/>
+            <a:endParaRPr lang="en-ID"/>
+          </a:p>
+        </p:txBody>
+      </p:sp>
+    </p:spTree>
+    <p:extLst>
+      <p:ext uri="{BB962C8B-B14F-4D97-AF65-F5344CB8AC3E}">
+        <p14:creationId xmlns:p14="http://schemas.microsoft.com/office/powerpoint/2010/main" val="791413873"/>
+      </p:ext>
+    </p:extLst>
+  </p:cSld>
+  <p:clrMapOvr>
+    <a:masterClrMapping/>
+  </p:clrMapOvr>
+</p:sld>
+</file>
+
+<file path=ppt/slides/slide12.xml><?xml version="1.0" encoding="utf-8"?>
+<p:sld xmlns:a="http://schemas.openxmlformats.org/drawingml/2006/main" xmlns:r="http://schemas.openxmlformats.org/officeDocument/2006/relationships" xmlns:p="http://schemas.openxmlformats.org/presentationml/2006/main">
+  <p:cSld>
+    <p:bg>
+      <p:bgPr>
+        <a:gradFill rotWithShape="1">
+          <a:gsLst>
+            <a:gs pos="0">
+              <a:schemeClr val="bg1">
+                <a:tint val="90000"/>
+                <a:satMod val="92000"/>
+                <a:lumMod val="120000"/>
+              </a:schemeClr>
+            </a:gs>
+            <a:gs pos="100000">
+              <a:schemeClr val="bg1">
+                <a:shade val="98000"/>
+                <a:satMod val="120000"/>
+                <a:lumMod val="98000"/>
+              </a:schemeClr>
+            </a:gs>
+          </a:gsLst>
+          <a:path path="circle">
+            <a:fillToRect l="50000" t="50000" r="100000" b="100000"/>
+          </a:path>
+        </a:gradFill>
+        <a:effectLst/>
+      </p:bgPr>
+    </p:bg>
+    <p:spTree>
+      <p:nvGrpSpPr>
+        <p:cNvPr id="1" name=""/>
+        <p:cNvGrpSpPr/>
+        <p:nvPr/>
+      </p:nvGrpSpPr>
+      <p:grpSpPr>
+        <a:xfrm>
+          <a:off x="0" y="0"/>
+          <a:ext cx="0" cy="0"/>
+          <a:chOff x="0" y="0"/>
+          <a:chExt cx="0" cy="0"/>
+        </a:xfrm>
+      </p:grpSpPr>
+      <p:sp useBgFill="1">
+        <p:nvSpPr>
+          <p:cNvPr id="14" name="Rectangle 13">
+            <a:extLst>
+              <a:ext uri="{FF2B5EF4-FFF2-40B4-BE49-F238E27FC236}">
+                <a16:creationId xmlns:a16="http://schemas.microsoft.com/office/drawing/2014/main" id="{A45303F1-AF94-4311-B5EF-A9C5F6D18D94}"/>
+              </a:ext>
+              <a:ext uri="{C183D7F6-B498-43B3-948B-1728B52AA6E4}">
+                <adec:decorative xmlns:adec="http://schemas.microsoft.com/office/drawing/2017/decorative" val="1"/>
+              </a:ext>
+            </a:extLst>
+          </p:cNvPr>
+          <p:cNvSpPr>
+            <a:spLocks noGrp="1" noRot="1" noChangeAspect="1" noMove="1" noResize="1" noEditPoints="1" noAdjustHandles="1" noChangeArrowheads="1" noChangeShapeType="1" noTextEdit="1"/>
+          </p:cNvSpPr>
+          <p:nvPr>
+            <p:extLst>
+              <p:ext uri="{386F3935-93C4-4BCD-93E2-E3B085C9AB24}">
+                <p16:designElem xmlns:p16="http://schemas.microsoft.com/office/powerpoint/2015/main" val="1"/>
+              </p:ext>
+            </p:extLst>
+          </p:nvPr>
+        </p:nvSpPr>
+        <p:spPr>
+          <a:xfrm>
+            <a:off x="0" y="-1"/>
+            <a:ext cx="12188952" cy="6858001"/>
+          </a:xfrm>
+          <a:prstGeom prst="rect">
+            <a:avLst/>
+          </a:prstGeom>
+          <a:ln>
+            <a:noFill/>
+          </a:ln>
+        </p:spPr>
+        <p:style>
+          <a:lnRef idx="2">
+            <a:schemeClr val="accent1">
+              <a:shade val="50000"/>
+            </a:schemeClr>
+          </a:lnRef>
+          <a:fillRef idx="1">
+            <a:schemeClr val="accent1"/>
+          </a:fillRef>
+          <a:effectRef idx="0">
+            <a:schemeClr val="accent1"/>
+          </a:effectRef>
+          <a:fontRef idx="minor">
+            <a:schemeClr val="lt1"/>
+          </a:fontRef>
+        </p:style>
+        <p:txBody>
+          <a:bodyPr rot="0" spcFirstLastPara="0" vert="horz" wrap="square" lIns="91440" tIns="45720" rIns="91440" bIns="45720" numCol="1" spcCol="0" rtlCol="0" fromWordArt="0" anchor="ctr" anchorCtr="0" forceAA="0" compatLnSpc="1">
+            <a:prstTxWarp prst="textNoShape">
+              <a:avLst/>
+            </a:prstTxWarp>
+            <a:noAutofit/>
+          </a:bodyPr>
+          <a:lstStyle>
+            <a:defPPr>
+              <a:defRPr lang="en-US"/>
+            </a:defPPr>
+            <a:lvl1pPr marL="0" algn="l" defTabSz="914400" rtl="0" eaLnBrk="1" latinLnBrk="0" hangingPunct="1">
+              <a:defRPr sz="1800" kern="1200">
+                <a:solidFill>
+                  <a:schemeClr val="lt1"/>
+                </a:solidFill>
+                <a:latin typeface="+mn-lt"/>
+                <a:ea typeface="+mn-ea"/>
+                <a:cs typeface="+mn-cs"/>
+              </a:defRPr>
+            </a:lvl1pPr>
+            <a:lvl2pPr marL="457200" algn="l" defTabSz="914400" rtl="0" eaLnBrk="1" latinLnBrk="0" hangingPunct="1">
+              <a:defRPr sz="1800" kern="1200">
+                <a:solidFill>
+                  <a:schemeClr val="lt1"/>
+                </a:solidFill>
+                <a:latin typeface="+mn-lt"/>
+                <a:ea typeface="+mn-ea"/>
+                <a:cs typeface="+mn-cs"/>
+              </a:defRPr>
+            </a:lvl2pPr>
+            <a:lvl3pPr marL="914400" algn="l" defTabSz="914400" rtl="0" eaLnBrk="1" latinLnBrk="0" hangingPunct="1">
+              <a:defRPr sz="1800" kern="1200">
+                <a:solidFill>
+                  <a:schemeClr val="lt1"/>
+                </a:solidFill>
+                <a:latin typeface="+mn-lt"/>
+                <a:ea typeface="+mn-ea"/>
+                <a:cs typeface="+mn-cs"/>
+              </a:defRPr>
+            </a:lvl3pPr>
+            <a:lvl4pPr marL="1371600" algn="l" defTabSz="914400" rtl="0" eaLnBrk="1" latinLnBrk="0" hangingPunct="1">
+              <a:defRPr sz="1800" kern="1200">
+                <a:solidFill>
+                  <a:schemeClr val="lt1"/>
+                </a:solidFill>
+                <a:latin typeface="+mn-lt"/>
+                <a:ea typeface="+mn-ea"/>
+                <a:cs typeface="+mn-cs"/>
+              </a:defRPr>
+            </a:lvl4pPr>
+            <a:lvl5pPr marL="1828800" algn="l" defTabSz="914400" rtl="0" eaLnBrk="1" latinLnBrk="0" hangingPunct="1">
+              <a:defRPr sz="1800" kern="1200">
+                <a:solidFill>
+                  <a:schemeClr val="lt1"/>
+                </a:solidFill>
+                <a:latin typeface="+mn-lt"/>
+                <a:ea typeface="+mn-ea"/>
+                <a:cs typeface="+mn-cs"/>
+              </a:defRPr>
+            </a:lvl5pPr>
+            <a:lvl6pPr marL="2286000" algn="l" defTabSz="914400" rtl="0" eaLnBrk="1" latinLnBrk="0" hangingPunct="1">
+              <a:defRPr sz="1800" kern="1200">
+                <a:solidFill>
+                  <a:schemeClr val="lt1"/>
+                </a:solidFill>
+                <a:latin typeface="+mn-lt"/>
+                <a:ea typeface="+mn-ea"/>
+                <a:cs typeface="+mn-cs"/>
+              </a:defRPr>
+            </a:lvl6pPr>
+            <a:lvl7pPr marL="2743200" algn="l" defTabSz="914400" rtl="0" eaLnBrk="1" latinLnBrk="0" hangingPunct="1">
+              <a:defRPr sz="1800" kern="1200">
+                <a:solidFill>
+                  <a:schemeClr val="lt1"/>
+                </a:solidFill>
+                <a:latin typeface="+mn-lt"/>
+                <a:ea typeface="+mn-ea"/>
+                <a:cs typeface="+mn-cs"/>
+              </a:defRPr>
+            </a:lvl7pPr>
+            <a:lvl8pPr marL="3200400" algn="l" defTabSz="914400" rtl="0" eaLnBrk="1" latinLnBrk="0" hangingPunct="1">
+              <a:defRPr sz="1800" kern="1200">
+                <a:solidFill>
+                  <a:schemeClr val="lt1"/>
+                </a:solidFill>
+                <a:latin typeface="+mn-lt"/>
+                <a:ea typeface="+mn-ea"/>
+                <a:cs typeface="+mn-cs"/>
+              </a:defRPr>
+            </a:lvl8pPr>
+            <a:lvl9pPr marL="3657600" algn="l" defTabSz="914400" rtl="0" eaLnBrk="1" latinLnBrk="0" hangingPunct="1">
+              <a:defRPr sz="1800" kern="1200">
+                <a:solidFill>
+                  <a:schemeClr val="lt1"/>
+                </a:solidFill>
+                <a:latin typeface="+mn-lt"/>
+                <a:ea typeface="+mn-ea"/>
+                <a:cs typeface="+mn-cs"/>
+              </a:defRPr>
+            </a:lvl9pPr>
+          </a:lstStyle>
+          <a:p>
+            <a:pPr algn="ctr"/>
+            <a:endParaRPr lang="en-US"/>
+          </a:p>
+        </p:txBody>
+      </p:sp>
+      <p:sp>
+        <p:nvSpPr>
+          <p:cNvPr id="2" name="Title 1">
+            <a:extLst>
+              <a:ext uri="{FF2B5EF4-FFF2-40B4-BE49-F238E27FC236}">
+                <a16:creationId xmlns:a16="http://schemas.microsoft.com/office/drawing/2014/main" id="{8D3C6595-9F39-4D5A-B17B-56A950328BFB}"/>
+              </a:ext>
+            </a:extLst>
+          </p:cNvPr>
+          <p:cNvSpPr>
+            <a:spLocks noGrp="1"/>
+          </p:cNvSpPr>
+          <p:nvPr>
+            <p:ph type="title"/>
+          </p:nvPr>
+        </p:nvSpPr>
+        <p:spPr>
+          <a:xfrm>
+            <a:off x="337939" y="96877"/>
+            <a:ext cx="8843692" cy="1259894"/>
+          </a:xfrm>
+        </p:spPr>
+        <p:txBody>
+          <a:bodyPr>
+            <a:normAutofit/>
+          </a:bodyPr>
+          <a:lstStyle/>
+          <a:p>
+            <a:r>
+              <a:rPr lang="en-US" dirty="0"/>
+              <a:t>Acceleration and </a:t>
+            </a:r>
+            <a:r>
+              <a:rPr lang="en-US" dirty="0" err="1"/>
+              <a:t>decceleration</a:t>
+            </a:r>
+            <a:endParaRPr lang="en-ID" dirty="0">
+              <a:solidFill>
+                <a:srgbClr val="564836"/>
+              </a:solidFill>
+            </a:endParaRPr>
+          </a:p>
+        </p:txBody>
+      </p:sp>
+      <p:sp>
+        <p:nvSpPr>
+          <p:cNvPr id="16" name="Rectangle 15">
+            <a:extLst>
+              <a:ext uri="{FF2B5EF4-FFF2-40B4-BE49-F238E27FC236}">
+                <a16:creationId xmlns:a16="http://schemas.microsoft.com/office/drawing/2014/main" id="{11310D98-E16D-4AA1-8834-28F2202C0CC3}"/>
+              </a:ext>
+              <a:ext uri="{C183D7F6-B498-43B3-948B-1728B52AA6E4}">
+                <adec:decorative xmlns:adec="http://schemas.microsoft.com/office/drawing/2017/decorative" val="1"/>
+              </a:ext>
+            </a:extLst>
+          </p:cNvPr>
+          <p:cNvSpPr>
+            <a:spLocks noGrp="1" noRot="1" noChangeAspect="1" noMove="1" noResize="1" noEditPoints="1" noAdjustHandles="1" noChangeArrowheads="1" noChangeShapeType="1" noTextEdit="1"/>
+          </p:cNvSpPr>
+          <p:nvPr>
+            <p:extLst>
+              <p:ext uri="{386F3935-93C4-4BCD-93E2-E3B085C9AB24}">
+                <p16:designElem xmlns:p16="http://schemas.microsoft.com/office/powerpoint/2015/main" val="1"/>
+              </p:ext>
+            </p:extLst>
+          </p:nvPr>
+        </p:nvSpPr>
+        <p:spPr>
+          <a:xfrm>
+            <a:off x="0" y="0"/>
+            <a:ext cx="182880" cy="6858000"/>
+          </a:xfrm>
+          <a:prstGeom prst="rect">
+            <a:avLst/>
+          </a:prstGeom>
+          <a:solidFill>
+            <a:srgbClr val="564836"/>
+          </a:solidFill>
+          <a:ln>
+            <a:noFill/>
+          </a:ln>
+          <a:effectLst/>
+        </p:spPr>
+        <p:style>
+          <a:lnRef idx="1">
+            <a:schemeClr val="accent1"/>
+          </a:lnRef>
+          <a:fillRef idx="3">
+            <a:schemeClr val="accent1"/>
+          </a:fillRef>
+          <a:effectRef idx="2">
+            <a:schemeClr val="accent1"/>
+          </a:effectRef>
+          <a:fontRef idx="minor">
+            <a:schemeClr val="lt1"/>
+          </a:fontRef>
+        </p:style>
+      </p:sp>
+      <p:sp>
+        <p:nvSpPr>
+          <p:cNvPr id="18" name="Freeform 10">
+            <a:extLst>
+              <a:ext uri="{FF2B5EF4-FFF2-40B4-BE49-F238E27FC236}">
+                <a16:creationId xmlns:a16="http://schemas.microsoft.com/office/drawing/2014/main" id="{5B65E675-687B-4B31-9CB4-880C4620538F}"/>
+              </a:ext>
+              <a:ext uri="{C183D7F6-B498-43B3-948B-1728B52AA6E4}">
+                <adec:decorative xmlns:adec="http://schemas.microsoft.com/office/drawing/2017/decorative" val="1"/>
+              </a:ext>
+            </a:extLst>
+          </p:cNvPr>
+          <p:cNvSpPr>
+            <a:spLocks noGrp="1" noRot="1" noChangeAspect="1" noMove="1" noResize="1" noEditPoints="1" noAdjustHandles="1" noChangeArrowheads="1" noChangeShapeType="1" noTextEdit="1"/>
+          </p:cNvSpPr>
+          <p:nvPr>
+            <p:extLst>
+              <p:ext uri="{386F3935-93C4-4BCD-93E2-E3B085C9AB24}">
+                <p16:designElem xmlns:p16="http://schemas.microsoft.com/office/powerpoint/2015/main" val="1"/>
+              </p:ext>
+            </p:extLst>
+          </p:nvPr>
+        </p:nvSpPr>
+        <p:spPr>
+          <a:xfrm>
+            <a:off x="-1" y="6061223"/>
+            <a:ext cx="1038036" cy="506277"/>
+          </a:xfrm>
+          <a:custGeom>
+            <a:avLst/>
+            <a:gdLst>
+              <a:gd name="connsiteX0" fmla="*/ 0 w 1038036"/>
+              <a:gd name="connsiteY0" fmla="*/ 0 h 506277"/>
+              <a:gd name="connsiteX1" fmla="*/ 182880 w 1038036"/>
+              <a:gd name="connsiteY1" fmla="*/ 0 h 506277"/>
+              <a:gd name="connsiteX2" fmla="*/ 291705 w 1038036"/>
+              <a:gd name="connsiteY2" fmla="*/ 0 h 506277"/>
+              <a:gd name="connsiteX3" fmla="*/ 291705 w 1038036"/>
+              <a:gd name="connsiteY3" fmla="*/ 151 h 506277"/>
+              <a:gd name="connsiteX4" fmla="*/ 692049 w 1038036"/>
+              <a:gd name="connsiteY4" fmla="*/ 705 h 506277"/>
+              <a:gd name="connsiteX5" fmla="*/ 782744 w 1038036"/>
+              <a:gd name="connsiteY5" fmla="*/ 705 h 506277"/>
+              <a:gd name="connsiteX6" fmla="*/ 797001 w 1038036"/>
+              <a:gd name="connsiteY6" fmla="*/ 5473 h 506277"/>
+              <a:gd name="connsiteX7" fmla="*/ 801982 w 1038036"/>
+              <a:gd name="connsiteY7" fmla="*/ 10242 h 506277"/>
+              <a:gd name="connsiteX8" fmla="*/ 1030951 w 1038036"/>
+              <a:gd name="connsiteY8" fmla="*/ 239185 h 506277"/>
+              <a:gd name="connsiteX9" fmla="*/ 1030951 w 1038036"/>
+              <a:gd name="connsiteY9" fmla="*/ 267797 h 506277"/>
+              <a:gd name="connsiteX10" fmla="*/ 801982 w 1038036"/>
+              <a:gd name="connsiteY10" fmla="*/ 496740 h 506277"/>
+              <a:gd name="connsiteX11" fmla="*/ 797001 w 1038036"/>
+              <a:gd name="connsiteY11" fmla="*/ 501508 h 506277"/>
+              <a:gd name="connsiteX12" fmla="*/ 782744 w 1038036"/>
+              <a:gd name="connsiteY12" fmla="*/ 506277 h 506277"/>
+              <a:gd name="connsiteX13" fmla="*/ 692049 w 1038036"/>
+              <a:gd name="connsiteY13" fmla="*/ 506277 h 506277"/>
+              <a:gd name="connsiteX14" fmla="*/ 291705 w 1038036"/>
+              <a:gd name="connsiteY14" fmla="*/ 505140 h 506277"/>
+              <a:gd name="connsiteX15" fmla="*/ 291705 w 1038036"/>
+              <a:gd name="connsiteY15" fmla="*/ 506277 h 506277"/>
+              <a:gd name="connsiteX16" fmla="*/ 0 w 1038036"/>
+              <a:gd name="connsiteY16" fmla="*/ 506277 h 506277"/>
+            </a:gdLst>
+            <a:ahLst/>
+            <a:cxnLst>
+              <a:cxn ang="0">
+                <a:pos x="connsiteX0" y="connsiteY0"/>
+              </a:cxn>
+              <a:cxn ang="0">
+                <a:pos x="connsiteX1" y="connsiteY1"/>
+              </a:cxn>
+              <a:cxn ang="0">
+                <a:pos x="connsiteX2" y="connsiteY2"/>
+              </a:cxn>
+              <a:cxn ang="0">
+                <a:pos x="connsiteX3" y="connsiteY3"/>
+              </a:cxn>
+              <a:cxn ang="0">
+                <a:pos x="connsiteX4" y="connsiteY4"/>
+              </a:cxn>
+              <a:cxn ang="0">
+                <a:pos x="connsiteX5" y="connsiteY5"/>
+              </a:cxn>
+              <a:cxn ang="0">
+                <a:pos x="connsiteX6" y="connsiteY6"/>
+              </a:cxn>
+              <a:cxn ang="0">
+                <a:pos x="connsiteX7" y="connsiteY7"/>
+              </a:cxn>
+              <a:cxn ang="0">
+                <a:pos x="connsiteX8" y="connsiteY8"/>
+              </a:cxn>
+              <a:cxn ang="0">
+                <a:pos x="connsiteX9" y="connsiteY9"/>
+              </a:cxn>
+              <a:cxn ang="0">
+                <a:pos x="connsiteX10" y="connsiteY10"/>
+              </a:cxn>
+              <a:cxn ang="0">
+                <a:pos x="connsiteX11" y="connsiteY11"/>
+              </a:cxn>
+              <a:cxn ang="0">
+                <a:pos x="connsiteX12" y="connsiteY12"/>
+              </a:cxn>
+              <a:cxn ang="0">
+                <a:pos x="connsiteX13" y="connsiteY13"/>
+              </a:cxn>
+              <a:cxn ang="0">
+                <a:pos x="connsiteX14" y="connsiteY14"/>
+              </a:cxn>
+              <a:cxn ang="0">
+                <a:pos x="connsiteX15" y="connsiteY15"/>
+              </a:cxn>
+              <a:cxn ang="0">
+                <a:pos x="connsiteX16" y="connsiteY16"/>
+              </a:cxn>
+            </a:cxnLst>
+            <a:rect l="l" t="t" r="r" b="b"/>
+            <a:pathLst>
+              <a:path w="1038036" h="506277">
+                <a:moveTo>
+                  <a:pt x="0" y="0"/>
+                </a:moveTo>
+                <a:lnTo>
+                  <a:pt x="182880" y="0"/>
+                </a:lnTo>
+                <a:lnTo>
+                  <a:pt x="291705" y="0"/>
+                </a:lnTo>
+                <a:lnTo>
+                  <a:pt x="291705" y="151"/>
+                </a:lnTo>
+                <a:lnTo>
+                  <a:pt x="692049" y="705"/>
+                </a:lnTo>
+                <a:lnTo>
+                  <a:pt x="782744" y="705"/>
+                </a:lnTo>
+                <a:cubicBezTo>
+                  <a:pt x="787553" y="705"/>
+                  <a:pt x="792363" y="5473"/>
+                  <a:pt x="797001" y="5473"/>
+                </a:cubicBezTo>
+                <a:cubicBezTo>
+                  <a:pt x="797001" y="10242"/>
+                  <a:pt x="801982" y="10242"/>
+                  <a:pt x="801982" y="10242"/>
+                </a:cubicBezTo>
+                <a:lnTo>
+                  <a:pt x="1030951" y="239185"/>
+                </a:lnTo>
+                <a:cubicBezTo>
+                  <a:pt x="1040398" y="248722"/>
+                  <a:pt x="1040398" y="258259"/>
+                  <a:pt x="1030951" y="267797"/>
+                </a:cubicBezTo>
+                <a:lnTo>
+                  <a:pt x="801982" y="496740"/>
+                </a:lnTo>
+                <a:cubicBezTo>
+                  <a:pt x="800436" y="498363"/>
+                  <a:pt x="798547" y="499885"/>
+                  <a:pt x="797001" y="501508"/>
+                </a:cubicBezTo>
+                <a:cubicBezTo>
+                  <a:pt x="792363" y="506277"/>
+                  <a:pt x="787553" y="506277"/>
+                  <a:pt x="782744" y="506277"/>
+                </a:cubicBezTo>
+                <a:lnTo>
+                  <a:pt x="692049" y="506277"/>
+                </a:lnTo>
+                <a:lnTo>
+                  <a:pt x="291705" y="505140"/>
+                </a:lnTo>
+                <a:lnTo>
+                  <a:pt x="291705" y="506277"/>
+                </a:lnTo>
+                <a:lnTo>
+                  <a:pt x="0" y="506277"/>
+                </a:lnTo>
+                <a:close/>
+              </a:path>
+            </a:pathLst>
+          </a:custGeom>
+          <a:ln>
+            <a:noFill/>
+          </a:ln>
+        </p:spPr>
+        <p:style>
+          <a:lnRef idx="2">
+            <a:schemeClr val="accent1">
+              <a:shade val="50000"/>
+            </a:schemeClr>
+          </a:lnRef>
+          <a:fillRef idx="1">
+            <a:schemeClr val="accent1"/>
+          </a:fillRef>
+          <a:effectRef idx="0">
+            <a:schemeClr val="accent1"/>
+          </a:effectRef>
+          <a:fontRef idx="minor">
+            <a:schemeClr val="lt1"/>
+          </a:fontRef>
+        </p:style>
+        <p:txBody>
+          <a:bodyPr rtlCol="0" anchor="ctr"/>
+          <a:lstStyle/>
+          <a:p>
+            <a:pPr algn="ctr"/>
+            <a:endParaRPr lang="en-US"/>
+          </a:p>
+        </p:txBody>
+      </p:sp>
+      <p:sp>
+        <p:nvSpPr>
+          <p:cNvPr id="5" name="Slide Number Placeholder 4">
+            <a:extLst>
+              <a:ext uri="{FF2B5EF4-FFF2-40B4-BE49-F238E27FC236}">
+                <a16:creationId xmlns:a16="http://schemas.microsoft.com/office/drawing/2014/main" id="{7B2D0B98-4AD8-435D-BF57-79BAD625DBEB}"/>
+              </a:ext>
+            </a:extLst>
+          </p:cNvPr>
+          <p:cNvSpPr>
+            <a:spLocks noGrp="1"/>
+          </p:cNvSpPr>
+          <p:nvPr>
+            <p:ph type="sldNum" sz="quarter" idx="12"/>
+          </p:nvPr>
+        </p:nvSpPr>
+        <p:spPr>
+          <a:xfrm>
+            <a:off x="121514" y="6133610"/>
+            <a:ext cx="779767" cy="365125"/>
+          </a:xfrm>
+        </p:spPr>
+        <p:txBody>
+          <a:bodyPr>
+            <a:normAutofit/>
+          </a:bodyPr>
+          <a:lstStyle/>
+          <a:p>
+            <a:pPr>
+              <a:lnSpc>
+                <a:spcPct val="90000"/>
+              </a:lnSpc>
+              <a:spcAft>
+                <a:spcPts val="600"/>
+              </a:spcAft>
+            </a:pPr>
+            <a:fld id="{D57F1E4F-1CFF-5643-939E-217C01CDF565}" type="slidenum">
+              <a:rPr lang="en-US" sz="1900" smtClean="0"/>
+              <a:pPr>
+                <a:lnSpc>
+                  <a:spcPct val="90000"/>
+                </a:lnSpc>
+                <a:spcAft>
+                  <a:spcPts val="600"/>
+                </a:spcAft>
+              </a:pPr>
+              <a:t>12</a:t>
+            </a:fld>
+            <a:endParaRPr lang="en-US" sz="1900"/>
+          </a:p>
+        </p:txBody>
+      </p:sp>
+      <p:sp>
+        <p:nvSpPr>
+          <p:cNvPr id="4" name="Footer Placeholder 3">
+            <a:extLst>
+              <a:ext uri="{FF2B5EF4-FFF2-40B4-BE49-F238E27FC236}">
+                <a16:creationId xmlns:a16="http://schemas.microsoft.com/office/drawing/2014/main" id="{DA3F1759-2B82-4336-926C-D45B6F445DF3}"/>
+              </a:ext>
+            </a:extLst>
+          </p:cNvPr>
+          <p:cNvSpPr>
+            <a:spLocks noGrp="1"/>
+          </p:cNvSpPr>
+          <p:nvPr>
+            <p:ph type="ftr" sz="quarter" idx="11"/>
+          </p:nvPr>
+        </p:nvSpPr>
+        <p:spPr>
+          <a:xfrm>
+            <a:off x="1220916" y="6135808"/>
+            <a:ext cx="7619999" cy="365125"/>
+          </a:xfrm>
+        </p:spPr>
+        <p:txBody>
+          <a:bodyPr>
+            <a:normAutofit/>
+          </a:bodyPr>
+          <a:lstStyle/>
+          <a:p>
+            <a:pPr>
+              <a:spcAft>
+                <a:spcPts val="600"/>
+              </a:spcAft>
+            </a:pPr>
+            <a:r>
+              <a:rPr lang="en-US"/>
+              <a:t>Mixed Topics in MobiKa - Joshua Phartogi</a:t>
+            </a:r>
+          </a:p>
+        </p:txBody>
+      </p:sp>
+      <p:sp>
+        <p:nvSpPr>
           <p:cNvPr id="9" name="Trapezoid 8">
             <a:extLst>
               <a:ext uri="{FF2B5EF4-FFF2-40B4-BE49-F238E27FC236}">
@@ -16588,8 +17344,8 @@
         </p:nvSpPr>
         <p:spPr>
           <a:xfrm>
-            <a:off x="93493" y="3853500"/>
-            <a:ext cx="1377612" cy="369332"/>
+            <a:off x="93492" y="3853500"/>
+            <a:ext cx="1774231" cy="369332"/>
           </a:xfrm>
           <a:prstGeom prst="rect">
             <a:avLst/>
@@ -16603,8 +17359,8 @@
           <a:lstStyle/>
           <a:p>
             <a:r>
-              <a:rPr lang="en-US" dirty="0" err="1"/>
-              <a:t>acclerate</a:t>
+              <a:rPr lang="en-US" dirty="0"/>
+              <a:t>accelerate</a:t>
             </a:r>
             <a:endParaRPr lang="en-ID" dirty="0"/>
           </a:p>
@@ -16625,7 +17381,7 @@
         <p:spPr>
           <a:xfrm>
             <a:off x="4035839" y="3853500"/>
-            <a:ext cx="1595309" cy="369332"/>
+            <a:ext cx="1446230" cy="369332"/>
           </a:xfrm>
           <a:prstGeom prst="rect">
             <a:avLst/>
@@ -16639,15 +17395,15 @@
           <a:lstStyle/>
           <a:p>
             <a:r>
-              <a:rPr lang="en-US" dirty="0" err="1"/>
-              <a:t>deccelerate</a:t>
+              <a:rPr lang="en-US" dirty="0"/>
+              <a:t>decelerate</a:t>
             </a:r>
             <a:endParaRPr lang="en-ID" dirty="0"/>
           </a:p>
         </p:txBody>
       </p:sp>
-      <mc:AlternateContent xmlns:mc="http://schemas.openxmlformats.org/markup-compatibility/2006" xmlns:a14="http://schemas.microsoft.com/office/drawing/2010/main">
-        <mc:Choice Requires="a14">
+      <mc:AlternateContent xmlns:mc="http://schemas.openxmlformats.org/markup-compatibility/2006">
+        <mc:Choice xmlns:a14="http://schemas.microsoft.com/office/drawing/2010/main" Requires="a14">
           <p:sp>
             <p:nvSpPr>
               <p:cNvPr id="6" name="TextBox 5">
@@ -16662,8 +17418,8 @@
             </p:nvSpPr>
             <p:spPr>
               <a:xfrm>
-                <a:off x="5731617" y="1655932"/>
-                <a:ext cx="5719643" cy="1915974"/>
+                <a:off x="5030915" y="968263"/>
+                <a:ext cx="6395918" cy="1915974"/>
               </a:xfrm>
               <a:prstGeom prst="rect">
                 <a:avLst/>
@@ -16715,13 +17471,111 @@
               </a:p>
               <a:p>
                 <a:r>
-                  <a:rPr lang="en-US" dirty="0" err="1"/>
-                  <a:t>Deccelerate</a:t>
+                  <a:rPr lang="en-US" dirty="0"/>
+                  <a:t>Decelerate : </a:t>
                 </a:r>
-                <a:r>
-                  <a:rPr lang="en-US" dirty="0"/>
-                  <a:t> : </a:t>
-                </a:r>
+              </a:p>
+              <a:p>
+                <a:pPr marL="285750" indent="-285750">
+                  <a:buFont typeface="Wingdings" panose="05000000000000000000" pitchFamily="2" charset="2"/>
+                  <a:buChar char="§"/>
+                </a:pPr>
+                <a14:m>
+                  <m:oMath xmlns:m="http://schemas.openxmlformats.org/officeDocument/2006/math">
+                    <m:r>
+                      <a:rPr lang="en-US" b="0" i="1" smtClean="0">
+                        <a:latin typeface="Cambria Math" panose="02040503050406030204" pitchFamily="18" charset="0"/>
+                      </a:rPr>
+                      <m:t>𝑡𝑜𝑡𝑎𝑙</m:t>
+                    </m:r>
+                    <m:r>
+                      <a:rPr lang="en-US" b="0" i="1" smtClean="0">
+                        <a:latin typeface="Cambria Math" panose="02040503050406030204" pitchFamily="18" charset="0"/>
+                      </a:rPr>
+                      <m:t> </m:t>
+                    </m:r>
+                    <m:r>
+                      <a:rPr lang="en-US" b="0" i="1" smtClean="0">
+                        <a:latin typeface="Cambria Math" panose="02040503050406030204" pitchFamily="18" charset="0"/>
+                      </a:rPr>
+                      <m:t>𝑑𝑖𝑠𝑡𝑎𝑛𝑐𝑒</m:t>
+                    </m:r>
+                    <m:r>
+                      <a:rPr lang="en-US" b="0" i="1" smtClean="0">
+                        <a:latin typeface="Cambria Math" panose="02040503050406030204" pitchFamily="18" charset="0"/>
+                      </a:rPr>
+                      <m:t>=</m:t>
+                    </m:r>
+                    <m:d>
+                      <m:dPr>
+                        <m:begChr m:val="|"/>
+                        <m:endChr m:val="|"/>
+                        <m:ctrlPr>
+                          <a:rPr lang="en-US" b="0" i="1" smtClean="0">
+                            <a:latin typeface="Cambria Math" panose="02040503050406030204" pitchFamily="18" charset="0"/>
+                          </a:rPr>
+                        </m:ctrlPr>
+                      </m:dPr>
+                      <m:e>
+                        <m:r>
+                          <a:rPr lang="en-US" i="1">
+                            <a:latin typeface="Cambria Math" panose="02040503050406030204" pitchFamily="18" charset="0"/>
+                          </a:rPr>
+                          <m:t>𝑔𝑜𝑎𝑙</m:t>
+                        </m:r>
+                        <m:r>
+                          <a:rPr lang="en-US" i="1">
+                            <a:latin typeface="Cambria Math" panose="02040503050406030204" pitchFamily="18" charset="0"/>
+                          </a:rPr>
+                          <m:t> </m:t>
+                        </m:r>
+                        <m:r>
+                          <a:rPr lang="en-US" i="1">
+                            <a:latin typeface="Cambria Math" panose="02040503050406030204" pitchFamily="18" charset="0"/>
+                          </a:rPr>
+                          <m:t>𝑑𝑖𝑠𝑡</m:t>
+                        </m:r>
+                        <m:r>
+                          <a:rPr lang="en-US" i="1">
+                            <a:latin typeface="Cambria Math" panose="02040503050406030204" pitchFamily="18" charset="0"/>
+                          </a:rPr>
+                          <m:t> −</m:t>
+                        </m:r>
+                        <m:r>
+                          <a:rPr lang="en-US" i="1">
+                            <a:latin typeface="Cambria Math" panose="02040503050406030204" pitchFamily="18" charset="0"/>
+                          </a:rPr>
+                          <m:t>𝑝𝑟𝑒𝑣𝑖𝑜𝑢𝑠</m:t>
+                        </m:r>
+                        <m:r>
+                          <a:rPr lang="en-US" i="1">
+                            <a:latin typeface="Cambria Math" panose="02040503050406030204" pitchFamily="18" charset="0"/>
+                          </a:rPr>
+                          <m:t> </m:t>
+                        </m:r>
+                        <m:r>
+                          <a:rPr lang="en-US" i="1">
+                            <a:latin typeface="Cambria Math" panose="02040503050406030204" pitchFamily="18" charset="0"/>
+                          </a:rPr>
+                          <m:t>𝑔𝑜𝑎𝑙</m:t>
+                        </m:r>
+                        <m:r>
+                          <a:rPr lang="en-US" i="1">
+                            <a:latin typeface="Cambria Math" panose="02040503050406030204" pitchFamily="18" charset="0"/>
+                          </a:rPr>
+                          <m:t> </m:t>
+                        </m:r>
+                        <m:r>
+                          <a:rPr lang="en-US" i="1">
+                            <a:latin typeface="Cambria Math" panose="02040503050406030204" pitchFamily="18" charset="0"/>
+                          </a:rPr>
+                          <m:t>𝑑𝑖𝑠𝑡</m:t>
+                        </m:r>
+                      </m:e>
+                    </m:d>
+                  </m:oMath>
+                </a14:m>
+                <a:endParaRPr lang="en-US" b="0" dirty="0"/>
               </a:p>
               <a:p>
                 <a:pPr marL="285750" indent="-285750">
@@ -16737,26 +17591,26 @@
                     <m:f>
                       <m:fPr>
                         <m:ctrlPr>
-                          <a:rPr lang="en-US" b="0" i="1" smtClean="0">
+                          <a:rPr lang="en-US" i="1">
                             <a:latin typeface="Cambria Math" panose="02040503050406030204" pitchFamily="18" charset="0"/>
                           </a:rPr>
                         </m:ctrlPr>
                       </m:fPr>
                       <m:num>
                         <m:r>
-                          <a:rPr lang="en-US" b="0" i="1" smtClean="0">
+                          <a:rPr lang="en-US" i="1">
                             <a:latin typeface="Cambria Math" panose="02040503050406030204" pitchFamily="18" charset="0"/>
                           </a:rPr>
                           <m:t>𝑡𝑜𝑡𝑎𝑙</m:t>
                         </m:r>
                         <m:r>
-                          <a:rPr lang="en-US" b="0" i="1" smtClean="0">
+                          <a:rPr lang="en-US" i="1">
                             <a:latin typeface="Cambria Math" panose="02040503050406030204" pitchFamily="18" charset="0"/>
                           </a:rPr>
                           <m:t> </m:t>
                         </m:r>
                         <m:r>
-                          <a:rPr lang="en-US" b="0" i="1" smtClean="0">
+                          <a:rPr lang="en-US" i="1">
                             <a:latin typeface="Cambria Math" panose="02040503050406030204" pitchFamily="18" charset="0"/>
                           </a:rPr>
                           <m:t>𝑑𝑖𝑠𝑡𝑎𝑛𝑐𝑒</m:t>
@@ -16764,31 +17618,31 @@
                       </m:num>
                       <m:den>
                         <m:r>
-                          <a:rPr lang="en-US" b="0" i="1" smtClean="0">
+                          <a:rPr lang="en-US" i="1">
                             <a:latin typeface="Cambria Math" panose="02040503050406030204" pitchFamily="18" charset="0"/>
                           </a:rPr>
                           <m:t>(</m:t>
                         </m:r>
                         <m:r>
-                          <a:rPr lang="en-US" b="0" i="1" smtClean="0">
+                          <a:rPr lang="en-US" i="1">
                             <a:latin typeface="Cambria Math" panose="02040503050406030204" pitchFamily="18" charset="0"/>
                           </a:rPr>
                           <m:t>𝑡𝑜𝑡𝑎𝑙</m:t>
                         </m:r>
                         <m:r>
-                          <a:rPr lang="en-US" b="0" i="1" smtClean="0">
+                          <a:rPr lang="en-US" i="1">
                             <a:latin typeface="Cambria Math" panose="02040503050406030204" pitchFamily="18" charset="0"/>
                           </a:rPr>
                           <m:t> </m:t>
                         </m:r>
                         <m:r>
-                          <a:rPr lang="en-US" b="0" i="1" smtClean="0">
+                          <a:rPr lang="en-US" i="1">
                             <a:latin typeface="Cambria Math" panose="02040503050406030204" pitchFamily="18" charset="0"/>
                           </a:rPr>
                           <m:t>𝑑𝑖𝑠𝑡𝑎𝑛𝑐𝑒</m:t>
                         </m:r>
                         <m:r>
-                          <a:rPr lang="en-US" b="0" i="1" smtClean="0">
+                          <a:rPr lang="en-US" i="1">
                             <a:latin typeface="Cambria Math" panose="02040503050406030204" pitchFamily="18" charset="0"/>
                           </a:rPr>
                           <m:t> + 5)</m:t>
@@ -16797,7 +17651,21 @@
                     </m:f>
                   </m:oMath>
                 </a14:m>
-                <a:endParaRPr lang="en-ID" dirty="0"/>
+                <a:r>
+                  <a:rPr lang="en-ID" dirty="0"/>
+                  <a:t> = </a:t>
+                </a:r>
+                <a14:m>
+                  <m:oMath xmlns:m="http://schemas.openxmlformats.org/officeDocument/2006/math">
+                    <m:r>
+                      <a:rPr lang="en-US" i="1">
+                        <a:latin typeface="Cambria Math" panose="02040503050406030204" pitchFamily="18" charset="0"/>
+                      </a:rPr>
+                      <m:t>𝑑</m:t>
+                    </m:r>
+                  </m:oMath>
+                </a14:m>
+                <a:endParaRPr lang="en-US" dirty="0"/>
               </a:p>
               <a:p>
                 <a:pPr marL="285750" indent="-285750">
@@ -16805,12 +17673,8 @@
                   <a:buChar char="§"/>
                 </a:pPr>
                 <a:r>
-                  <a:rPr lang="en-US" dirty="0" err="1"/>
-                  <a:t>Decceleration</a:t>
-                </a:r>
-                <a:r>
                   <a:rPr lang="en-US" dirty="0"/>
-                  <a:t> distance = </a:t>
+                  <a:t>Deceleration distance = </a:t>
                 </a:r>
                 <a14:m>
                   <m:oMath xmlns:m="http://schemas.openxmlformats.org/officeDocument/2006/math">
@@ -16853,7 +17717,7 @@
                           <a:rPr lang="en-US" b="0" i="1" smtClean="0">
                             <a:latin typeface="Cambria Math" panose="02040503050406030204" pitchFamily="18" charset="0"/>
                           </a:rPr>
-                          <m:t>𝑐𝑢𝑟𝑟</m:t>
+                          <m:t>𝑠𝑡𝑎𝑟𝑡𝑖𝑛𝑔</m:t>
                         </m:r>
                         <m:r>
                           <a:rPr lang="en-US" b="0" i="1" smtClean="0">
@@ -16871,19 +17735,26 @@
                     </m:d>
                   </m:oMath>
                 </a14:m>
-                <a:endParaRPr lang="en-ID" dirty="0"/>
-              </a:p>
-              <a:p>
-                <a:pPr marL="285750" indent="-285750">
-                  <a:buFont typeface="Wingdings" panose="05000000000000000000" pitchFamily="2" charset="2"/>
-                  <a:buChar char="§"/>
-                </a:pPr>
+                <a:r>
+                  <a:rPr lang="en-ID" dirty="0"/>
+                  <a:t> = </a:t>
+                </a:r>
+                <a14:m>
+                  <m:oMath xmlns:m="http://schemas.openxmlformats.org/officeDocument/2006/math">
+                    <m:r>
+                      <a:rPr lang="en-US" b="0" i="1" smtClean="0">
+                        <a:latin typeface="Cambria Math" panose="02040503050406030204" pitchFamily="18" charset="0"/>
+                      </a:rPr>
+                      <m:t>𝑑</m:t>
+                    </m:r>
+                  </m:oMath>
+                </a14:m>
                 <a:endParaRPr lang="en-ID" dirty="0"/>
               </a:p>
             </p:txBody>
           </p:sp>
         </mc:Choice>
-        <mc:Fallback xmlns="">
+        <mc:Fallback>
           <p:sp>
             <p:nvSpPr>
               <p:cNvPr id="6" name="TextBox 5">
@@ -16900,8 +17771,8 @@
             </p:nvSpPr>
             <p:spPr>
               <a:xfrm>
-                <a:off x="5731617" y="1655932"/>
-                <a:ext cx="5719643" cy="1915974"/>
+                <a:off x="5030915" y="968263"/>
+                <a:ext cx="6395918" cy="1915974"/>
               </a:xfrm>
               <a:prstGeom prst="rect">
                 <a:avLst/>
@@ -16909,7 +17780,7 @@
               <a:blipFill>
                 <a:blip r:embed="rId2"/>
                 <a:stretch>
-                  <a:fillRect l="-853" t="-1911"/>
+                  <a:fillRect l="-763" t="-1911" b="-4140"/>
                 </a:stretch>
               </a:blipFill>
             </p:spPr>
@@ -16942,7 +17813,7 @@
         </p:nvSpPr>
         <p:spPr>
           <a:xfrm>
-            <a:off x="6238374" y="3853500"/>
+            <a:off x="6418782" y="4252399"/>
             <a:ext cx="1427580" cy="2207723"/>
           </a:xfrm>
           <a:prstGeom prst="rtTriangle">
@@ -16972,49 +17843,6 @@
           </a:p>
         </p:txBody>
       </p:sp>
-      <p:cxnSp>
-        <p:nvCxnSpPr>
-          <p:cNvPr id="15" name="Connector: Elbow 14">
-            <a:extLst>
-              <a:ext uri="{FF2B5EF4-FFF2-40B4-BE49-F238E27FC236}">
-                <a16:creationId xmlns:a16="http://schemas.microsoft.com/office/drawing/2014/main" id="{3EEF0CF2-27E2-4329-B9AE-AFFBCA01FEDC}"/>
-              </a:ext>
-            </a:extLst>
-          </p:cNvPr>
-          <p:cNvCxnSpPr>
-            <a:cxnSpLocks/>
-          </p:cNvCxnSpPr>
-          <p:nvPr/>
-        </p:nvCxnSpPr>
-        <p:spPr>
-          <a:xfrm>
-            <a:off x="4614111" y="3428999"/>
-            <a:ext cx="1624263" cy="1057866"/>
-          </a:xfrm>
-          <a:prstGeom prst="bentConnector3">
-            <a:avLst>
-              <a:gd name="adj1" fmla="val 63704"/>
-            </a:avLst>
-          </a:prstGeom>
-          <a:ln>
-            <a:tailEnd type="triangle"/>
-          </a:ln>
-        </p:spPr>
-        <p:style>
-          <a:lnRef idx="1">
-            <a:schemeClr val="accent1"/>
-          </a:lnRef>
-          <a:fillRef idx="0">
-            <a:schemeClr val="accent1"/>
-          </a:fillRef>
-          <a:effectRef idx="0">
-            <a:schemeClr val="accent1"/>
-          </a:effectRef>
-          <a:fontRef idx="minor">
-            <a:schemeClr val="tx1"/>
-          </a:fontRef>
-        </p:style>
-      </p:cxnSp>
       <p:sp>
         <p:nvSpPr>
           <p:cNvPr id="29" name="TextBox 28">
@@ -17029,7 +17857,7 @@
         </p:nvSpPr>
         <p:spPr>
           <a:xfrm>
-            <a:off x="7547519" y="6070446"/>
+            <a:off x="7727927" y="6469345"/>
             <a:ext cx="1293396" cy="369332"/>
           </a:xfrm>
           <a:prstGeom prst="rect">
@@ -17065,8 +17893,8 @@
         </p:nvSpPr>
         <p:spPr>
           <a:xfrm>
-            <a:off x="4999133" y="6089769"/>
-            <a:ext cx="1510350" cy="369332"/>
+            <a:off x="5179541" y="6488668"/>
+            <a:ext cx="1515158" cy="369332"/>
           </a:xfrm>
           <a:prstGeom prst="rect">
             <a:avLst/>
@@ -17081,7 +17909,7 @@
           <a:p>
             <a:r>
               <a:rPr lang="en-US" dirty="0" err="1"/>
-              <a:t>Current_dist</a:t>
+              <a:t>Starting_dist</a:t>
             </a:r>
             <a:endParaRPr lang="en-ID" dirty="0"/>
           </a:p>
@@ -17101,7 +17929,7 @@
         </p:nvSpPr>
         <p:spPr>
           <a:xfrm>
-            <a:off x="5734359" y="3553943"/>
+            <a:off x="5914767" y="3952842"/>
             <a:ext cx="1825844" cy="369332"/>
           </a:xfrm>
           <a:prstGeom prst="rect">
@@ -17123,8 +17951,8 @@
           </a:p>
         </p:txBody>
       </p:sp>
-      <mc:AlternateContent xmlns:mc="http://schemas.openxmlformats.org/markup-compatibility/2006" xmlns:a14="http://schemas.microsoft.com/office/drawing/2010/main">
-        <mc:Choice Requires="a14">
+      <mc:AlternateContent xmlns:mc="http://schemas.openxmlformats.org/markup-compatibility/2006">
+        <mc:Choice xmlns:a14="http://schemas.microsoft.com/office/drawing/2010/main" Requires="a14">
           <p:sp>
             <p:nvSpPr>
               <p:cNvPr id="32" name="TextBox 31">
@@ -17139,46 +17967,380 @@
             </p:nvSpPr>
             <p:spPr>
               <a:xfrm>
-                <a:off x="8016170" y="3675080"/>
-                <a:ext cx="977127" cy="276999"/>
+                <a:off x="5179541" y="2971846"/>
+                <a:ext cx="6888153" cy="414537"/>
               </a:xfrm>
               <a:prstGeom prst="rect">
                 <a:avLst/>
               </a:prstGeom>
-              <a:noFill/>
+              <a:gradFill flip="none" rotWithShape="1">
+                <a:gsLst>
+                  <a:gs pos="0">
+                    <a:srgbClr val="FFC000">
+                      <a:tint val="66000"/>
+                      <a:satMod val="160000"/>
+                    </a:srgbClr>
+                  </a:gs>
+                  <a:gs pos="50000">
+                    <a:srgbClr val="FFC000">
+                      <a:tint val="44500"/>
+                      <a:satMod val="160000"/>
+                    </a:srgbClr>
+                  </a:gs>
+                  <a:gs pos="100000">
+                    <a:srgbClr val="FFC000">
+                      <a:tint val="23500"/>
+                      <a:satMod val="160000"/>
+                    </a:srgbClr>
+                  </a:gs>
+                </a:gsLst>
+                <a:lin ang="10800000" scaled="1"/>
+                <a:tileRect/>
+              </a:gradFill>
             </p:spPr>
             <p:txBody>
-              <a:bodyPr wrap="none" lIns="0" tIns="0" rIns="0" bIns="0" rtlCol="0">
+              <a:bodyPr wrap="square" lIns="0" tIns="0" rIns="0" bIns="0" rtlCol="0">
                 <a:spAutoFit/>
               </a:bodyPr>
               <a:lstStyle/>
               <a:p>
                 <a:r>
-                  <a:rPr lang="en-US" b="0" dirty="0"/>
+                  <a:rPr lang="en-US" b="0" dirty="0">
+                    <a:solidFill>
+                      <a:srgbClr val="C00000"/>
+                    </a:solidFill>
+                  </a:rPr>
                   <a:t>s</a:t>
                 </a:r>
                 <a14:m>
                   <m:oMath xmlns:m="http://schemas.openxmlformats.org/officeDocument/2006/math">
                     <m:r>
                       <a:rPr lang="en-US" b="0" i="1" smtClean="0">
+                        <a:solidFill>
+                          <a:srgbClr val="C00000"/>
+                        </a:solidFill>
                         <a:latin typeface="Cambria Math" panose="02040503050406030204" pitchFamily="18" charset="0"/>
                       </a:rPr>
                       <m:t>𝑝𝑒𝑒𝑑</m:t>
                     </m:r>
                     <m:r>
                       <a:rPr lang="en-US" b="0" i="1" smtClean="0">
+                        <a:solidFill>
+                          <a:srgbClr val="C00000"/>
+                        </a:solidFill>
                         <a:latin typeface="Cambria Math" panose="02040503050406030204" pitchFamily="18" charset="0"/>
                       </a:rPr>
-                      <m:t>=   </m:t>
+                      <m:t>=</m:t>
                     </m:r>
+                    <m:d>
+                      <m:dPr>
+                        <m:ctrlPr>
+                          <a:rPr lang="en-US" b="0" i="1" smtClean="0">
+                            <a:solidFill>
+                              <a:srgbClr val="C00000"/>
+                            </a:solidFill>
+                            <a:latin typeface="Cambria Math" panose="02040503050406030204" pitchFamily="18" charset="0"/>
+                          </a:rPr>
+                        </m:ctrlPr>
+                      </m:dPr>
+                      <m:e>
+                        <m:f>
+                          <m:fPr>
+                            <m:ctrlPr>
+                              <a:rPr lang="en-US" b="0" i="1" smtClean="0">
+                                <a:solidFill>
+                                  <a:srgbClr val="C00000"/>
+                                </a:solidFill>
+                                <a:latin typeface="Cambria Math" panose="02040503050406030204" pitchFamily="18" charset="0"/>
+                              </a:rPr>
+                            </m:ctrlPr>
+                          </m:fPr>
+                          <m:num>
+                            <m:func>
+                              <m:funcPr>
+                                <m:ctrlPr>
+                                  <a:rPr lang="en-US" b="0" i="1" smtClean="0">
+                                    <a:solidFill>
+                                      <a:srgbClr val="C00000"/>
+                                    </a:solidFill>
+                                    <a:latin typeface="Cambria Math" panose="02040503050406030204" pitchFamily="18" charset="0"/>
+                                  </a:rPr>
+                                </m:ctrlPr>
+                              </m:funcPr>
+                              <m:fName>
+                                <m:r>
+                                  <m:rPr>
+                                    <m:sty m:val="p"/>
+                                  </m:rPr>
+                                  <a:rPr lang="en-US" b="0" i="0" smtClean="0">
+                                    <a:solidFill>
+                                      <a:srgbClr val="C00000"/>
+                                    </a:solidFill>
+                                    <a:latin typeface="Cambria Math" panose="02040503050406030204" pitchFamily="18" charset="0"/>
+                                  </a:rPr>
+                                  <m:t>max</m:t>
+                                </m:r>
+                              </m:fName>
+                              <m:e>
+                                <m:r>
+                                  <a:rPr lang="en-US" b="0" i="1" smtClean="0">
+                                    <a:solidFill>
+                                      <a:srgbClr val="C00000"/>
+                                    </a:solidFill>
+                                    <a:latin typeface="Cambria Math" panose="02040503050406030204" pitchFamily="18" charset="0"/>
+                                  </a:rPr>
+                                  <m:t>𝑠𝑝𝑒𝑒𝑑</m:t>
+                                </m:r>
+                                <m:r>
+                                  <a:rPr lang="en-US" b="0" i="1" smtClean="0">
+                                    <a:solidFill>
+                                      <a:srgbClr val="C00000"/>
+                                    </a:solidFill>
+                                    <a:latin typeface="Cambria Math" panose="02040503050406030204" pitchFamily="18" charset="0"/>
+                                  </a:rPr>
+                                  <m:t> −</m:t>
+                                </m:r>
+                                <m:func>
+                                  <m:funcPr>
+                                    <m:ctrlPr>
+                                      <a:rPr lang="en-US" b="0" i="1" smtClean="0">
+                                        <a:solidFill>
+                                          <a:srgbClr val="C00000"/>
+                                        </a:solidFill>
+                                        <a:latin typeface="Cambria Math" panose="02040503050406030204" pitchFamily="18" charset="0"/>
+                                      </a:rPr>
+                                    </m:ctrlPr>
+                                  </m:funcPr>
+                                  <m:fName>
+                                    <m:r>
+                                      <m:rPr>
+                                        <m:sty m:val="p"/>
+                                      </m:rPr>
+                                      <a:rPr lang="en-US" b="0" i="0" smtClean="0">
+                                        <a:solidFill>
+                                          <a:srgbClr val="C00000"/>
+                                        </a:solidFill>
+                                        <a:latin typeface="Cambria Math" panose="02040503050406030204" pitchFamily="18" charset="0"/>
+                                      </a:rPr>
+                                      <m:t>min</m:t>
+                                    </m:r>
+                                  </m:fName>
+                                  <m:e>
+                                    <m:r>
+                                      <a:rPr lang="en-US" b="0" i="1" smtClean="0">
+                                        <a:solidFill>
+                                          <a:srgbClr val="C00000"/>
+                                        </a:solidFill>
+                                        <a:latin typeface="Cambria Math" panose="02040503050406030204" pitchFamily="18" charset="0"/>
+                                      </a:rPr>
+                                      <m:t>𝑠𝑝𝑒𝑒𝑑</m:t>
+                                    </m:r>
+                                  </m:e>
+                                </m:func>
+                              </m:e>
+                            </m:func>
+                          </m:num>
+                          <m:den>
+                            <m:r>
+                              <a:rPr lang="en-US" b="0" i="1" smtClean="0">
+                                <a:solidFill>
+                                  <a:srgbClr val="C00000"/>
+                                </a:solidFill>
+                                <a:latin typeface="Cambria Math" panose="02040503050406030204" pitchFamily="18" charset="0"/>
+                              </a:rPr>
+                              <m:t>𝑑</m:t>
+                            </m:r>
+                          </m:den>
+                        </m:f>
+                        <m:r>
+                          <a:rPr lang="en-US" b="0" i="1" smtClean="0">
+                            <a:solidFill>
+                              <a:srgbClr val="C00000"/>
+                            </a:solidFill>
+                            <a:latin typeface="Cambria Math" panose="02040503050406030204" pitchFamily="18" charset="0"/>
+                          </a:rPr>
+                          <m:t> ∗</m:t>
+                        </m:r>
+                        <m:d>
+                          <m:dPr>
+                            <m:begChr m:val="|"/>
+                            <m:endChr m:val="|"/>
+                            <m:ctrlPr>
+                              <a:rPr lang="en-US" b="0" i="1" smtClean="0">
+                                <a:solidFill>
+                                  <a:srgbClr val="C00000"/>
+                                </a:solidFill>
+                                <a:latin typeface="Cambria Math" panose="02040503050406030204" pitchFamily="18" charset="0"/>
+                              </a:rPr>
+                            </m:ctrlPr>
+                          </m:dPr>
+                          <m:e>
+                            <m:r>
+                              <a:rPr lang="en-US" b="0" i="1" smtClean="0">
+                                <a:solidFill>
+                                  <a:srgbClr val="C00000"/>
+                                </a:solidFill>
+                                <a:latin typeface="Cambria Math" panose="02040503050406030204" pitchFamily="18" charset="0"/>
+                              </a:rPr>
+                              <m:t>𝑔𝑜𝑎</m:t>
+                            </m:r>
+                            <m:sSub>
+                              <m:sSubPr>
+                                <m:ctrlPr>
+                                  <a:rPr lang="en-US" b="0" i="1" smtClean="0">
+                                    <a:solidFill>
+                                      <a:srgbClr val="C00000"/>
+                                    </a:solidFill>
+                                    <a:latin typeface="Cambria Math" panose="02040503050406030204" pitchFamily="18" charset="0"/>
+                                  </a:rPr>
+                                </m:ctrlPr>
+                              </m:sSubPr>
+                              <m:e>
+                                <m:r>
+                                  <a:rPr lang="en-US" b="0" i="1" smtClean="0">
+                                    <a:solidFill>
+                                      <a:srgbClr val="C00000"/>
+                                    </a:solidFill>
+                                    <a:latin typeface="Cambria Math" panose="02040503050406030204" pitchFamily="18" charset="0"/>
+                                  </a:rPr>
+                                  <m:t>𝑙</m:t>
+                                </m:r>
+                              </m:e>
+                              <m:sub>
+                                <m:r>
+                                  <a:rPr lang="en-US" b="0" i="1" smtClean="0">
+                                    <a:solidFill>
+                                      <a:srgbClr val="C00000"/>
+                                    </a:solidFill>
+                                    <a:latin typeface="Cambria Math" panose="02040503050406030204" pitchFamily="18" charset="0"/>
+                                  </a:rPr>
+                                  <m:t>𝑑𝑖𝑠𝑡</m:t>
+                                </m:r>
+                              </m:sub>
+                            </m:sSub>
+                            <m:r>
+                              <a:rPr lang="en-US" i="1">
+                                <a:solidFill>
+                                  <a:srgbClr val="C00000"/>
+                                </a:solidFill>
+                                <a:latin typeface="Cambria Math" panose="02040503050406030204" pitchFamily="18" charset="0"/>
+                              </a:rPr>
+                              <m:t>−</m:t>
+                            </m:r>
+                            <m:r>
+                              <a:rPr lang="en-US" i="1">
+                                <a:solidFill>
+                                  <a:srgbClr val="C00000"/>
+                                </a:solidFill>
+                                <a:latin typeface="Cambria Math" panose="02040503050406030204" pitchFamily="18" charset="0"/>
+                              </a:rPr>
+                              <m:t>𝑐𝑢𝑟</m:t>
+                            </m:r>
+                            <m:sSub>
+                              <m:sSubPr>
+                                <m:ctrlPr>
+                                  <a:rPr lang="en-US" i="1">
+                                    <a:solidFill>
+                                      <a:srgbClr val="C00000"/>
+                                    </a:solidFill>
+                                    <a:latin typeface="Cambria Math" panose="02040503050406030204" pitchFamily="18" charset="0"/>
+                                  </a:rPr>
+                                </m:ctrlPr>
+                              </m:sSubPr>
+                              <m:e>
+                                <m:r>
+                                  <a:rPr lang="en-US" i="1">
+                                    <a:solidFill>
+                                      <a:srgbClr val="C00000"/>
+                                    </a:solidFill>
+                                    <a:latin typeface="Cambria Math" panose="02040503050406030204" pitchFamily="18" charset="0"/>
+                                  </a:rPr>
+                                  <m:t>𝑟</m:t>
+                                </m:r>
+                              </m:e>
+                              <m:sub>
+                                <m:r>
+                                  <a:rPr lang="en-US" i="1">
+                                    <a:solidFill>
+                                      <a:srgbClr val="C00000"/>
+                                    </a:solidFill>
+                                    <a:latin typeface="Cambria Math" panose="02040503050406030204" pitchFamily="18" charset="0"/>
+                                  </a:rPr>
+                                  <m:t>𝑑𝑖𝑠𝑡</m:t>
+                                </m:r>
+                              </m:sub>
+                            </m:sSub>
+                          </m:e>
+                        </m:d>
+                      </m:e>
+                    </m:d>
+                    <m:r>
+                      <a:rPr lang="en-US" b="0" i="1" smtClean="0">
+                        <a:solidFill>
+                          <a:srgbClr val="C00000"/>
+                        </a:solidFill>
+                        <a:latin typeface="Cambria Math" panose="02040503050406030204" pitchFamily="18" charset="0"/>
+                      </a:rPr>
+                      <m:t>+</m:t>
+                    </m:r>
+                    <m:func>
+                      <m:funcPr>
+                        <m:ctrlPr>
+                          <a:rPr lang="en-US" b="0" i="1" smtClean="0">
+                            <a:solidFill>
+                              <a:srgbClr val="C00000"/>
+                            </a:solidFill>
+                            <a:latin typeface="Cambria Math" panose="02040503050406030204" pitchFamily="18" charset="0"/>
+                          </a:rPr>
+                        </m:ctrlPr>
+                      </m:funcPr>
+                      <m:fName>
+                        <m:r>
+                          <m:rPr>
+                            <m:sty m:val="p"/>
+                          </m:rPr>
+                          <a:rPr lang="en-US" b="0" i="0" smtClean="0">
+                            <a:solidFill>
+                              <a:srgbClr val="C00000"/>
+                            </a:solidFill>
+                            <a:latin typeface="Cambria Math" panose="02040503050406030204" pitchFamily="18" charset="0"/>
+                          </a:rPr>
+                          <m:t>min</m:t>
+                        </m:r>
+                      </m:fName>
+                      <m:e>
+                        <m:r>
+                          <a:rPr lang="en-US" b="0" i="1" smtClean="0">
+                            <a:solidFill>
+                              <a:srgbClr val="C00000"/>
+                            </a:solidFill>
+                            <a:latin typeface="Cambria Math" panose="02040503050406030204" pitchFamily="18" charset="0"/>
+                          </a:rPr>
+                          <m:t>𝑠𝑝𝑒𝑒𝑑</m:t>
+                        </m:r>
+                        <m:r>
+                          <a:rPr lang="en-US" b="0" i="1" smtClean="0">
+                            <a:solidFill>
+                              <a:srgbClr val="C00000"/>
+                            </a:solidFill>
+                            <a:latin typeface="Cambria Math" panose="02040503050406030204" pitchFamily="18" charset="0"/>
+                          </a:rPr>
+                          <m:t> </m:t>
+                        </m:r>
+                      </m:e>
+                    </m:func>
                   </m:oMath>
                 </a14:m>
-                <a:endParaRPr lang="en-ID" dirty="0"/>
+                <a:endParaRPr lang="en-ID" dirty="0">
+                  <a:solidFill>
+                    <a:srgbClr val="C00000"/>
+                  </a:solidFill>
+                </a:endParaRPr>
               </a:p>
             </p:txBody>
           </p:sp>
         </mc:Choice>
-        <mc:Fallback xmlns="">
+        <mc:Fallback>
           <p:sp>
             <p:nvSpPr>
               <p:cNvPr id="32" name="TextBox 31">
@@ -17195,8 +18357,8 @@
             </p:nvSpPr>
             <p:spPr>
               <a:xfrm>
-                <a:off x="8016170" y="3675080"/>
-                <a:ext cx="977127" cy="276999"/>
+                <a:off x="5179541" y="2971846"/>
+                <a:ext cx="6888153" cy="414537"/>
               </a:xfrm>
               <a:prstGeom prst="rect">
                 <a:avLst/>
@@ -17204,7 +18366,7 @@
               <a:blipFill>
                 <a:blip r:embed="rId3"/>
                 <a:stretch>
-                  <a:fillRect l="-15000" t="-28889" b="-51111"/>
+                  <a:fillRect l="-2124" t="-4412" b="-14706"/>
                 </a:stretch>
               </a:blipFill>
             </p:spPr>
@@ -17223,10 +18385,552 @@
           </p:sp>
         </mc:Fallback>
       </mc:AlternateContent>
+      <p:cxnSp>
+        <p:nvCxnSpPr>
+          <p:cNvPr id="17" name="Straight Arrow Connector 16">
+            <a:extLst>
+              <a:ext uri="{FF2B5EF4-FFF2-40B4-BE49-F238E27FC236}">
+                <a16:creationId xmlns:a16="http://schemas.microsoft.com/office/drawing/2014/main" id="{E4058323-8087-4ADE-87DF-E5DC8D178A18}"/>
+              </a:ext>
+            </a:extLst>
+          </p:cNvPr>
+          <p:cNvCxnSpPr/>
+          <p:nvPr/>
+        </p:nvCxnSpPr>
+        <p:spPr>
+          <a:xfrm flipV="1">
+            <a:off x="9429067" y="4798923"/>
+            <a:ext cx="0" cy="1802860"/>
+          </a:xfrm>
+          <a:prstGeom prst="straightConnector1">
+            <a:avLst/>
+          </a:prstGeom>
+          <a:ln w="57150">
+            <a:tailEnd type="triangle"/>
+          </a:ln>
+        </p:spPr>
+        <p:style>
+          <a:lnRef idx="1">
+            <a:schemeClr val="accent1"/>
+          </a:lnRef>
+          <a:fillRef idx="0">
+            <a:schemeClr val="accent1"/>
+          </a:fillRef>
+          <a:effectRef idx="0">
+            <a:schemeClr val="accent1"/>
+          </a:effectRef>
+          <a:fontRef idx="minor">
+            <a:schemeClr val="tx1"/>
+          </a:fontRef>
+        </p:style>
+      </p:cxnSp>
+      <p:cxnSp>
+        <p:nvCxnSpPr>
+          <p:cNvPr id="23" name="Straight Arrow Connector 22">
+            <a:extLst>
+              <a:ext uri="{FF2B5EF4-FFF2-40B4-BE49-F238E27FC236}">
+                <a16:creationId xmlns:a16="http://schemas.microsoft.com/office/drawing/2014/main" id="{C4504706-5A1C-4EED-8660-DAAFBE8F6BEE}"/>
+              </a:ext>
+            </a:extLst>
+          </p:cNvPr>
+          <p:cNvCxnSpPr>
+            <a:cxnSpLocks/>
+          </p:cNvCxnSpPr>
+          <p:nvPr/>
+        </p:nvCxnSpPr>
+        <p:spPr>
+          <a:xfrm>
+            <a:off x="9017263" y="6384532"/>
+            <a:ext cx="2201693" cy="0"/>
+          </a:xfrm>
+          <a:prstGeom prst="straightConnector1">
+            <a:avLst/>
+          </a:prstGeom>
+          <a:ln w="57150">
+            <a:tailEnd type="triangle"/>
+          </a:ln>
+        </p:spPr>
+        <p:style>
+          <a:lnRef idx="1">
+            <a:schemeClr val="accent1"/>
+          </a:lnRef>
+          <a:fillRef idx="0">
+            <a:schemeClr val="accent1"/>
+          </a:fillRef>
+          <a:effectRef idx="0">
+            <a:schemeClr val="accent1"/>
+          </a:effectRef>
+          <a:fontRef idx="minor">
+            <a:schemeClr val="tx1"/>
+          </a:fontRef>
+        </p:style>
+      </p:cxnSp>
+      <mc:AlternateContent xmlns:mc="http://schemas.openxmlformats.org/markup-compatibility/2006">
+        <mc:Choice xmlns:a14="http://schemas.microsoft.com/office/drawing/2010/main" Requires="a14">
+          <p:sp>
+            <p:nvSpPr>
+              <p:cNvPr id="21" name="TextBox 20">
+                <a:extLst>
+                  <a:ext uri="{FF2B5EF4-FFF2-40B4-BE49-F238E27FC236}">
+                    <a16:creationId xmlns:a16="http://schemas.microsoft.com/office/drawing/2014/main" id="{2A0F8788-C6CE-4E0C-A0D2-85AEA2A53A34}"/>
+                  </a:ext>
+                </a:extLst>
+              </p:cNvPr>
+              <p:cNvSpPr txBox="1"/>
+              <p:nvPr/>
+            </p:nvSpPr>
+            <p:spPr>
+              <a:xfrm>
+                <a:off x="9271712" y="4429311"/>
+                <a:ext cx="886781" cy="462947"/>
+              </a:xfrm>
+              <a:prstGeom prst="rect">
+                <a:avLst/>
+              </a:prstGeom>
+              <a:noFill/>
+            </p:spPr>
+            <p:txBody>
+              <a:bodyPr wrap="none" rtlCol="0">
+                <a:spAutoFit/>
+              </a:bodyPr>
+              <a:lstStyle/>
+              <a:p>
+                <a14:m>
+                  <m:oMath xmlns:m="http://schemas.openxmlformats.org/officeDocument/2006/math">
+                    <m:r>
+                      <a:rPr lang="en-US" b="0" i="1" smtClean="0">
+                        <a:latin typeface="Cambria Math" panose="02040503050406030204" pitchFamily="18" charset="0"/>
+                      </a:rPr>
+                      <m:t>𝑣</m:t>
+                    </m:r>
+                    <m:r>
+                      <a:rPr lang="en-US" b="0" i="1" smtClean="0">
+                        <a:latin typeface="Cambria Math" panose="02040503050406030204" pitchFamily="18" charset="0"/>
+                      </a:rPr>
+                      <m:t> ( </m:t>
+                    </m:r>
+                    <m:f>
+                      <m:fPr>
+                        <m:ctrlPr>
+                          <a:rPr lang="en-US" b="0" i="1" smtClean="0">
+                            <a:latin typeface="Cambria Math" panose="02040503050406030204" pitchFamily="18" charset="0"/>
+                          </a:rPr>
+                        </m:ctrlPr>
+                      </m:fPr>
+                      <m:num>
+                        <m:r>
+                          <a:rPr lang="en-US" b="0" i="1" smtClean="0">
+                            <a:latin typeface="Cambria Math" panose="02040503050406030204" pitchFamily="18" charset="0"/>
+                          </a:rPr>
+                          <m:t>𝑚</m:t>
+                        </m:r>
+                      </m:num>
+                      <m:den>
+                        <m:r>
+                          <a:rPr lang="en-US" b="0" i="1" smtClean="0">
+                            <a:latin typeface="Cambria Math" panose="02040503050406030204" pitchFamily="18" charset="0"/>
+                          </a:rPr>
+                          <m:t>𝑠</m:t>
+                        </m:r>
+                      </m:den>
+                    </m:f>
+                    <m:r>
+                      <a:rPr lang="en-US" b="0" i="1" smtClean="0">
+                        <a:latin typeface="Cambria Math" panose="02040503050406030204" pitchFamily="18" charset="0"/>
+                      </a:rPr>
+                      <m:t> )</m:t>
+                    </m:r>
+                  </m:oMath>
+                </a14:m>
+                <a:r>
+                  <a:rPr lang="en-ID" dirty="0"/>
+                  <a:t> </a:t>
+                </a:r>
+              </a:p>
+            </p:txBody>
+          </p:sp>
+        </mc:Choice>
+        <mc:Fallback>
+          <p:sp>
+            <p:nvSpPr>
+              <p:cNvPr id="21" name="TextBox 20">
+                <a:extLst>
+                  <a:ext uri="{FF2B5EF4-FFF2-40B4-BE49-F238E27FC236}">
+                    <a16:creationId xmlns:a16="http://schemas.microsoft.com/office/drawing/2014/main" id="{2A0F8788-C6CE-4E0C-A0D2-85AEA2A53A34}"/>
+                  </a:ext>
+                </a:extLst>
+              </p:cNvPr>
+              <p:cNvSpPr txBox="1">
+                <a:spLocks noRot="1" noChangeAspect="1" noMove="1" noResize="1" noEditPoints="1" noAdjustHandles="1" noChangeArrowheads="1" noChangeShapeType="1" noTextEdit="1"/>
+              </p:cNvSpPr>
+              <p:nvPr/>
+            </p:nvSpPr>
+            <p:spPr>
+              <a:xfrm>
+                <a:off x="9271712" y="4429311"/>
+                <a:ext cx="886781" cy="462947"/>
+              </a:xfrm>
+              <a:prstGeom prst="rect">
+                <a:avLst/>
+              </a:prstGeom>
+              <a:blipFill>
+                <a:blip r:embed="rId4"/>
+                <a:stretch>
+                  <a:fillRect/>
+                </a:stretch>
+              </a:blipFill>
+            </p:spPr>
+            <p:txBody>
+              <a:bodyPr/>
+              <a:lstStyle/>
+              <a:p>
+                <a:r>
+                  <a:rPr lang="en-ID">
+                    <a:noFill/>
+                  </a:rPr>
+                  <a:t> </a:t>
+                </a:r>
+              </a:p>
+            </p:txBody>
+          </p:sp>
+        </mc:Fallback>
+      </mc:AlternateContent>
+      <mc:AlternateContent xmlns:mc="http://schemas.openxmlformats.org/markup-compatibility/2006">
+        <mc:Choice xmlns:a14="http://schemas.microsoft.com/office/drawing/2010/main" Requires="a14">
+          <p:sp>
+            <p:nvSpPr>
+              <p:cNvPr id="22" name="TextBox 21">
+                <a:extLst>
+                  <a:ext uri="{FF2B5EF4-FFF2-40B4-BE49-F238E27FC236}">
+                    <a16:creationId xmlns:a16="http://schemas.microsoft.com/office/drawing/2014/main" id="{72A1606B-33DB-4D67-A9B8-B433F571F480}"/>
+                  </a:ext>
+                </a:extLst>
+              </p:cNvPr>
+              <p:cNvSpPr txBox="1"/>
+              <p:nvPr/>
+            </p:nvSpPr>
+            <p:spPr>
+              <a:xfrm>
+                <a:off x="11199834" y="6183123"/>
+                <a:ext cx="738728" cy="276999"/>
+              </a:xfrm>
+              <a:prstGeom prst="rect">
+                <a:avLst/>
+              </a:prstGeom>
+              <a:noFill/>
+            </p:spPr>
+            <p:txBody>
+              <a:bodyPr wrap="none" lIns="0" tIns="0" rIns="0" bIns="0" rtlCol="0">
+                <a:spAutoFit/>
+              </a:bodyPr>
+              <a:lstStyle/>
+              <a:p>
+                <a14:m>
+                  <m:oMathPara xmlns:m="http://schemas.openxmlformats.org/officeDocument/2006/math">
+                    <m:oMathParaPr>
+                      <m:jc m:val="centerGroup"/>
+                    </m:oMathParaPr>
+                    <m:oMath xmlns:m="http://schemas.openxmlformats.org/officeDocument/2006/math">
+                      <m:r>
+                        <a:rPr lang="en-US" b="0" i="1" smtClean="0">
+                          <a:latin typeface="Cambria Math" panose="02040503050406030204" pitchFamily="18" charset="0"/>
+                        </a:rPr>
+                        <m:t>𝑥</m:t>
+                      </m:r>
+                      <m:r>
+                        <a:rPr lang="en-US" b="0" i="1" smtClean="0">
+                          <a:latin typeface="Cambria Math" panose="02040503050406030204" pitchFamily="18" charset="0"/>
+                        </a:rPr>
+                        <m:t> </m:t>
+                      </m:r>
+                      <m:d>
+                        <m:dPr>
+                          <m:ctrlPr>
+                            <a:rPr lang="en-US" b="0" i="1" smtClean="0">
+                              <a:latin typeface="Cambria Math" panose="02040503050406030204" pitchFamily="18" charset="0"/>
+                            </a:rPr>
+                          </m:ctrlPr>
+                        </m:dPr>
+                        <m:e>
+                          <m:r>
+                            <a:rPr lang="en-US" b="0" i="1" smtClean="0">
+                              <a:latin typeface="Cambria Math" panose="02040503050406030204" pitchFamily="18" charset="0"/>
+                            </a:rPr>
+                            <m:t> </m:t>
+                          </m:r>
+                          <m:r>
+                            <a:rPr lang="en-US" b="0" i="1" smtClean="0">
+                              <a:latin typeface="Cambria Math" panose="02040503050406030204" pitchFamily="18" charset="0"/>
+                            </a:rPr>
+                            <m:t>𝑚</m:t>
+                          </m:r>
+                          <m:r>
+                            <a:rPr lang="en-US" b="0" i="1" smtClean="0">
+                              <a:latin typeface="Cambria Math" panose="02040503050406030204" pitchFamily="18" charset="0"/>
+                            </a:rPr>
+                            <m:t> </m:t>
+                          </m:r>
+                        </m:e>
+                      </m:d>
+                    </m:oMath>
+                  </m:oMathPara>
+                </a14:m>
+                <a:endParaRPr lang="en-ID" dirty="0"/>
+              </a:p>
+            </p:txBody>
+          </p:sp>
+        </mc:Choice>
+        <mc:Fallback>
+          <p:sp>
+            <p:nvSpPr>
+              <p:cNvPr id="22" name="TextBox 21">
+                <a:extLst>
+                  <a:ext uri="{FF2B5EF4-FFF2-40B4-BE49-F238E27FC236}">
+                    <a16:creationId xmlns:a16="http://schemas.microsoft.com/office/drawing/2014/main" id="{72A1606B-33DB-4D67-A9B8-B433F571F480}"/>
+                  </a:ext>
+                </a:extLst>
+              </p:cNvPr>
+              <p:cNvSpPr txBox="1">
+                <a:spLocks noRot="1" noChangeAspect="1" noMove="1" noResize="1" noEditPoints="1" noAdjustHandles="1" noChangeArrowheads="1" noChangeShapeType="1" noTextEdit="1"/>
+              </p:cNvSpPr>
+              <p:nvPr/>
+            </p:nvSpPr>
+            <p:spPr>
+              <a:xfrm>
+                <a:off x="11199834" y="6183123"/>
+                <a:ext cx="738728" cy="276999"/>
+              </a:xfrm>
+              <a:prstGeom prst="rect">
+                <a:avLst/>
+              </a:prstGeom>
+              <a:blipFill>
+                <a:blip r:embed="rId5"/>
+                <a:stretch>
+                  <a:fillRect l="-3306" b="-2174"/>
+                </a:stretch>
+              </a:blipFill>
+            </p:spPr>
+            <p:txBody>
+              <a:bodyPr/>
+              <a:lstStyle/>
+              <a:p>
+                <a:r>
+                  <a:rPr lang="en-ID">
+                    <a:noFill/>
+                  </a:rPr>
+                  <a:t> </a:t>
+                </a:r>
+              </a:p>
+            </p:txBody>
+          </p:sp>
+        </mc:Fallback>
+      </mc:AlternateContent>
+      <p:cxnSp>
+        <p:nvCxnSpPr>
+          <p:cNvPr id="35" name="Connector: Curved 34">
+            <a:extLst>
+              <a:ext uri="{FF2B5EF4-FFF2-40B4-BE49-F238E27FC236}">
+                <a16:creationId xmlns:a16="http://schemas.microsoft.com/office/drawing/2014/main" id="{D09B9AC2-8F41-4A32-944A-B8D4961C8544}"/>
+              </a:ext>
+            </a:extLst>
+          </p:cNvPr>
+          <p:cNvCxnSpPr>
+            <a:cxnSpLocks/>
+          </p:cNvCxnSpPr>
+          <p:nvPr/>
+        </p:nvCxnSpPr>
+        <p:spPr>
+          <a:xfrm>
+            <a:off x="4662532" y="3504012"/>
+            <a:ext cx="1774233" cy="1472891"/>
+          </a:xfrm>
+          <a:prstGeom prst="curvedConnector3">
+            <a:avLst>
+              <a:gd name="adj1" fmla="val 50000"/>
+            </a:avLst>
+          </a:prstGeom>
+          <a:ln>
+            <a:tailEnd type="triangle"/>
+          </a:ln>
+        </p:spPr>
+        <p:style>
+          <a:lnRef idx="1">
+            <a:schemeClr val="accent1"/>
+          </a:lnRef>
+          <a:fillRef idx="0">
+            <a:schemeClr val="accent1"/>
+          </a:fillRef>
+          <a:effectRef idx="0">
+            <a:schemeClr val="accent1"/>
+          </a:effectRef>
+          <a:fontRef idx="minor">
+            <a:schemeClr val="tx1"/>
+          </a:fontRef>
+        </p:style>
+      </p:cxnSp>
     </p:spTree>
     <p:extLst>
       <p:ext uri="{BB962C8B-B14F-4D97-AF65-F5344CB8AC3E}">
         <p14:creationId xmlns:p14="http://schemas.microsoft.com/office/powerpoint/2010/main" val="1295172018"/>
+      </p:ext>
+    </p:extLst>
+  </p:cSld>
+  <p:clrMapOvr>
+    <a:masterClrMapping/>
+  </p:clrMapOvr>
+</p:sld>
+</file>
+
+<file path=ppt/slides/slide13.xml><?xml version="1.0" encoding="utf-8"?>
+<p:sld xmlns:a="http://schemas.openxmlformats.org/drawingml/2006/main" xmlns:r="http://schemas.openxmlformats.org/officeDocument/2006/relationships" xmlns:p="http://schemas.openxmlformats.org/presentationml/2006/main">
+  <p:cSld>
+    <p:spTree>
+      <p:nvGrpSpPr>
+        <p:cNvPr id="1" name=""/>
+        <p:cNvGrpSpPr/>
+        <p:nvPr/>
+      </p:nvGrpSpPr>
+      <p:grpSpPr>
+        <a:xfrm>
+          <a:off x="0" y="0"/>
+          <a:ext cx="0" cy="0"/>
+          <a:chOff x="0" y="0"/>
+          <a:chExt cx="0" cy="0"/>
+        </a:xfrm>
+      </p:grpSpPr>
+      <p:sp>
+        <p:nvSpPr>
+          <p:cNvPr id="2" name="Title 1">
+            <a:extLst>
+              <a:ext uri="{FF2B5EF4-FFF2-40B4-BE49-F238E27FC236}">
+                <a16:creationId xmlns:a16="http://schemas.microsoft.com/office/drawing/2014/main" id="{E03F6F01-9AD8-4467-AB61-1F9D30A94A02}"/>
+              </a:ext>
+            </a:extLst>
+          </p:cNvPr>
+          <p:cNvSpPr>
+            <a:spLocks noGrp="1"/>
+          </p:cNvSpPr>
+          <p:nvPr>
+            <p:ph type="title"/>
+          </p:nvPr>
+        </p:nvSpPr>
+        <p:spPr/>
+        <p:txBody>
+          <a:bodyPr/>
+          <a:lstStyle/>
+          <a:p>
+            <a:r>
+              <a:rPr lang="en-US" dirty="0"/>
+              <a:t>Recommendations	</a:t>
+            </a:r>
+            <a:endParaRPr lang="en-ID" dirty="0"/>
+          </a:p>
+        </p:txBody>
+      </p:sp>
+      <p:sp>
+        <p:nvSpPr>
+          <p:cNvPr id="3" name="Content Placeholder 2">
+            <a:extLst>
+              <a:ext uri="{FF2B5EF4-FFF2-40B4-BE49-F238E27FC236}">
+                <a16:creationId xmlns:a16="http://schemas.microsoft.com/office/drawing/2014/main" id="{F28CE185-39D7-4AEE-8875-09275D5121EA}"/>
+              </a:ext>
+            </a:extLst>
+          </p:cNvPr>
+          <p:cNvSpPr>
+            <a:spLocks noGrp="1"/>
+          </p:cNvSpPr>
+          <p:nvPr>
+            <p:ph idx="1"/>
+          </p:nvPr>
+        </p:nvSpPr>
+        <p:spPr/>
+        <p:txBody>
+          <a:bodyPr/>
+          <a:lstStyle/>
+          <a:p>
+            <a:r>
+              <a:rPr lang="en-US" dirty="0"/>
+              <a:t>Speech recognition is able to take people speech into string, and can be used for commands, decision and to have a simple conversation.</a:t>
+            </a:r>
+          </a:p>
+          <a:p>
+            <a:r>
+              <a:rPr lang="en-US" dirty="0"/>
+              <a:t>Docking still need to be optimized in terms of speed, precision, fixed when the marker is no longer detected  by the camera to publish a last known TF in orientation to map.</a:t>
+            </a:r>
+          </a:p>
+          <a:p>
+            <a:r>
+              <a:rPr lang="en-US" dirty="0"/>
+              <a:t>Tablet height control needs to fixed especially in the initialization part, to make sure the switch is pressed firmly</a:t>
+            </a:r>
+            <a:endParaRPr lang="en-ID" dirty="0"/>
+          </a:p>
+        </p:txBody>
+      </p:sp>
+      <p:sp>
+        <p:nvSpPr>
+          <p:cNvPr id="4" name="Footer Placeholder 3">
+            <a:extLst>
+              <a:ext uri="{FF2B5EF4-FFF2-40B4-BE49-F238E27FC236}">
+                <a16:creationId xmlns:a16="http://schemas.microsoft.com/office/drawing/2014/main" id="{C94837D3-3417-4ADE-A42C-C533A5C85613}"/>
+              </a:ext>
+            </a:extLst>
+          </p:cNvPr>
+          <p:cNvSpPr>
+            <a:spLocks noGrp="1"/>
+          </p:cNvSpPr>
+          <p:nvPr>
+            <p:ph type="ftr" sz="quarter" idx="11"/>
+          </p:nvPr>
+        </p:nvSpPr>
+        <p:spPr/>
+        <p:txBody>
+          <a:bodyPr/>
+          <a:lstStyle/>
+          <a:p>
+            <a:r>
+              <a:rPr lang="en-US"/>
+              <a:t>Mixed Topics in MobiKa - Joshua Phartogi</a:t>
+            </a:r>
+            <a:endParaRPr lang="en-US" dirty="0"/>
+          </a:p>
+        </p:txBody>
+      </p:sp>
+      <p:sp>
+        <p:nvSpPr>
+          <p:cNvPr id="5" name="Slide Number Placeholder 4">
+            <a:extLst>
+              <a:ext uri="{FF2B5EF4-FFF2-40B4-BE49-F238E27FC236}">
+                <a16:creationId xmlns:a16="http://schemas.microsoft.com/office/drawing/2014/main" id="{E28D661E-64DD-496F-A85C-02975FF1AEEE}"/>
+              </a:ext>
+            </a:extLst>
+          </p:cNvPr>
+          <p:cNvSpPr>
+            <a:spLocks noGrp="1"/>
+          </p:cNvSpPr>
+          <p:nvPr>
+            <p:ph type="sldNum" sz="quarter" idx="12"/>
+          </p:nvPr>
+        </p:nvSpPr>
+        <p:spPr/>
+        <p:txBody>
+          <a:bodyPr/>
+          <a:lstStyle/>
+          <a:p>
+            <a:fld id="{D57F1E4F-1CFF-5643-939E-217C01CDF565}" type="slidenum">
+              <a:rPr lang="en-US" smtClean="0"/>
+              <a:pPr/>
+              <a:t>13</a:t>
+            </a:fld>
+            <a:endParaRPr lang="en-US" dirty="0"/>
+          </a:p>
+        </p:txBody>
+      </p:sp>
+    </p:spTree>
+    <p:extLst>
+      <p:ext uri="{BB962C8B-B14F-4D97-AF65-F5344CB8AC3E}">
+        <p14:creationId xmlns:p14="http://schemas.microsoft.com/office/powerpoint/2010/main" val="2921855206"/>
       </p:ext>
     </p:extLst>
   </p:cSld>
@@ -17357,7 +19061,7 @@
             <p:ph idx="1"/>
             <p:extLst>
               <p:ext uri="{D42A27DB-BD31-4B8C-83A1-F6EECF244321}">
-                <p14:modId xmlns:p14="http://schemas.microsoft.com/office/powerpoint/2010/main" val="1446358033"/>
+                <p14:modId xmlns:p14="http://schemas.microsoft.com/office/powerpoint/2010/main" val="3833088246"/>
               </p:ext>
             </p:extLst>
           </p:nvPr>
@@ -17386,6 +19090,149 @@
 </file>
 
 <file path=ppt/slides/slide3.xml><?xml version="1.0" encoding="utf-8"?>
+<p:sld xmlns:a="http://schemas.openxmlformats.org/drawingml/2006/main" xmlns:r="http://schemas.openxmlformats.org/officeDocument/2006/relationships" xmlns:p="http://schemas.openxmlformats.org/presentationml/2006/main">
+  <p:cSld>
+    <p:spTree>
+      <p:nvGrpSpPr>
+        <p:cNvPr id="1" name=""/>
+        <p:cNvGrpSpPr/>
+        <p:nvPr/>
+      </p:nvGrpSpPr>
+      <p:grpSpPr>
+        <a:xfrm>
+          <a:off x="0" y="0"/>
+          <a:ext cx="0" cy="0"/>
+          <a:chOff x="0" y="0"/>
+          <a:chExt cx="0" cy="0"/>
+        </a:xfrm>
+      </p:grpSpPr>
+      <p:sp>
+        <p:nvSpPr>
+          <p:cNvPr id="2" name="Title 1">
+            <a:extLst>
+              <a:ext uri="{FF2B5EF4-FFF2-40B4-BE49-F238E27FC236}">
+                <a16:creationId xmlns:a16="http://schemas.microsoft.com/office/drawing/2014/main" id="{DD6D757C-0079-4613-B95A-BC2302C97E03}"/>
+              </a:ext>
+            </a:extLst>
+          </p:cNvPr>
+          <p:cNvSpPr>
+            <a:spLocks noGrp="1"/>
+          </p:cNvSpPr>
+          <p:nvPr>
+            <p:ph type="title"/>
+          </p:nvPr>
+        </p:nvSpPr>
+        <p:spPr/>
+        <p:txBody>
+          <a:bodyPr/>
+          <a:lstStyle/>
+          <a:p>
+            <a:r>
+              <a:rPr lang="en-US"/>
+              <a:t>Introductions</a:t>
+            </a:r>
+            <a:endParaRPr lang="en-ID"/>
+          </a:p>
+        </p:txBody>
+      </p:sp>
+      <p:sp>
+        <p:nvSpPr>
+          <p:cNvPr id="3" name="Content Placeholder 2">
+            <a:extLst>
+              <a:ext uri="{FF2B5EF4-FFF2-40B4-BE49-F238E27FC236}">
+                <a16:creationId xmlns:a16="http://schemas.microsoft.com/office/drawing/2014/main" id="{1FD074C3-5D8B-4AD3-8ADB-A451BFDBF31B}"/>
+              </a:ext>
+            </a:extLst>
+          </p:cNvPr>
+          <p:cNvSpPr>
+            <a:spLocks noGrp="1"/>
+          </p:cNvSpPr>
+          <p:nvPr>
+            <p:ph idx="1"/>
+          </p:nvPr>
+        </p:nvSpPr>
+        <p:spPr/>
+        <p:txBody>
+          <a:bodyPr/>
+          <a:lstStyle/>
+          <a:p>
+            <a:endParaRPr lang="en-ID"/>
+          </a:p>
+        </p:txBody>
+      </p:sp>
+      <p:sp>
+        <p:nvSpPr>
+          <p:cNvPr id="4" name="Footer Placeholder 3">
+            <a:extLst>
+              <a:ext uri="{FF2B5EF4-FFF2-40B4-BE49-F238E27FC236}">
+                <a16:creationId xmlns:a16="http://schemas.microsoft.com/office/drawing/2014/main" id="{DBA81E37-CCB0-4E6E-B91B-728394F96C77}"/>
+              </a:ext>
+            </a:extLst>
+          </p:cNvPr>
+          <p:cNvSpPr>
+            <a:spLocks noGrp="1"/>
+          </p:cNvSpPr>
+          <p:nvPr>
+            <p:ph type="ftr" sz="quarter" idx="11"/>
+          </p:nvPr>
+        </p:nvSpPr>
+        <p:spPr/>
+        <p:txBody>
+          <a:bodyPr/>
+          <a:lstStyle/>
+          <a:p>
+            <a:r>
+              <a:rPr lang="en-US"/>
+              <a:t>Mixed Topics in MobiKa - Joshua Phartogi</a:t>
+            </a:r>
+            <a:endParaRPr lang="en-US" dirty="0"/>
+          </a:p>
+        </p:txBody>
+      </p:sp>
+      <p:sp>
+        <p:nvSpPr>
+          <p:cNvPr id="5" name="Slide Number Placeholder 4">
+            <a:extLst>
+              <a:ext uri="{FF2B5EF4-FFF2-40B4-BE49-F238E27FC236}">
+                <a16:creationId xmlns:a16="http://schemas.microsoft.com/office/drawing/2014/main" id="{A5609823-E20B-43FA-8259-3E4DD09ABCD4}"/>
+              </a:ext>
+            </a:extLst>
+          </p:cNvPr>
+          <p:cNvSpPr>
+            <a:spLocks noGrp="1"/>
+          </p:cNvSpPr>
+          <p:nvPr>
+            <p:ph type="sldNum" sz="quarter" idx="12"/>
+          </p:nvPr>
+        </p:nvSpPr>
+        <p:spPr/>
+        <p:txBody>
+          <a:bodyPr/>
+          <a:lstStyle/>
+          <a:p>
+            <a:fld id="{D57F1E4F-1CFF-5643-939E-217C01CDF565}" type="slidenum">
+              <a:rPr lang="en-US" smtClean="0"/>
+              <a:pPr/>
+              <a:t>3</a:t>
+            </a:fld>
+            <a:endParaRPr lang="en-US" dirty="0"/>
+          </a:p>
+        </p:txBody>
+      </p:sp>
+    </p:spTree>
+    <p:extLst>
+      <p:ext uri="{BB962C8B-B14F-4D97-AF65-F5344CB8AC3E}">
+        <p14:creationId xmlns:p14="http://schemas.microsoft.com/office/powerpoint/2010/main" val="2914718445"/>
+      </p:ext>
+    </p:extLst>
+  </p:cSld>
+  <p:clrMapOvr>
+    <a:masterClrMapping/>
+  </p:clrMapOvr>
+</p:sld>
+</file>
+
+<file path=ppt/slides/slide4.xml><?xml version="1.0" encoding="utf-8"?>
 <p:sld xmlns:a="http://schemas.openxmlformats.org/drawingml/2006/main" xmlns:r="http://schemas.openxmlformats.org/officeDocument/2006/relationships" xmlns:p="http://schemas.openxmlformats.org/presentationml/2006/main">
   <p:cSld>
     <p:bg>
@@ -17506,7 +19353,7 @@
         </p:nvSpPr>
         <p:spPr>
           <a:xfrm>
-            <a:off x="649224" y="234739"/>
+            <a:off x="649224" y="114178"/>
             <a:ext cx="6574536" cy="1259894"/>
           </a:xfrm>
         </p:spPr>
@@ -17596,7 +19443,7 @@
         </p:nvSpPr>
         <p:spPr>
           <a:xfrm>
-            <a:off x="727429" y="1410265"/>
+            <a:off x="720172" y="1271533"/>
             <a:ext cx="6574535" cy="3759253"/>
           </a:xfrm>
         </p:spPr>
@@ -17627,6 +19474,28 @@
             <a:r>
               <a:rPr lang="en-ID" dirty="0"/>
               <a:t> to detect the marker</a:t>
+            </a:r>
+          </a:p>
+          <a:p>
+            <a:r>
+              <a:rPr lang="en-US" dirty="0"/>
+              <a:t>S</a:t>
+            </a:r>
+            <a:r>
+              <a:rPr lang="en-ID" dirty="0" err="1"/>
+              <a:t>ubscribe</a:t>
+            </a:r>
+            <a:r>
+              <a:rPr lang="en-ID" dirty="0"/>
+              <a:t> to topic /</a:t>
+            </a:r>
+            <a:r>
+              <a:rPr lang="en-ID" dirty="0" err="1"/>
+              <a:t>fiducial_transform</a:t>
+            </a:r>
+            <a:r>
+              <a:rPr lang="en-ID" dirty="0"/>
+              <a:t> </a:t>
             </a:r>
           </a:p>
           <a:p>
@@ -17714,7 +19583,7 @@
         </p:blipFill>
         <p:spPr bwMode="auto">
           <a:xfrm>
-            <a:off x="649224" y="3040432"/>
+            <a:off x="679886" y="3100161"/>
             <a:ext cx="5820319" cy="3273929"/>
           </a:xfrm>
           <a:prstGeom prst="rect">
@@ -17995,7 +19864,7 @@
                   <a:spcPts val="600"/>
                 </a:spcAft>
               </a:pPr>
-              <a:t>3</a:t>
+              <a:t>4</a:t>
             </a:fld>
             <a:endParaRPr lang="en-US" sz="1900"/>
           </a:p>
@@ -18346,6 +20215,290 @@
           </a:p>
         </p:txBody>
       </p:sp>
+      <p:sp>
+        <p:nvSpPr>
+          <p:cNvPr id="17" name="Content Placeholder 2">
+            <a:extLst>
+              <a:ext uri="{FF2B5EF4-FFF2-40B4-BE49-F238E27FC236}">
+                <a16:creationId xmlns:a16="http://schemas.microsoft.com/office/drawing/2014/main" id="{0049CB1E-B419-440B-A3A1-611257C3A376}"/>
+              </a:ext>
+            </a:extLst>
+          </p:cNvPr>
+          <p:cNvSpPr txBox="1">
+            <a:spLocks/>
+          </p:cNvSpPr>
+          <p:nvPr/>
+        </p:nvSpPr>
+        <p:spPr>
+          <a:xfrm>
+            <a:off x="7230098" y="4066479"/>
+            <a:ext cx="4760013" cy="3759253"/>
+          </a:xfrm>
+          <a:prstGeom prst="rect">
+            <a:avLst/>
+          </a:prstGeom>
+        </p:spPr>
+        <p:txBody>
+          <a:bodyPr vert="horz" lIns="91440" tIns="45720" rIns="91440" bIns="45720" rtlCol="0">
+            <a:normAutofit/>
+          </a:bodyPr>
+          <a:lstStyle>
+            <a:lvl1pPr marL="342900" indent="-342900" algn="l" defTabSz="457200" rtl="0" eaLnBrk="1" latinLnBrk="0" hangingPunct="1">
+              <a:spcBef>
+                <a:spcPts val="1000"/>
+              </a:spcBef>
+              <a:spcAft>
+                <a:spcPts val="0"/>
+              </a:spcAft>
+              <a:buClr>
+                <a:schemeClr val="accent1"/>
+              </a:buClr>
+              <a:buFont typeface="Wingdings 3" charset="2"/>
+              <a:buChar char=""/>
+              <a:defRPr sz="1800" kern="1200">
+                <a:solidFill>
+                  <a:schemeClr val="tx1">
+                    <a:lumMod val="75000"/>
+                    <a:lumOff val="25000"/>
+                  </a:schemeClr>
+                </a:solidFill>
+                <a:latin typeface="+mn-lt"/>
+                <a:ea typeface="+mn-ea"/>
+                <a:cs typeface="+mn-cs"/>
+              </a:defRPr>
+            </a:lvl1pPr>
+            <a:lvl2pPr marL="742950" indent="-285750" algn="l" defTabSz="457200" rtl="0" eaLnBrk="1" latinLnBrk="0" hangingPunct="1">
+              <a:spcBef>
+                <a:spcPts val="1000"/>
+              </a:spcBef>
+              <a:spcAft>
+                <a:spcPts val="0"/>
+              </a:spcAft>
+              <a:buClr>
+                <a:schemeClr val="accent1"/>
+              </a:buClr>
+              <a:buFont typeface="Wingdings 3" charset="2"/>
+              <a:buChar char=""/>
+              <a:defRPr sz="1600" kern="1200">
+                <a:solidFill>
+                  <a:schemeClr val="tx1">
+                    <a:lumMod val="75000"/>
+                    <a:lumOff val="25000"/>
+                  </a:schemeClr>
+                </a:solidFill>
+                <a:latin typeface="+mn-lt"/>
+                <a:ea typeface="+mn-ea"/>
+                <a:cs typeface="+mn-cs"/>
+              </a:defRPr>
+            </a:lvl2pPr>
+            <a:lvl3pPr marL="1143000" indent="-228600" algn="l" defTabSz="457200" rtl="0" eaLnBrk="1" latinLnBrk="0" hangingPunct="1">
+              <a:spcBef>
+                <a:spcPts val="1000"/>
+              </a:spcBef>
+              <a:spcAft>
+                <a:spcPts val="0"/>
+              </a:spcAft>
+              <a:buClr>
+                <a:schemeClr val="accent1"/>
+              </a:buClr>
+              <a:buFont typeface="Wingdings 3" charset="2"/>
+              <a:buChar char=""/>
+              <a:defRPr sz="1400" kern="1200">
+                <a:solidFill>
+                  <a:schemeClr val="tx1">
+                    <a:lumMod val="75000"/>
+                    <a:lumOff val="25000"/>
+                  </a:schemeClr>
+                </a:solidFill>
+                <a:latin typeface="+mn-lt"/>
+                <a:ea typeface="+mn-ea"/>
+                <a:cs typeface="+mn-cs"/>
+              </a:defRPr>
+            </a:lvl3pPr>
+            <a:lvl4pPr marL="1600200" indent="-228600" algn="l" defTabSz="457200" rtl="0" eaLnBrk="1" latinLnBrk="0" hangingPunct="1">
+              <a:spcBef>
+                <a:spcPts val="1000"/>
+              </a:spcBef>
+              <a:spcAft>
+                <a:spcPts val="0"/>
+              </a:spcAft>
+              <a:buClr>
+                <a:schemeClr val="accent1"/>
+              </a:buClr>
+              <a:buFont typeface="Wingdings 3" charset="2"/>
+              <a:buChar char=""/>
+              <a:defRPr sz="1200" kern="1200">
+                <a:solidFill>
+                  <a:schemeClr val="tx1">
+                    <a:lumMod val="75000"/>
+                    <a:lumOff val="25000"/>
+                  </a:schemeClr>
+                </a:solidFill>
+                <a:latin typeface="+mn-lt"/>
+                <a:ea typeface="+mn-ea"/>
+                <a:cs typeface="+mn-cs"/>
+              </a:defRPr>
+            </a:lvl4pPr>
+            <a:lvl5pPr marL="2057400" indent="-228600" algn="l" defTabSz="457200" rtl="0" eaLnBrk="1" latinLnBrk="0" hangingPunct="1">
+              <a:spcBef>
+                <a:spcPts val="1000"/>
+              </a:spcBef>
+              <a:spcAft>
+                <a:spcPts val="0"/>
+              </a:spcAft>
+              <a:buClr>
+                <a:schemeClr val="accent1"/>
+              </a:buClr>
+              <a:buFont typeface="Wingdings 3" charset="2"/>
+              <a:buChar char=""/>
+              <a:defRPr sz="1200" kern="1200">
+                <a:solidFill>
+                  <a:schemeClr val="tx1">
+                    <a:lumMod val="75000"/>
+                    <a:lumOff val="25000"/>
+                  </a:schemeClr>
+                </a:solidFill>
+                <a:latin typeface="+mn-lt"/>
+                <a:ea typeface="+mn-ea"/>
+                <a:cs typeface="+mn-cs"/>
+              </a:defRPr>
+            </a:lvl5pPr>
+            <a:lvl6pPr marL="2514600" indent="-228600" algn="l" defTabSz="457200" rtl="0" eaLnBrk="1" latinLnBrk="0" hangingPunct="1">
+              <a:spcBef>
+                <a:spcPts val="1000"/>
+              </a:spcBef>
+              <a:spcAft>
+                <a:spcPts val="0"/>
+              </a:spcAft>
+              <a:buClr>
+                <a:schemeClr val="accent1"/>
+              </a:buClr>
+              <a:buFont typeface="Wingdings 3" charset="2"/>
+              <a:buChar char=""/>
+              <a:defRPr sz="1200" kern="1200">
+                <a:solidFill>
+                  <a:schemeClr val="tx1">
+                    <a:lumMod val="75000"/>
+                    <a:lumOff val="25000"/>
+                  </a:schemeClr>
+                </a:solidFill>
+                <a:latin typeface="+mn-lt"/>
+                <a:ea typeface="+mn-ea"/>
+                <a:cs typeface="+mn-cs"/>
+              </a:defRPr>
+            </a:lvl6pPr>
+            <a:lvl7pPr marL="2971800" indent="-228600" algn="l" defTabSz="457200" rtl="0" eaLnBrk="1" latinLnBrk="0" hangingPunct="1">
+              <a:spcBef>
+                <a:spcPts val="1000"/>
+              </a:spcBef>
+              <a:spcAft>
+                <a:spcPts val="0"/>
+              </a:spcAft>
+              <a:buClr>
+                <a:schemeClr val="accent1"/>
+              </a:buClr>
+              <a:buFont typeface="Wingdings 3" charset="2"/>
+              <a:buChar char=""/>
+              <a:defRPr sz="1200" kern="1200">
+                <a:solidFill>
+                  <a:schemeClr val="tx1">
+                    <a:lumMod val="75000"/>
+                    <a:lumOff val="25000"/>
+                  </a:schemeClr>
+                </a:solidFill>
+                <a:latin typeface="+mn-lt"/>
+                <a:ea typeface="+mn-ea"/>
+                <a:cs typeface="+mn-cs"/>
+              </a:defRPr>
+            </a:lvl7pPr>
+            <a:lvl8pPr marL="3429000" indent="-228600" algn="l" defTabSz="457200" rtl="0" eaLnBrk="1" latinLnBrk="0" hangingPunct="1">
+              <a:spcBef>
+                <a:spcPts val="1000"/>
+              </a:spcBef>
+              <a:spcAft>
+                <a:spcPts val="0"/>
+              </a:spcAft>
+              <a:buClr>
+                <a:schemeClr val="accent1"/>
+              </a:buClr>
+              <a:buFont typeface="Wingdings 3" charset="2"/>
+              <a:buChar char=""/>
+              <a:defRPr sz="1200" kern="1200">
+                <a:solidFill>
+                  <a:schemeClr val="tx1">
+                    <a:lumMod val="75000"/>
+                    <a:lumOff val="25000"/>
+                  </a:schemeClr>
+                </a:solidFill>
+                <a:latin typeface="+mn-lt"/>
+                <a:ea typeface="+mn-ea"/>
+                <a:cs typeface="+mn-cs"/>
+              </a:defRPr>
+            </a:lvl8pPr>
+            <a:lvl9pPr marL="3886200" indent="-228600" algn="l" defTabSz="457200" rtl="0" eaLnBrk="1" latinLnBrk="0" hangingPunct="1">
+              <a:spcBef>
+                <a:spcPts val="1000"/>
+              </a:spcBef>
+              <a:spcAft>
+                <a:spcPts val="0"/>
+              </a:spcAft>
+              <a:buClr>
+                <a:schemeClr val="accent1"/>
+              </a:buClr>
+              <a:buFont typeface="Wingdings 3" charset="2"/>
+              <a:buChar char=""/>
+              <a:defRPr sz="1200" kern="1200">
+                <a:solidFill>
+                  <a:schemeClr val="tx1">
+                    <a:lumMod val="75000"/>
+                    <a:lumOff val="25000"/>
+                  </a:schemeClr>
+                </a:solidFill>
+                <a:latin typeface="+mn-lt"/>
+                <a:ea typeface="+mn-ea"/>
+                <a:cs typeface="+mn-cs"/>
+              </a:defRPr>
+            </a:lvl9pPr>
+          </a:lstStyle>
+          <a:p>
+            <a:r>
+              <a:rPr lang="en-US" dirty="0"/>
+              <a:t>Transform the 6DOF marker pose to 2DOF marker pose</a:t>
+            </a:r>
+          </a:p>
+          <a:p>
+            <a:r>
+              <a:rPr lang="en-US" dirty="0"/>
+              <a:t>How? Listen TF between 6DOF </a:t>
+            </a:r>
+            <a:r>
+              <a:rPr lang="en-US" dirty="0" err="1"/>
+              <a:t>marker_pose</a:t>
+            </a:r>
+            <a:r>
+              <a:rPr lang="en-US" dirty="0"/>
+              <a:t> to </a:t>
+            </a:r>
+            <a:r>
+              <a:rPr lang="en-US" dirty="0" err="1"/>
+              <a:t>base_link</a:t>
+            </a:r>
+            <a:r>
+              <a:rPr lang="en-US" dirty="0"/>
+              <a:t> and take only value of x, y and yaw</a:t>
+            </a:r>
+          </a:p>
+          <a:p>
+            <a:pPr marL="0" indent="0">
+              <a:buNone/>
+            </a:pPr>
+            <a:endParaRPr lang="en-US" dirty="0"/>
+          </a:p>
+          <a:p>
+            <a:endParaRPr lang="en-ID" dirty="0"/>
+          </a:p>
+        </p:txBody>
+      </p:sp>
     </p:spTree>
     <p:extLst>
       <p:ext uri="{BB962C8B-B14F-4D97-AF65-F5344CB8AC3E}">
@@ -18359,7 +20512,7 @@
 </p:sld>
 </file>
 
-<file path=ppt/slides/slide4.xml><?xml version="1.0" encoding="utf-8"?>
+<file path=ppt/slides/slide5.xml><?xml version="1.0" encoding="utf-8"?>
 <p:sld xmlns:a="http://schemas.openxmlformats.org/drawingml/2006/main" xmlns:r="http://schemas.openxmlformats.org/officeDocument/2006/relationships" xmlns:p="http://schemas.openxmlformats.org/presentationml/2006/main">
   <p:cSld>
     <p:bg>
@@ -18694,15 +20847,7 @@
             </a:pPr>
             <a:r>
               <a:rPr lang="en-US" dirty="0"/>
-              <a:t>Implementing and modified the </a:t>
-            </a:r>
-            <a:r>
-              <a:rPr lang="en-US" dirty="0" err="1"/>
-              <a:t>ipa</a:t>
-            </a:r>
-            <a:r>
-              <a:rPr lang="en-US" dirty="0"/>
-              <a:t> differential docking ( from forward docking to backward docking )</a:t>
+              <a:t>Implementing and modified the IPA differential docking ( from forward docking to backward docking ) code</a:t>
             </a:r>
           </a:p>
           <a:p>
@@ -18713,7 +20858,7 @@
             </a:pPr>
             <a:r>
               <a:rPr lang="en-US" dirty="0"/>
-              <a:t>Test docking the robot to the detected marker</a:t>
+              <a:t>Test and implement docking the robot to the transformed detected marker</a:t>
             </a:r>
           </a:p>
           <a:p>
@@ -19035,7 +21180,7 @@
                   <a:spcPts val="600"/>
                 </a:spcAft>
               </a:pPr>
-              <a:t>4</a:t>
+              <a:t>5</a:t>
             </a:fld>
             <a:endParaRPr lang="en-US" sz="1900"/>
           </a:p>
@@ -19094,7 +21239,7 @@
 </p:sld>
 </file>
 
-<file path=ppt/slides/slide5.xml><?xml version="1.0" encoding="utf-8"?>
+<file path=ppt/slides/slide6.xml><?xml version="1.0" encoding="utf-8"?>
 <p:sld xmlns:a="http://schemas.openxmlformats.org/drawingml/2006/main" xmlns:r="http://schemas.openxmlformats.org/officeDocument/2006/relationships" xmlns:p="http://schemas.openxmlformats.org/presentationml/2006/main">
   <p:cSld>
     <p:bg>
@@ -19649,7 +21794,7 @@
                   <a:spcPts val="600"/>
                 </a:spcAft>
               </a:pPr>
-              <a:t>5</a:t>
+              <a:t>6</a:t>
             </a:fld>
             <a:endParaRPr lang="en-US" sz="1900"/>
           </a:p>
@@ -19802,7 +21947,7 @@
 </p:sld>
 </file>
 
-<file path=ppt/slides/slide6.xml><?xml version="1.0" encoding="utf-8"?>
+<file path=ppt/slides/slide7.xml><?xml version="1.0" encoding="utf-8"?>
 <p:sld xmlns:a="http://schemas.openxmlformats.org/drawingml/2006/main" xmlns:r="http://schemas.openxmlformats.org/officeDocument/2006/relationships" xmlns:p="http://schemas.openxmlformats.org/presentationml/2006/main">
   <p:cSld>
     <p:bg>
@@ -19847,10 +21992,10 @@
       </p:grpSpPr>
       <p:sp useBgFill="1">
         <p:nvSpPr>
-          <p:cNvPr id="33" name="Rectangle 32">
+          <p:cNvPr id="71" name="Rectangle 70">
             <a:extLst>
               <a:ext uri="{FF2B5EF4-FFF2-40B4-BE49-F238E27FC236}">
-                <a16:creationId xmlns:a16="http://schemas.microsoft.com/office/drawing/2014/main" id="{E9D11FD5-487C-4A6B-836F-3831DC830FB7}"/>
+                <a16:creationId xmlns:a16="http://schemas.microsoft.com/office/drawing/2014/main" id="{C6C6603D-F559-4CD2-92AB-1C1608E37091}"/>
               </a:ext>
               <a:ext uri="{C183D7F6-B498-43B3-948B-1728B52AA6E4}">
                 <adec:decorative xmlns:adec="http://schemas.microsoft.com/office/drawing/2017/decorative" val="1"/>
@@ -19870,8 +22015,8 @@
         </p:nvSpPr>
         <p:spPr>
           <a:xfrm>
-            <a:off x="0" y="-1"/>
-            <a:ext cx="12188952" cy="6858001"/>
+            <a:off x="-7620" y="0"/>
+            <a:ext cx="12207240" cy="6858001"/>
           </a:xfrm>
           <a:prstGeom prst="rect">
             <a:avLst/>
@@ -20022,38 +22167,83 @@
         </p:nvSpPr>
         <p:spPr>
           <a:xfrm>
-            <a:off x="649224" y="645106"/>
-            <a:ext cx="3650279" cy="1259894"/>
+            <a:off x="6483096" y="624110"/>
+            <a:ext cx="5021516" cy="1280890"/>
           </a:xfrm>
         </p:spPr>
         <p:txBody>
           <a:bodyPr>
-            <a:normAutofit fontScale="90000"/>
+            <a:normAutofit/>
           </a:bodyPr>
           <a:lstStyle/>
           <a:p>
             <a:r>
-              <a:rPr lang="en-US" dirty="0">
+              <a:rPr lang="en-US">
                 <a:solidFill>
-                  <a:srgbClr val="9D5744"/>
+                  <a:srgbClr val="52493D"/>
                 </a:solidFill>
               </a:rPr>
               <a:t>Camera pose estimation result</a:t>
             </a:r>
-            <a:endParaRPr lang="en-ID" dirty="0">
+            <a:endParaRPr lang="en-ID">
               <a:solidFill>
-                <a:srgbClr val="9D5744"/>
+                <a:srgbClr val="52493D"/>
               </a:solidFill>
             </a:endParaRPr>
           </a:p>
         </p:txBody>
       </p:sp>
+      <p:pic>
+        <p:nvPicPr>
+          <p:cNvPr id="21" name="Picture 2" descr="https://raw.githubusercontent.com/Jphartogi/Ipa_final_presentation/master/Hough.png?token=AKA7GHRRBXA3A2C3BNHDZB245OUNS">
+            <a:extLst>
+              <a:ext uri="{FF2B5EF4-FFF2-40B4-BE49-F238E27FC236}">
+                <a16:creationId xmlns:a16="http://schemas.microsoft.com/office/drawing/2014/main" id="{75C35B38-DCAB-4B6A-9544-EE13FA8E7572}"/>
+              </a:ext>
+            </a:extLst>
+          </p:cNvPr>
+          <p:cNvPicPr>
+            <a:picLocks noChangeAspect="1" noChangeArrowheads="1"/>
+          </p:cNvPicPr>
+          <p:nvPr/>
+        </p:nvPicPr>
+        <p:blipFill rotWithShape="1">
+          <a:blip r:embed="rId2">
+            <a:extLst>
+              <a:ext uri="{28A0092B-C50C-407E-A947-70E740481C1C}">
+                <a14:useLocalDpi xmlns:a14="http://schemas.microsoft.com/office/drawing/2010/main" val="0"/>
+              </a:ext>
+            </a:extLst>
+          </a:blip>
+          <a:srcRect l="18160" r="5610"/>
+          <a:stretch/>
+        </p:blipFill>
+        <p:spPr bwMode="auto">
+          <a:xfrm>
+            <a:off x="-2650" y="10"/>
+            <a:ext cx="4646985" cy="3428990"/>
+          </a:xfrm>
+          <a:prstGeom prst="rect">
+            <a:avLst/>
+          </a:prstGeom>
+          <a:noFill/>
+          <a:extLst>
+            <a:ext uri="{909E8E84-426E-40DD-AFC4-6F175D3DCCD1}">
+              <a14:hiddenFill xmlns:a14="http://schemas.microsoft.com/office/drawing/2010/main">
+                <a:solidFill>
+                  <a:srgbClr val="FFFFFF"/>
+                </a:solidFill>
+              </a14:hiddenFill>
+            </a:ext>
+          </a:extLst>
+        </p:spPr>
+      </p:pic>
       <p:sp>
         <p:nvSpPr>
-          <p:cNvPr id="35" name="Rectangle 34">
+          <p:cNvPr id="73" name="Rectangle 72">
             <a:extLst>
               <a:ext uri="{FF2B5EF4-FFF2-40B4-BE49-F238E27FC236}">
-                <a16:creationId xmlns:a16="http://schemas.microsoft.com/office/drawing/2014/main" id="{99765169-F70D-4841-BE65-62E10CBED84D}"/>
+                <a16:creationId xmlns:a16="http://schemas.microsoft.com/office/drawing/2014/main" id="{027C296A-0617-4D21-AF6B-358A10ABDA66}"/>
               </a:ext>
               <a:ext uri="{C183D7F6-B498-43B3-948B-1728B52AA6E4}">
                 <adec:decorative xmlns:adec="http://schemas.microsoft.com/office/drawing/2017/decorative" val="1"/>
@@ -20073,14 +22263,14 @@
         </p:nvSpPr>
         <p:spPr>
           <a:xfrm>
-            <a:off x="0" y="0"/>
+            <a:off x="4645704" y="0"/>
             <a:ext cx="182880" cy="6858000"/>
           </a:xfrm>
           <a:prstGeom prst="rect">
             <a:avLst/>
           </a:prstGeom>
           <a:solidFill>
-            <a:srgbClr val="9D5744"/>
+            <a:srgbClr val="52493D"/>
           </a:solidFill>
           <a:ln>
             <a:noFill/>
@@ -20104,133 +22294,10 @@
       </p:sp>
       <p:sp>
         <p:nvSpPr>
-          <p:cNvPr id="12" name="Content Placeholder 11">
+          <p:cNvPr id="75" name="Freeform 11">
             <a:extLst>
               <a:ext uri="{FF2B5EF4-FFF2-40B4-BE49-F238E27FC236}">
-                <a16:creationId xmlns:a16="http://schemas.microsoft.com/office/drawing/2014/main" id="{49D623BB-0862-44C9-ACBE-8C16F1449AE5}"/>
-              </a:ext>
-            </a:extLst>
-          </p:cNvPr>
-          <p:cNvSpPr>
-            <a:spLocks noGrp="1"/>
-          </p:cNvSpPr>
-          <p:nvPr>
-            <p:ph idx="1"/>
-          </p:nvPr>
-        </p:nvSpPr>
-        <p:spPr>
-          <a:xfrm>
-            <a:off x="649225" y="2133600"/>
-            <a:ext cx="3650278" cy="3759253"/>
-          </a:xfrm>
-        </p:spPr>
-        <p:txBody>
-          <a:bodyPr>
-            <a:normAutofit/>
-          </a:bodyPr>
-          <a:lstStyle/>
-          <a:p>
-            <a:pPr>
-              <a:buClr>
-                <a:srgbClr val="FF9600"/>
-              </a:buClr>
-            </a:pPr>
-            <a:r>
-              <a:rPr lang="en-US" dirty="0"/>
-              <a:t>Using the static feature in the robot ( Lidar ) to detect the pose of the camera</a:t>
-            </a:r>
-          </a:p>
-          <a:p>
-            <a:pPr>
-              <a:buClr>
-                <a:srgbClr val="FF9600"/>
-              </a:buClr>
-            </a:pPr>
-            <a:r>
-              <a:rPr lang="en-US" dirty="0"/>
-              <a:t>Using the Hough circle transformation </a:t>
-            </a:r>
-            <a:r>
-              <a:rPr lang="en-ID" dirty="0">
-                <a:hlinkClick r:id="rId2"/>
-              </a:rPr>
-              <a:t>https://docs.opencv.org/2.4/doc/tutorials/imgproc/imgtrans/hough_circle/hough_circle.html</a:t>
-            </a:r>
-            <a:endParaRPr lang="en-US" dirty="0"/>
-          </a:p>
-          <a:p>
-            <a:pPr>
-              <a:buClr>
-                <a:srgbClr val="FF9600"/>
-              </a:buClr>
-            </a:pPr>
-            <a:r>
-              <a:rPr lang="en-US" dirty="0"/>
-              <a:t>Publish the TF of the camera pose</a:t>
-            </a:r>
-          </a:p>
-          <a:p>
-            <a:pPr marL="0" indent="0">
-              <a:buClr>
-                <a:srgbClr val="FF9600"/>
-              </a:buClr>
-              <a:buNone/>
-            </a:pPr>
-            <a:endParaRPr lang="en-US" dirty="0"/>
-          </a:p>
-        </p:txBody>
-      </p:sp>
-      <p:pic>
-        <p:nvPicPr>
-          <p:cNvPr id="21" name="Picture 2" descr="https://raw.githubusercontent.com/Jphartogi/Ipa_final_presentation/master/Hough.png?token=AKA7GHRRBXA3A2C3BNHDZB245OUNS">
-            <a:extLst>
-              <a:ext uri="{FF2B5EF4-FFF2-40B4-BE49-F238E27FC236}">
-                <a16:creationId xmlns:a16="http://schemas.microsoft.com/office/drawing/2014/main" id="{75C35B38-DCAB-4B6A-9544-EE13FA8E7572}"/>
-              </a:ext>
-            </a:extLst>
-          </p:cNvPr>
-          <p:cNvPicPr>
-            <a:picLocks noChangeAspect="1" noChangeArrowheads="1"/>
-          </p:cNvPicPr>
-          <p:nvPr/>
-        </p:nvPicPr>
-        <p:blipFill rotWithShape="1">
-          <a:blip r:embed="rId3">
-            <a:extLst>
-              <a:ext uri="{28A0092B-C50C-407E-A947-70E740481C1C}">
-                <a14:useLocalDpi xmlns:a14="http://schemas.microsoft.com/office/drawing/2010/main" val="0"/>
-              </a:ext>
-            </a:extLst>
-          </a:blip>
-          <a:srcRect l="19043" r="6495" b="1"/>
-          <a:stretch/>
-        </p:blipFill>
-        <p:spPr bwMode="auto">
-          <a:xfrm>
-            <a:off x="4619567" y="640080"/>
-            <a:ext cx="6953528" cy="5252773"/>
-          </a:xfrm>
-          <a:prstGeom prst="rect">
-            <a:avLst/>
-          </a:prstGeom>
-          <a:noFill/>
-          <a:extLst>
-            <a:ext uri="{909E8E84-426E-40DD-AFC4-6F175D3DCCD1}">
-              <a14:hiddenFill xmlns:a14="http://schemas.microsoft.com/office/drawing/2010/main">
-                <a:solidFill>
-                  <a:srgbClr val="FFFFFF"/>
-                </a:solidFill>
-              </a14:hiddenFill>
-            </a:ext>
-          </a:extLst>
-        </p:spPr>
-      </p:pic>
-      <p:sp>
-        <p:nvSpPr>
-          <p:cNvPr id="37" name="Freeform 14">
-            <a:extLst>
-              <a:ext uri="{FF2B5EF4-FFF2-40B4-BE49-F238E27FC236}">
-                <a16:creationId xmlns:a16="http://schemas.microsoft.com/office/drawing/2014/main" id="{2A2CC818-8106-45C0-93D5-7051F99F2C81}"/>
+                <a16:creationId xmlns:a16="http://schemas.microsoft.com/office/drawing/2014/main" id="{4D8B6B03-4DCB-4178-B843-7DCD120398D3}"/>
               </a:ext>
               <a:ext uri="{C183D7F6-B498-43B3-948B-1728B52AA6E4}">
                 <adec:decorative xmlns:adec="http://schemas.microsoft.com/office/drawing/2017/decorative" val="1"/>
@@ -20248,199 +22315,81 @@
             </p:extLst>
           </p:nvPr>
         </p:nvSpPr>
-        <p:spPr>
-          <a:xfrm>
-            <a:off x="-1" y="6061223"/>
-            <a:ext cx="1038036" cy="506277"/>
+        <p:spPr bwMode="auto">
+          <a:xfrm flipV="1">
+            <a:off x="4645704" y="714375"/>
+            <a:ext cx="1588527" cy="507297"/>
           </a:xfrm>
           <a:custGeom>
             <a:avLst/>
-            <a:gdLst>
-              <a:gd name="connsiteX0" fmla="*/ 0 w 1038036"/>
-              <a:gd name="connsiteY0" fmla="*/ 0 h 506277"/>
-              <a:gd name="connsiteX1" fmla="*/ 182880 w 1038036"/>
-              <a:gd name="connsiteY1" fmla="*/ 0 h 506277"/>
-              <a:gd name="connsiteX2" fmla="*/ 291705 w 1038036"/>
-              <a:gd name="connsiteY2" fmla="*/ 0 h 506277"/>
-              <a:gd name="connsiteX3" fmla="*/ 291705 w 1038036"/>
-              <a:gd name="connsiteY3" fmla="*/ 151 h 506277"/>
-              <a:gd name="connsiteX4" fmla="*/ 692049 w 1038036"/>
-              <a:gd name="connsiteY4" fmla="*/ 705 h 506277"/>
-              <a:gd name="connsiteX5" fmla="*/ 782744 w 1038036"/>
-              <a:gd name="connsiteY5" fmla="*/ 705 h 506277"/>
-              <a:gd name="connsiteX6" fmla="*/ 797001 w 1038036"/>
-              <a:gd name="connsiteY6" fmla="*/ 5473 h 506277"/>
-              <a:gd name="connsiteX7" fmla="*/ 801982 w 1038036"/>
-              <a:gd name="connsiteY7" fmla="*/ 10242 h 506277"/>
-              <a:gd name="connsiteX8" fmla="*/ 1030951 w 1038036"/>
-              <a:gd name="connsiteY8" fmla="*/ 239185 h 506277"/>
-              <a:gd name="connsiteX9" fmla="*/ 1030951 w 1038036"/>
-              <a:gd name="connsiteY9" fmla="*/ 267797 h 506277"/>
-              <a:gd name="connsiteX10" fmla="*/ 801982 w 1038036"/>
-              <a:gd name="connsiteY10" fmla="*/ 496740 h 506277"/>
-              <a:gd name="connsiteX11" fmla="*/ 797001 w 1038036"/>
-              <a:gd name="connsiteY11" fmla="*/ 501508 h 506277"/>
-              <a:gd name="connsiteX12" fmla="*/ 782744 w 1038036"/>
-              <a:gd name="connsiteY12" fmla="*/ 506277 h 506277"/>
-              <a:gd name="connsiteX13" fmla="*/ 692049 w 1038036"/>
-              <a:gd name="connsiteY13" fmla="*/ 506277 h 506277"/>
-              <a:gd name="connsiteX14" fmla="*/ 291705 w 1038036"/>
-              <a:gd name="connsiteY14" fmla="*/ 505140 h 506277"/>
-              <a:gd name="connsiteX15" fmla="*/ 291705 w 1038036"/>
-              <a:gd name="connsiteY15" fmla="*/ 506277 h 506277"/>
-              <a:gd name="connsiteX16" fmla="*/ 0 w 1038036"/>
-              <a:gd name="connsiteY16" fmla="*/ 506277 h 506277"/>
-            </a:gdLst>
+            <a:gdLst/>
             <a:ahLst/>
-            <a:cxnLst>
-              <a:cxn ang="0">
-                <a:pos x="connsiteX0" y="connsiteY0"/>
-              </a:cxn>
-              <a:cxn ang="0">
-                <a:pos x="connsiteX1" y="connsiteY1"/>
-              </a:cxn>
-              <a:cxn ang="0">
-                <a:pos x="connsiteX2" y="connsiteY2"/>
-              </a:cxn>
-              <a:cxn ang="0">
-                <a:pos x="connsiteX3" y="connsiteY3"/>
-              </a:cxn>
-              <a:cxn ang="0">
-                <a:pos x="connsiteX4" y="connsiteY4"/>
-              </a:cxn>
-              <a:cxn ang="0">
-                <a:pos x="connsiteX5" y="connsiteY5"/>
-              </a:cxn>
-              <a:cxn ang="0">
-                <a:pos x="connsiteX6" y="connsiteY6"/>
-              </a:cxn>
-              <a:cxn ang="0">
-                <a:pos x="connsiteX7" y="connsiteY7"/>
-              </a:cxn>
-              <a:cxn ang="0">
-                <a:pos x="connsiteX8" y="connsiteY8"/>
-              </a:cxn>
-              <a:cxn ang="0">
-                <a:pos x="connsiteX9" y="connsiteY9"/>
-              </a:cxn>
-              <a:cxn ang="0">
-                <a:pos x="connsiteX10" y="connsiteY10"/>
-              </a:cxn>
-              <a:cxn ang="0">
-                <a:pos x="connsiteX11" y="connsiteY11"/>
-              </a:cxn>
-              <a:cxn ang="0">
-                <a:pos x="connsiteX12" y="connsiteY12"/>
-              </a:cxn>
-              <a:cxn ang="0">
-                <a:pos x="connsiteX13" y="connsiteY13"/>
-              </a:cxn>
-              <a:cxn ang="0">
-                <a:pos x="connsiteX14" y="connsiteY14"/>
-              </a:cxn>
-              <a:cxn ang="0">
-                <a:pos x="connsiteX15" y="connsiteY15"/>
-              </a:cxn>
-              <a:cxn ang="0">
-                <a:pos x="connsiteX16" y="connsiteY16"/>
-              </a:cxn>
-            </a:cxnLst>
+            <a:cxnLst/>
             <a:rect l="l" t="t" r="r" b="b"/>
             <a:pathLst>
-              <a:path w="1038036" h="506277">
+              <a:path w="9248" h="10000">
                 <a:moveTo>
-                  <a:pt x="0" y="0"/>
+                  <a:pt x="9248" y="4701"/>
                 </a:moveTo>
                 <a:lnTo>
-                  <a:pt x="182880" y="0"/>
+                  <a:pt x="7915" y="188"/>
+                </a:lnTo>
+                <a:cubicBezTo>
+                  <a:pt x="7906" y="156"/>
+                  <a:pt x="7895" y="126"/>
+                  <a:pt x="7886" y="94"/>
+                </a:cubicBezTo>
+                <a:cubicBezTo>
+                  <a:pt x="7859" y="0"/>
+                  <a:pt x="7831" y="0"/>
+                  <a:pt x="7803" y="0"/>
+                </a:cubicBezTo>
+                <a:lnTo>
+                  <a:pt x="7275" y="0"/>
                 </a:lnTo>
                 <a:lnTo>
-                  <a:pt x="291705" y="0"/>
+                  <a:pt x="0" y="70"/>
+                </a:lnTo>
+                <a:cubicBezTo>
+                  <a:pt x="8" y="3380"/>
+                  <a:pt x="17" y="6690"/>
+                  <a:pt x="25" y="10000"/>
+                </a:cubicBezTo>
+                <a:lnTo>
+                  <a:pt x="7275" y="9966"/>
                 </a:lnTo>
                 <a:lnTo>
-                  <a:pt x="291705" y="151"/>
-                </a:lnTo>
-                <a:lnTo>
-                  <a:pt x="692049" y="705"/>
-                </a:lnTo>
-                <a:lnTo>
-                  <a:pt x="782744" y="705"/>
+                  <a:pt x="7803" y="9966"/>
                 </a:lnTo>
                 <a:cubicBezTo>
-                  <a:pt x="787553" y="705"/>
-                  <a:pt x="792363" y="5473"/>
-                  <a:pt x="797001" y="5473"/>
+                  <a:pt x="7831" y="9966"/>
+                  <a:pt x="7859" y="9872"/>
+                  <a:pt x="7886" y="9872"/>
                 </a:cubicBezTo>
                 <a:cubicBezTo>
-                  <a:pt x="797001" y="10242"/>
-                  <a:pt x="801982" y="10242"/>
-                  <a:pt x="801982" y="10242"/>
+                  <a:pt x="7886" y="9778"/>
+                  <a:pt x="7915" y="9778"/>
+                  <a:pt x="7915" y="9778"/>
                 </a:cubicBezTo>
                 <a:lnTo>
-                  <a:pt x="1030951" y="239185"/>
+                  <a:pt x="9248" y="5265"/>
                 </a:lnTo>
                 <a:cubicBezTo>
-                  <a:pt x="1040398" y="248722"/>
-                  <a:pt x="1040398" y="258259"/>
-                  <a:pt x="1030951" y="267797"/>
+                  <a:pt x="9303" y="5077"/>
+                  <a:pt x="9303" y="4889"/>
+                  <a:pt x="9248" y="4701"/>
                 </a:cubicBezTo>
-                <a:lnTo>
-                  <a:pt x="801982" y="496740"/>
-                </a:lnTo>
-                <a:cubicBezTo>
-                  <a:pt x="800436" y="498363"/>
-                  <a:pt x="798547" y="499885"/>
-                  <a:pt x="797001" y="501508"/>
-                </a:cubicBezTo>
-                <a:cubicBezTo>
-                  <a:pt x="792363" y="506277"/>
-                  <a:pt x="787553" y="506277"/>
-                  <a:pt x="782744" y="506277"/>
-                </a:cubicBezTo>
-                <a:lnTo>
-                  <a:pt x="692049" y="506277"/>
-                </a:lnTo>
-                <a:lnTo>
-                  <a:pt x="291705" y="505140"/>
-                </a:lnTo>
-                <a:lnTo>
-                  <a:pt x="291705" y="506277"/>
-                </a:lnTo>
-                <a:lnTo>
-                  <a:pt x="0" y="506277"/>
-                </a:lnTo>
                 <a:close/>
               </a:path>
             </a:pathLst>
           </a:custGeom>
+          <a:solidFill>
+            <a:schemeClr val="accent1"/>
+          </a:solidFill>
           <a:ln>
             <a:noFill/>
           </a:ln>
         </p:spPr>
-        <p:style>
-          <a:lnRef idx="2">
-            <a:schemeClr val="accent1">
-              <a:shade val="50000"/>
-            </a:schemeClr>
-          </a:lnRef>
-          <a:fillRef idx="1">
-            <a:schemeClr val="accent1"/>
-          </a:fillRef>
-          <a:effectRef idx="0">
-            <a:schemeClr val="accent1"/>
-          </a:effectRef>
-          <a:fontRef idx="minor">
-            <a:schemeClr val="lt1"/>
-          </a:fontRef>
-        </p:style>
-        <p:txBody>
-          <a:bodyPr rtlCol="0" anchor="ctr"/>
-          <a:lstStyle/>
-          <a:p>
-            <a:pPr algn="ctr"/>
-            <a:endParaRPr lang="en-US"/>
-          </a:p>
-        </p:txBody>
       </p:sp>
       <p:sp>
         <p:nvSpPr>
@@ -20460,7 +22409,7 @@
         </p:nvSpPr>
         <p:spPr>
           <a:xfrm>
-            <a:off x="121514" y="6133610"/>
+            <a:off x="5181705" y="787782"/>
             <a:ext cx="779767" cy="365125"/>
           </a:xfrm>
         </p:spPr>
@@ -20488,9 +22437,226 @@
                   <a:spcPts val="600"/>
                 </a:spcAft>
               </a:pPr>
-              <a:t>6</a:t>
+              <a:t>7</a:t>
             </a:fld>
             <a:endParaRPr lang="en-US" sz="1900"/>
+          </a:p>
+        </p:txBody>
+      </p:sp>
+      <p:pic>
+        <p:nvPicPr>
+          <p:cNvPr id="1026" name="Picture 2" descr="https://raw.githubusercontent.com/Jphartogi/Ipa_final_presentation/master/img_fov.png?token=AKA7GHV7B7AAUXBYSHBI7Z245VABU">
+            <a:extLst>
+              <a:ext uri="{FF2B5EF4-FFF2-40B4-BE49-F238E27FC236}">
+                <a16:creationId xmlns:a16="http://schemas.microsoft.com/office/drawing/2014/main" id="{4C36FA7A-990A-488E-B168-6342B413AAFA}"/>
+              </a:ext>
+            </a:extLst>
+          </p:cNvPr>
+          <p:cNvPicPr>
+            <a:picLocks noChangeAspect="1" noChangeArrowheads="1"/>
+          </p:cNvPicPr>
+          <p:nvPr/>
+        </p:nvPicPr>
+        <p:blipFill rotWithShape="1">
+          <a:blip r:embed="rId3">
+            <a:extLst>
+              <a:ext uri="{28A0092B-C50C-407E-A947-70E740481C1C}">
+                <a14:useLocalDpi xmlns:a14="http://schemas.microsoft.com/office/drawing/2010/main" val="0"/>
+              </a:ext>
+            </a:extLst>
+          </a:blip>
+          <a:srcRect t="8630" r="-4" b="3782"/>
+          <a:stretch/>
+        </p:blipFill>
+        <p:spPr bwMode="auto">
+          <a:xfrm>
+            <a:off x="-1552" y="3429000"/>
+            <a:ext cx="4646985" cy="3429000"/>
+          </a:xfrm>
+          <a:prstGeom prst="rect">
+            <a:avLst/>
+          </a:prstGeom>
+          <a:noFill/>
+          <a:extLst>
+            <a:ext uri="{909E8E84-426E-40DD-AFC4-6F175D3DCCD1}">
+              <a14:hiddenFill xmlns:a14="http://schemas.microsoft.com/office/drawing/2010/main">
+                <a:solidFill>
+                  <a:srgbClr val="FFFFFF"/>
+                </a:solidFill>
+              </a14:hiddenFill>
+            </a:ext>
+          </a:extLst>
+        </p:spPr>
+      </p:pic>
+      <p:cxnSp>
+        <p:nvCxnSpPr>
+          <p:cNvPr id="77" name="Straight Connector 76">
+            <a:extLst>
+              <a:ext uri="{FF2B5EF4-FFF2-40B4-BE49-F238E27FC236}">
+                <a16:creationId xmlns:a16="http://schemas.microsoft.com/office/drawing/2014/main" id="{9BDA9979-0841-4105-9C70-00F46A1C427E}"/>
+              </a:ext>
+              <a:ext uri="{C183D7F6-B498-43B3-948B-1728B52AA6E4}">
+                <adec:decorative xmlns:adec="http://schemas.microsoft.com/office/drawing/2017/decorative" val="1"/>
+              </a:ext>
+            </a:extLst>
+          </p:cNvPr>
+          <p:cNvCxnSpPr>
+            <a:cxnSpLocks noGrp="1" noRot="1" noChangeAspect="1" noMove="1" noResize="1" noEditPoints="1" noAdjustHandles="1" noChangeArrowheads="1" noChangeShapeType="1"/>
+            <a:endCxn id="33" idx="1"/>
+          </p:cNvCxnSpPr>
+          <p:nvPr>
+            <p:extLst>
+              <p:ext uri="{386F3935-93C4-4BCD-93E2-E3B085C9AB24}">
+                <p16:designElem xmlns:p16="http://schemas.microsoft.com/office/powerpoint/2015/main" val="1"/>
+              </p:ext>
+            </p:extLst>
+          </p:nvPr>
+        </p:nvCxnSpPr>
+        <p:spPr>
+          <a:xfrm>
+            <a:off x="-16934" y="3429000"/>
+            <a:ext cx="4662638" cy="0"/>
+          </a:xfrm>
+          <a:prstGeom prst="line">
+            <a:avLst/>
+          </a:prstGeom>
+          <a:ln w="50800">
+            <a:solidFill>
+              <a:srgbClr val="52493D"/>
+            </a:solidFill>
+          </a:ln>
+        </p:spPr>
+        <p:style>
+          <a:lnRef idx="1">
+            <a:schemeClr val="accent1"/>
+          </a:lnRef>
+          <a:fillRef idx="0">
+            <a:schemeClr val="accent1"/>
+          </a:fillRef>
+          <a:effectRef idx="0">
+            <a:schemeClr val="accent1"/>
+          </a:effectRef>
+          <a:fontRef idx="minor">
+            <a:schemeClr val="tx1"/>
+          </a:fontRef>
+        </p:style>
+      </p:cxnSp>
+      <p:sp>
+        <p:nvSpPr>
+          <p:cNvPr id="12" name="Content Placeholder 11">
+            <a:extLst>
+              <a:ext uri="{FF2B5EF4-FFF2-40B4-BE49-F238E27FC236}">
+                <a16:creationId xmlns:a16="http://schemas.microsoft.com/office/drawing/2014/main" id="{49D623BB-0862-44C9-ACBE-8C16F1449AE5}"/>
+              </a:ext>
+            </a:extLst>
+          </p:cNvPr>
+          <p:cNvSpPr>
+            <a:spLocks noGrp="1"/>
+          </p:cNvSpPr>
+          <p:nvPr>
+            <p:ph idx="1"/>
+          </p:nvPr>
+        </p:nvSpPr>
+        <p:spPr>
+          <a:xfrm>
+            <a:off x="6438191" y="2001118"/>
+            <a:ext cx="5066419" cy="3777622"/>
+          </a:xfrm>
+        </p:spPr>
+        <p:txBody>
+          <a:bodyPr>
+            <a:normAutofit fontScale="92500" lnSpcReduction="10000"/>
+          </a:bodyPr>
+          <a:lstStyle/>
+          <a:p>
+            <a:pPr>
+              <a:buClr>
+                <a:srgbClr val="48EFFD"/>
+              </a:buClr>
+            </a:pPr>
+            <a:r>
+              <a:rPr lang="en-US" dirty="0"/>
+              <a:t>Using the static feature in the robot ( Lidar ) to detect the pose of the camera</a:t>
+            </a:r>
+          </a:p>
+          <a:p>
+            <a:pPr>
+              <a:buClr>
+                <a:srgbClr val="48EFFD"/>
+              </a:buClr>
+            </a:pPr>
+            <a:r>
+              <a:rPr lang="en-US" dirty="0"/>
+              <a:t>Using the Hough circle transformation </a:t>
+            </a:r>
+            <a:r>
+              <a:rPr lang="en-ID" dirty="0">
+                <a:hlinkClick r:id="rId4"/>
+              </a:rPr>
+              <a:t>https://docs.opencv.org/2.4/doc/tutorials/imgproc/imgtrans/hough_circle/hough_circle.html</a:t>
+            </a:r>
+            <a:endParaRPr lang="en-US" dirty="0"/>
+          </a:p>
+          <a:p>
+            <a:pPr>
+              <a:buClr>
+                <a:srgbClr val="48EFFD"/>
+              </a:buClr>
+            </a:pPr>
+            <a:r>
+              <a:rPr lang="en-US" dirty="0"/>
+              <a:t>Publish the TF of the camera pose</a:t>
+            </a:r>
+          </a:p>
+          <a:p>
+            <a:pPr>
+              <a:buClr>
+                <a:srgbClr val="48EFFD"/>
+              </a:buClr>
+            </a:pPr>
+            <a:r>
+              <a:rPr lang="en-US" dirty="0"/>
+              <a:t>Create 2 mode, debugging and not debugging mode. </a:t>
+            </a:r>
+          </a:p>
+          <a:p>
+            <a:pPr lvl="1">
+              <a:buClr>
+                <a:srgbClr val="48EFFD"/>
+              </a:buClr>
+            </a:pPr>
+            <a:r>
+              <a:rPr lang="en-US" dirty="0"/>
+              <a:t>Debugging mode is always calculating the pose</a:t>
+            </a:r>
+          </a:p>
+          <a:p>
+            <a:pPr lvl="1">
+              <a:buClr>
+                <a:srgbClr val="48EFFD"/>
+              </a:buClr>
+            </a:pPr>
+            <a:r>
+              <a:rPr lang="en-US" dirty="0"/>
+              <a:t>Not-debugging mode take 10 data and get the median of the data as final data.</a:t>
+            </a:r>
+          </a:p>
+          <a:p>
+            <a:pPr lvl="1">
+              <a:buClr>
+                <a:srgbClr val="48EFFD"/>
+              </a:buClr>
+            </a:pPr>
+            <a:endParaRPr lang="en-US" dirty="0"/>
+          </a:p>
+          <a:p>
+            <a:pPr marL="0" indent="0">
+              <a:buClr>
+                <a:srgbClr val="48EFFD"/>
+              </a:buClr>
+              <a:buNone/>
+            </a:pPr>
+            <a:endParaRPr lang="en-US" dirty="0"/>
           </a:p>
         </p:txBody>
       </p:sp>
@@ -20512,8 +22678,8 @@
         </p:nvSpPr>
         <p:spPr>
           <a:xfrm>
-            <a:off x="1220916" y="6135808"/>
-            <a:ext cx="7619999" cy="365125"/>
+            <a:off x="6438191" y="6135808"/>
+            <a:ext cx="3771020" cy="365125"/>
           </a:xfrm>
         </p:spPr>
         <p:txBody>
@@ -20547,7 +22713,7 @@
 </p:sld>
 </file>
 
-<file path=ppt/slides/slide7.xml><?xml version="1.0" encoding="utf-8"?>
+<file path=ppt/slides/slide8.xml><?xml version="1.0" encoding="utf-8"?>
 <p:sld xmlns:a="http://schemas.openxmlformats.org/drawingml/2006/main" xmlns:r="http://schemas.openxmlformats.org/officeDocument/2006/relationships" xmlns:p="http://schemas.openxmlformats.org/presentationml/2006/main">
   <p:cSld>
     <p:bg>
@@ -21045,7 +23211,7 @@
                   <a:spcPts val="600"/>
                 </a:spcAft>
               </a:pPr>
-              <a:t>7</a:t>
+              <a:t>8</a:t>
             </a:fld>
             <a:endParaRPr lang="en-US" sz="1900"/>
           </a:p>
@@ -23211,7 +25377,7 @@
 </p:sld>
 </file>
 
-<file path=ppt/slides/slide8.xml><?xml version="1.0" encoding="utf-8"?>
+<file path=ppt/slides/slide9.xml><?xml version="1.0" encoding="utf-8"?>
 <p:sld xmlns:a="http://schemas.openxmlformats.org/drawingml/2006/main" xmlns:r="http://schemas.openxmlformats.org/officeDocument/2006/relationships" xmlns:p="http://schemas.openxmlformats.org/presentationml/2006/main">
   <p:cSld>
     <p:bg>
@@ -23816,7 +25982,7 @@
                   <a:spcPts val="600"/>
                 </a:spcAft>
               </a:pPr>
-              <a:t>8</a:t>
+              <a:t>9</a:t>
             </a:fld>
             <a:endParaRPr lang="en-US" sz="1900"/>
           </a:p>
@@ -23897,652 +26063,6 @@
     <p:extLst>
       <p:ext uri="{BB962C8B-B14F-4D97-AF65-F5344CB8AC3E}">
         <p14:creationId xmlns:p14="http://schemas.microsoft.com/office/powerpoint/2010/main" val="363200921"/>
-      </p:ext>
-    </p:extLst>
-  </p:cSld>
-  <p:clrMapOvr>
-    <a:masterClrMapping/>
-  </p:clrMapOvr>
-</p:sld>
-</file>
-
-<file path=ppt/slides/slide9.xml><?xml version="1.0" encoding="utf-8"?>
-<p:sld xmlns:a="http://schemas.openxmlformats.org/drawingml/2006/main" xmlns:r="http://schemas.openxmlformats.org/officeDocument/2006/relationships" xmlns:p="http://schemas.openxmlformats.org/presentationml/2006/main">
-  <p:cSld>
-    <p:bg>
-      <p:bgPr>
-        <a:gradFill rotWithShape="1">
-          <a:gsLst>
-            <a:gs pos="0">
-              <a:schemeClr val="bg1">
-                <a:tint val="90000"/>
-                <a:satMod val="92000"/>
-                <a:lumMod val="120000"/>
-              </a:schemeClr>
-            </a:gs>
-            <a:gs pos="100000">
-              <a:schemeClr val="bg1">
-                <a:shade val="98000"/>
-                <a:satMod val="120000"/>
-                <a:lumMod val="98000"/>
-              </a:schemeClr>
-            </a:gs>
-          </a:gsLst>
-          <a:path path="circle">
-            <a:fillToRect l="50000" t="50000" r="100000" b="100000"/>
-          </a:path>
-        </a:gradFill>
-        <a:effectLst/>
-      </p:bgPr>
-    </p:bg>
-    <p:spTree>
-      <p:nvGrpSpPr>
-        <p:cNvPr id="1" name=""/>
-        <p:cNvGrpSpPr/>
-        <p:nvPr/>
-      </p:nvGrpSpPr>
-      <p:grpSpPr>
-        <a:xfrm>
-          <a:off x="0" y="0"/>
-          <a:ext cx="0" cy="0"/>
-          <a:chOff x="0" y="0"/>
-          <a:chExt cx="0" cy="0"/>
-        </a:xfrm>
-      </p:grpSpPr>
-      <p:sp useBgFill="1">
-        <p:nvSpPr>
-          <p:cNvPr id="14" name="Rectangle 13">
-            <a:extLst>
-              <a:ext uri="{FF2B5EF4-FFF2-40B4-BE49-F238E27FC236}">
-                <a16:creationId xmlns:a16="http://schemas.microsoft.com/office/drawing/2014/main" id="{A45303F1-AF94-4311-B5EF-A9C5F6D18D94}"/>
-              </a:ext>
-              <a:ext uri="{C183D7F6-B498-43B3-948B-1728B52AA6E4}">
-                <adec:decorative xmlns:adec="http://schemas.microsoft.com/office/drawing/2017/decorative" val="1"/>
-              </a:ext>
-            </a:extLst>
-          </p:cNvPr>
-          <p:cNvSpPr>
-            <a:spLocks noGrp="1" noRot="1" noChangeAspect="1" noMove="1" noResize="1" noEditPoints="1" noAdjustHandles="1" noChangeArrowheads="1" noChangeShapeType="1" noTextEdit="1"/>
-          </p:cNvSpPr>
-          <p:nvPr>
-            <p:extLst>
-              <p:ext uri="{386F3935-93C4-4BCD-93E2-E3B085C9AB24}">
-                <p16:designElem xmlns:p16="http://schemas.microsoft.com/office/powerpoint/2015/main" val="1"/>
-              </p:ext>
-            </p:extLst>
-          </p:nvPr>
-        </p:nvSpPr>
-        <p:spPr>
-          <a:xfrm>
-            <a:off x="0" y="-1"/>
-            <a:ext cx="12188952" cy="6858001"/>
-          </a:xfrm>
-          <a:prstGeom prst="rect">
-            <a:avLst/>
-          </a:prstGeom>
-          <a:ln>
-            <a:noFill/>
-          </a:ln>
-        </p:spPr>
-        <p:style>
-          <a:lnRef idx="2">
-            <a:schemeClr val="accent1">
-              <a:shade val="50000"/>
-            </a:schemeClr>
-          </a:lnRef>
-          <a:fillRef idx="1">
-            <a:schemeClr val="accent1"/>
-          </a:fillRef>
-          <a:effectRef idx="0">
-            <a:schemeClr val="accent1"/>
-          </a:effectRef>
-          <a:fontRef idx="minor">
-            <a:schemeClr val="lt1"/>
-          </a:fontRef>
-        </p:style>
-        <p:txBody>
-          <a:bodyPr rot="0" spcFirstLastPara="0" vert="horz" wrap="square" lIns="91440" tIns="45720" rIns="91440" bIns="45720" numCol="1" spcCol="0" rtlCol="0" fromWordArt="0" anchor="ctr" anchorCtr="0" forceAA="0" compatLnSpc="1">
-            <a:prstTxWarp prst="textNoShape">
-              <a:avLst/>
-            </a:prstTxWarp>
-            <a:noAutofit/>
-          </a:bodyPr>
-          <a:lstStyle>
-            <a:defPPr>
-              <a:defRPr lang="en-US"/>
-            </a:defPPr>
-            <a:lvl1pPr marL="0" algn="l" defTabSz="914400" rtl="0" eaLnBrk="1" latinLnBrk="0" hangingPunct="1">
-              <a:defRPr sz="1800" kern="1200">
-                <a:solidFill>
-                  <a:schemeClr val="lt1"/>
-                </a:solidFill>
-                <a:latin typeface="+mn-lt"/>
-                <a:ea typeface="+mn-ea"/>
-                <a:cs typeface="+mn-cs"/>
-              </a:defRPr>
-            </a:lvl1pPr>
-            <a:lvl2pPr marL="457200" algn="l" defTabSz="914400" rtl="0" eaLnBrk="1" latinLnBrk="0" hangingPunct="1">
-              <a:defRPr sz="1800" kern="1200">
-                <a:solidFill>
-                  <a:schemeClr val="lt1"/>
-                </a:solidFill>
-                <a:latin typeface="+mn-lt"/>
-                <a:ea typeface="+mn-ea"/>
-                <a:cs typeface="+mn-cs"/>
-              </a:defRPr>
-            </a:lvl2pPr>
-            <a:lvl3pPr marL="914400" algn="l" defTabSz="914400" rtl="0" eaLnBrk="1" latinLnBrk="0" hangingPunct="1">
-              <a:defRPr sz="1800" kern="1200">
-                <a:solidFill>
-                  <a:schemeClr val="lt1"/>
-                </a:solidFill>
-                <a:latin typeface="+mn-lt"/>
-                <a:ea typeface="+mn-ea"/>
-                <a:cs typeface="+mn-cs"/>
-              </a:defRPr>
-            </a:lvl3pPr>
-            <a:lvl4pPr marL="1371600" algn="l" defTabSz="914400" rtl="0" eaLnBrk="1" latinLnBrk="0" hangingPunct="1">
-              <a:defRPr sz="1800" kern="1200">
-                <a:solidFill>
-                  <a:schemeClr val="lt1"/>
-                </a:solidFill>
-                <a:latin typeface="+mn-lt"/>
-                <a:ea typeface="+mn-ea"/>
-                <a:cs typeface="+mn-cs"/>
-              </a:defRPr>
-            </a:lvl4pPr>
-            <a:lvl5pPr marL="1828800" algn="l" defTabSz="914400" rtl="0" eaLnBrk="1" latinLnBrk="0" hangingPunct="1">
-              <a:defRPr sz="1800" kern="1200">
-                <a:solidFill>
-                  <a:schemeClr val="lt1"/>
-                </a:solidFill>
-                <a:latin typeface="+mn-lt"/>
-                <a:ea typeface="+mn-ea"/>
-                <a:cs typeface="+mn-cs"/>
-              </a:defRPr>
-            </a:lvl5pPr>
-            <a:lvl6pPr marL="2286000" algn="l" defTabSz="914400" rtl="0" eaLnBrk="1" latinLnBrk="0" hangingPunct="1">
-              <a:defRPr sz="1800" kern="1200">
-                <a:solidFill>
-                  <a:schemeClr val="lt1"/>
-                </a:solidFill>
-                <a:latin typeface="+mn-lt"/>
-                <a:ea typeface="+mn-ea"/>
-                <a:cs typeface="+mn-cs"/>
-              </a:defRPr>
-            </a:lvl6pPr>
-            <a:lvl7pPr marL="2743200" algn="l" defTabSz="914400" rtl="0" eaLnBrk="1" latinLnBrk="0" hangingPunct="1">
-              <a:defRPr sz="1800" kern="1200">
-                <a:solidFill>
-                  <a:schemeClr val="lt1"/>
-                </a:solidFill>
-                <a:latin typeface="+mn-lt"/>
-                <a:ea typeface="+mn-ea"/>
-                <a:cs typeface="+mn-cs"/>
-              </a:defRPr>
-            </a:lvl7pPr>
-            <a:lvl8pPr marL="3200400" algn="l" defTabSz="914400" rtl="0" eaLnBrk="1" latinLnBrk="0" hangingPunct="1">
-              <a:defRPr sz="1800" kern="1200">
-                <a:solidFill>
-                  <a:schemeClr val="lt1"/>
-                </a:solidFill>
-                <a:latin typeface="+mn-lt"/>
-                <a:ea typeface="+mn-ea"/>
-                <a:cs typeface="+mn-cs"/>
-              </a:defRPr>
-            </a:lvl8pPr>
-            <a:lvl9pPr marL="3657600" algn="l" defTabSz="914400" rtl="0" eaLnBrk="1" latinLnBrk="0" hangingPunct="1">
-              <a:defRPr sz="1800" kern="1200">
-                <a:solidFill>
-                  <a:schemeClr val="lt1"/>
-                </a:solidFill>
-                <a:latin typeface="+mn-lt"/>
-                <a:ea typeface="+mn-ea"/>
-                <a:cs typeface="+mn-cs"/>
-              </a:defRPr>
-            </a:lvl9pPr>
-          </a:lstStyle>
-          <a:p>
-            <a:pPr algn="ctr"/>
-            <a:endParaRPr lang="en-US"/>
-          </a:p>
-        </p:txBody>
-      </p:sp>
-      <p:sp>
-        <p:nvSpPr>
-          <p:cNvPr id="2" name="Title 1">
-            <a:extLst>
-              <a:ext uri="{FF2B5EF4-FFF2-40B4-BE49-F238E27FC236}">
-                <a16:creationId xmlns:a16="http://schemas.microsoft.com/office/drawing/2014/main" id="{8D3C6595-9F39-4D5A-B17B-56A950328BFB}"/>
-              </a:ext>
-            </a:extLst>
-          </p:cNvPr>
-          <p:cNvSpPr>
-            <a:spLocks noGrp="1"/>
-          </p:cNvSpPr>
-          <p:nvPr>
-            <p:ph type="title"/>
-          </p:nvPr>
-        </p:nvSpPr>
-        <p:spPr>
-          <a:xfrm>
-            <a:off x="649224" y="645106"/>
-            <a:ext cx="6574536" cy="1259894"/>
-          </a:xfrm>
-        </p:spPr>
-        <p:txBody>
-          <a:bodyPr>
-            <a:normAutofit/>
-          </a:bodyPr>
-          <a:lstStyle/>
-          <a:p>
-            <a:r>
-              <a:rPr lang="en-US" dirty="0"/>
-              <a:t>Demo Speech Recognition</a:t>
-            </a:r>
-            <a:endParaRPr lang="en-ID" dirty="0">
-              <a:solidFill>
-                <a:srgbClr val="564836"/>
-              </a:solidFill>
-            </a:endParaRPr>
-          </a:p>
-        </p:txBody>
-      </p:sp>
-      <p:sp>
-        <p:nvSpPr>
-          <p:cNvPr id="16" name="Rectangle 15">
-            <a:extLst>
-              <a:ext uri="{FF2B5EF4-FFF2-40B4-BE49-F238E27FC236}">
-                <a16:creationId xmlns:a16="http://schemas.microsoft.com/office/drawing/2014/main" id="{11310D98-E16D-4AA1-8834-28F2202C0CC3}"/>
-              </a:ext>
-              <a:ext uri="{C183D7F6-B498-43B3-948B-1728B52AA6E4}">
-                <adec:decorative xmlns:adec="http://schemas.microsoft.com/office/drawing/2017/decorative" val="1"/>
-              </a:ext>
-            </a:extLst>
-          </p:cNvPr>
-          <p:cNvSpPr>
-            <a:spLocks noGrp="1" noRot="1" noChangeAspect="1" noMove="1" noResize="1" noEditPoints="1" noAdjustHandles="1" noChangeArrowheads="1" noChangeShapeType="1" noTextEdit="1"/>
-          </p:cNvSpPr>
-          <p:nvPr>
-            <p:extLst>
-              <p:ext uri="{386F3935-93C4-4BCD-93E2-E3B085C9AB24}">
-                <p16:designElem xmlns:p16="http://schemas.microsoft.com/office/powerpoint/2015/main" val="1"/>
-              </p:ext>
-            </p:extLst>
-          </p:nvPr>
-        </p:nvSpPr>
-        <p:spPr>
-          <a:xfrm>
-            <a:off x="0" y="0"/>
-            <a:ext cx="182880" cy="6858000"/>
-          </a:xfrm>
-          <a:prstGeom prst="rect">
-            <a:avLst/>
-          </a:prstGeom>
-          <a:solidFill>
-            <a:srgbClr val="564836"/>
-          </a:solidFill>
-          <a:ln>
-            <a:noFill/>
-          </a:ln>
-          <a:effectLst/>
-        </p:spPr>
-        <p:style>
-          <a:lnRef idx="1">
-            <a:schemeClr val="accent1"/>
-          </a:lnRef>
-          <a:fillRef idx="3">
-            <a:schemeClr val="accent1"/>
-          </a:fillRef>
-          <a:effectRef idx="2">
-            <a:schemeClr val="accent1"/>
-          </a:effectRef>
-          <a:fontRef idx="minor">
-            <a:schemeClr val="lt1"/>
-          </a:fontRef>
-        </p:style>
-      </p:sp>
-      <p:sp>
-        <p:nvSpPr>
-          <p:cNvPr id="18" name="Freeform 10">
-            <a:extLst>
-              <a:ext uri="{FF2B5EF4-FFF2-40B4-BE49-F238E27FC236}">
-                <a16:creationId xmlns:a16="http://schemas.microsoft.com/office/drawing/2014/main" id="{5B65E675-687B-4B31-9CB4-880C4620538F}"/>
-              </a:ext>
-              <a:ext uri="{C183D7F6-B498-43B3-948B-1728B52AA6E4}">
-                <adec:decorative xmlns:adec="http://schemas.microsoft.com/office/drawing/2017/decorative" val="1"/>
-              </a:ext>
-            </a:extLst>
-          </p:cNvPr>
-          <p:cNvSpPr>
-            <a:spLocks noGrp="1" noRot="1" noChangeAspect="1" noMove="1" noResize="1" noEditPoints="1" noAdjustHandles="1" noChangeArrowheads="1" noChangeShapeType="1" noTextEdit="1"/>
-          </p:cNvSpPr>
-          <p:nvPr>
-            <p:extLst>
-              <p:ext uri="{386F3935-93C4-4BCD-93E2-E3B085C9AB24}">
-                <p16:designElem xmlns:p16="http://schemas.microsoft.com/office/powerpoint/2015/main" val="1"/>
-              </p:ext>
-            </p:extLst>
-          </p:nvPr>
-        </p:nvSpPr>
-        <p:spPr>
-          <a:xfrm>
-            <a:off x="-1" y="6061223"/>
-            <a:ext cx="1038036" cy="506277"/>
-          </a:xfrm>
-          <a:custGeom>
-            <a:avLst/>
-            <a:gdLst>
-              <a:gd name="connsiteX0" fmla="*/ 0 w 1038036"/>
-              <a:gd name="connsiteY0" fmla="*/ 0 h 506277"/>
-              <a:gd name="connsiteX1" fmla="*/ 182880 w 1038036"/>
-              <a:gd name="connsiteY1" fmla="*/ 0 h 506277"/>
-              <a:gd name="connsiteX2" fmla="*/ 291705 w 1038036"/>
-              <a:gd name="connsiteY2" fmla="*/ 0 h 506277"/>
-              <a:gd name="connsiteX3" fmla="*/ 291705 w 1038036"/>
-              <a:gd name="connsiteY3" fmla="*/ 151 h 506277"/>
-              <a:gd name="connsiteX4" fmla="*/ 692049 w 1038036"/>
-              <a:gd name="connsiteY4" fmla="*/ 705 h 506277"/>
-              <a:gd name="connsiteX5" fmla="*/ 782744 w 1038036"/>
-              <a:gd name="connsiteY5" fmla="*/ 705 h 506277"/>
-              <a:gd name="connsiteX6" fmla="*/ 797001 w 1038036"/>
-              <a:gd name="connsiteY6" fmla="*/ 5473 h 506277"/>
-              <a:gd name="connsiteX7" fmla="*/ 801982 w 1038036"/>
-              <a:gd name="connsiteY7" fmla="*/ 10242 h 506277"/>
-              <a:gd name="connsiteX8" fmla="*/ 1030951 w 1038036"/>
-              <a:gd name="connsiteY8" fmla="*/ 239185 h 506277"/>
-              <a:gd name="connsiteX9" fmla="*/ 1030951 w 1038036"/>
-              <a:gd name="connsiteY9" fmla="*/ 267797 h 506277"/>
-              <a:gd name="connsiteX10" fmla="*/ 801982 w 1038036"/>
-              <a:gd name="connsiteY10" fmla="*/ 496740 h 506277"/>
-              <a:gd name="connsiteX11" fmla="*/ 797001 w 1038036"/>
-              <a:gd name="connsiteY11" fmla="*/ 501508 h 506277"/>
-              <a:gd name="connsiteX12" fmla="*/ 782744 w 1038036"/>
-              <a:gd name="connsiteY12" fmla="*/ 506277 h 506277"/>
-              <a:gd name="connsiteX13" fmla="*/ 692049 w 1038036"/>
-              <a:gd name="connsiteY13" fmla="*/ 506277 h 506277"/>
-              <a:gd name="connsiteX14" fmla="*/ 291705 w 1038036"/>
-              <a:gd name="connsiteY14" fmla="*/ 505140 h 506277"/>
-              <a:gd name="connsiteX15" fmla="*/ 291705 w 1038036"/>
-              <a:gd name="connsiteY15" fmla="*/ 506277 h 506277"/>
-              <a:gd name="connsiteX16" fmla="*/ 0 w 1038036"/>
-              <a:gd name="connsiteY16" fmla="*/ 506277 h 506277"/>
-            </a:gdLst>
-            <a:ahLst/>
-            <a:cxnLst>
-              <a:cxn ang="0">
-                <a:pos x="connsiteX0" y="connsiteY0"/>
-              </a:cxn>
-              <a:cxn ang="0">
-                <a:pos x="connsiteX1" y="connsiteY1"/>
-              </a:cxn>
-              <a:cxn ang="0">
-                <a:pos x="connsiteX2" y="connsiteY2"/>
-              </a:cxn>
-              <a:cxn ang="0">
-                <a:pos x="connsiteX3" y="connsiteY3"/>
-              </a:cxn>
-              <a:cxn ang="0">
-                <a:pos x="connsiteX4" y="connsiteY4"/>
-              </a:cxn>
-              <a:cxn ang="0">
-                <a:pos x="connsiteX5" y="connsiteY5"/>
-              </a:cxn>
-              <a:cxn ang="0">
-                <a:pos x="connsiteX6" y="connsiteY6"/>
-              </a:cxn>
-              <a:cxn ang="0">
-                <a:pos x="connsiteX7" y="connsiteY7"/>
-              </a:cxn>
-              <a:cxn ang="0">
-                <a:pos x="connsiteX8" y="connsiteY8"/>
-              </a:cxn>
-              <a:cxn ang="0">
-                <a:pos x="connsiteX9" y="connsiteY9"/>
-              </a:cxn>
-              <a:cxn ang="0">
-                <a:pos x="connsiteX10" y="connsiteY10"/>
-              </a:cxn>
-              <a:cxn ang="0">
-                <a:pos x="connsiteX11" y="connsiteY11"/>
-              </a:cxn>
-              <a:cxn ang="0">
-                <a:pos x="connsiteX12" y="connsiteY12"/>
-              </a:cxn>
-              <a:cxn ang="0">
-                <a:pos x="connsiteX13" y="connsiteY13"/>
-              </a:cxn>
-              <a:cxn ang="0">
-                <a:pos x="connsiteX14" y="connsiteY14"/>
-              </a:cxn>
-              <a:cxn ang="0">
-                <a:pos x="connsiteX15" y="connsiteY15"/>
-              </a:cxn>
-              <a:cxn ang="0">
-                <a:pos x="connsiteX16" y="connsiteY16"/>
-              </a:cxn>
-            </a:cxnLst>
-            <a:rect l="l" t="t" r="r" b="b"/>
-            <a:pathLst>
-              <a:path w="1038036" h="506277">
-                <a:moveTo>
-                  <a:pt x="0" y="0"/>
-                </a:moveTo>
-                <a:lnTo>
-                  <a:pt x="182880" y="0"/>
-                </a:lnTo>
-                <a:lnTo>
-                  <a:pt x="291705" y="0"/>
-                </a:lnTo>
-                <a:lnTo>
-                  <a:pt x="291705" y="151"/>
-                </a:lnTo>
-                <a:lnTo>
-                  <a:pt x="692049" y="705"/>
-                </a:lnTo>
-                <a:lnTo>
-                  <a:pt x="782744" y="705"/>
-                </a:lnTo>
-                <a:cubicBezTo>
-                  <a:pt x="787553" y="705"/>
-                  <a:pt x="792363" y="5473"/>
-                  <a:pt x="797001" y="5473"/>
-                </a:cubicBezTo>
-                <a:cubicBezTo>
-                  <a:pt x="797001" y="10242"/>
-                  <a:pt x="801982" y="10242"/>
-                  <a:pt x="801982" y="10242"/>
-                </a:cubicBezTo>
-                <a:lnTo>
-                  <a:pt x="1030951" y="239185"/>
-                </a:lnTo>
-                <a:cubicBezTo>
-                  <a:pt x="1040398" y="248722"/>
-                  <a:pt x="1040398" y="258259"/>
-                  <a:pt x="1030951" y="267797"/>
-                </a:cubicBezTo>
-                <a:lnTo>
-                  <a:pt x="801982" y="496740"/>
-                </a:lnTo>
-                <a:cubicBezTo>
-                  <a:pt x="800436" y="498363"/>
-                  <a:pt x="798547" y="499885"/>
-                  <a:pt x="797001" y="501508"/>
-                </a:cubicBezTo>
-                <a:cubicBezTo>
-                  <a:pt x="792363" y="506277"/>
-                  <a:pt x="787553" y="506277"/>
-                  <a:pt x="782744" y="506277"/>
-                </a:cubicBezTo>
-                <a:lnTo>
-                  <a:pt x="692049" y="506277"/>
-                </a:lnTo>
-                <a:lnTo>
-                  <a:pt x="291705" y="505140"/>
-                </a:lnTo>
-                <a:lnTo>
-                  <a:pt x="291705" y="506277"/>
-                </a:lnTo>
-                <a:lnTo>
-                  <a:pt x="0" y="506277"/>
-                </a:lnTo>
-                <a:close/>
-              </a:path>
-            </a:pathLst>
-          </a:custGeom>
-          <a:ln>
-            <a:noFill/>
-          </a:ln>
-        </p:spPr>
-        <p:style>
-          <a:lnRef idx="2">
-            <a:schemeClr val="accent1">
-              <a:shade val="50000"/>
-            </a:schemeClr>
-          </a:lnRef>
-          <a:fillRef idx="1">
-            <a:schemeClr val="accent1"/>
-          </a:fillRef>
-          <a:effectRef idx="0">
-            <a:schemeClr val="accent1"/>
-          </a:effectRef>
-          <a:fontRef idx="minor">
-            <a:schemeClr val="lt1"/>
-          </a:fontRef>
-        </p:style>
-        <p:txBody>
-          <a:bodyPr rtlCol="0" anchor="ctr"/>
-          <a:lstStyle/>
-          <a:p>
-            <a:pPr algn="ctr"/>
-            <a:endParaRPr lang="en-US"/>
-          </a:p>
-        </p:txBody>
-      </p:sp>
-      <p:sp>
-        <p:nvSpPr>
-          <p:cNvPr id="5" name="Slide Number Placeholder 4">
-            <a:extLst>
-              <a:ext uri="{FF2B5EF4-FFF2-40B4-BE49-F238E27FC236}">
-                <a16:creationId xmlns:a16="http://schemas.microsoft.com/office/drawing/2014/main" id="{7B2D0B98-4AD8-435D-BF57-79BAD625DBEB}"/>
-              </a:ext>
-            </a:extLst>
-          </p:cNvPr>
-          <p:cNvSpPr>
-            <a:spLocks noGrp="1"/>
-          </p:cNvSpPr>
-          <p:nvPr>
-            <p:ph type="sldNum" sz="quarter" idx="12"/>
-          </p:nvPr>
-        </p:nvSpPr>
-        <p:spPr>
-          <a:xfrm>
-            <a:off x="121514" y="6133610"/>
-            <a:ext cx="779767" cy="365125"/>
-          </a:xfrm>
-        </p:spPr>
-        <p:txBody>
-          <a:bodyPr>
-            <a:normAutofit/>
-          </a:bodyPr>
-          <a:lstStyle/>
-          <a:p>
-            <a:pPr>
-              <a:lnSpc>
-                <a:spcPct val="90000"/>
-              </a:lnSpc>
-              <a:spcAft>
-                <a:spcPts val="600"/>
-              </a:spcAft>
-            </a:pPr>
-            <a:fld id="{D57F1E4F-1CFF-5643-939E-217C01CDF565}" type="slidenum">
-              <a:rPr lang="en-US" sz="1900" smtClean="0"/>
-              <a:pPr>
-                <a:lnSpc>
-                  <a:spcPct val="90000"/>
-                </a:lnSpc>
-                <a:spcAft>
-                  <a:spcPts val="600"/>
-                </a:spcAft>
-              </a:pPr>
-              <a:t>9</a:t>
-            </a:fld>
-            <a:endParaRPr lang="en-US" sz="1900"/>
-          </a:p>
-        </p:txBody>
-      </p:sp>
-      <p:sp>
-        <p:nvSpPr>
-          <p:cNvPr id="4" name="Footer Placeholder 3">
-            <a:extLst>
-              <a:ext uri="{FF2B5EF4-FFF2-40B4-BE49-F238E27FC236}">
-                <a16:creationId xmlns:a16="http://schemas.microsoft.com/office/drawing/2014/main" id="{DA3F1759-2B82-4336-926C-D45B6F445DF3}"/>
-              </a:ext>
-            </a:extLst>
-          </p:cNvPr>
-          <p:cNvSpPr>
-            <a:spLocks noGrp="1"/>
-          </p:cNvSpPr>
-          <p:nvPr>
-            <p:ph type="ftr" sz="quarter" idx="11"/>
-          </p:nvPr>
-        </p:nvSpPr>
-        <p:spPr>
-          <a:xfrm>
-            <a:off x="1220916" y="6135808"/>
-            <a:ext cx="7619999" cy="365125"/>
-          </a:xfrm>
-        </p:spPr>
-        <p:txBody>
-          <a:bodyPr>
-            <a:normAutofit/>
-          </a:bodyPr>
-          <a:lstStyle/>
-          <a:p>
-            <a:pPr>
-              <a:spcAft>
-                <a:spcPts val="600"/>
-              </a:spcAft>
-            </a:pPr>
-            <a:r>
-              <a:rPr lang="en-US"/>
-              <a:t>Mixed Topics in MobiKa - Joshua Phartogi</a:t>
-            </a:r>
-          </a:p>
-        </p:txBody>
-      </p:sp>
-      <p:sp>
-        <p:nvSpPr>
-          <p:cNvPr id="3" name="Content Placeholder 2">
-            <a:extLst>
-              <a:ext uri="{FF2B5EF4-FFF2-40B4-BE49-F238E27FC236}">
-                <a16:creationId xmlns:a16="http://schemas.microsoft.com/office/drawing/2014/main" id="{A4A25B62-F76B-47C4-91AD-E8DF92709D32}"/>
-              </a:ext>
-            </a:extLst>
-          </p:cNvPr>
-          <p:cNvSpPr>
-            <a:spLocks noGrp="1"/>
-          </p:cNvSpPr>
-          <p:nvPr>
-            <p:ph idx="1"/>
-          </p:nvPr>
-        </p:nvSpPr>
-        <p:spPr/>
-        <p:txBody>
-          <a:bodyPr/>
-          <a:lstStyle/>
-          <a:p>
-            <a:pPr marL="0" indent="0">
-              <a:buNone/>
-            </a:pPr>
-            <a:endParaRPr lang="en-ID" dirty="0"/>
-          </a:p>
-        </p:txBody>
-      </p:sp>
-    </p:spTree>
-    <p:extLst>
-      <p:ext uri="{BB962C8B-B14F-4D97-AF65-F5344CB8AC3E}">
-        <p14:creationId xmlns:p14="http://schemas.microsoft.com/office/powerpoint/2010/main" val="2446157986"/>
       </p:ext>
     </p:extLst>
   </p:cSld>

--- a/Internship Presentation.pptx
+++ b/Internship Presentation.pptx
@@ -6804,7 +6804,7 @@
           <a:p>
             <a:fld id="{BF8DB953-018A-468F-A649-A8B3C5DAB22E}" type="datetimeFigureOut">
               <a:rPr lang="en-ID" smtClean="0"/>
-              <a:t>21/05/2019</a:t>
+              <a:t>22/05/2019</a:t>
             </a:fld>
             <a:endParaRPr lang="en-ID"/>
           </a:p>
@@ -7116,15 +7116,567 @@
           <a:bodyPr/>
           <a:lstStyle/>
           <a:p>
+            <a:pPr marL="171450" indent="-171450">
+              <a:buFontTx/>
+              <a:buChar char="-"/>
+            </a:pPr>
+            <a:r>
+              <a:rPr lang="en-US" dirty="0"/>
+              <a:t>Using the standard Library of </a:t>
+            </a:r>
+            <a:r>
+              <a:rPr lang="en-US" dirty="0" err="1"/>
+              <a:t>Aruco</a:t>
+            </a:r>
+            <a:r>
+              <a:rPr lang="en-US" dirty="0"/>
+              <a:t> Marker, which is available in the internet and already in ROS platform. And also implemented it with </a:t>
+            </a:r>
+            <a:r>
+              <a:rPr lang="en-US" dirty="0" err="1"/>
+              <a:t>realsense</a:t>
+            </a:r>
+            <a:r>
+              <a:rPr lang="en-US" dirty="0"/>
+              <a:t> camera, so I used the </a:t>
+            </a:r>
+            <a:r>
+              <a:rPr lang="en-US" dirty="0" err="1"/>
+              <a:t>realsense</a:t>
+            </a:r>
+            <a:r>
+              <a:rPr lang="en-US" dirty="0"/>
+              <a:t> wrapper for ROS.</a:t>
+            </a:r>
+          </a:p>
+          <a:p>
+            <a:pPr marL="171450" indent="-171450">
+              <a:buFontTx/>
+              <a:buChar char="-"/>
+            </a:pPr>
+            <a:r>
+              <a:rPr lang="en-US" dirty="0"/>
+              <a:t>So then I make from scratch a simple TF publisher code, which subscribe to a topic of fiducial transforms from the </a:t>
+            </a:r>
+            <a:r>
+              <a:rPr lang="en-US" dirty="0" err="1"/>
+              <a:t>aruco</a:t>
+            </a:r>
+            <a:r>
+              <a:rPr lang="en-US" dirty="0"/>
+              <a:t> detect code which consist of the position and also the orientation in 6DOF space. With that information then I publish the TF based on that information between the marker and also the camera</a:t>
+            </a:r>
+          </a:p>
+          <a:p>
+            <a:pPr marL="171450" indent="-171450">
+              <a:buFontTx/>
+              <a:buChar char="-"/>
+            </a:pPr>
+            <a:r>
+              <a:rPr lang="en-US" dirty="0"/>
+              <a:t>But then the requirement is not in 6DOF, the requirement is in 2DOF space, so then I need to transform the pose. And to do that, I listen to the TF between the marker pose and the </a:t>
+            </a:r>
+            <a:r>
+              <a:rPr lang="en-US" dirty="0" err="1"/>
+              <a:t>base_link</a:t>
+            </a:r>
+            <a:r>
+              <a:rPr lang="en-US" dirty="0"/>
+              <a:t>. And then take the value of x , y and yaw from that information. And make the z equals to 0 and also the roll and pitch.</a:t>
+            </a:r>
+            <a:endParaRPr lang="en-ID" dirty="0"/>
+          </a:p>
+        </p:txBody>
+      </p:sp>
+      <p:sp>
+        <p:nvSpPr>
+          <p:cNvPr id="4" name="Slide Number Placeholder 3"/>
+          <p:cNvSpPr>
+            <a:spLocks noGrp="1"/>
+          </p:cNvSpPr>
+          <p:nvPr>
+            <p:ph type="sldNum" sz="quarter" idx="5"/>
+          </p:nvPr>
+        </p:nvSpPr>
+        <p:spPr/>
+        <p:txBody>
+          <a:bodyPr/>
+          <a:lstStyle/>
+          <a:p>
+            <a:fld id="{67590C20-280B-46AC-B664-8ED8A31C37AD}" type="slidenum">
+              <a:rPr lang="en-ID" smtClean="0"/>
+              <a:t>4</a:t>
+            </a:fld>
+            <a:endParaRPr lang="en-ID"/>
+          </a:p>
+        </p:txBody>
+      </p:sp>
+    </p:spTree>
+    <p:extLst>
+      <p:ext uri="{BB962C8B-B14F-4D97-AF65-F5344CB8AC3E}">
+        <p14:creationId xmlns:p14="http://schemas.microsoft.com/office/powerpoint/2010/main" val="322706605"/>
+      </p:ext>
+    </p:extLst>
+  </p:cSld>
+  <p:clrMapOvr>
+    <a:masterClrMapping/>
+  </p:clrMapOvr>
+</p:notes>
+</file>
+
+<file path=ppt/notesSlides/notesSlide2.xml><?xml version="1.0" encoding="utf-8"?>
+<p:notes xmlns:a="http://schemas.openxmlformats.org/drawingml/2006/main" xmlns:r="http://schemas.openxmlformats.org/officeDocument/2006/relationships" xmlns:p="http://schemas.openxmlformats.org/presentationml/2006/main">
+  <p:cSld>
+    <p:spTree>
+      <p:nvGrpSpPr>
+        <p:cNvPr id="1" name=""/>
+        <p:cNvGrpSpPr/>
+        <p:nvPr/>
+      </p:nvGrpSpPr>
+      <p:grpSpPr>
+        <a:xfrm>
+          <a:off x="0" y="0"/>
+          <a:ext cx="0" cy="0"/>
+          <a:chOff x="0" y="0"/>
+          <a:chExt cx="0" cy="0"/>
+        </a:xfrm>
+      </p:grpSpPr>
+      <p:sp>
+        <p:nvSpPr>
+          <p:cNvPr id="2" name="Slide Image Placeholder 1"/>
+          <p:cNvSpPr>
+            <a:spLocks noGrp="1" noRot="1" noChangeAspect="1"/>
+          </p:cNvSpPr>
+          <p:nvPr>
+            <p:ph type="sldImg"/>
+          </p:nvPr>
+        </p:nvSpPr>
+        <p:spPr/>
+      </p:sp>
+      <p:sp>
+        <p:nvSpPr>
+          <p:cNvPr id="3" name="Notes Placeholder 2"/>
+          <p:cNvSpPr>
+            <a:spLocks noGrp="1"/>
+          </p:cNvSpPr>
+          <p:nvPr>
+            <p:ph type="body" idx="1"/>
+          </p:nvPr>
+        </p:nvSpPr>
+        <p:spPr/>
+        <p:txBody>
+          <a:bodyPr/>
+          <a:lstStyle/>
+          <a:p>
+            <a:pPr marL="171450" indent="-171450">
+              <a:buFontTx/>
+              <a:buChar char="-"/>
+            </a:pPr>
+            <a:r>
+              <a:rPr lang="en-US" dirty="0"/>
+              <a:t>There is already an existing docking code, </a:t>
+            </a:r>
+            <a:r>
+              <a:rPr lang="en-US" dirty="0" err="1"/>
+              <a:t>ipa</a:t>
+            </a:r>
+            <a:r>
+              <a:rPr lang="en-US" dirty="0"/>
+              <a:t> differential docking and cob docking. It is listening to a TF for the docking process. And then this code combine with the previous code to dock the robot. But then I need to modified a little bit, because the previous code docks in forward direction. But the requirement for </a:t>
+            </a:r>
+            <a:r>
+              <a:rPr lang="en-US" dirty="0" err="1"/>
+              <a:t>mobika</a:t>
+            </a:r>
+            <a:r>
+              <a:rPr lang="en-US" dirty="0"/>
+              <a:t> is to dock in backward direction for charging.</a:t>
+            </a:r>
+          </a:p>
+          <a:p>
+            <a:pPr marL="171450" indent="-171450">
+              <a:buFontTx/>
+              <a:buChar char="-"/>
+            </a:pPr>
+            <a:r>
+              <a:rPr lang="en-US" dirty="0"/>
+              <a:t>Then I combine this two code together, and I have tested and try to implemented it. First I tried the differential docking code in simulation to see if it’s working, and then implemented it in the </a:t>
+            </a:r>
+            <a:r>
+              <a:rPr lang="en-US" dirty="0" err="1"/>
+              <a:t>mobika</a:t>
+            </a:r>
+            <a:r>
+              <a:rPr lang="en-US" dirty="0"/>
+              <a:t> robot. And then I have couple videos of the result of </a:t>
+            </a:r>
+            <a:r>
+              <a:rPr lang="en-US"/>
+              <a:t>the docking.</a:t>
+            </a:r>
+            <a:endParaRPr lang="en-ID" dirty="0"/>
+          </a:p>
+        </p:txBody>
+      </p:sp>
+      <p:sp>
+        <p:nvSpPr>
+          <p:cNvPr id="4" name="Slide Number Placeholder 3"/>
+          <p:cNvSpPr>
+            <a:spLocks noGrp="1"/>
+          </p:cNvSpPr>
+          <p:nvPr>
+            <p:ph type="sldNum" sz="quarter" idx="5"/>
+          </p:nvPr>
+        </p:nvSpPr>
+        <p:spPr/>
+        <p:txBody>
+          <a:bodyPr/>
+          <a:lstStyle/>
+          <a:p>
+            <a:fld id="{67590C20-280B-46AC-B664-8ED8A31C37AD}" type="slidenum">
+              <a:rPr lang="en-ID" smtClean="0"/>
+              <a:t>5</a:t>
+            </a:fld>
+            <a:endParaRPr lang="en-ID"/>
+          </a:p>
+        </p:txBody>
+      </p:sp>
+    </p:spTree>
+    <p:extLst>
+      <p:ext uri="{BB962C8B-B14F-4D97-AF65-F5344CB8AC3E}">
+        <p14:creationId xmlns:p14="http://schemas.microsoft.com/office/powerpoint/2010/main" val="3168966596"/>
+      </p:ext>
+    </p:extLst>
+  </p:cSld>
+  <p:clrMapOvr>
+    <a:masterClrMapping/>
+  </p:clrMapOvr>
+</p:notes>
+</file>
+
+<file path=ppt/notesSlides/notesSlide3.xml><?xml version="1.0" encoding="utf-8"?>
+<p:notes xmlns:a="http://schemas.openxmlformats.org/drawingml/2006/main" xmlns:r="http://schemas.openxmlformats.org/officeDocument/2006/relationships" xmlns:p="http://schemas.openxmlformats.org/presentationml/2006/main">
+  <p:cSld>
+    <p:spTree>
+      <p:nvGrpSpPr>
+        <p:cNvPr id="1" name=""/>
+        <p:cNvGrpSpPr/>
+        <p:nvPr/>
+      </p:nvGrpSpPr>
+      <p:grpSpPr>
+        <a:xfrm>
+          <a:off x="0" y="0"/>
+          <a:ext cx="0" cy="0"/>
+          <a:chOff x="0" y="0"/>
+          <a:chExt cx="0" cy="0"/>
+        </a:xfrm>
+      </p:grpSpPr>
+      <p:sp>
+        <p:nvSpPr>
+          <p:cNvPr id="2" name="Slide Image Placeholder 1"/>
+          <p:cNvSpPr>
+            <a:spLocks noGrp="1" noRot="1" noChangeAspect="1"/>
+          </p:cNvSpPr>
+          <p:nvPr>
+            <p:ph type="sldImg"/>
+          </p:nvPr>
+        </p:nvSpPr>
+        <p:spPr/>
+      </p:sp>
+      <p:sp>
+        <p:nvSpPr>
+          <p:cNvPr id="3" name="Notes Placeholder 2"/>
+          <p:cNvSpPr>
+            <a:spLocks noGrp="1"/>
+          </p:cNvSpPr>
+          <p:nvPr>
+            <p:ph type="body" idx="1"/>
+          </p:nvPr>
+        </p:nvSpPr>
+        <p:spPr/>
+        <p:txBody>
+          <a:bodyPr/>
+          <a:lstStyle/>
+          <a:p>
+            <a:r>
+              <a:rPr lang="en-US" dirty="0"/>
+              <a:t>- Here are two videos of the result of the docking process.</a:t>
+            </a:r>
+            <a:endParaRPr lang="en-ID" dirty="0"/>
+          </a:p>
+        </p:txBody>
+      </p:sp>
+      <p:sp>
+        <p:nvSpPr>
+          <p:cNvPr id="4" name="Slide Number Placeholder 3"/>
+          <p:cNvSpPr>
+            <a:spLocks noGrp="1"/>
+          </p:cNvSpPr>
+          <p:nvPr>
+            <p:ph type="sldNum" sz="quarter" idx="5"/>
+          </p:nvPr>
+        </p:nvSpPr>
+        <p:spPr/>
+        <p:txBody>
+          <a:bodyPr/>
+          <a:lstStyle/>
+          <a:p>
+            <a:fld id="{67590C20-280B-46AC-B664-8ED8A31C37AD}" type="slidenum">
+              <a:rPr lang="en-ID" smtClean="0"/>
+              <a:t>6</a:t>
+            </a:fld>
+            <a:endParaRPr lang="en-ID"/>
+          </a:p>
+        </p:txBody>
+      </p:sp>
+    </p:spTree>
+    <p:extLst>
+      <p:ext uri="{BB962C8B-B14F-4D97-AF65-F5344CB8AC3E}">
+        <p14:creationId xmlns:p14="http://schemas.microsoft.com/office/powerpoint/2010/main" val="3514820537"/>
+      </p:ext>
+    </p:extLst>
+  </p:cSld>
+  <p:clrMapOvr>
+    <a:masterClrMapping/>
+  </p:clrMapOvr>
+</p:notes>
+</file>
+
+<file path=ppt/notesSlides/notesSlide4.xml><?xml version="1.0" encoding="utf-8"?>
+<p:notes xmlns:a="http://schemas.openxmlformats.org/drawingml/2006/main" xmlns:r="http://schemas.openxmlformats.org/officeDocument/2006/relationships" xmlns:p="http://schemas.openxmlformats.org/presentationml/2006/main">
+  <p:cSld>
+    <p:spTree>
+      <p:nvGrpSpPr>
+        <p:cNvPr id="1" name=""/>
+        <p:cNvGrpSpPr/>
+        <p:nvPr/>
+      </p:nvGrpSpPr>
+      <p:grpSpPr>
+        <a:xfrm>
+          <a:off x="0" y="0"/>
+          <a:ext cx="0" cy="0"/>
+          <a:chOff x="0" y="0"/>
+          <a:chExt cx="0" cy="0"/>
+        </a:xfrm>
+      </p:grpSpPr>
+      <p:sp>
+        <p:nvSpPr>
+          <p:cNvPr id="2" name="Slide Image Placeholder 1"/>
+          <p:cNvSpPr>
+            <a:spLocks noGrp="1" noRot="1" noChangeAspect="1"/>
+          </p:cNvSpPr>
+          <p:nvPr>
+            <p:ph type="sldImg"/>
+          </p:nvPr>
+        </p:nvSpPr>
+        <p:spPr/>
+      </p:sp>
+      <p:sp>
+        <p:nvSpPr>
+          <p:cNvPr id="3" name="Notes Placeholder 2"/>
+          <p:cNvSpPr>
+            <a:spLocks noGrp="1"/>
+          </p:cNvSpPr>
+          <p:nvPr>
+            <p:ph type="body" idx="1"/>
+          </p:nvPr>
+        </p:nvSpPr>
+        <p:spPr/>
+        <p:txBody>
+          <a:bodyPr/>
+          <a:lstStyle/>
+          <a:p>
+            <a:pPr marL="171450" indent="-171450">
+              <a:buFontTx/>
+              <a:buChar char="-"/>
+            </a:pPr>
+            <a:r>
+              <a:rPr lang="en-US" dirty="0"/>
+              <a:t>Here is the camera pose estimation, which use the feature in the robot, which is static. In this case the Lidar. While it is in circular shape, we can take advantage of Hough circle transformation to detect the Lidar. </a:t>
+            </a:r>
+          </a:p>
+          <a:p>
+            <a:pPr marL="171450" indent="-171450">
+              <a:buFontTx/>
+              <a:buChar char="-"/>
+            </a:pPr>
+            <a:r>
+              <a:rPr lang="en-US" dirty="0"/>
+              <a:t>So in this project I use the </a:t>
+            </a:r>
+            <a:r>
+              <a:rPr lang="en-US" dirty="0" err="1"/>
+              <a:t>hough</a:t>
+            </a:r>
+            <a:r>
+              <a:rPr lang="en-US" dirty="0"/>
+              <a:t> circle transformation, which is a standard library in </a:t>
+            </a:r>
+            <a:r>
+              <a:rPr lang="en-US" dirty="0" err="1"/>
+              <a:t>opencv</a:t>
+            </a:r>
+            <a:r>
+              <a:rPr lang="en-US" dirty="0"/>
+              <a:t> and use it to detect the circular shape of the Lidar.</a:t>
+            </a:r>
+          </a:p>
+          <a:p>
+            <a:pPr marL="171450" indent="-171450">
+              <a:buFontTx/>
+              <a:buChar char="-"/>
+            </a:pPr>
+            <a:endParaRPr lang="en-US" dirty="0"/>
+          </a:p>
+          <a:p>
+            <a:pPr marL="171450" indent="-171450">
+              <a:buFontTx/>
+              <a:buChar char="-"/>
+            </a:pPr>
+            <a:endParaRPr lang="en-US" dirty="0"/>
+          </a:p>
+          <a:p>
+            <a:pPr marL="171450" indent="-171450">
+              <a:buFontTx/>
+              <a:buChar char="-"/>
+            </a:pPr>
+            <a:r>
+              <a:rPr lang="en-US" dirty="0"/>
+              <a:t>And I am also using the camera FOV in this project as one of the tools to get the angle of the camera. And it will be later explained in the next slide.</a:t>
+            </a:r>
+          </a:p>
+          <a:p>
+            <a:pPr marL="171450" indent="-171450">
+              <a:buFontTx/>
+              <a:buChar char="-"/>
+            </a:pPr>
+            <a:r>
+              <a:rPr lang="en-US" dirty="0"/>
+              <a:t>Then I publish the TF of the camera pose, which use the angle detected from the previous process</a:t>
+            </a:r>
+            <a:endParaRPr lang="en-ID" dirty="0"/>
+          </a:p>
+          <a:p>
+            <a:pPr marL="171450" indent="-171450">
+              <a:buFontTx/>
+              <a:buChar char="-"/>
+            </a:pPr>
+            <a:r>
+              <a:rPr lang="en-US" dirty="0"/>
+              <a:t>I also create two mode for this project, which is the debugging mode, and non-debugging mode. The debugging mode is always calculating the pose or angle in a infinite loop, while the non debugging mode take 10 data and take the median as the final data, while it probably occurs some false position of the circle.</a:t>
+            </a:r>
+          </a:p>
+        </p:txBody>
+      </p:sp>
+      <p:sp>
+        <p:nvSpPr>
+          <p:cNvPr id="4" name="Slide Number Placeholder 3"/>
+          <p:cNvSpPr>
+            <a:spLocks noGrp="1"/>
+          </p:cNvSpPr>
+          <p:nvPr>
+            <p:ph type="sldNum" sz="quarter" idx="5"/>
+          </p:nvPr>
+        </p:nvSpPr>
+        <p:spPr/>
+        <p:txBody>
+          <a:bodyPr/>
+          <a:lstStyle/>
+          <a:p>
+            <a:fld id="{67590C20-280B-46AC-B664-8ED8A31C37AD}" type="slidenum">
+              <a:rPr lang="en-ID" smtClean="0"/>
+              <a:t>7</a:t>
+            </a:fld>
+            <a:endParaRPr lang="en-ID"/>
+          </a:p>
+        </p:txBody>
+      </p:sp>
+    </p:spTree>
+    <p:extLst>
+      <p:ext uri="{BB962C8B-B14F-4D97-AF65-F5344CB8AC3E}">
+        <p14:creationId xmlns:p14="http://schemas.microsoft.com/office/powerpoint/2010/main" val="254847161"/>
+      </p:ext>
+    </p:extLst>
+  </p:cSld>
+  <p:clrMapOvr>
+    <a:masterClrMapping/>
+  </p:clrMapOvr>
+</p:notes>
+</file>
+
+<file path=ppt/notesSlides/notesSlide5.xml><?xml version="1.0" encoding="utf-8"?>
+<p:notes xmlns:a="http://schemas.openxmlformats.org/drawingml/2006/main" xmlns:r="http://schemas.openxmlformats.org/officeDocument/2006/relationships" xmlns:p="http://schemas.openxmlformats.org/presentationml/2006/main">
+  <p:cSld>
+    <p:spTree>
+      <p:nvGrpSpPr>
+        <p:cNvPr id="1" name=""/>
+        <p:cNvGrpSpPr/>
+        <p:nvPr/>
+      </p:nvGrpSpPr>
+      <p:grpSpPr>
+        <a:xfrm>
+          <a:off x="0" y="0"/>
+          <a:ext cx="0" cy="0"/>
+          <a:chOff x="0" y="0"/>
+          <a:chExt cx="0" cy="0"/>
+        </a:xfrm>
+      </p:grpSpPr>
+      <p:sp>
+        <p:nvSpPr>
+          <p:cNvPr id="2" name="Slide Image Placeholder 1"/>
+          <p:cNvSpPr>
+            <a:spLocks noGrp="1" noRot="1" noChangeAspect="1"/>
+          </p:cNvSpPr>
+          <p:nvPr>
+            <p:ph type="sldImg"/>
+          </p:nvPr>
+        </p:nvSpPr>
+        <p:spPr/>
+      </p:sp>
+      <p:sp>
+        <p:nvSpPr>
+          <p:cNvPr id="3" name="Notes Placeholder 2"/>
+          <p:cNvSpPr>
+            <a:spLocks noGrp="1"/>
+          </p:cNvSpPr>
+          <p:nvPr>
+            <p:ph type="body" idx="1"/>
+          </p:nvPr>
+        </p:nvSpPr>
+        <p:spPr/>
+        <p:txBody>
+          <a:bodyPr/>
+          <a:lstStyle/>
+          <a:p>
             <a:r>
               <a:rPr lang="en-US" dirty="0"/>
               <a:t>Remember! </a:t>
             </a:r>
           </a:p>
           <a:p>
+            <a:pPr marL="171450" indent="-171450">
+              <a:buFontTx/>
+              <a:buChar char="-"/>
+            </a:pPr>
             <a:r>
               <a:rPr lang="en-US" dirty="0"/>
-              <a:t>- It calculated in 2D image, because the movement of the camera is restricted in one direction only. So the detected circle will always be in one line.</a:t>
+              <a:t>The reference colored in black, and when it is at the middle of the camera frame, the camera is at the angle which is straight / looks directly to the Lidar. So I used that as the reference frame.</a:t>
+            </a:r>
+          </a:p>
+          <a:p>
+            <a:pPr marL="171450" indent="-171450">
+              <a:buFontTx/>
+              <a:buChar char="-"/>
+            </a:pPr>
+            <a:r>
+              <a:rPr lang="en-US" dirty="0"/>
+              <a:t>What I want search or obtained is the b , but I calculated first the difference of the angle, which is theta. And then it can be easily obtained by this equation. And gradient equation is simply straight forward, which is the delta y divided by delta x.</a:t>
+            </a:r>
+          </a:p>
+          <a:p>
+            <a:r>
+              <a:rPr lang="en-US" dirty="0"/>
+              <a:t>- It calculated in 2D because the movement of the camera is restricted in one direction only. So the detected circle will always be in one line.</a:t>
             </a:r>
             <a:endParaRPr lang="en-ID" dirty="0"/>
           </a:p>
@@ -7354,7 +7906,7 @@
           <a:p>
             <a:fld id="{A57F7DC4-C586-48FF-BAEF-20E01F248707}" type="datetime1">
               <a:rPr lang="en-US" smtClean="0"/>
-              <a:t>5/21/2019</a:t>
+              <a:t>5/22/2019</a:t>
             </a:fld>
             <a:endParaRPr lang="en-US" dirty="0"/>
           </a:p>
@@ -7692,7 +8244,7 @@
           <a:p>
             <a:fld id="{6CE20742-A01E-4568-B513-4CBFFF04FF64}" type="datetime1">
               <a:rPr lang="en-US" smtClean="0"/>
-              <a:t>5/21/2019</a:t>
+              <a:t>5/22/2019</a:t>
             </a:fld>
             <a:endParaRPr lang="en-US" dirty="0"/>
           </a:p>
@@ -8093,7 +8645,7 @@
           <a:p>
             <a:fld id="{75FAFBA7-0396-4C74-9BAD-7EE60AC79094}" type="datetime1">
               <a:rPr lang="en-US" smtClean="0"/>
-              <a:t>5/21/2019</a:t>
+              <a:t>5/22/2019</a:t>
             </a:fld>
             <a:endParaRPr lang="en-US" dirty="0"/>
           </a:p>
@@ -8429,7 +8981,7 @@
           <a:p>
             <a:fld id="{4D72ADD5-A9EA-48C4-BDBB-681399332988}" type="datetime1">
               <a:rPr lang="en-US" smtClean="0"/>
-              <a:t>5/21/2019</a:t>
+              <a:t>5/22/2019</a:t>
             </a:fld>
             <a:endParaRPr lang="en-US" dirty="0"/>
           </a:p>
@@ -8749,7 +9301,7 @@
           <a:p>
             <a:fld id="{9ECC264B-16D8-4BE9-806E-83F9B699F54B}" type="datetime1">
               <a:rPr lang="en-US" smtClean="0"/>
-              <a:t>5/21/2019</a:t>
+              <a:t>5/22/2019</a:t>
             </a:fld>
             <a:endParaRPr lang="en-US" dirty="0"/>
           </a:p>
@@ -9145,7 +9697,7 @@
           <a:p>
             <a:fld id="{BC50F5D9-3677-4285-87A8-D61638B76689}" type="datetime1">
               <a:rPr lang="en-US" smtClean="0"/>
-              <a:t>5/21/2019</a:t>
+              <a:t>5/22/2019</a:t>
             </a:fld>
             <a:endParaRPr lang="en-US" dirty="0"/>
           </a:p>
@@ -9402,7 +9954,7 @@
           <a:p>
             <a:fld id="{CA5997AC-FB80-4911-A972-E9F026C3057B}" type="datetime1">
               <a:rPr lang="en-US" smtClean="0"/>
-              <a:t>5/21/2019</a:t>
+              <a:t>5/22/2019</a:t>
             </a:fld>
             <a:endParaRPr lang="en-US" dirty="0"/>
           </a:p>
@@ -9664,7 +10216,7 @@
           <a:p>
             <a:fld id="{FEAF0D9A-E76F-4A0F-967A-958DDB4BD9E9}" type="datetime1">
               <a:rPr lang="en-US" smtClean="0"/>
-              <a:t>5/21/2019</a:t>
+              <a:t>5/22/2019</a:t>
             </a:fld>
             <a:endParaRPr lang="en-US" dirty="0"/>
           </a:p>
@@ -9926,7 +10478,7 @@
           <a:p>
             <a:fld id="{43A026AB-CAD4-4520-8E32-15D2A225933A}" type="datetime1">
               <a:rPr lang="en-US" smtClean="0"/>
-              <a:t>5/21/2019</a:t>
+              <a:t>5/22/2019</a:t>
             </a:fld>
             <a:endParaRPr lang="en-US" dirty="0"/>
           </a:p>
@@ -10255,7 +10807,7 @@
           <a:p>
             <a:fld id="{BE6021C7-B06C-4422-8C75-225ED1AB4762}" type="datetime1">
               <a:rPr lang="en-US" smtClean="0"/>
-              <a:t>5/21/2019</a:t>
+              <a:t>5/22/2019</a:t>
             </a:fld>
             <a:endParaRPr lang="en-US" dirty="0"/>
           </a:p>
@@ -10578,7 +11130,7 @@
           <a:p>
             <a:fld id="{1F05539E-5C3E-4226-93B8-84CB41B23959}" type="datetime1">
               <a:rPr lang="en-US" smtClean="0"/>
-              <a:t>5/21/2019</a:t>
+              <a:t>5/22/2019</a:t>
             </a:fld>
             <a:endParaRPr lang="en-US" dirty="0"/>
           </a:p>
@@ -11035,7 +11587,7 @@
           <a:p>
             <a:fld id="{3ABF9E1F-A449-432C-8F70-236C1B1DCE0C}" type="datetime1">
               <a:rPr lang="en-US" smtClean="0"/>
-              <a:t>5/21/2019</a:t>
+              <a:t>5/22/2019</a:t>
             </a:fld>
             <a:endParaRPr lang="en-US" dirty="0"/>
           </a:p>
@@ -11240,7 +11792,7 @@
           <a:p>
             <a:fld id="{6F7F48D0-5591-482C-A6B4-7D9DDF653F5E}" type="datetime1">
               <a:rPr lang="en-US" smtClean="0"/>
-              <a:t>5/21/2019</a:t>
+              <a:t>5/22/2019</a:t>
             </a:fld>
             <a:endParaRPr lang="en-US" dirty="0"/>
           </a:p>
@@ -11417,7 +11969,7 @@
           <a:p>
             <a:fld id="{D20EC0FA-FE3F-4A28-B783-546618C912FB}" type="datetime1">
               <a:rPr lang="en-US" smtClean="0"/>
-              <a:t>5/21/2019</a:t>
+              <a:t>5/22/2019</a:t>
             </a:fld>
             <a:endParaRPr lang="en-US" dirty="0"/>
           </a:p>
@@ -11750,7 +12302,7 @@
           <a:p>
             <a:fld id="{46E7B388-9E84-4F19-BEC0-D207A126F0BB}" type="datetime1">
               <a:rPr lang="en-US" smtClean="0"/>
-              <a:t>5/21/2019</a:t>
+              <a:t>5/22/2019</a:t>
             </a:fld>
             <a:endParaRPr lang="en-US" dirty="0"/>
           </a:p>
@@ -12095,7 +12647,7 @@
           <a:p>
             <a:fld id="{90DE0490-AE58-4AB8-A777-CA7C3A33BE63}" type="datetime1">
               <a:rPr lang="en-US" smtClean="0"/>
-              <a:t>5/21/2019</a:t>
+              <a:t>5/22/2019</a:t>
             </a:fld>
             <a:endParaRPr lang="en-US" dirty="0"/>
           </a:p>
@@ -14212,7 +14764,7 @@
           <a:p>
             <a:fld id="{A798A687-774A-491A-84CB-20B8888AB425}" type="datetime1">
               <a:rPr lang="en-US" smtClean="0"/>
-              <a:t>5/21/2019</a:t>
+              <a:t>5/22/2019</a:t>
             </a:fld>
             <a:endParaRPr lang="en-US" dirty="0"/>
           </a:p>
@@ -17402,8 +17954,8 @@
           </a:p>
         </p:txBody>
       </p:sp>
-      <mc:AlternateContent xmlns:mc="http://schemas.openxmlformats.org/markup-compatibility/2006">
-        <mc:Choice xmlns:a14="http://schemas.microsoft.com/office/drawing/2010/main" Requires="a14">
+      <mc:AlternateContent xmlns:mc="http://schemas.openxmlformats.org/markup-compatibility/2006" xmlns:a14="http://schemas.microsoft.com/office/drawing/2010/main">
+        <mc:Choice Requires="a14">
           <p:sp>
             <p:nvSpPr>
               <p:cNvPr id="6" name="TextBox 5">
@@ -17754,7 +18306,7 @@
             </p:txBody>
           </p:sp>
         </mc:Choice>
-        <mc:Fallback>
+        <mc:Fallback xmlns="">
           <p:sp>
             <p:nvSpPr>
               <p:cNvPr id="6" name="TextBox 5">
@@ -17951,8 +18503,8 @@
           </a:p>
         </p:txBody>
       </p:sp>
-      <mc:AlternateContent xmlns:mc="http://schemas.openxmlformats.org/markup-compatibility/2006">
-        <mc:Choice xmlns:a14="http://schemas.microsoft.com/office/drawing/2010/main" Requires="a14">
+      <mc:AlternateContent xmlns:mc="http://schemas.openxmlformats.org/markup-compatibility/2006" xmlns:a14="http://schemas.microsoft.com/office/drawing/2010/main">
+        <mc:Choice Requires="a14">
           <p:sp>
             <p:nvSpPr>
               <p:cNvPr id="32" name="TextBox 31">
@@ -18340,7 +18892,7 @@
             </p:txBody>
           </p:sp>
         </mc:Choice>
-        <mc:Fallback>
+        <mc:Fallback xmlns="">
           <p:sp>
             <p:nvSpPr>
               <p:cNvPr id="32" name="TextBox 31">
@@ -18465,8 +19017,8 @@
           </a:fontRef>
         </p:style>
       </p:cxnSp>
-      <mc:AlternateContent xmlns:mc="http://schemas.openxmlformats.org/markup-compatibility/2006">
-        <mc:Choice xmlns:a14="http://schemas.microsoft.com/office/drawing/2010/main" Requires="a14">
+      <mc:AlternateContent xmlns:mc="http://schemas.openxmlformats.org/markup-compatibility/2006" xmlns:a14="http://schemas.microsoft.com/office/drawing/2010/main">
+        <mc:Choice Requires="a14">
           <p:sp>
             <p:nvSpPr>
               <p:cNvPr id="21" name="TextBox 20">
@@ -18550,7 +19102,7 @@
             </p:txBody>
           </p:sp>
         </mc:Choice>
-        <mc:Fallback>
+        <mc:Fallback xmlns="">
           <p:sp>
             <p:nvSpPr>
               <p:cNvPr id="21" name="TextBox 20">
@@ -18595,8 +19147,8 @@
           </p:sp>
         </mc:Fallback>
       </mc:AlternateContent>
-      <mc:AlternateContent xmlns:mc="http://schemas.openxmlformats.org/markup-compatibility/2006">
-        <mc:Choice xmlns:a14="http://schemas.microsoft.com/office/drawing/2010/main" Requires="a14">
+      <mc:AlternateContent xmlns:mc="http://schemas.openxmlformats.org/markup-compatibility/2006" xmlns:a14="http://schemas.microsoft.com/office/drawing/2010/main">
+        <mc:Choice Requires="a14">
           <p:sp>
             <p:nvSpPr>
               <p:cNvPr id="22" name="TextBox 21">
@@ -18625,6 +19177,7 @@
               </a:bodyPr>
               <a:lstStyle/>
               <a:p>
+                <a:pPr/>
                 <a14:m>
                   <m:oMathPara xmlns:m="http://schemas.openxmlformats.org/officeDocument/2006/math">
                     <m:oMathParaPr>
@@ -18680,7 +19233,7 @@
             </p:txBody>
           </p:sp>
         </mc:Choice>
-        <mc:Fallback>
+        <mc:Fallback xmlns="">
           <p:sp>
             <p:nvSpPr>
               <p:cNvPr id="22" name="TextBox 21">
@@ -19467,7 +20020,7 @@
             </a:r>
             <a:r>
               <a:rPr lang="en-ID" dirty="0">
-                <a:hlinkClick r:id="rId2"/>
+                <a:hlinkClick r:id="rId3"/>
               </a:rPr>
               <a:t>http://wiki.ros.org/aruco_detect</a:t>
             </a:r>
@@ -19491,11 +20044,11 @@
             </a:r>
             <a:r>
               <a:rPr lang="en-ID" dirty="0" err="1"/>
-              <a:t>fiducial_transform</a:t>
+              <a:t>fiducial_transforms</a:t>
             </a:r>
             <a:r>
               <a:rPr lang="en-ID" dirty="0"/>
-              <a:t> </a:t>
+              <a:t> (marker pose) </a:t>
             </a:r>
           </a:p>
           <a:p>
@@ -19524,7 +20077,7 @@
           <p:nvPr/>
         </p:nvPicPr>
         <p:blipFill>
-          <a:blip r:embed="rId3">
+          <a:blip r:embed="rId4">
             <a:extLst>
               <a:ext uri="{28A0092B-C50C-407E-A947-70E740481C1C}">
                 <a14:useLocalDpi xmlns:a14="http://schemas.microsoft.com/office/drawing/2010/main" val="0"/>
@@ -19570,7 +20123,7 @@
           <p:nvPr/>
         </p:nvPicPr>
         <p:blipFill>
-          <a:blip r:embed="rId4">
+          <a:blip r:embed="rId5">
             <a:extLst>
               <a:ext uri="{28A0092B-C50C-407E-A947-70E740481C1C}">
                 <a14:useLocalDpi xmlns:a14="http://schemas.microsoft.com/office/drawing/2010/main" val="0"/>
@@ -20461,12 +21014,57 @@
             </a:lvl9pPr>
           </a:lstStyle>
           <a:p>
+            <a:pPr marL="0" indent="0">
+              <a:buNone/>
+            </a:pPr>
+            <a:endParaRPr lang="en-US" dirty="0"/>
+          </a:p>
+          <a:p>
+            <a:endParaRPr lang="en-ID" dirty="0"/>
+          </a:p>
+        </p:txBody>
+      </p:sp>
+      <p:sp>
+        <p:nvSpPr>
+          <p:cNvPr id="13" name="Rectangle 12">
+            <a:extLst>
+              <a:ext uri="{FF2B5EF4-FFF2-40B4-BE49-F238E27FC236}">
+                <a16:creationId xmlns:a16="http://schemas.microsoft.com/office/drawing/2014/main" id="{F224A25C-D6C3-41DC-BE4C-D40CFF1B177C}"/>
+              </a:ext>
+            </a:extLst>
+          </p:cNvPr>
+          <p:cNvSpPr/>
+          <p:nvPr/>
+        </p:nvSpPr>
+        <p:spPr>
+          <a:xfrm>
+            <a:off x="7189486" y="4424664"/>
+            <a:ext cx="4932740" cy="1477328"/>
+          </a:xfrm>
+          <a:prstGeom prst="rect">
+            <a:avLst/>
+          </a:prstGeom>
+        </p:spPr>
+        <p:txBody>
+          <a:bodyPr wrap="square">
+            <a:spAutoFit/>
+          </a:bodyPr>
+          <a:lstStyle/>
+          <a:p>
+            <a:pPr marL="285750" indent="-285750">
+              <a:buFont typeface="Arial" panose="020B0604020202020204" pitchFamily="34" charset="0"/>
+              <a:buChar char="•"/>
+            </a:pPr>
             <a:r>
               <a:rPr lang="en-US" dirty="0"/>
               <a:t>Transform the 6DOF marker pose to 2DOF marker pose</a:t>
             </a:r>
           </a:p>
           <a:p>
+            <a:pPr marL="285750" indent="-285750">
+              <a:buFont typeface="Arial" panose="020B0604020202020204" pitchFamily="34" charset="0"/>
+              <a:buChar char="•"/>
+            </a:pPr>
             <a:r>
               <a:rPr lang="en-US" dirty="0"/>
               <a:t>How? Listen TF between 6DOF </a:t>
@@ -20488,15 +21086,6 @@
               <a:t> and take only value of x, y and yaw</a:t>
             </a:r>
           </a:p>
-          <a:p>
-            <a:pPr marL="0" indent="0">
-              <a:buNone/>
-            </a:pPr>
-            <a:endParaRPr lang="en-US" dirty="0"/>
-          </a:p>
-          <a:p>
-            <a:endParaRPr lang="en-ID" dirty="0"/>
-          </a:p>
         </p:txBody>
       </p:sp>
     </p:spTree>
@@ -20509,6 +21098,614 @@
   <p:clrMapOvr>
     <a:masterClrMapping/>
   </p:clrMapOvr>
+  <p:timing>
+    <p:tnLst>
+      <p:par>
+        <p:cTn id="1" dur="indefinite" restart="never" nodeType="tmRoot">
+          <p:childTnLst>
+            <p:seq concurrent="1" nextAc="seek">
+              <p:cTn id="2" dur="indefinite" nodeType="mainSeq">
+                <p:childTnLst>
+                  <p:par>
+                    <p:cTn id="3" fill="hold">
+                      <p:stCondLst>
+                        <p:cond delay="indefinite"/>
+                      </p:stCondLst>
+                      <p:childTnLst>
+                        <p:par>
+                          <p:cTn id="4" fill="hold">
+                            <p:stCondLst>
+                              <p:cond delay="0"/>
+                            </p:stCondLst>
+                            <p:childTnLst>
+                              <p:par>
+                                <p:cTn id="5" presetID="42" presetClass="entr" presetSubtype="0" fill="hold" grpId="0" nodeType="clickEffect">
+                                  <p:stCondLst>
+                                    <p:cond delay="0"/>
+                                  </p:stCondLst>
+                                  <p:childTnLst>
+                                    <p:set>
+                                      <p:cBhvr>
+                                        <p:cTn id="6" dur="1" fill="hold">
+                                          <p:stCondLst>
+                                            <p:cond delay="0"/>
+                                          </p:stCondLst>
+                                        </p:cTn>
+                                        <p:tgtEl>
+                                          <p:spTgt spid="3">
+                                            <p:txEl>
+                                              <p:pRg st="0" end="0"/>
+                                            </p:txEl>
+                                          </p:spTgt>
+                                        </p:tgtEl>
+                                        <p:attrNameLst>
+                                          <p:attrName>style.visibility</p:attrName>
+                                        </p:attrNameLst>
+                                      </p:cBhvr>
+                                      <p:to>
+                                        <p:strVal val="visible"/>
+                                      </p:to>
+                                    </p:set>
+                                    <p:animEffect transition="in" filter="fade">
+                                      <p:cBhvr>
+                                        <p:cTn id="7" dur="1000"/>
+                                        <p:tgtEl>
+                                          <p:spTgt spid="3">
+                                            <p:txEl>
+                                              <p:pRg st="0" end="0"/>
+                                            </p:txEl>
+                                          </p:spTgt>
+                                        </p:tgtEl>
+                                      </p:cBhvr>
+                                    </p:animEffect>
+                                    <p:anim calcmode="lin" valueType="num">
+                                      <p:cBhvr>
+                                        <p:cTn id="8" dur="1000" fill="hold"/>
+                                        <p:tgtEl>
+                                          <p:spTgt spid="3">
+                                            <p:txEl>
+                                              <p:pRg st="0" end="0"/>
+                                            </p:txEl>
+                                          </p:spTgt>
+                                        </p:tgtEl>
+                                        <p:attrNameLst>
+                                          <p:attrName>ppt_x</p:attrName>
+                                        </p:attrNameLst>
+                                      </p:cBhvr>
+                                      <p:tavLst>
+                                        <p:tav tm="0">
+                                          <p:val>
+                                            <p:strVal val="#ppt_x"/>
+                                          </p:val>
+                                        </p:tav>
+                                        <p:tav tm="100000">
+                                          <p:val>
+                                            <p:strVal val="#ppt_x"/>
+                                          </p:val>
+                                        </p:tav>
+                                      </p:tavLst>
+                                    </p:anim>
+                                    <p:anim calcmode="lin" valueType="num">
+                                      <p:cBhvr>
+                                        <p:cTn id="9" dur="1000" fill="hold"/>
+                                        <p:tgtEl>
+                                          <p:spTgt spid="3">
+                                            <p:txEl>
+                                              <p:pRg st="0" end="0"/>
+                                            </p:txEl>
+                                          </p:spTgt>
+                                        </p:tgtEl>
+                                        <p:attrNameLst>
+                                          <p:attrName>ppt_y</p:attrName>
+                                        </p:attrNameLst>
+                                      </p:cBhvr>
+                                      <p:tavLst>
+                                        <p:tav tm="0">
+                                          <p:val>
+                                            <p:strVal val="#ppt_y+.1"/>
+                                          </p:val>
+                                        </p:tav>
+                                        <p:tav tm="100000">
+                                          <p:val>
+                                            <p:strVal val="#ppt_y"/>
+                                          </p:val>
+                                        </p:tav>
+                                      </p:tavLst>
+                                    </p:anim>
+                                  </p:childTnLst>
+                                </p:cTn>
+                              </p:par>
+                            </p:childTnLst>
+                          </p:cTn>
+                        </p:par>
+                      </p:childTnLst>
+                    </p:cTn>
+                  </p:par>
+                  <p:par>
+                    <p:cTn id="10" fill="hold">
+                      <p:stCondLst>
+                        <p:cond delay="indefinite"/>
+                      </p:stCondLst>
+                      <p:childTnLst>
+                        <p:par>
+                          <p:cTn id="11" fill="hold">
+                            <p:stCondLst>
+                              <p:cond delay="0"/>
+                            </p:stCondLst>
+                            <p:childTnLst>
+                              <p:par>
+                                <p:cTn id="12" presetID="42" presetClass="entr" presetSubtype="0" fill="hold" grpId="0" nodeType="clickEffect">
+                                  <p:stCondLst>
+                                    <p:cond delay="0"/>
+                                  </p:stCondLst>
+                                  <p:childTnLst>
+                                    <p:set>
+                                      <p:cBhvr>
+                                        <p:cTn id="13" dur="1" fill="hold">
+                                          <p:stCondLst>
+                                            <p:cond delay="0"/>
+                                          </p:stCondLst>
+                                        </p:cTn>
+                                        <p:tgtEl>
+                                          <p:spTgt spid="3">
+                                            <p:txEl>
+                                              <p:pRg st="1" end="1"/>
+                                            </p:txEl>
+                                          </p:spTgt>
+                                        </p:tgtEl>
+                                        <p:attrNameLst>
+                                          <p:attrName>style.visibility</p:attrName>
+                                        </p:attrNameLst>
+                                      </p:cBhvr>
+                                      <p:to>
+                                        <p:strVal val="visible"/>
+                                      </p:to>
+                                    </p:set>
+                                    <p:animEffect transition="in" filter="fade">
+                                      <p:cBhvr>
+                                        <p:cTn id="14" dur="1000"/>
+                                        <p:tgtEl>
+                                          <p:spTgt spid="3">
+                                            <p:txEl>
+                                              <p:pRg st="1" end="1"/>
+                                            </p:txEl>
+                                          </p:spTgt>
+                                        </p:tgtEl>
+                                      </p:cBhvr>
+                                    </p:animEffect>
+                                    <p:anim calcmode="lin" valueType="num">
+                                      <p:cBhvr>
+                                        <p:cTn id="15" dur="1000" fill="hold"/>
+                                        <p:tgtEl>
+                                          <p:spTgt spid="3">
+                                            <p:txEl>
+                                              <p:pRg st="1" end="1"/>
+                                            </p:txEl>
+                                          </p:spTgt>
+                                        </p:tgtEl>
+                                        <p:attrNameLst>
+                                          <p:attrName>ppt_x</p:attrName>
+                                        </p:attrNameLst>
+                                      </p:cBhvr>
+                                      <p:tavLst>
+                                        <p:tav tm="0">
+                                          <p:val>
+                                            <p:strVal val="#ppt_x"/>
+                                          </p:val>
+                                        </p:tav>
+                                        <p:tav tm="100000">
+                                          <p:val>
+                                            <p:strVal val="#ppt_x"/>
+                                          </p:val>
+                                        </p:tav>
+                                      </p:tavLst>
+                                    </p:anim>
+                                    <p:anim calcmode="lin" valueType="num">
+                                      <p:cBhvr>
+                                        <p:cTn id="16" dur="1000" fill="hold"/>
+                                        <p:tgtEl>
+                                          <p:spTgt spid="3">
+                                            <p:txEl>
+                                              <p:pRg st="1" end="1"/>
+                                            </p:txEl>
+                                          </p:spTgt>
+                                        </p:tgtEl>
+                                        <p:attrNameLst>
+                                          <p:attrName>ppt_y</p:attrName>
+                                        </p:attrNameLst>
+                                      </p:cBhvr>
+                                      <p:tavLst>
+                                        <p:tav tm="0">
+                                          <p:val>
+                                            <p:strVal val="#ppt_y+.1"/>
+                                          </p:val>
+                                        </p:tav>
+                                        <p:tav tm="100000">
+                                          <p:val>
+                                            <p:strVal val="#ppt_y"/>
+                                          </p:val>
+                                        </p:tav>
+                                      </p:tavLst>
+                                    </p:anim>
+                                  </p:childTnLst>
+                                </p:cTn>
+                              </p:par>
+                            </p:childTnLst>
+                          </p:cTn>
+                        </p:par>
+                      </p:childTnLst>
+                    </p:cTn>
+                  </p:par>
+                  <p:par>
+                    <p:cTn id="17" fill="hold">
+                      <p:stCondLst>
+                        <p:cond delay="indefinite"/>
+                      </p:stCondLst>
+                      <p:childTnLst>
+                        <p:par>
+                          <p:cTn id="18" fill="hold">
+                            <p:stCondLst>
+                              <p:cond delay="0"/>
+                            </p:stCondLst>
+                            <p:childTnLst>
+                              <p:par>
+                                <p:cTn id="19" presetID="42" presetClass="entr" presetSubtype="0" fill="hold" grpId="0" nodeType="clickEffect">
+                                  <p:stCondLst>
+                                    <p:cond delay="0"/>
+                                  </p:stCondLst>
+                                  <p:childTnLst>
+                                    <p:set>
+                                      <p:cBhvr>
+                                        <p:cTn id="20" dur="1" fill="hold">
+                                          <p:stCondLst>
+                                            <p:cond delay="0"/>
+                                          </p:stCondLst>
+                                        </p:cTn>
+                                        <p:tgtEl>
+                                          <p:spTgt spid="3">
+                                            <p:txEl>
+                                              <p:pRg st="2" end="2"/>
+                                            </p:txEl>
+                                          </p:spTgt>
+                                        </p:tgtEl>
+                                        <p:attrNameLst>
+                                          <p:attrName>style.visibility</p:attrName>
+                                        </p:attrNameLst>
+                                      </p:cBhvr>
+                                      <p:to>
+                                        <p:strVal val="visible"/>
+                                      </p:to>
+                                    </p:set>
+                                    <p:animEffect transition="in" filter="fade">
+                                      <p:cBhvr>
+                                        <p:cTn id="21" dur="1000"/>
+                                        <p:tgtEl>
+                                          <p:spTgt spid="3">
+                                            <p:txEl>
+                                              <p:pRg st="2" end="2"/>
+                                            </p:txEl>
+                                          </p:spTgt>
+                                        </p:tgtEl>
+                                      </p:cBhvr>
+                                    </p:animEffect>
+                                    <p:anim calcmode="lin" valueType="num">
+                                      <p:cBhvr>
+                                        <p:cTn id="22" dur="1000" fill="hold"/>
+                                        <p:tgtEl>
+                                          <p:spTgt spid="3">
+                                            <p:txEl>
+                                              <p:pRg st="2" end="2"/>
+                                            </p:txEl>
+                                          </p:spTgt>
+                                        </p:tgtEl>
+                                        <p:attrNameLst>
+                                          <p:attrName>ppt_x</p:attrName>
+                                        </p:attrNameLst>
+                                      </p:cBhvr>
+                                      <p:tavLst>
+                                        <p:tav tm="0">
+                                          <p:val>
+                                            <p:strVal val="#ppt_x"/>
+                                          </p:val>
+                                        </p:tav>
+                                        <p:tav tm="100000">
+                                          <p:val>
+                                            <p:strVal val="#ppt_x"/>
+                                          </p:val>
+                                        </p:tav>
+                                      </p:tavLst>
+                                    </p:anim>
+                                    <p:anim calcmode="lin" valueType="num">
+                                      <p:cBhvr>
+                                        <p:cTn id="23" dur="1000" fill="hold"/>
+                                        <p:tgtEl>
+                                          <p:spTgt spid="3">
+                                            <p:txEl>
+                                              <p:pRg st="2" end="2"/>
+                                            </p:txEl>
+                                          </p:spTgt>
+                                        </p:tgtEl>
+                                        <p:attrNameLst>
+                                          <p:attrName>ppt_y</p:attrName>
+                                        </p:attrNameLst>
+                                      </p:cBhvr>
+                                      <p:tavLst>
+                                        <p:tav tm="0">
+                                          <p:val>
+                                            <p:strVal val="#ppt_y+.1"/>
+                                          </p:val>
+                                        </p:tav>
+                                        <p:tav tm="100000">
+                                          <p:val>
+                                            <p:strVal val="#ppt_y"/>
+                                          </p:val>
+                                        </p:tav>
+                                      </p:tavLst>
+                                    </p:anim>
+                                  </p:childTnLst>
+                                </p:cTn>
+                              </p:par>
+                            </p:childTnLst>
+                          </p:cTn>
+                        </p:par>
+                      </p:childTnLst>
+                    </p:cTn>
+                  </p:par>
+                  <p:par>
+                    <p:cTn id="24" fill="hold">
+                      <p:stCondLst>
+                        <p:cond delay="indefinite"/>
+                      </p:stCondLst>
+                      <p:childTnLst>
+                        <p:par>
+                          <p:cTn id="25" fill="hold">
+                            <p:stCondLst>
+                              <p:cond delay="0"/>
+                            </p:stCondLst>
+                            <p:childTnLst>
+                              <p:par>
+                                <p:cTn id="26" presetID="42" presetClass="entr" presetSubtype="0" fill="hold" nodeType="clickEffect">
+                                  <p:stCondLst>
+                                    <p:cond delay="0"/>
+                                  </p:stCondLst>
+                                  <p:childTnLst>
+                                    <p:set>
+                                      <p:cBhvr>
+                                        <p:cTn id="27" dur="1" fill="hold">
+                                          <p:stCondLst>
+                                            <p:cond delay="0"/>
+                                          </p:stCondLst>
+                                        </p:cTn>
+                                        <p:tgtEl>
+                                          <p:spTgt spid="13">
+                                            <p:txEl>
+                                              <p:pRg st="0" end="0"/>
+                                            </p:txEl>
+                                          </p:spTgt>
+                                        </p:tgtEl>
+                                        <p:attrNameLst>
+                                          <p:attrName>style.visibility</p:attrName>
+                                        </p:attrNameLst>
+                                      </p:cBhvr>
+                                      <p:to>
+                                        <p:strVal val="visible"/>
+                                      </p:to>
+                                    </p:set>
+                                    <p:animEffect transition="in" filter="fade">
+                                      <p:cBhvr>
+                                        <p:cTn id="28" dur="1000"/>
+                                        <p:tgtEl>
+                                          <p:spTgt spid="13">
+                                            <p:txEl>
+                                              <p:pRg st="0" end="0"/>
+                                            </p:txEl>
+                                          </p:spTgt>
+                                        </p:tgtEl>
+                                      </p:cBhvr>
+                                    </p:animEffect>
+                                    <p:anim calcmode="lin" valueType="num">
+                                      <p:cBhvr>
+                                        <p:cTn id="29" dur="1000" fill="hold"/>
+                                        <p:tgtEl>
+                                          <p:spTgt spid="13">
+                                            <p:txEl>
+                                              <p:pRg st="0" end="0"/>
+                                            </p:txEl>
+                                          </p:spTgt>
+                                        </p:tgtEl>
+                                        <p:attrNameLst>
+                                          <p:attrName>ppt_x</p:attrName>
+                                        </p:attrNameLst>
+                                      </p:cBhvr>
+                                      <p:tavLst>
+                                        <p:tav tm="0">
+                                          <p:val>
+                                            <p:strVal val="#ppt_x"/>
+                                          </p:val>
+                                        </p:tav>
+                                        <p:tav tm="100000">
+                                          <p:val>
+                                            <p:strVal val="#ppt_x"/>
+                                          </p:val>
+                                        </p:tav>
+                                      </p:tavLst>
+                                    </p:anim>
+                                    <p:anim calcmode="lin" valueType="num">
+                                      <p:cBhvr>
+                                        <p:cTn id="30" dur="1000" fill="hold"/>
+                                        <p:tgtEl>
+                                          <p:spTgt spid="13">
+                                            <p:txEl>
+                                              <p:pRg st="0" end="0"/>
+                                            </p:txEl>
+                                          </p:spTgt>
+                                        </p:tgtEl>
+                                        <p:attrNameLst>
+                                          <p:attrName>ppt_y</p:attrName>
+                                        </p:attrNameLst>
+                                      </p:cBhvr>
+                                      <p:tavLst>
+                                        <p:tav tm="0">
+                                          <p:val>
+                                            <p:strVal val="#ppt_y+.1"/>
+                                          </p:val>
+                                        </p:tav>
+                                        <p:tav tm="100000">
+                                          <p:val>
+                                            <p:strVal val="#ppt_y"/>
+                                          </p:val>
+                                        </p:tav>
+                                      </p:tavLst>
+                                    </p:anim>
+                                  </p:childTnLst>
+                                </p:cTn>
+                              </p:par>
+                            </p:childTnLst>
+                          </p:cTn>
+                        </p:par>
+                      </p:childTnLst>
+                    </p:cTn>
+                  </p:par>
+                  <p:par>
+                    <p:cTn id="31" fill="hold">
+                      <p:stCondLst>
+                        <p:cond delay="indefinite"/>
+                      </p:stCondLst>
+                      <p:childTnLst>
+                        <p:par>
+                          <p:cTn id="32" fill="hold">
+                            <p:stCondLst>
+                              <p:cond delay="0"/>
+                            </p:stCondLst>
+                            <p:childTnLst>
+                              <p:par>
+                                <p:cTn id="33" presetID="42" presetClass="entr" presetSubtype="0" fill="hold" nodeType="clickEffect">
+                                  <p:stCondLst>
+                                    <p:cond delay="0"/>
+                                  </p:stCondLst>
+                                  <p:childTnLst>
+                                    <p:set>
+                                      <p:cBhvr>
+                                        <p:cTn id="34" dur="1" fill="hold">
+                                          <p:stCondLst>
+                                            <p:cond delay="0"/>
+                                          </p:stCondLst>
+                                        </p:cTn>
+                                        <p:tgtEl>
+                                          <p:spTgt spid="13">
+                                            <p:txEl>
+                                              <p:pRg st="1" end="1"/>
+                                            </p:txEl>
+                                          </p:spTgt>
+                                        </p:tgtEl>
+                                        <p:attrNameLst>
+                                          <p:attrName>style.visibility</p:attrName>
+                                        </p:attrNameLst>
+                                      </p:cBhvr>
+                                      <p:to>
+                                        <p:strVal val="visible"/>
+                                      </p:to>
+                                    </p:set>
+                                    <p:animEffect transition="in" filter="fade">
+                                      <p:cBhvr>
+                                        <p:cTn id="35" dur="1000"/>
+                                        <p:tgtEl>
+                                          <p:spTgt spid="13">
+                                            <p:txEl>
+                                              <p:pRg st="1" end="1"/>
+                                            </p:txEl>
+                                          </p:spTgt>
+                                        </p:tgtEl>
+                                      </p:cBhvr>
+                                    </p:animEffect>
+                                    <p:anim calcmode="lin" valueType="num">
+                                      <p:cBhvr>
+                                        <p:cTn id="36" dur="1000" fill="hold"/>
+                                        <p:tgtEl>
+                                          <p:spTgt spid="13">
+                                            <p:txEl>
+                                              <p:pRg st="1" end="1"/>
+                                            </p:txEl>
+                                          </p:spTgt>
+                                        </p:tgtEl>
+                                        <p:attrNameLst>
+                                          <p:attrName>ppt_x</p:attrName>
+                                        </p:attrNameLst>
+                                      </p:cBhvr>
+                                      <p:tavLst>
+                                        <p:tav tm="0">
+                                          <p:val>
+                                            <p:strVal val="#ppt_x"/>
+                                          </p:val>
+                                        </p:tav>
+                                        <p:tav tm="100000">
+                                          <p:val>
+                                            <p:strVal val="#ppt_x"/>
+                                          </p:val>
+                                        </p:tav>
+                                      </p:tavLst>
+                                    </p:anim>
+                                    <p:anim calcmode="lin" valueType="num">
+                                      <p:cBhvr>
+                                        <p:cTn id="37" dur="1000" fill="hold"/>
+                                        <p:tgtEl>
+                                          <p:spTgt spid="13">
+                                            <p:txEl>
+                                              <p:pRg st="1" end="1"/>
+                                            </p:txEl>
+                                          </p:spTgt>
+                                        </p:tgtEl>
+                                        <p:attrNameLst>
+                                          <p:attrName>ppt_y</p:attrName>
+                                        </p:attrNameLst>
+                                      </p:cBhvr>
+                                      <p:tavLst>
+                                        <p:tav tm="0">
+                                          <p:val>
+                                            <p:strVal val="#ppt_y+.1"/>
+                                          </p:val>
+                                        </p:tav>
+                                        <p:tav tm="100000">
+                                          <p:val>
+                                            <p:strVal val="#ppt_y"/>
+                                          </p:val>
+                                        </p:tav>
+                                      </p:tavLst>
+                                    </p:anim>
+                                  </p:childTnLst>
+                                </p:cTn>
+                              </p:par>
+                            </p:childTnLst>
+                          </p:cTn>
+                        </p:par>
+                      </p:childTnLst>
+                    </p:cTn>
+                  </p:par>
+                </p:childTnLst>
+              </p:cTn>
+              <p:prevCondLst>
+                <p:cond evt="onPrev" delay="0">
+                  <p:tgtEl>
+                    <p:sldTgt/>
+                  </p:tgtEl>
+                </p:cond>
+              </p:prevCondLst>
+              <p:nextCondLst>
+                <p:cond evt="onNext" delay="0">
+                  <p:tgtEl>
+                    <p:sldTgt/>
+                  </p:tgtEl>
+                </p:cond>
+              </p:nextCondLst>
+            </p:seq>
+          </p:childTnLst>
+        </p:cTn>
+      </p:par>
+    </p:tnLst>
+    <p:bldLst>
+      <p:bldP spid="3" grpId="0" build="p"/>
+    </p:bldLst>
+  </p:timing>
 </p:sld>
 </file>
 
@@ -20886,7 +22083,7 @@
           <p:nvPr/>
         </p:nvPicPr>
         <p:blipFill>
-          <a:blip r:embed="rId2">
+          <a:blip r:embed="rId3">
             <a:extLst>
               <a:ext uri="{28A0092B-C50C-407E-A947-70E740481C1C}">
                 <a14:useLocalDpi xmlns:a14="http://schemas.microsoft.com/office/drawing/2010/main" val="0"/>
@@ -21236,6 +22433,266 @@
   <p:clrMapOvr>
     <a:masterClrMapping/>
   </p:clrMapOvr>
+  <p:timing>
+    <p:tnLst>
+      <p:par>
+        <p:cTn id="1" dur="indefinite" restart="never" nodeType="tmRoot">
+          <p:childTnLst>
+            <p:seq concurrent="1" nextAc="seek">
+              <p:cTn id="2" dur="indefinite" nodeType="mainSeq">
+                <p:childTnLst>
+                  <p:par>
+                    <p:cTn id="3" fill="hold">
+                      <p:stCondLst>
+                        <p:cond delay="indefinite"/>
+                      </p:stCondLst>
+                      <p:childTnLst>
+                        <p:par>
+                          <p:cTn id="4" fill="hold">
+                            <p:stCondLst>
+                              <p:cond delay="0"/>
+                            </p:stCondLst>
+                            <p:childTnLst>
+                              <p:par>
+                                <p:cTn id="5" presetID="42" presetClass="entr" presetSubtype="0" fill="hold" nodeType="clickEffect">
+                                  <p:stCondLst>
+                                    <p:cond delay="0"/>
+                                  </p:stCondLst>
+                                  <p:childTnLst>
+                                    <p:set>
+                                      <p:cBhvr>
+                                        <p:cTn id="6" dur="1" fill="hold">
+                                          <p:stCondLst>
+                                            <p:cond delay="0"/>
+                                          </p:stCondLst>
+                                        </p:cTn>
+                                        <p:tgtEl>
+                                          <p:spTgt spid="1035">
+                                            <p:txEl>
+                                              <p:pRg st="0" end="0"/>
+                                            </p:txEl>
+                                          </p:spTgt>
+                                        </p:tgtEl>
+                                        <p:attrNameLst>
+                                          <p:attrName>style.visibility</p:attrName>
+                                        </p:attrNameLst>
+                                      </p:cBhvr>
+                                      <p:to>
+                                        <p:strVal val="visible"/>
+                                      </p:to>
+                                    </p:set>
+                                    <p:animEffect transition="in" filter="fade">
+                                      <p:cBhvr>
+                                        <p:cTn id="7" dur="1000"/>
+                                        <p:tgtEl>
+                                          <p:spTgt spid="1035">
+                                            <p:txEl>
+                                              <p:pRg st="0" end="0"/>
+                                            </p:txEl>
+                                          </p:spTgt>
+                                        </p:tgtEl>
+                                      </p:cBhvr>
+                                    </p:animEffect>
+                                    <p:anim calcmode="lin" valueType="num">
+                                      <p:cBhvr>
+                                        <p:cTn id="8" dur="1000" fill="hold"/>
+                                        <p:tgtEl>
+                                          <p:spTgt spid="1035">
+                                            <p:txEl>
+                                              <p:pRg st="0" end="0"/>
+                                            </p:txEl>
+                                          </p:spTgt>
+                                        </p:tgtEl>
+                                        <p:attrNameLst>
+                                          <p:attrName>ppt_x</p:attrName>
+                                        </p:attrNameLst>
+                                      </p:cBhvr>
+                                      <p:tavLst>
+                                        <p:tav tm="0">
+                                          <p:val>
+                                            <p:strVal val="#ppt_x"/>
+                                          </p:val>
+                                        </p:tav>
+                                        <p:tav tm="100000">
+                                          <p:val>
+                                            <p:strVal val="#ppt_x"/>
+                                          </p:val>
+                                        </p:tav>
+                                      </p:tavLst>
+                                    </p:anim>
+                                    <p:anim calcmode="lin" valueType="num">
+                                      <p:cBhvr>
+                                        <p:cTn id="9" dur="1000" fill="hold"/>
+                                        <p:tgtEl>
+                                          <p:spTgt spid="1035">
+                                            <p:txEl>
+                                              <p:pRg st="0" end="0"/>
+                                            </p:txEl>
+                                          </p:spTgt>
+                                        </p:tgtEl>
+                                        <p:attrNameLst>
+                                          <p:attrName>ppt_y</p:attrName>
+                                        </p:attrNameLst>
+                                      </p:cBhvr>
+                                      <p:tavLst>
+                                        <p:tav tm="0">
+                                          <p:val>
+                                            <p:strVal val="#ppt_y+.1"/>
+                                          </p:val>
+                                        </p:tav>
+                                        <p:tav tm="100000">
+                                          <p:val>
+                                            <p:strVal val="#ppt_y"/>
+                                          </p:val>
+                                        </p:tav>
+                                      </p:tavLst>
+                                    </p:anim>
+                                  </p:childTnLst>
+                                </p:cTn>
+                              </p:par>
+                            </p:childTnLst>
+                          </p:cTn>
+                        </p:par>
+                      </p:childTnLst>
+                    </p:cTn>
+                  </p:par>
+                  <p:par>
+                    <p:cTn id="10" fill="hold">
+                      <p:stCondLst>
+                        <p:cond delay="indefinite"/>
+                      </p:stCondLst>
+                      <p:childTnLst>
+                        <p:par>
+                          <p:cTn id="11" fill="hold">
+                            <p:stCondLst>
+                              <p:cond delay="0"/>
+                            </p:stCondLst>
+                            <p:childTnLst>
+                              <p:par>
+                                <p:cTn id="12" presetID="42" presetClass="entr" presetSubtype="0" fill="hold" nodeType="clickEffect">
+                                  <p:stCondLst>
+                                    <p:cond delay="0"/>
+                                  </p:stCondLst>
+                                  <p:childTnLst>
+                                    <p:set>
+                                      <p:cBhvr>
+                                        <p:cTn id="13" dur="1" fill="hold">
+                                          <p:stCondLst>
+                                            <p:cond delay="0"/>
+                                          </p:stCondLst>
+                                        </p:cTn>
+                                        <p:tgtEl>
+                                          <p:spTgt spid="1035">
+                                            <p:txEl>
+                                              <p:pRg st="1" end="1"/>
+                                            </p:txEl>
+                                          </p:spTgt>
+                                        </p:tgtEl>
+                                        <p:attrNameLst>
+                                          <p:attrName>style.visibility</p:attrName>
+                                        </p:attrNameLst>
+                                      </p:cBhvr>
+                                      <p:to>
+                                        <p:strVal val="visible"/>
+                                      </p:to>
+                                    </p:set>
+                                    <p:animEffect transition="in" filter="fade">
+                                      <p:cBhvr>
+                                        <p:cTn id="14" dur="1000"/>
+                                        <p:tgtEl>
+                                          <p:spTgt spid="1035">
+                                            <p:txEl>
+                                              <p:pRg st="1" end="1"/>
+                                            </p:txEl>
+                                          </p:spTgt>
+                                        </p:tgtEl>
+                                      </p:cBhvr>
+                                    </p:animEffect>
+                                    <p:anim calcmode="lin" valueType="num">
+                                      <p:cBhvr>
+                                        <p:cTn id="15" dur="1000" fill="hold"/>
+                                        <p:tgtEl>
+                                          <p:spTgt spid="1035">
+                                            <p:txEl>
+                                              <p:pRg st="1" end="1"/>
+                                            </p:txEl>
+                                          </p:spTgt>
+                                        </p:tgtEl>
+                                        <p:attrNameLst>
+                                          <p:attrName>ppt_x</p:attrName>
+                                        </p:attrNameLst>
+                                      </p:cBhvr>
+                                      <p:tavLst>
+                                        <p:tav tm="0">
+                                          <p:val>
+                                            <p:strVal val="#ppt_x"/>
+                                          </p:val>
+                                        </p:tav>
+                                        <p:tav tm="100000">
+                                          <p:val>
+                                            <p:strVal val="#ppt_x"/>
+                                          </p:val>
+                                        </p:tav>
+                                      </p:tavLst>
+                                    </p:anim>
+                                    <p:anim calcmode="lin" valueType="num">
+                                      <p:cBhvr>
+                                        <p:cTn id="16" dur="1000" fill="hold"/>
+                                        <p:tgtEl>
+                                          <p:spTgt spid="1035">
+                                            <p:txEl>
+                                              <p:pRg st="1" end="1"/>
+                                            </p:txEl>
+                                          </p:spTgt>
+                                        </p:tgtEl>
+                                        <p:attrNameLst>
+                                          <p:attrName>ppt_y</p:attrName>
+                                        </p:attrNameLst>
+                                      </p:cBhvr>
+                                      <p:tavLst>
+                                        <p:tav tm="0">
+                                          <p:val>
+                                            <p:strVal val="#ppt_y+.1"/>
+                                          </p:val>
+                                        </p:tav>
+                                        <p:tav tm="100000">
+                                          <p:val>
+                                            <p:strVal val="#ppt_y"/>
+                                          </p:val>
+                                        </p:tav>
+                                      </p:tavLst>
+                                    </p:anim>
+                                  </p:childTnLst>
+                                </p:cTn>
+                              </p:par>
+                            </p:childTnLst>
+                          </p:cTn>
+                        </p:par>
+                      </p:childTnLst>
+                    </p:cTn>
+                  </p:par>
+                </p:childTnLst>
+              </p:cTn>
+              <p:prevCondLst>
+                <p:cond evt="onPrev" delay="0">
+                  <p:tgtEl>
+                    <p:sldTgt/>
+                  </p:tgtEl>
+                </p:cond>
+              </p:prevCondLst>
+              <p:nextCondLst>
+                <p:cond evt="onNext" delay="0">
+                  <p:tgtEl>
+                    <p:sldTgt/>
+                  </p:tgtEl>
+                </p:cond>
+              </p:nextCondLst>
+            </p:seq>
+          </p:childTnLst>
+        </p:cTn>
+      </p:par>
+    </p:tnLst>
+  </p:timing>
 </p:sld>
 </file>
 
@@ -21843,7 +23300,7 @@
       <p:sp>
         <p:nvSpPr>
           <p:cNvPr id="19" name="Action Button: Go Forward or Next 18">
-            <a:hlinkClick r:id="rId2" action="ppaction://hlinkfile" highlightClick="1"/>
+            <a:hlinkClick r:id="rId3" action="ppaction://hlinkfile" highlightClick="1"/>
             <a:extLst>
               <a:ext uri="{FF2B5EF4-FFF2-40B4-BE49-F238E27FC236}">
                 <a16:creationId xmlns:a16="http://schemas.microsoft.com/office/drawing/2014/main" id="{C9D42690-931B-4BCE-8C46-184DC53597CC}"/>
@@ -21890,7 +23347,7 @@
       <p:sp>
         <p:nvSpPr>
           <p:cNvPr id="20" name="Action Button: Go Forward or Next 19">
-            <a:hlinkClick r:id="rId3" action="ppaction://hlinkfile" highlightClick="1"/>
+            <a:hlinkClick r:id="rId4" action="ppaction://hlinkfile" highlightClick="1"/>
             <a:extLst>
               <a:ext uri="{FF2B5EF4-FFF2-40B4-BE49-F238E27FC236}">
                 <a16:creationId xmlns:a16="http://schemas.microsoft.com/office/drawing/2014/main" id="{36131B24-E1ED-4A88-BE0C-578D850F9483}"/>
@@ -22178,14 +23635,14 @@
           <a:lstStyle/>
           <a:p>
             <a:r>
-              <a:rPr lang="en-US">
+              <a:rPr lang="en-US" dirty="0">
                 <a:solidFill>
                   <a:srgbClr val="52493D"/>
                 </a:solidFill>
               </a:rPr>
-              <a:t>Camera pose estimation result</a:t>
+              <a:t>Camera pose estimation</a:t>
             </a:r>
-            <a:endParaRPr lang="en-ID">
+            <a:endParaRPr lang="en-ID" dirty="0">
               <a:solidFill>
                 <a:srgbClr val="52493D"/>
               </a:solidFill>
@@ -22208,7 +23665,7 @@
           <p:nvPr/>
         </p:nvPicPr>
         <p:blipFill rotWithShape="1">
-          <a:blip r:embed="rId2">
+          <a:blip r:embed="rId3">
             <a:extLst>
               <a:ext uri="{28A0092B-C50C-407E-A947-70E740481C1C}">
                 <a14:useLocalDpi xmlns:a14="http://schemas.microsoft.com/office/drawing/2010/main" val="0"/>
@@ -22458,7 +23915,7 @@
           <p:nvPr/>
         </p:nvPicPr>
         <p:blipFill rotWithShape="1">
-          <a:blip r:embed="rId3">
+          <a:blip r:embed="rId4">
             <a:extLst>
               <a:ext uri="{28A0092B-C50C-407E-A947-70E740481C1C}">
                 <a14:useLocalDpi xmlns:a14="http://schemas.microsoft.com/office/drawing/2010/main" val="0"/>
@@ -22591,7 +24048,7 @@
             </a:r>
             <a:r>
               <a:rPr lang="en-ID" dirty="0">
-                <a:hlinkClick r:id="rId4"/>
+                <a:hlinkClick r:id="rId5"/>
               </a:rPr>
               <a:t>https://docs.opencv.org/2.4/doc/tutorials/imgproc/imgtrans/hough_circle/hough_circle.html</a:t>
             </a:r>
@@ -22710,6 +24167,726 @@
   <p:clrMapOvr>
     <a:masterClrMapping/>
   </p:clrMapOvr>
+  <p:timing>
+    <p:tnLst>
+      <p:par>
+        <p:cTn id="1" dur="indefinite" restart="never" nodeType="tmRoot">
+          <p:childTnLst>
+            <p:seq concurrent="1" nextAc="seek">
+              <p:cTn id="2" dur="indefinite" nodeType="mainSeq">
+                <p:childTnLst>
+                  <p:par>
+                    <p:cTn id="3" fill="hold">
+                      <p:stCondLst>
+                        <p:cond delay="indefinite"/>
+                      </p:stCondLst>
+                      <p:childTnLst>
+                        <p:par>
+                          <p:cTn id="4" fill="hold">
+                            <p:stCondLst>
+                              <p:cond delay="0"/>
+                            </p:stCondLst>
+                            <p:childTnLst>
+                              <p:par>
+                                <p:cTn id="5" presetID="42" presetClass="entr" presetSubtype="0" fill="hold" nodeType="clickEffect">
+                                  <p:stCondLst>
+                                    <p:cond delay="0"/>
+                                  </p:stCondLst>
+                                  <p:childTnLst>
+                                    <p:set>
+                                      <p:cBhvr>
+                                        <p:cTn id="6" dur="1" fill="hold">
+                                          <p:stCondLst>
+                                            <p:cond delay="0"/>
+                                          </p:stCondLst>
+                                        </p:cTn>
+                                        <p:tgtEl>
+                                          <p:spTgt spid="12">
+                                            <p:txEl>
+                                              <p:pRg st="0" end="0"/>
+                                            </p:txEl>
+                                          </p:spTgt>
+                                        </p:tgtEl>
+                                        <p:attrNameLst>
+                                          <p:attrName>style.visibility</p:attrName>
+                                        </p:attrNameLst>
+                                      </p:cBhvr>
+                                      <p:to>
+                                        <p:strVal val="visible"/>
+                                      </p:to>
+                                    </p:set>
+                                    <p:animEffect transition="in" filter="fade">
+                                      <p:cBhvr>
+                                        <p:cTn id="7" dur="1000"/>
+                                        <p:tgtEl>
+                                          <p:spTgt spid="12">
+                                            <p:txEl>
+                                              <p:pRg st="0" end="0"/>
+                                            </p:txEl>
+                                          </p:spTgt>
+                                        </p:tgtEl>
+                                      </p:cBhvr>
+                                    </p:animEffect>
+                                    <p:anim calcmode="lin" valueType="num">
+                                      <p:cBhvr>
+                                        <p:cTn id="8" dur="1000" fill="hold"/>
+                                        <p:tgtEl>
+                                          <p:spTgt spid="12">
+                                            <p:txEl>
+                                              <p:pRg st="0" end="0"/>
+                                            </p:txEl>
+                                          </p:spTgt>
+                                        </p:tgtEl>
+                                        <p:attrNameLst>
+                                          <p:attrName>ppt_x</p:attrName>
+                                        </p:attrNameLst>
+                                      </p:cBhvr>
+                                      <p:tavLst>
+                                        <p:tav tm="0">
+                                          <p:val>
+                                            <p:strVal val="#ppt_x"/>
+                                          </p:val>
+                                        </p:tav>
+                                        <p:tav tm="100000">
+                                          <p:val>
+                                            <p:strVal val="#ppt_x"/>
+                                          </p:val>
+                                        </p:tav>
+                                      </p:tavLst>
+                                    </p:anim>
+                                    <p:anim calcmode="lin" valueType="num">
+                                      <p:cBhvr>
+                                        <p:cTn id="9" dur="1000" fill="hold"/>
+                                        <p:tgtEl>
+                                          <p:spTgt spid="12">
+                                            <p:txEl>
+                                              <p:pRg st="0" end="0"/>
+                                            </p:txEl>
+                                          </p:spTgt>
+                                        </p:tgtEl>
+                                        <p:attrNameLst>
+                                          <p:attrName>ppt_y</p:attrName>
+                                        </p:attrNameLst>
+                                      </p:cBhvr>
+                                      <p:tavLst>
+                                        <p:tav tm="0">
+                                          <p:val>
+                                            <p:strVal val="#ppt_y+.1"/>
+                                          </p:val>
+                                        </p:tav>
+                                        <p:tav tm="100000">
+                                          <p:val>
+                                            <p:strVal val="#ppt_y"/>
+                                          </p:val>
+                                        </p:tav>
+                                      </p:tavLst>
+                                    </p:anim>
+                                  </p:childTnLst>
+                                </p:cTn>
+                              </p:par>
+                            </p:childTnLst>
+                          </p:cTn>
+                        </p:par>
+                      </p:childTnLst>
+                    </p:cTn>
+                  </p:par>
+                  <p:par>
+                    <p:cTn id="10" fill="hold">
+                      <p:stCondLst>
+                        <p:cond delay="indefinite"/>
+                      </p:stCondLst>
+                      <p:childTnLst>
+                        <p:par>
+                          <p:cTn id="11" fill="hold">
+                            <p:stCondLst>
+                              <p:cond delay="0"/>
+                            </p:stCondLst>
+                            <p:childTnLst>
+                              <p:par>
+                                <p:cTn id="12" presetID="42" presetClass="entr" presetSubtype="0" fill="hold" nodeType="clickEffect">
+                                  <p:stCondLst>
+                                    <p:cond delay="0"/>
+                                  </p:stCondLst>
+                                  <p:childTnLst>
+                                    <p:set>
+                                      <p:cBhvr>
+                                        <p:cTn id="13" dur="1" fill="hold">
+                                          <p:stCondLst>
+                                            <p:cond delay="0"/>
+                                          </p:stCondLst>
+                                        </p:cTn>
+                                        <p:tgtEl>
+                                          <p:spTgt spid="12">
+                                            <p:txEl>
+                                              <p:pRg st="1" end="1"/>
+                                            </p:txEl>
+                                          </p:spTgt>
+                                        </p:tgtEl>
+                                        <p:attrNameLst>
+                                          <p:attrName>style.visibility</p:attrName>
+                                        </p:attrNameLst>
+                                      </p:cBhvr>
+                                      <p:to>
+                                        <p:strVal val="visible"/>
+                                      </p:to>
+                                    </p:set>
+                                    <p:animEffect transition="in" filter="fade">
+                                      <p:cBhvr>
+                                        <p:cTn id="14" dur="1000"/>
+                                        <p:tgtEl>
+                                          <p:spTgt spid="12">
+                                            <p:txEl>
+                                              <p:pRg st="1" end="1"/>
+                                            </p:txEl>
+                                          </p:spTgt>
+                                        </p:tgtEl>
+                                      </p:cBhvr>
+                                    </p:animEffect>
+                                    <p:anim calcmode="lin" valueType="num">
+                                      <p:cBhvr>
+                                        <p:cTn id="15" dur="1000" fill="hold"/>
+                                        <p:tgtEl>
+                                          <p:spTgt spid="12">
+                                            <p:txEl>
+                                              <p:pRg st="1" end="1"/>
+                                            </p:txEl>
+                                          </p:spTgt>
+                                        </p:tgtEl>
+                                        <p:attrNameLst>
+                                          <p:attrName>ppt_x</p:attrName>
+                                        </p:attrNameLst>
+                                      </p:cBhvr>
+                                      <p:tavLst>
+                                        <p:tav tm="0">
+                                          <p:val>
+                                            <p:strVal val="#ppt_x"/>
+                                          </p:val>
+                                        </p:tav>
+                                        <p:tav tm="100000">
+                                          <p:val>
+                                            <p:strVal val="#ppt_x"/>
+                                          </p:val>
+                                        </p:tav>
+                                      </p:tavLst>
+                                    </p:anim>
+                                    <p:anim calcmode="lin" valueType="num">
+                                      <p:cBhvr>
+                                        <p:cTn id="16" dur="1000" fill="hold"/>
+                                        <p:tgtEl>
+                                          <p:spTgt spid="12">
+                                            <p:txEl>
+                                              <p:pRg st="1" end="1"/>
+                                            </p:txEl>
+                                          </p:spTgt>
+                                        </p:tgtEl>
+                                        <p:attrNameLst>
+                                          <p:attrName>ppt_y</p:attrName>
+                                        </p:attrNameLst>
+                                      </p:cBhvr>
+                                      <p:tavLst>
+                                        <p:tav tm="0">
+                                          <p:val>
+                                            <p:strVal val="#ppt_y+.1"/>
+                                          </p:val>
+                                        </p:tav>
+                                        <p:tav tm="100000">
+                                          <p:val>
+                                            <p:strVal val="#ppt_y"/>
+                                          </p:val>
+                                        </p:tav>
+                                      </p:tavLst>
+                                    </p:anim>
+                                  </p:childTnLst>
+                                </p:cTn>
+                              </p:par>
+                            </p:childTnLst>
+                          </p:cTn>
+                        </p:par>
+                      </p:childTnLst>
+                    </p:cTn>
+                  </p:par>
+                  <p:par>
+                    <p:cTn id="17" fill="hold">
+                      <p:stCondLst>
+                        <p:cond delay="indefinite"/>
+                      </p:stCondLst>
+                      <p:childTnLst>
+                        <p:par>
+                          <p:cTn id="18" fill="hold">
+                            <p:stCondLst>
+                              <p:cond delay="0"/>
+                            </p:stCondLst>
+                            <p:childTnLst>
+                              <p:par>
+                                <p:cTn id="19" presetID="42" presetClass="entr" presetSubtype="0" fill="hold" nodeType="clickEffect">
+                                  <p:stCondLst>
+                                    <p:cond delay="0"/>
+                                  </p:stCondLst>
+                                  <p:childTnLst>
+                                    <p:set>
+                                      <p:cBhvr>
+                                        <p:cTn id="20" dur="1" fill="hold">
+                                          <p:stCondLst>
+                                            <p:cond delay="0"/>
+                                          </p:stCondLst>
+                                        </p:cTn>
+                                        <p:tgtEl>
+                                          <p:spTgt spid="12">
+                                            <p:txEl>
+                                              <p:pRg st="2" end="2"/>
+                                            </p:txEl>
+                                          </p:spTgt>
+                                        </p:tgtEl>
+                                        <p:attrNameLst>
+                                          <p:attrName>style.visibility</p:attrName>
+                                        </p:attrNameLst>
+                                      </p:cBhvr>
+                                      <p:to>
+                                        <p:strVal val="visible"/>
+                                      </p:to>
+                                    </p:set>
+                                    <p:animEffect transition="in" filter="fade">
+                                      <p:cBhvr>
+                                        <p:cTn id="21" dur="1000"/>
+                                        <p:tgtEl>
+                                          <p:spTgt spid="12">
+                                            <p:txEl>
+                                              <p:pRg st="2" end="2"/>
+                                            </p:txEl>
+                                          </p:spTgt>
+                                        </p:tgtEl>
+                                      </p:cBhvr>
+                                    </p:animEffect>
+                                    <p:anim calcmode="lin" valueType="num">
+                                      <p:cBhvr>
+                                        <p:cTn id="22" dur="1000" fill="hold"/>
+                                        <p:tgtEl>
+                                          <p:spTgt spid="12">
+                                            <p:txEl>
+                                              <p:pRg st="2" end="2"/>
+                                            </p:txEl>
+                                          </p:spTgt>
+                                        </p:tgtEl>
+                                        <p:attrNameLst>
+                                          <p:attrName>ppt_x</p:attrName>
+                                        </p:attrNameLst>
+                                      </p:cBhvr>
+                                      <p:tavLst>
+                                        <p:tav tm="0">
+                                          <p:val>
+                                            <p:strVal val="#ppt_x"/>
+                                          </p:val>
+                                        </p:tav>
+                                        <p:tav tm="100000">
+                                          <p:val>
+                                            <p:strVal val="#ppt_x"/>
+                                          </p:val>
+                                        </p:tav>
+                                      </p:tavLst>
+                                    </p:anim>
+                                    <p:anim calcmode="lin" valueType="num">
+                                      <p:cBhvr>
+                                        <p:cTn id="23" dur="1000" fill="hold"/>
+                                        <p:tgtEl>
+                                          <p:spTgt spid="12">
+                                            <p:txEl>
+                                              <p:pRg st="2" end="2"/>
+                                            </p:txEl>
+                                          </p:spTgt>
+                                        </p:tgtEl>
+                                        <p:attrNameLst>
+                                          <p:attrName>ppt_y</p:attrName>
+                                        </p:attrNameLst>
+                                      </p:cBhvr>
+                                      <p:tavLst>
+                                        <p:tav tm="0">
+                                          <p:val>
+                                            <p:strVal val="#ppt_y+.1"/>
+                                          </p:val>
+                                        </p:tav>
+                                        <p:tav tm="100000">
+                                          <p:val>
+                                            <p:strVal val="#ppt_y"/>
+                                          </p:val>
+                                        </p:tav>
+                                      </p:tavLst>
+                                    </p:anim>
+                                  </p:childTnLst>
+                                </p:cTn>
+                              </p:par>
+                            </p:childTnLst>
+                          </p:cTn>
+                        </p:par>
+                      </p:childTnLst>
+                    </p:cTn>
+                  </p:par>
+                  <p:par>
+                    <p:cTn id="24" fill="hold">
+                      <p:stCondLst>
+                        <p:cond delay="indefinite"/>
+                      </p:stCondLst>
+                      <p:childTnLst>
+                        <p:par>
+                          <p:cTn id="25" fill="hold">
+                            <p:stCondLst>
+                              <p:cond delay="0"/>
+                            </p:stCondLst>
+                            <p:childTnLst>
+                              <p:par>
+                                <p:cTn id="26" presetID="42" presetClass="entr" presetSubtype="0" fill="hold" nodeType="clickEffect">
+                                  <p:stCondLst>
+                                    <p:cond delay="0"/>
+                                  </p:stCondLst>
+                                  <p:childTnLst>
+                                    <p:set>
+                                      <p:cBhvr>
+                                        <p:cTn id="27" dur="1" fill="hold">
+                                          <p:stCondLst>
+                                            <p:cond delay="0"/>
+                                          </p:stCondLst>
+                                        </p:cTn>
+                                        <p:tgtEl>
+                                          <p:spTgt spid="12">
+                                            <p:txEl>
+                                              <p:pRg st="3" end="3"/>
+                                            </p:txEl>
+                                          </p:spTgt>
+                                        </p:tgtEl>
+                                        <p:attrNameLst>
+                                          <p:attrName>style.visibility</p:attrName>
+                                        </p:attrNameLst>
+                                      </p:cBhvr>
+                                      <p:to>
+                                        <p:strVal val="visible"/>
+                                      </p:to>
+                                    </p:set>
+                                    <p:animEffect transition="in" filter="fade">
+                                      <p:cBhvr>
+                                        <p:cTn id="28" dur="1000"/>
+                                        <p:tgtEl>
+                                          <p:spTgt spid="12">
+                                            <p:txEl>
+                                              <p:pRg st="3" end="3"/>
+                                            </p:txEl>
+                                          </p:spTgt>
+                                        </p:tgtEl>
+                                      </p:cBhvr>
+                                    </p:animEffect>
+                                    <p:anim calcmode="lin" valueType="num">
+                                      <p:cBhvr>
+                                        <p:cTn id="29" dur="1000" fill="hold"/>
+                                        <p:tgtEl>
+                                          <p:spTgt spid="12">
+                                            <p:txEl>
+                                              <p:pRg st="3" end="3"/>
+                                            </p:txEl>
+                                          </p:spTgt>
+                                        </p:tgtEl>
+                                        <p:attrNameLst>
+                                          <p:attrName>ppt_x</p:attrName>
+                                        </p:attrNameLst>
+                                      </p:cBhvr>
+                                      <p:tavLst>
+                                        <p:tav tm="0">
+                                          <p:val>
+                                            <p:strVal val="#ppt_x"/>
+                                          </p:val>
+                                        </p:tav>
+                                        <p:tav tm="100000">
+                                          <p:val>
+                                            <p:strVal val="#ppt_x"/>
+                                          </p:val>
+                                        </p:tav>
+                                      </p:tavLst>
+                                    </p:anim>
+                                    <p:anim calcmode="lin" valueType="num">
+                                      <p:cBhvr>
+                                        <p:cTn id="30" dur="1000" fill="hold"/>
+                                        <p:tgtEl>
+                                          <p:spTgt spid="12">
+                                            <p:txEl>
+                                              <p:pRg st="3" end="3"/>
+                                            </p:txEl>
+                                          </p:spTgt>
+                                        </p:tgtEl>
+                                        <p:attrNameLst>
+                                          <p:attrName>ppt_y</p:attrName>
+                                        </p:attrNameLst>
+                                      </p:cBhvr>
+                                      <p:tavLst>
+                                        <p:tav tm="0">
+                                          <p:val>
+                                            <p:strVal val="#ppt_y+.1"/>
+                                          </p:val>
+                                        </p:tav>
+                                        <p:tav tm="100000">
+                                          <p:val>
+                                            <p:strVal val="#ppt_y"/>
+                                          </p:val>
+                                        </p:tav>
+                                      </p:tavLst>
+                                    </p:anim>
+                                  </p:childTnLst>
+                                </p:cTn>
+                              </p:par>
+                            </p:childTnLst>
+                          </p:cTn>
+                        </p:par>
+                      </p:childTnLst>
+                    </p:cTn>
+                  </p:par>
+                  <p:par>
+                    <p:cTn id="31" fill="hold">
+                      <p:stCondLst>
+                        <p:cond delay="indefinite"/>
+                      </p:stCondLst>
+                      <p:childTnLst>
+                        <p:par>
+                          <p:cTn id="32" fill="hold">
+                            <p:stCondLst>
+                              <p:cond delay="0"/>
+                            </p:stCondLst>
+                            <p:childTnLst>
+                              <p:par>
+                                <p:cTn id="33" presetID="42" presetClass="entr" presetSubtype="0" fill="hold" nodeType="clickEffect">
+                                  <p:stCondLst>
+                                    <p:cond delay="0"/>
+                                  </p:stCondLst>
+                                  <p:childTnLst>
+                                    <p:set>
+                                      <p:cBhvr>
+                                        <p:cTn id="34" dur="1" fill="hold">
+                                          <p:stCondLst>
+                                            <p:cond delay="0"/>
+                                          </p:stCondLst>
+                                        </p:cTn>
+                                        <p:tgtEl>
+                                          <p:spTgt spid="12">
+                                            <p:txEl>
+                                              <p:pRg st="4" end="4"/>
+                                            </p:txEl>
+                                          </p:spTgt>
+                                        </p:tgtEl>
+                                        <p:attrNameLst>
+                                          <p:attrName>style.visibility</p:attrName>
+                                        </p:attrNameLst>
+                                      </p:cBhvr>
+                                      <p:to>
+                                        <p:strVal val="visible"/>
+                                      </p:to>
+                                    </p:set>
+                                    <p:animEffect transition="in" filter="fade">
+                                      <p:cBhvr>
+                                        <p:cTn id="35" dur="1000"/>
+                                        <p:tgtEl>
+                                          <p:spTgt spid="12">
+                                            <p:txEl>
+                                              <p:pRg st="4" end="4"/>
+                                            </p:txEl>
+                                          </p:spTgt>
+                                        </p:tgtEl>
+                                      </p:cBhvr>
+                                    </p:animEffect>
+                                    <p:anim calcmode="lin" valueType="num">
+                                      <p:cBhvr>
+                                        <p:cTn id="36" dur="1000" fill="hold"/>
+                                        <p:tgtEl>
+                                          <p:spTgt spid="12">
+                                            <p:txEl>
+                                              <p:pRg st="4" end="4"/>
+                                            </p:txEl>
+                                          </p:spTgt>
+                                        </p:tgtEl>
+                                        <p:attrNameLst>
+                                          <p:attrName>ppt_x</p:attrName>
+                                        </p:attrNameLst>
+                                      </p:cBhvr>
+                                      <p:tavLst>
+                                        <p:tav tm="0">
+                                          <p:val>
+                                            <p:strVal val="#ppt_x"/>
+                                          </p:val>
+                                        </p:tav>
+                                        <p:tav tm="100000">
+                                          <p:val>
+                                            <p:strVal val="#ppt_x"/>
+                                          </p:val>
+                                        </p:tav>
+                                      </p:tavLst>
+                                    </p:anim>
+                                    <p:anim calcmode="lin" valueType="num">
+                                      <p:cBhvr>
+                                        <p:cTn id="37" dur="1000" fill="hold"/>
+                                        <p:tgtEl>
+                                          <p:spTgt spid="12">
+                                            <p:txEl>
+                                              <p:pRg st="4" end="4"/>
+                                            </p:txEl>
+                                          </p:spTgt>
+                                        </p:tgtEl>
+                                        <p:attrNameLst>
+                                          <p:attrName>ppt_y</p:attrName>
+                                        </p:attrNameLst>
+                                      </p:cBhvr>
+                                      <p:tavLst>
+                                        <p:tav tm="0">
+                                          <p:val>
+                                            <p:strVal val="#ppt_y+.1"/>
+                                          </p:val>
+                                        </p:tav>
+                                        <p:tav tm="100000">
+                                          <p:val>
+                                            <p:strVal val="#ppt_y"/>
+                                          </p:val>
+                                        </p:tav>
+                                      </p:tavLst>
+                                    </p:anim>
+                                  </p:childTnLst>
+                                </p:cTn>
+                              </p:par>
+                            </p:childTnLst>
+                          </p:cTn>
+                        </p:par>
+                      </p:childTnLst>
+                    </p:cTn>
+                  </p:par>
+                  <p:par>
+                    <p:cTn id="38" fill="hold">
+                      <p:stCondLst>
+                        <p:cond delay="indefinite"/>
+                      </p:stCondLst>
+                      <p:childTnLst>
+                        <p:par>
+                          <p:cTn id="39" fill="hold">
+                            <p:stCondLst>
+                              <p:cond delay="0"/>
+                            </p:stCondLst>
+                            <p:childTnLst>
+                              <p:par>
+                                <p:cTn id="40" presetID="42" presetClass="entr" presetSubtype="0" fill="hold" nodeType="clickEffect">
+                                  <p:stCondLst>
+                                    <p:cond delay="0"/>
+                                  </p:stCondLst>
+                                  <p:childTnLst>
+                                    <p:set>
+                                      <p:cBhvr>
+                                        <p:cTn id="41" dur="1" fill="hold">
+                                          <p:stCondLst>
+                                            <p:cond delay="0"/>
+                                          </p:stCondLst>
+                                        </p:cTn>
+                                        <p:tgtEl>
+                                          <p:spTgt spid="12">
+                                            <p:txEl>
+                                              <p:pRg st="5" end="5"/>
+                                            </p:txEl>
+                                          </p:spTgt>
+                                        </p:tgtEl>
+                                        <p:attrNameLst>
+                                          <p:attrName>style.visibility</p:attrName>
+                                        </p:attrNameLst>
+                                      </p:cBhvr>
+                                      <p:to>
+                                        <p:strVal val="visible"/>
+                                      </p:to>
+                                    </p:set>
+                                    <p:animEffect transition="in" filter="fade">
+                                      <p:cBhvr>
+                                        <p:cTn id="42" dur="1000"/>
+                                        <p:tgtEl>
+                                          <p:spTgt spid="12">
+                                            <p:txEl>
+                                              <p:pRg st="5" end="5"/>
+                                            </p:txEl>
+                                          </p:spTgt>
+                                        </p:tgtEl>
+                                      </p:cBhvr>
+                                    </p:animEffect>
+                                    <p:anim calcmode="lin" valueType="num">
+                                      <p:cBhvr>
+                                        <p:cTn id="43" dur="1000" fill="hold"/>
+                                        <p:tgtEl>
+                                          <p:spTgt spid="12">
+                                            <p:txEl>
+                                              <p:pRg st="5" end="5"/>
+                                            </p:txEl>
+                                          </p:spTgt>
+                                        </p:tgtEl>
+                                        <p:attrNameLst>
+                                          <p:attrName>ppt_x</p:attrName>
+                                        </p:attrNameLst>
+                                      </p:cBhvr>
+                                      <p:tavLst>
+                                        <p:tav tm="0">
+                                          <p:val>
+                                            <p:strVal val="#ppt_x"/>
+                                          </p:val>
+                                        </p:tav>
+                                        <p:tav tm="100000">
+                                          <p:val>
+                                            <p:strVal val="#ppt_x"/>
+                                          </p:val>
+                                        </p:tav>
+                                      </p:tavLst>
+                                    </p:anim>
+                                    <p:anim calcmode="lin" valueType="num">
+                                      <p:cBhvr>
+                                        <p:cTn id="44" dur="1000" fill="hold"/>
+                                        <p:tgtEl>
+                                          <p:spTgt spid="12">
+                                            <p:txEl>
+                                              <p:pRg st="5" end="5"/>
+                                            </p:txEl>
+                                          </p:spTgt>
+                                        </p:tgtEl>
+                                        <p:attrNameLst>
+                                          <p:attrName>ppt_y</p:attrName>
+                                        </p:attrNameLst>
+                                      </p:cBhvr>
+                                      <p:tavLst>
+                                        <p:tav tm="0">
+                                          <p:val>
+                                            <p:strVal val="#ppt_y+.1"/>
+                                          </p:val>
+                                        </p:tav>
+                                        <p:tav tm="100000">
+                                          <p:val>
+                                            <p:strVal val="#ppt_y"/>
+                                          </p:val>
+                                        </p:tav>
+                                      </p:tavLst>
+                                    </p:anim>
+                                  </p:childTnLst>
+                                </p:cTn>
+                              </p:par>
+                            </p:childTnLst>
+                          </p:cTn>
+                        </p:par>
+                      </p:childTnLst>
+                    </p:cTn>
+                  </p:par>
+                </p:childTnLst>
+              </p:cTn>
+              <p:prevCondLst>
+                <p:cond evt="onPrev" delay="0">
+                  <p:tgtEl>
+                    <p:sldTgt/>
+                  </p:tgtEl>
+                </p:cond>
+              </p:prevCondLst>
+              <p:nextCondLst>
+                <p:cond evt="onNext" delay="0">
+                  <p:tgtEl>
+                    <p:sldTgt/>
+                  </p:tgtEl>
+                </p:cond>
+              </p:nextCondLst>
+            </p:seq>
+          </p:childTnLst>
+        </p:cTn>
+      </p:par>
+    </p:tnLst>
+  </p:timing>
 </p:sld>
 </file>
 
@@ -25374,6 +27551,1920 @@
   <p:clrMapOvr>
     <a:masterClrMapping/>
   </p:clrMapOvr>
+  <p:timing>
+    <p:tnLst>
+      <p:par>
+        <p:cTn id="1" dur="indefinite" restart="never" nodeType="tmRoot">
+          <p:childTnLst>
+            <p:seq concurrent="1" nextAc="seek">
+              <p:cTn id="2" dur="indefinite" nodeType="mainSeq">
+                <p:childTnLst>
+                  <p:par>
+                    <p:cTn id="3" fill="hold">
+                      <p:stCondLst>
+                        <p:cond delay="indefinite"/>
+                      </p:stCondLst>
+                      <p:childTnLst>
+                        <p:par>
+                          <p:cTn id="4" fill="hold">
+                            <p:stCondLst>
+                              <p:cond delay="0"/>
+                            </p:stCondLst>
+                            <p:childTnLst>
+                              <p:par>
+                                <p:cTn id="5" presetID="42" presetClass="entr" presetSubtype="0" fill="hold" nodeType="clickEffect">
+                                  <p:stCondLst>
+                                    <p:cond delay="0"/>
+                                  </p:stCondLst>
+                                  <p:childTnLst>
+                                    <p:set>
+                                      <p:cBhvr>
+                                        <p:cTn id="6" dur="1" fill="hold">
+                                          <p:stCondLst>
+                                            <p:cond delay="0"/>
+                                          </p:stCondLst>
+                                        </p:cTn>
+                                        <p:tgtEl>
+                                          <p:spTgt spid="68"/>
+                                        </p:tgtEl>
+                                        <p:attrNameLst>
+                                          <p:attrName>style.visibility</p:attrName>
+                                        </p:attrNameLst>
+                                      </p:cBhvr>
+                                      <p:to>
+                                        <p:strVal val="visible"/>
+                                      </p:to>
+                                    </p:set>
+                                    <p:animEffect transition="in" filter="fade">
+                                      <p:cBhvr>
+                                        <p:cTn id="7" dur="1000"/>
+                                        <p:tgtEl>
+                                          <p:spTgt spid="68"/>
+                                        </p:tgtEl>
+                                      </p:cBhvr>
+                                    </p:animEffect>
+                                    <p:anim calcmode="lin" valueType="num">
+                                      <p:cBhvr>
+                                        <p:cTn id="8" dur="1000" fill="hold"/>
+                                        <p:tgtEl>
+                                          <p:spTgt spid="68"/>
+                                        </p:tgtEl>
+                                        <p:attrNameLst>
+                                          <p:attrName>ppt_x</p:attrName>
+                                        </p:attrNameLst>
+                                      </p:cBhvr>
+                                      <p:tavLst>
+                                        <p:tav tm="0">
+                                          <p:val>
+                                            <p:strVal val="#ppt_x"/>
+                                          </p:val>
+                                        </p:tav>
+                                        <p:tav tm="100000">
+                                          <p:val>
+                                            <p:strVal val="#ppt_x"/>
+                                          </p:val>
+                                        </p:tav>
+                                      </p:tavLst>
+                                    </p:anim>
+                                    <p:anim calcmode="lin" valueType="num">
+                                      <p:cBhvr>
+                                        <p:cTn id="9" dur="1000" fill="hold"/>
+                                        <p:tgtEl>
+                                          <p:spTgt spid="68"/>
+                                        </p:tgtEl>
+                                        <p:attrNameLst>
+                                          <p:attrName>ppt_y</p:attrName>
+                                        </p:attrNameLst>
+                                      </p:cBhvr>
+                                      <p:tavLst>
+                                        <p:tav tm="0">
+                                          <p:val>
+                                            <p:strVal val="#ppt_y+.1"/>
+                                          </p:val>
+                                        </p:tav>
+                                        <p:tav tm="100000">
+                                          <p:val>
+                                            <p:strVal val="#ppt_y"/>
+                                          </p:val>
+                                        </p:tav>
+                                      </p:tavLst>
+                                    </p:anim>
+                                  </p:childTnLst>
+                                </p:cTn>
+                              </p:par>
+                            </p:childTnLst>
+                          </p:cTn>
+                        </p:par>
+                      </p:childTnLst>
+                    </p:cTn>
+                  </p:par>
+                  <p:par>
+                    <p:cTn id="10" fill="hold">
+                      <p:stCondLst>
+                        <p:cond delay="indefinite"/>
+                      </p:stCondLst>
+                      <p:childTnLst>
+                        <p:par>
+                          <p:cTn id="11" fill="hold">
+                            <p:stCondLst>
+                              <p:cond delay="0"/>
+                            </p:stCondLst>
+                            <p:childTnLst>
+                              <p:par>
+                                <p:cTn id="12" presetID="2" presetClass="entr" presetSubtype="4" fill="hold" grpId="0" nodeType="clickEffect">
+                                  <p:stCondLst>
+                                    <p:cond delay="0"/>
+                                  </p:stCondLst>
+                                  <p:childTnLst>
+                                    <p:set>
+                                      <p:cBhvr>
+                                        <p:cTn id="13" dur="1" fill="hold">
+                                          <p:stCondLst>
+                                            <p:cond delay="0"/>
+                                          </p:stCondLst>
+                                        </p:cTn>
+                                        <p:tgtEl>
+                                          <p:spTgt spid="43"/>
+                                        </p:tgtEl>
+                                        <p:attrNameLst>
+                                          <p:attrName>style.visibility</p:attrName>
+                                        </p:attrNameLst>
+                                      </p:cBhvr>
+                                      <p:to>
+                                        <p:strVal val="visible"/>
+                                      </p:to>
+                                    </p:set>
+                                    <p:anim calcmode="lin" valueType="num">
+                                      <p:cBhvr additive="base">
+                                        <p:cTn id="14" dur="500" fill="hold"/>
+                                        <p:tgtEl>
+                                          <p:spTgt spid="43"/>
+                                        </p:tgtEl>
+                                        <p:attrNameLst>
+                                          <p:attrName>ppt_x</p:attrName>
+                                        </p:attrNameLst>
+                                      </p:cBhvr>
+                                      <p:tavLst>
+                                        <p:tav tm="0">
+                                          <p:val>
+                                            <p:strVal val="#ppt_x"/>
+                                          </p:val>
+                                        </p:tav>
+                                        <p:tav tm="100000">
+                                          <p:val>
+                                            <p:strVal val="#ppt_x"/>
+                                          </p:val>
+                                        </p:tav>
+                                      </p:tavLst>
+                                    </p:anim>
+                                    <p:anim calcmode="lin" valueType="num">
+                                      <p:cBhvr additive="base">
+                                        <p:cTn id="15" dur="500" fill="hold"/>
+                                        <p:tgtEl>
+                                          <p:spTgt spid="43"/>
+                                        </p:tgtEl>
+                                        <p:attrNameLst>
+                                          <p:attrName>ppt_y</p:attrName>
+                                        </p:attrNameLst>
+                                      </p:cBhvr>
+                                      <p:tavLst>
+                                        <p:tav tm="0">
+                                          <p:val>
+                                            <p:strVal val="1+#ppt_h/2"/>
+                                          </p:val>
+                                        </p:tav>
+                                        <p:tav tm="100000">
+                                          <p:val>
+                                            <p:strVal val="#ppt_y"/>
+                                          </p:val>
+                                        </p:tav>
+                                      </p:tavLst>
+                                    </p:anim>
+                                  </p:childTnLst>
+                                </p:cTn>
+                              </p:par>
+                              <p:par>
+                                <p:cTn id="16" presetID="2" presetClass="entr" presetSubtype="4" fill="hold" nodeType="withEffect">
+                                  <p:stCondLst>
+                                    <p:cond delay="0"/>
+                                  </p:stCondLst>
+                                  <p:childTnLst>
+                                    <p:set>
+                                      <p:cBhvr>
+                                        <p:cTn id="17" dur="1" fill="hold">
+                                          <p:stCondLst>
+                                            <p:cond delay="0"/>
+                                          </p:stCondLst>
+                                        </p:cTn>
+                                        <p:tgtEl>
+                                          <p:spTgt spid="47"/>
+                                        </p:tgtEl>
+                                        <p:attrNameLst>
+                                          <p:attrName>style.visibility</p:attrName>
+                                        </p:attrNameLst>
+                                      </p:cBhvr>
+                                      <p:to>
+                                        <p:strVal val="visible"/>
+                                      </p:to>
+                                    </p:set>
+                                    <p:anim calcmode="lin" valueType="num">
+                                      <p:cBhvr additive="base">
+                                        <p:cTn id="18" dur="500" fill="hold"/>
+                                        <p:tgtEl>
+                                          <p:spTgt spid="47"/>
+                                        </p:tgtEl>
+                                        <p:attrNameLst>
+                                          <p:attrName>ppt_x</p:attrName>
+                                        </p:attrNameLst>
+                                      </p:cBhvr>
+                                      <p:tavLst>
+                                        <p:tav tm="0">
+                                          <p:val>
+                                            <p:strVal val="#ppt_x"/>
+                                          </p:val>
+                                        </p:tav>
+                                        <p:tav tm="100000">
+                                          <p:val>
+                                            <p:strVal val="#ppt_x"/>
+                                          </p:val>
+                                        </p:tav>
+                                      </p:tavLst>
+                                    </p:anim>
+                                    <p:anim calcmode="lin" valueType="num">
+                                      <p:cBhvr additive="base">
+                                        <p:cTn id="19" dur="500" fill="hold"/>
+                                        <p:tgtEl>
+                                          <p:spTgt spid="47"/>
+                                        </p:tgtEl>
+                                        <p:attrNameLst>
+                                          <p:attrName>ppt_y</p:attrName>
+                                        </p:attrNameLst>
+                                      </p:cBhvr>
+                                      <p:tavLst>
+                                        <p:tav tm="0">
+                                          <p:val>
+                                            <p:strVal val="1+#ppt_h/2"/>
+                                          </p:val>
+                                        </p:tav>
+                                        <p:tav tm="100000">
+                                          <p:val>
+                                            <p:strVal val="#ppt_y"/>
+                                          </p:val>
+                                        </p:tav>
+                                      </p:tavLst>
+                                    </p:anim>
+                                  </p:childTnLst>
+                                </p:cTn>
+                              </p:par>
+                              <p:par>
+                                <p:cTn id="20" presetID="2" presetClass="entr" presetSubtype="4" fill="hold" grpId="0" nodeType="withEffect">
+                                  <p:stCondLst>
+                                    <p:cond delay="0"/>
+                                  </p:stCondLst>
+                                  <p:childTnLst>
+                                    <p:set>
+                                      <p:cBhvr>
+                                        <p:cTn id="21" dur="1" fill="hold">
+                                          <p:stCondLst>
+                                            <p:cond delay="0"/>
+                                          </p:stCondLst>
+                                        </p:cTn>
+                                        <p:tgtEl>
+                                          <p:spTgt spid="50"/>
+                                        </p:tgtEl>
+                                        <p:attrNameLst>
+                                          <p:attrName>style.visibility</p:attrName>
+                                        </p:attrNameLst>
+                                      </p:cBhvr>
+                                      <p:to>
+                                        <p:strVal val="visible"/>
+                                      </p:to>
+                                    </p:set>
+                                    <p:anim calcmode="lin" valueType="num">
+                                      <p:cBhvr additive="base">
+                                        <p:cTn id="22" dur="500" fill="hold"/>
+                                        <p:tgtEl>
+                                          <p:spTgt spid="50"/>
+                                        </p:tgtEl>
+                                        <p:attrNameLst>
+                                          <p:attrName>ppt_x</p:attrName>
+                                        </p:attrNameLst>
+                                      </p:cBhvr>
+                                      <p:tavLst>
+                                        <p:tav tm="0">
+                                          <p:val>
+                                            <p:strVal val="#ppt_x"/>
+                                          </p:val>
+                                        </p:tav>
+                                        <p:tav tm="100000">
+                                          <p:val>
+                                            <p:strVal val="#ppt_x"/>
+                                          </p:val>
+                                        </p:tav>
+                                      </p:tavLst>
+                                    </p:anim>
+                                    <p:anim calcmode="lin" valueType="num">
+                                      <p:cBhvr additive="base">
+                                        <p:cTn id="23" dur="500" fill="hold"/>
+                                        <p:tgtEl>
+                                          <p:spTgt spid="50"/>
+                                        </p:tgtEl>
+                                        <p:attrNameLst>
+                                          <p:attrName>ppt_y</p:attrName>
+                                        </p:attrNameLst>
+                                      </p:cBhvr>
+                                      <p:tavLst>
+                                        <p:tav tm="0">
+                                          <p:val>
+                                            <p:strVal val="1+#ppt_h/2"/>
+                                          </p:val>
+                                        </p:tav>
+                                        <p:tav tm="100000">
+                                          <p:val>
+                                            <p:strVal val="#ppt_y"/>
+                                          </p:val>
+                                        </p:tav>
+                                      </p:tavLst>
+                                    </p:anim>
+                                  </p:childTnLst>
+                                </p:cTn>
+                              </p:par>
+                              <p:par>
+                                <p:cTn id="24" presetID="2" presetClass="entr" presetSubtype="4" fill="hold" grpId="0" nodeType="withEffect">
+                                  <p:stCondLst>
+                                    <p:cond delay="0"/>
+                                  </p:stCondLst>
+                                  <p:childTnLst>
+                                    <p:set>
+                                      <p:cBhvr>
+                                        <p:cTn id="25" dur="1" fill="hold">
+                                          <p:stCondLst>
+                                            <p:cond delay="0"/>
+                                          </p:stCondLst>
+                                        </p:cTn>
+                                        <p:tgtEl>
+                                          <p:spTgt spid="51"/>
+                                        </p:tgtEl>
+                                        <p:attrNameLst>
+                                          <p:attrName>style.visibility</p:attrName>
+                                        </p:attrNameLst>
+                                      </p:cBhvr>
+                                      <p:to>
+                                        <p:strVal val="visible"/>
+                                      </p:to>
+                                    </p:set>
+                                    <p:anim calcmode="lin" valueType="num">
+                                      <p:cBhvr additive="base">
+                                        <p:cTn id="26" dur="500" fill="hold"/>
+                                        <p:tgtEl>
+                                          <p:spTgt spid="51"/>
+                                        </p:tgtEl>
+                                        <p:attrNameLst>
+                                          <p:attrName>ppt_x</p:attrName>
+                                        </p:attrNameLst>
+                                      </p:cBhvr>
+                                      <p:tavLst>
+                                        <p:tav tm="0">
+                                          <p:val>
+                                            <p:strVal val="#ppt_x"/>
+                                          </p:val>
+                                        </p:tav>
+                                        <p:tav tm="100000">
+                                          <p:val>
+                                            <p:strVal val="#ppt_x"/>
+                                          </p:val>
+                                        </p:tav>
+                                      </p:tavLst>
+                                    </p:anim>
+                                    <p:anim calcmode="lin" valueType="num">
+                                      <p:cBhvr additive="base">
+                                        <p:cTn id="27" dur="500" fill="hold"/>
+                                        <p:tgtEl>
+                                          <p:spTgt spid="51"/>
+                                        </p:tgtEl>
+                                        <p:attrNameLst>
+                                          <p:attrName>ppt_y</p:attrName>
+                                        </p:attrNameLst>
+                                      </p:cBhvr>
+                                      <p:tavLst>
+                                        <p:tav tm="0">
+                                          <p:val>
+                                            <p:strVal val="1+#ppt_h/2"/>
+                                          </p:val>
+                                        </p:tav>
+                                        <p:tav tm="100000">
+                                          <p:val>
+                                            <p:strVal val="#ppt_y"/>
+                                          </p:val>
+                                        </p:tav>
+                                      </p:tavLst>
+                                    </p:anim>
+                                  </p:childTnLst>
+                                </p:cTn>
+                              </p:par>
+                              <p:par>
+                                <p:cTn id="28" presetID="2" presetClass="entr" presetSubtype="4" fill="hold" nodeType="withEffect">
+                                  <p:stCondLst>
+                                    <p:cond delay="0"/>
+                                  </p:stCondLst>
+                                  <p:childTnLst>
+                                    <p:set>
+                                      <p:cBhvr>
+                                        <p:cTn id="29" dur="1" fill="hold">
+                                          <p:stCondLst>
+                                            <p:cond delay="0"/>
+                                          </p:stCondLst>
+                                        </p:cTn>
+                                        <p:tgtEl>
+                                          <p:spTgt spid="53"/>
+                                        </p:tgtEl>
+                                        <p:attrNameLst>
+                                          <p:attrName>style.visibility</p:attrName>
+                                        </p:attrNameLst>
+                                      </p:cBhvr>
+                                      <p:to>
+                                        <p:strVal val="visible"/>
+                                      </p:to>
+                                    </p:set>
+                                    <p:anim calcmode="lin" valueType="num">
+                                      <p:cBhvr additive="base">
+                                        <p:cTn id="30" dur="500" fill="hold"/>
+                                        <p:tgtEl>
+                                          <p:spTgt spid="53"/>
+                                        </p:tgtEl>
+                                        <p:attrNameLst>
+                                          <p:attrName>ppt_x</p:attrName>
+                                        </p:attrNameLst>
+                                      </p:cBhvr>
+                                      <p:tavLst>
+                                        <p:tav tm="0">
+                                          <p:val>
+                                            <p:strVal val="#ppt_x"/>
+                                          </p:val>
+                                        </p:tav>
+                                        <p:tav tm="100000">
+                                          <p:val>
+                                            <p:strVal val="#ppt_x"/>
+                                          </p:val>
+                                        </p:tav>
+                                      </p:tavLst>
+                                    </p:anim>
+                                    <p:anim calcmode="lin" valueType="num">
+                                      <p:cBhvr additive="base">
+                                        <p:cTn id="31" dur="500" fill="hold"/>
+                                        <p:tgtEl>
+                                          <p:spTgt spid="53"/>
+                                        </p:tgtEl>
+                                        <p:attrNameLst>
+                                          <p:attrName>ppt_y</p:attrName>
+                                        </p:attrNameLst>
+                                      </p:cBhvr>
+                                      <p:tavLst>
+                                        <p:tav tm="0">
+                                          <p:val>
+                                            <p:strVal val="1+#ppt_h/2"/>
+                                          </p:val>
+                                        </p:tav>
+                                        <p:tav tm="100000">
+                                          <p:val>
+                                            <p:strVal val="#ppt_y"/>
+                                          </p:val>
+                                        </p:tav>
+                                      </p:tavLst>
+                                    </p:anim>
+                                  </p:childTnLst>
+                                </p:cTn>
+                              </p:par>
+                              <p:par>
+                                <p:cTn id="32" presetID="2" presetClass="entr" presetSubtype="4" fill="hold" nodeType="withEffect">
+                                  <p:stCondLst>
+                                    <p:cond delay="0"/>
+                                  </p:stCondLst>
+                                  <p:childTnLst>
+                                    <p:set>
+                                      <p:cBhvr>
+                                        <p:cTn id="33" dur="1" fill="hold">
+                                          <p:stCondLst>
+                                            <p:cond delay="0"/>
+                                          </p:stCondLst>
+                                        </p:cTn>
+                                        <p:tgtEl>
+                                          <p:spTgt spid="56"/>
+                                        </p:tgtEl>
+                                        <p:attrNameLst>
+                                          <p:attrName>style.visibility</p:attrName>
+                                        </p:attrNameLst>
+                                      </p:cBhvr>
+                                      <p:to>
+                                        <p:strVal val="visible"/>
+                                      </p:to>
+                                    </p:set>
+                                    <p:anim calcmode="lin" valueType="num">
+                                      <p:cBhvr additive="base">
+                                        <p:cTn id="34" dur="500" fill="hold"/>
+                                        <p:tgtEl>
+                                          <p:spTgt spid="56"/>
+                                        </p:tgtEl>
+                                        <p:attrNameLst>
+                                          <p:attrName>ppt_x</p:attrName>
+                                        </p:attrNameLst>
+                                      </p:cBhvr>
+                                      <p:tavLst>
+                                        <p:tav tm="0">
+                                          <p:val>
+                                            <p:strVal val="#ppt_x"/>
+                                          </p:val>
+                                        </p:tav>
+                                        <p:tav tm="100000">
+                                          <p:val>
+                                            <p:strVal val="#ppt_x"/>
+                                          </p:val>
+                                        </p:tav>
+                                      </p:tavLst>
+                                    </p:anim>
+                                    <p:anim calcmode="lin" valueType="num">
+                                      <p:cBhvr additive="base">
+                                        <p:cTn id="35" dur="500" fill="hold"/>
+                                        <p:tgtEl>
+                                          <p:spTgt spid="56"/>
+                                        </p:tgtEl>
+                                        <p:attrNameLst>
+                                          <p:attrName>ppt_y</p:attrName>
+                                        </p:attrNameLst>
+                                      </p:cBhvr>
+                                      <p:tavLst>
+                                        <p:tav tm="0">
+                                          <p:val>
+                                            <p:strVal val="1+#ppt_h/2"/>
+                                          </p:val>
+                                        </p:tav>
+                                        <p:tav tm="100000">
+                                          <p:val>
+                                            <p:strVal val="#ppt_y"/>
+                                          </p:val>
+                                        </p:tav>
+                                      </p:tavLst>
+                                    </p:anim>
+                                  </p:childTnLst>
+                                </p:cTn>
+                              </p:par>
+                            </p:childTnLst>
+                          </p:cTn>
+                        </p:par>
+                      </p:childTnLst>
+                    </p:cTn>
+                  </p:par>
+                  <p:par>
+                    <p:cTn id="36" fill="hold">
+                      <p:stCondLst>
+                        <p:cond delay="indefinite"/>
+                      </p:stCondLst>
+                      <p:childTnLst>
+                        <p:par>
+                          <p:cTn id="37" fill="hold">
+                            <p:stCondLst>
+                              <p:cond delay="0"/>
+                            </p:stCondLst>
+                            <p:childTnLst>
+                              <p:par>
+                                <p:cTn id="38" presetID="42" presetClass="entr" presetSubtype="0" fill="hold" nodeType="clickEffect">
+                                  <p:stCondLst>
+                                    <p:cond delay="0"/>
+                                  </p:stCondLst>
+                                  <p:childTnLst>
+                                    <p:set>
+                                      <p:cBhvr>
+                                        <p:cTn id="39" dur="1" fill="hold">
+                                          <p:stCondLst>
+                                            <p:cond delay="0"/>
+                                          </p:stCondLst>
+                                        </p:cTn>
+                                        <p:tgtEl>
+                                          <p:spTgt spid="7"/>
+                                        </p:tgtEl>
+                                        <p:attrNameLst>
+                                          <p:attrName>style.visibility</p:attrName>
+                                        </p:attrNameLst>
+                                      </p:cBhvr>
+                                      <p:to>
+                                        <p:strVal val="visible"/>
+                                      </p:to>
+                                    </p:set>
+                                    <p:animEffect transition="in" filter="fade">
+                                      <p:cBhvr>
+                                        <p:cTn id="40" dur="1000"/>
+                                        <p:tgtEl>
+                                          <p:spTgt spid="7"/>
+                                        </p:tgtEl>
+                                      </p:cBhvr>
+                                    </p:animEffect>
+                                    <p:anim calcmode="lin" valueType="num">
+                                      <p:cBhvr>
+                                        <p:cTn id="41" dur="1000" fill="hold"/>
+                                        <p:tgtEl>
+                                          <p:spTgt spid="7"/>
+                                        </p:tgtEl>
+                                        <p:attrNameLst>
+                                          <p:attrName>ppt_x</p:attrName>
+                                        </p:attrNameLst>
+                                      </p:cBhvr>
+                                      <p:tavLst>
+                                        <p:tav tm="0">
+                                          <p:val>
+                                            <p:strVal val="#ppt_x"/>
+                                          </p:val>
+                                        </p:tav>
+                                        <p:tav tm="100000">
+                                          <p:val>
+                                            <p:strVal val="#ppt_x"/>
+                                          </p:val>
+                                        </p:tav>
+                                      </p:tavLst>
+                                    </p:anim>
+                                    <p:anim calcmode="lin" valueType="num">
+                                      <p:cBhvr>
+                                        <p:cTn id="42" dur="1000" fill="hold"/>
+                                        <p:tgtEl>
+                                          <p:spTgt spid="7"/>
+                                        </p:tgtEl>
+                                        <p:attrNameLst>
+                                          <p:attrName>ppt_y</p:attrName>
+                                        </p:attrNameLst>
+                                      </p:cBhvr>
+                                      <p:tavLst>
+                                        <p:tav tm="0">
+                                          <p:val>
+                                            <p:strVal val="#ppt_y+.1"/>
+                                          </p:val>
+                                        </p:tav>
+                                        <p:tav tm="100000">
+                                          <p:val>
+                                            <p:strVal val="#ppt_y"/>
+                                          </p:val>
+                                        </p:tav>
+                                      </p:tavLst>
+                                    </p:anim>
+                                  </p:childTnLst>
+                                </p:cTn>
+                              </p:par>
+                              <p:par>
+                                <p:cTn id="43" presetID="42" presetClass="entr" presetSubtype="0" fill="hold" grpId="0" nodeType="withEffect">
+                                  <p:stCondLst>
+                                    <p:cond delay="0"/>
+                                  </p:stCondLst>
+                                  <p:childTnLst>
+                                    <p:set>
+                                      <p:cBhvr>
+                                        <p:cTn id="44" dur="1" fill="hold">
+                                          <p:stCondLst>
+                                            <p:cond delay="0"/>
+                                          </p:stCondLst>
+                                        </p:cTn>
+                                        <p:tgtEl>
+                                          <p:spTgt spid="8"/>
+                                        </p:tgtEl>
+                                        <p:attrNameLst>
+                                          <p:attrName>style.visibility</p:attrName>
+                                        </p:attrNameLst>
+                                      </p:cBhvr>
+                                      <p:to>
+                                        <p:strVal val="visible"/>
+                                      </p:to>
+                                    </p:set>
+                                    <p:animEffect transition="in" filter="fade">
+                                      <p:cBhvr>
+                                        <p:cTn id="45" dur="1000"/>
+                                        <p:tgtEl>
+                                          <p:spTgt spid="8"/>
+                                        </p:tgtEl>
+                                      </p:cBhvr>
+                                    </p:animEffect>
+                                    <p:anim calcmode="lin" valueType="num">
+                                      <p:cBhvr>
+                                        <p:cTn id="46" dur="1000" fill="hold"/>
+                                        <p:tgtEl>
+                                          <p:spTgt spid="8"/>
+                                        </p:tgtEl>
+                                        <p:attrNameLst>
+                                          <p:attrName>ppt_x</p:attrName>
+                                        </p:attrNameLst>
+                                      </p:cBhvr>
+                                      <p:tavLst>
+                                        <p:tav tm="0">
+                                          <p:val>
+                                            <p:strVal val="#ppt_x"/>
+                                          </p:val>
+                                        </p:tav>
+                                        <p:tav tm="100000">
+                                          <p:val>
+                                            <p:strVal val="#ppt_x"/>
+                                          </p:val>
+                                        </p:tav>
+                                      </p:tavLst>
+                                    </p:anim>
+                                    <p:anim calcmode="lin" valueType="num">
+                                      <p:cBhvr>
+                                        <p:cTn id="47" dur="1000" fill="hold"/>
+                                        <p:tgtEl>
+                                          <p:spTgt spid="8"/>
+                                        </p:tgtEl>
+                                        <p:attrNameLst>
+                                          <p:attrName>ppt_y</p:attrName>
+                                        </p:attrNameLst>
+                                      </p:cBhvr>
+                                      <p:tavLst>
+                                        <p:tav tm="0">
+                                          <p:val>
+                                            <p:strVal val="#ppt_y+.1"/>
+                                          </p:val>
+                                        </p:tav>
+                                        <p:tav tm="100000">
+                                          <p:val>
+                                            <p:strVal val="#ppt_y"/>
+                                          </p:val>
+                                        </p:tav>
+                                      </p:tavLst>
+                                    </p:anim>
+                                  </p:childTnLst>
+                                </p:cTn>
+                              </p:par>
+                              <p:par>
+                                <p:cTn id="48" presetID="42" presetClass="entr" presetSubtype="0" fill="hold" grpId="0" nodeType="withEffect">
+                                  <p:stCondLst>
+                                    <p:cond delay="0"/>
+                                  </p:stCondLst>
+                                  <p:childTnLst>
+                                    <p:set>
+                                      <p:cBhvr>
+                                        <p:cTn id="49" dur="1" fill="hold">
+                                          <p:stCondLst>
+                                            <p:cond delay="0"/>
+                                          </p:stCondLst>
+                                        </p:cTn>
+                                        <p:tgtEl>
+                                          <p:spTgt spid="9"/>
+                                        </p:tgtEl>
+                                        <p:attrNameLst>
+                                          <p:attrName>style.visibility</p:attrName>
+                                        </p:attrNameLst>
+                                      </p:cBhvr>
+                                      <p:to>
+                                        <p:strVal val="visible"/>
+                                      </p:to>
+                                    </p:set>
+                                    <p:animEffect transition="in" filter="fade">
+                                      <p:cBhvr>
+                                        <p:cTn id="50" dur="1000"/>
+                                        <p:tgtEl>
+                                          <p:spTgt spid="9"/>
+                                        </p:tgtEl>
+                                      </p:cBhvr>
+                                    </p:animEffect>
+                                    <p:anim calcmode="lin" valueType="num">
+                                      <p:cBhvr>
+                                        <p:cTn id="51" dur="1000" fill="hold"/>
+                                        <p:tgtEl>
+                                          <p:spTgt spid="9"/>
+                                        </p:tgtEl>
+                                        <p:attrNameLst>
+                                          <p:attrName>ppt_x</p:attrName>
+                                        </p:attrNameLst>
+                                      </p:cBhvr>
+                                      <p:tavLst>
+                                        <p:tav tm="0">
+                                          <p:val>
+                                            <p:strVal val="#ppt_x"/>
+                                          </p:val>
+                                        </p:tav>
+                                        <p:tav tm="100000">
+                                          <p:val>
+                                            <p:strVal val="#ppt_x"/>
+                                          </p:val>
+                                        </p:tav>
+                                      </p:tavLst>
+                                    </p:anim>
+                                    <p:anim calcmode="lin" valueType="num">
+                                      <p:cBhvr>
+                                        <p:cTn id="52" dur="1000" fill="hold"/>
+                                        <p:tgtEl>
+                                          <p:spTgt spid="9"/>
+                                        </p:tgtEl>
+                                        <p:attrNameLst>
+                                          <p:attrName>ppt_y</p:attrName>
+                                        </p:attrNameLst>
+                                      </p:cBhvr>
+                                      <p:tavLst>
+                                        <p:tav tm="0">
+                                          <p:val>
+                                            <p:strVal val="#ppt_y+.1"/>
+                                          </p:val>
+                                        </p:tav>
+                                        <p:tav tm="100000">
+                                          <p:val>
+                                            <p:strVal val="#ppt_y"/>
+                                          </p:val>
+                                        </p:tav>
+                                      </p:tavLst>
+                                    </p:anim>
+                                  </p:childTnLst>
+                                </p:cTn>
+                              </p:par>
+                              <p:par>
+                                <p:cTn id="53" presetID="42" presetClass="entr" presetSubtype="0" fill="hold" grpId="0" nodeType="withEffect">
+                                  <p:stCondLst>
+                                    <p:cond delay="0"/>
+                                  </p:stCondLst>
+                                  <p:childTnLst>
+                                    <p:set>
+                                      <p:cBhvr>
+                                        <p:cTn id="54" dur="1" fill="hold">
+                                          <p:stCondLst>
+                                            <p:cond delay="0"/>
+                                          </p:stCondLst>
+                                        </p:cTn>
+                                        <p:tgtEl>
+                                          <p:spTgt spid="10"/>
+                                        </p:tgtEl>
+                                        <p:attrNameLst>
+                                          <p:attrName>style.visibility</p:attrName>
+                                        </p:attrNameLst>
+                                      </p:cBhvr>
+                                      <p:to>
+                                        <p:strVal val="visible"/>
+                                      </p:to>
+                                    </p:set>
+                                    <p:animEffect transition="in" filter="fade">
+                                      <p:cBhvr>
+                                        <p:cTn id="55" dur="1000"/>
+                                        <p:tgtEl>
+                                          <p:spTgt spid="10"/>
+                                        </p:tgtEl>
+                                      </p:cBhvr>
+                                    </p:animEffect>
+                                    <p:anim calcmode="lin" valueType="num">
+                                      <p:cBhvr>
+                                        <p:cTn id="56" dur="1000" fill="hold"/>
+                                        <p:tgtEl>
+                                          <p:spTgt spid="10"/>
+                                        </p:tgtEl>
+                                        <p:attrNameLst>
+                                          <p:attrName>ppt_x</p:attrName>
+                                        </p:attrNameLst>
+                                      </p:cBhvr>
+                                      <p:tavLst>
+                                        <p:tav tm="0">
+                                          <p:val>
+                                            <p:strVal val="#ppt_x"/>
+                                          </p:val>
+                                        </p:tav>
+                                        <p:tav tm="100000">
+                                          <p:val>
+                                            <p:strVal val="#ppt_x"/>
+                                          </p:val>
+                                        </p:tav>
+                                      </p:tavLst>
+                                    </p:anim>
+                                    <p:anim calcmode="lin" valueType="num">
+                                      <p:cBhvr>
+                                        <p:cTn id="57" dur="1000" fill="hold"/>
+                                        <p:tgtEl>
+                                          <p:spTgt spid="10"/>
+                                        </p:tgtEl>
+                                        <p:attrNameLst>
+                                          <p:attrName>ppt_y</p:attrName>
+                                        </p:attrNameLst>
+                                      </p:cBhvr>
+                                      <p:tavLst>
+                                        <p:tav tm="0">
+                                          <p:val>
+                                            <p:strVal val="#ppt_y+.1"/>
+                                          </p:val>
+                                        </p:tav>
+                                        <p:tav tm="100000">
+                                          <p:val>
+                                            <p:strVal val="#ppt_y"/>
+                                          </p:val>
+                                        </p:tav>
+                                      </p:tavLst>
+                                    </p:anim>
+                                  </p:childTnLst>
+                                </p:cTn>
+                              </p:par>
+                              <p:par>
+                                <p:cTn id="58" presetID="42" presetClass="entr" presetSubtype="0" fill="hold" nodeType="withEffect">
+                                  <p:stCondLst>
+                                    <p:cond delay="0"/>
+                                  </p:stCondLst>
+                                  <p:childTnLst>
+                                    <p:set>
+                                      <p:cBhvr>
+                                        <p:cTn id="59" dur="1" fill="hold">
+                                          <p:stCondLst>
+                                            <p:cond delay="0"/>
+                                          </p:stCondLst>
+                                        </p:cTn>
+                                        <p:tgtEl>
+                                          <p:spTgt spid="13"/>
+                                        </p:tgtEl>
+                                        <p:attrNameLst>
+                                          <p:attrName>style.visibility</p:attrName>
+                                        </p:attrNameLst>
+                                      </p:cBhvr>
+                                      <p:to>
+                                        <p:strVal val="visible"/>
+                                      </p:to>
+                                    </p:set>
+                                    <p:animEffect transition="in" filter="fade">
+                                      <p:cBhvr>
+                                        <p:cTn id="60" dur="1000"/>
+                                        <p:tgtEl>
+                                          <p:spTgt spid="13"/>
+                                        </p:tgtEl>
+                                      </p:cBhvr>
+                                    </p:animEffect>
+                                    <p:anim calcmode="lin" valueType="num">
+                                      <p:cBhvr>
+                                        <p:cTn id="61" dur="1000" fill="hold"/>
+                                        <p:tgtEl>
+                                          <p:spTgt spid="13"/>
+                                        </p:tgtEl>
+                                        <p:attrNameLst>
+                                          <p:attrName>ppt_x</p:attrName>
+                                        </p:attrNameLst>
+                                      </p:cBhvr>
+                                      <p:tavLst>
+                                        <p:tav tm="0">
+                                          <p:val>
+                                            <p:strVal val="#ppt_x"/>
+                                          </p:val>
+                                        </p:tav>
+                                        <p:tav tm="100000">
+                                          <p:val>
+                                            <p:strVal val="#ppt_x"/>
+                                          </p:val>
+                                        </p:tav>
+                                      </p:tavLst>
+                                    </p:anim>
+                                    <p:anim calcmode="lin" valueType="num">
+                                      <p:cBhvr>
+                                        <p:cTn id="62" dur="1000" fill="hold"/>
+                                        <p:tgtEl>
+                                          <p:spTgt spid="13"/>
+                                        </p:tgtEl>
+                                        <p:attrNameLst>
+                                          <p:attrName>ppt_y</p:attrName>
+                                        </p:attrNameLst>
+                                      </p:cBhvr>
+                                      <p:tavLst>
+                                        <p:tav tm="0">
+                                          <p:val>
+                                            <p:strVal val="#ppt_y+.1"/>
+                                          </p:val>
+                                        </p:tav>
+                                        <p:tav tm="100000">
+                                          <p:val>
+                                            <p:strVal val="#ppt_y"/>
+                                          </p:val>
+                                        </p:tav>
+                                      </p:tavLst>
+                                    </p:anim>
+                                  </p:childTnLst>
+                                </p:cTn>
+                              </p:par>
+                              <p:par>
+                                <p:cTn id="63" presetID="42" presetClass="entr" presetSubtype="0" fill="hold" nodeType="withEffect">
+                                  <p:stCondLst>
+                                    <p:cond delay="0"/>
+                                  </p:stCondLst>
+                                  <p:childTnLst>
+                                    <p:set>
+                                      <p:cBhvr>
+                                        <p:cTn id="64" dur="1" fill="hold">
+                                          <p:stCondLst>
+                                            <p:cond delay="0"/>
+                                          </p:stCondLst>
+                                        </p:cTn>
+                                        <p:tgtEl>
+                                          <p:spTgt spid="15"/>
+                                        </p:tgtEl>
+                                        <p:attrNameLst>
+                                          <p:attrName>style.visibility</p:attrName>
+                                        </p:attrNameLst>
+                                      </p:cBhvr>
+                                      <p:to>
+                                        <p:strVal val="visible"/>
+                                      </p:to>
+                                    </p:set>
+                                    <p:animEffect transition="in" filter="fade">
+                                      <p:cBhvr>
+                                        <p:cTn id="65" dur="1000"/>
+                                        <p:tgtEl>
+                                          <p:spTgt spid="15"/>
+                                        </p:tgtEl>
+                                      </p:cBhvr>
+                                    </p:animEffect>
+                                    <p:anim calcmode="lin" valueType="num">
+                                      <p:cBhvr>
+                                        <p:cTn id="66" dur="1000" fill="hold"/>
+                                        <p:tgtEl>
+                                          <p:spTgt spid="15"/>
+                                        </p:tgtEl>
+                                        <p:attrNameLst>
+                                          <p:attrName>ppt_x</p:attrName>
+                                        </p:attrNameLst>
+                                      </p:cBhvr>
+                                      <p:tavLst>
+                                        <p:tav tm="0">
+                                          <p:val>
+                                            <p:strVal val="#ppt_x"/>
+                                          </p:val>
+                                        </p:tav>
+                                        <p:tav tm="100000">
+                                          <p:val>
+                                            <p:strVal val="#ppt_x"/>
+                                          </p:val>
+                                        </p:tav>
+                                      </p:tavLst>
+                                    </p:anim>
+                                    <p:anim calcmode="lin" valueType="num">
+                                      <p:cBhvr>
+                                        <p:cTn id="67" dur="1000" fill="hold"/>
+                                        <p:tgtEl>
+                                          <p:spTgt spid="15"/>
+                                        </p:tgtEl>
+                                        <p:attrNameLst>
+                                          <p:attrName>ppt_y</p:attrName>
+                                        </p:attrNameLst>
+                                      </p:cBhvr>
+                                      <p:tavLst>
+                                        <p:tav tm="0">
+                                          <p:val>
+                                            <p:strVal val="#ppt_y+.1"/>
+                                          </p:val>
+                                        </p:tav>
+                                        <p:tav tm="100000">
+                                          <p:val>
+                                            <p:strVal val="#ppt_y"/>
+                                          </p:val>
+                                        </p:tav>
+                                      </p:tavLst>
+                                    </p:anim>
+                                  </p:childTnLst>
+                                </p:cTn>
+                              </p:par>
+                              <p:par>
+                                <p:cTn id="68" presetID="42" presetClass="entr" presetSubtype="0" fill="hold" grpId="0" nodeType="withEffect">
+                                  <p:stCondLst>
+                                    <p:cond delay="0"/>
+                                  </p:stCondLst>
+                                  <p:childTnLst>
+                                    <p:set>
+                                      <p:cBhvr>
+                                        <p:cTn id="69" dur="1" fill="hold">
+                                          <p:stCondLst>
+                                            <p:cond delay="0"/>
+                                          </p:stCondLst>
+                                        </p:cTn>
+                                        <p:tgtEl>
+                                          <p:spTgt spid="17"/>
+                                        </p:tgtEl>
+                                        <p:attrNameLst>
+                                          <p:attrName>style.visibility</p:attrName>
+                                        </p:attrNameLst>
+                                      </p:cBhvr>
+                                      <p:to>
+                                        <p:strVal val="visible"/>
+                                      </p:to>
+                                    </p:set>
+                                    <p:animEffect transition="in" filter="fade">
+                                      <p:cBhvr>
+                                        <p:cTn id="70" dur="1000"/>
+                                        <p:tgtEl>
+                                          <p:spTgt spid="17"/>
+                                        </p:tgtEl>
+                                      </p:cBhvr>
+                                    </p:animEffect>
+                                    <p:anim calcmode="lin" valueType="num">
+                                      <p:cBhvr>
+                                        <p:cTn id="71" dur="1000" fill="hold"/>
+                                        <p:tgtEl>
+                                          <p:spTgt spid="17"/>
+                                        </p:tgtEl>
+                                        <p:attrNameLst>
+                                          <p:attrName>ppt_x</p:attrName>
+                                        </p:attrNameLst>
+                                      </p:cBhvr>
+                                      <p:tavLst>
+                                        <p:tav tm="0">
+                                          <p:val>
+                                            <p:strVal val="#ppt_x"/>
+                                          </p:val>
+                                        </p:tav>
+                                        <p:tav tm="100000">
+                                          <p:val>
+                                            <p:strVal val="#ppt_x"/>
+                                          </p:val>
+                                        </p:tav>
+                                      </p:tavLst>
+                                    </p:anim>
+                                    <p:anim calcmode="lin" valueType="num">
+                                      <p:cBhvr>
+                                        <p:cTn id="72" dur="1000" fill="hold"/>
+                                        <p:tgtEl>
+                                          <p:spTgt spid="17"/>
+                                        </p:tgtEl>
+                                        <p:attrNameLst>
+                                          <p:attrName>ppt_y</p:attrName>
+                                        </p:attrNameLst>
+                                      </p:cBhvr>
+                                      <p:tavLst>
+                                        <p:tav tm="0">
+                                          <p:val>
+                                            <p:strVal val="#ppt_y+.1"/>
+                                          </p:val>
+                                        </p:tav>
+                                        <p:tav tm="100000">
+                                          <p:val>
+                                            <p:strVal val="#ppt_y"/>
+                                          </p:val>
+                                        </p:tav>
+                                      </p:tavLst>
+                                    </p:anim>
+                                  </p:childTnLst>
+                                </p:cTn>
+                              </p:par>
+                              <p:par>
+                                <p:cTn id="73" presetID="42" presetClass="entr" presetSubtype="0" fill="hold" nodeType="withEffect">
+                                  <p:stCondLst>
+                                    <p:cond delay="0"/>
+                                  </p:stCondLst>
+                                  <p:childTnLst>
+                                    <p:set>
+                                      <p:cBhvr>
+                                        <p:cTn id="74" dur="1" fill="hold">
+                                          <p:stCondLst>
+                                            <p:cond delay="0"/>
+                                          </p:stCondLst>
+                                        </p:cTn>
+                                        <p:tgtEl>
+                                          <p:spTgt spid="28"/>
+                                        </p:tgtEl>
+                                        <p:attrNameLst>
+                                          <p:attrName>style.visibility</p:attrName>
+                                        </p:attrNameLst>
+                                      </p:cBhvr>
+                                      <p:to>
+                                        <p:strVal val="visible"/>
+                                      </p:to>
+                                    </p:set>
+                                    <p:animEffect transition="in" filter="fade">
+                                      <p:cBhvr>
+                                        <p:cTn id="75" dur="1000"/>
+                                        <p:tgtEl>
+                                          <p:spTgt spid="28"/>
+                                        </p:tgtEl>
+                                      </p:cBhvr>
+                                    </p:animEffect>
+                                    <p:anim calcmode="lin" valueType="num">
+                                      <p:cBhvr>
+                                        <p:cTn id="76" dur="1000" fill="hold"/>
+                                        <p:tgtEl>
+                                          <p:spTgt spid="28"/>
+                                        </p:tgtEl>
+                                        <p:attrNameLst>
+                                          <p:attrName>ppt_x</p:attrName>
+                                        </p:attrNameLst>
+                                      </p:cBhvr>
+                                      <p:tavLst>
+                                        <p:tav tm="0">
+                                          <p:val>
+                                            <p:strVal val="#ppt_x"/>
+                                          </p:val>
+                                        </p:tav>
+                                        <p:tav tm="100000">
+                                          <p:val>
+                                            <p:strVal val="#ppt_x"/>
+                                          </p:val>
+                                        </p:tav>
+                                      </p:tavLst>
+                                    </p:anim>
+                                    <p:anim calcmode="lin" valueType="num">
+                                      <p:cBhvr>
+                                        <p:cTn id="77" dur="1000" fill="hold"/>
+                                        <p:tgtEl>
+                                          <p:spTgt spid="28"/>
+                                        </p:tgtEl>
+                                        <p:attrNameLst>
+                                          <p:attrName>ppt_y</p:attrName>
+                                        </p:attrNameLst>
+                                      </p:cBhvr>
+                                      <p:tavLst>
+                                        <p:tav tm="0">
+                                          <p:val>
+                                            <p:strVal val="#ppt_y+.1"/>
+                                          </p:val>
+                                        </p:tav>
+                                        <p:tav tm="100000">
+                                          <p:val>
+                                            <p:strVal val="#ppt_y"/>
+                                          </p:val>
+                                        </p:tav>
+                                      </p:tavLst>
+                                    </p:anim>
+                                  </p:childTnLst>
+                                </p:cTn>
+                              </p:par>
+                              <p:par>
+                                <p:cTn id="78" presetID="42" presetClass="entr" presetSubtype="0" fill="hold" grpId="0" nodeType="withEffect">
+                                  <p:stCondLst>
+                                    <p:cond delay="0"/>
+                                  </p:stCondLst>
+                                  <p:childTnLst>
+                                    <p:set>
+                                      <p:cBhvr>
+                                        <p:cTn id="79" dur="1" fill="hold">
+                                          <p:stCondLst>
+                                            <p:cond delay="0"/>
+                                          </p:stCondLst>
+                                        </p:cTn>
+                                        <p:tgtEl>
+                                          <p:spTgt spid="34"/>
+                                        </p:tgtEl>
+                                        <p:attrNameLst>
+                                          <p:attrName>style.visibility</p:attrName>
+                                        </p:attrNameLst>
+                                      </p:cBhvr>
+                                      <p:to>
+                                        <p:strVal val="visible"/>
+                                      </p:to>
+                                    </p:set>
+                                    <p:animEffect transition="in" filter="fade">
+                                      <p:cBhvr>
+                                        <p:cTn id="80" dur="1000"/>
+                                        <p:tgtEl>
+                                          <p:spTgt spid="34"/>
+                                        </p:tgtEl>
+                                      </p:cBhvr>
+                                    </p:animEffect>
+                                    <p:anim calcmode="lin" valueType="num">
+                                      <p:cBhvr>
+                                        <p:cTn id="81" dur="1000" fill="hold"/>
+                                        <p:tgtEl>
+                                          <p:spTgt spid="34"/>
+                                        </p:tgtEl>
+                                        <p:attrNameLst>
+                                          <p:attrName>ppt_x</p:attrName>
+                                        </p:attrNameLst>
+                                      </p:cBhvr>
+                                      <p:tavLst>
+                                        <p:tav tm="0">
+                                          <p:val>
+                                            <p:strVal val="#ppt_x"/>
+                                          </p:val>
+                                        </p:tav>
+                                        <p:tav tm="100000">
+                                          <p:val>
+                                            <p:strVal val="#ppt_x"/>
+                                          </p:val>
+                                        </p:tav>
+                                      </p:tavLst>
+                                    </p:anim>
+                                    <p:anim calcmode="lin" valueType="num">
+                                      <p:cBhvr>
+                                        <p:cTn id="82" dur="1000" fill="hold"/>
+                                        <p:tgtEl>
+                                          <p:spTgt spid="34"/>
+                                        </p:tgtEl>
+                                        <p:attrNameLst>
+                                          <p:attrName>ppt_y</p:attrName>
+                                        </p:attrNameLst>
+                                      </p:cBhvr>
+                                      <p:tavLst>
+                                        <p:tav tm="0">
+                                          <p:val>
+                                            <p:strVal val="#ppt_y+.1"/>
+                                          </p:val>
+                                        </p:tav>
+                                        <p:tav tm="100000">
+                                          <p:val>
+                                            <p:strVal val="#ppt_y"/>
+                                          </p:val>
+                                        </p:tav>
+                                      </p:tavLst>
+                                    </p:anim>
+                                  </p:childTnLst>
+                                </p:cTn>
+                              </p:par>
+                              <p:par>
+                                <p:cTn id="83" presetID="42" presetClass="entr" presetSubtype="0" fill="hold" grpId="0" nodeType="withEffect">
+                                  <p:stCondLst>
+                                    <p:cond delay="0"/>
+                                  </p:stCondLst>
+                                  <p:childTnLst>
+                                    <p:set>
+                                      <p:cBhvr>
+                                        <p:cTn id="84" dur="1" fill="hold">
+                                          <p:stCondLst>
+                                            <p:cond delay="0"/>
+                                          </p:stCondLst>
+                                        </p:cTn>
+                                        <p:tgtEl>
+                                          <p:spTgt spid="42"/>
+                                        </p:tgtEl>
+                                        <p:attrNameLst>
+                                          <p:attrName>style.visibility</p:attrName>
+                                        </p:attrNameLst>
+                                      </p:cBhvr>
+                                      <p:to>
+                                        <p:strVal val="visible"/>
+                                      </p:to>
+                                    </p:set>
+                                    <p:animEffect transition="in" filter="fade">
+                                      <p:cBhvr>
+                                        <p:cTn id="85" dur="1000"/>
+                                        <p:tgtEl>
+                                          <p:spTgt spid="42"/>
+                                        </p:tgtEl>
+                                      </p:cBhvr>
+                                    </p:animEffect>
+                                    <p:anim calcmode="lin" valueType="num">
+                                      <p:cBhvr>
+                                        <p:cTn id="86" dur="1000" fill="hold"/>
+                                        <p:tgtEl>
+                                          <p:spTgt spid="42"/>
+                                        </p:tgtEl>
+                                        <p:attrNameLst>
+                                          <p:attrName>ppt_x</p:attrName>
+                                        </p:attrNameLst>
+                                      </p:cBhvr>
+                                      <p:tavLst>
+                                        <p:tav tm="0">
+                                          <p:val>
+                                            <p:strVal val="#ppt_x"/>
+                                          </p:val>
+                                        </p:tav>
+                                        <p:tav tm="100000">
+                                          <p:val>
+                                            <p:strVal val="#ppt_x"/>
+                                          </p:val>
+                                        </p:tav>
+                                      </p:tavLst>
+                                    </p:anim>
+                                    <p:anim calcmode="lin" valueType="num">
+                                      <p:cBhvr>
+                                        <p:cTn id="87" dur="1000" fill="hold"/>
+                                        <p:tgtEl>
+                                          <p:spTgt spid="42"/>
+                                        </p:tgtEl>
+                                        <p:attrNameLst>
+                                          <p:attrName>ppt_y</p:attrName>
+                                        </p:attrNameLst>
+                                      </p:cBhvr>
+                                      <p:tavLst>
+                                        <p:tav tm="0">
+                                          <p:val>
+                                            <p:strVal val="#ppt_y+.1"/>
+                                          </p:val>
+                                        </p:tav>
+                                        <p:tav tm="100000">
+                                          <p:val>
+                                            <p:strVal val="#ppt_y"/>
+                                          </p:val>
+                                        </p:tav>
+                                      </p:tavLst>
+                                    </p:anim>
+                                  </p:childTnLst>
+                                </p:cTn>
+                              </p:par>
+                              <p:par>
+                                <p:cTn id="88" presetID="42" presetClass="entr" presetSubtype="0" fill="hold" grpId="0" nodeType="withEffect">
+                                  <p:stCondLst>
+                                    <p:cond delay="0"/>
+                                  </p:stCondLst>
+                                  <p:childTnLst>
+                                    <p:set>
+                                      <p:cBhvr>
+                                        <p:cTn id="89" dur="1" fill="hold">
+                                          <p:stCondLst>
+                                            <p:cond delay="0"/>
+                                          </p:stCondLst>
+                                        </p:cTn>
+                                        <p:tgtEl>
+                                          <p:spTgt spid="71"/>
+                                        </p:tgtEl>
+                                        <p:attrNameLst>
+                                          <p:attrName>style.visibility</p:attrName>
+                                        </p:attrNameLst>
+                                      </p:cBhvr>
+                                      <p:to>
+                                        <p:strVal val="visible"/>
+                                      </p:to>
+                                    </p:set>
+                                    <p:animEffect transition="in" filter="fade">
+                                      <p:cBhvr>
+                                        <p:cTn id="90" dur="1000"/>
+                                        <p:tgtEl>
+                                          <p:spTgt spid="71"/>
+                                        </p:tgtEl>
+                                      </p:cBhvr>
+                                    </p:animEffect>
+                                    <p:anim calcmode="lin" valueType="num">
+                                      <p:cBhvr>
+                                        <p:cTn id="91" dur="1000" fill="hold"/>
+                                        <p:tgtEl>
+                                          <p:spTgt spid="71"/>
+                                        </p:tgtEl>
+                                        <p:attrNameLst>
+                                          <p:attrName>ppt_x</p:attrName>
+                                        </p:attrNameLst>
+                                      </p:cBhvr>
+                                      <p:tavLst>
+                                        <p:tav tm="0">
+                                          <p:val>
+                                            <p:strVal val="#ppt_x"/>
+                                          </p:val>
+                                        </p:tav>
+                                        <p:tav tm="100000">
+                                          <p:val>
+                                            <p:strVal val="#ppt_x"/>
+                                          </p:val>
+                                        </p:tav>
+                                      </p:tavLst>
+                                    </p:anim>
+                                    <p:anim calcmode="lin" valueType="num">
+                                      <p:cBhvr>
+                                        <p:cTn id="92" dur="1000" fill="hold"/>
+                                        <p:tgtEl>
+                                          <p:spTgt spid="71"/>
+                                        </p:tgtEl>
+                                        <p:attrNameLst>
+                                          <p:attrName>ppt_y</p:attrName>
+                                        </p:attrNameLst>
+                                      </p:cBhvr>
+                                      <p:tavLst>
+                                        <p:tav tm="0">
+                                          <p:val>
+                                            <p:strVal val="#ppt_y+.1"/>
+                                          </p:val>
+                                        </p:tav>
+                                        <p:tav tm="100000">
+                                          <p:val>
+                                            <p:strVal val="#ppt_y"/>
+                                          </p:val>
+                                        </p:tav>
+                                      </p:tavLst>
+                                    </p:anim>
+                                  </p:childTnLst>
+                                </p:cTn>
+                              </p:par>
+                            </p:childTnLst>
+                          </p:cTn>
+                        </p:par>
+                      </p:childTnLst>
+                    </p:cTn>
+                  </p:par>
+                  <p:par>
+                    <p:cTn id="93" fill="hold">
+                      <p:stCondLst>
+                        <p:cond delay="indefinite"/>
+                      </p:stCondLst>
+                      <p:childTnLst>
+                        <p:par>
+                          <p:cTn id="94" fill="hold">
+                            <p:stCondLst>
+                              <p:cond delay="0"/>
+                            </p:stCondLst>
+                            <p:childTnLst>
+                              <p:par>
+                                <p:cTn id="95" presetID="42" presetClass="entr" presetSubtype="0" fill="hold" grpId="0" nodeType="clickEffect">
+                                  <p:stCondLst>
+                                    <p:cond delay="0"/>
+                                  </p:stCondLst>
+                                  <p:childTnLst>
+                                    <p:set>
+                                      <p:cBhvr>
+                                        <p:cTn id="96" dur="1" fill="hold">
+                                          <p:stCondLst>
+                                            <p:cond delay="0"/>
+                                          </p:stCondLst>
+                                        </p:cTn>
+                                        <p:tgtEl>
+                                          <p:spTgt spid="11"/>
+                                        </p:tgtEl>
+                                        <p:attrNameLst>
+                                          <p:attrName>style.visibility</p:attrName>
+                                        </p:attrNameLst>
+                                      </p:cBhvr>
+                                      <p:to>
+                                        <p:strVal val="visible"/>
+                                      </p:to>
+                                    </p:set>
+                                    <p:animEffect transition="in" filter="fade">
+                                      <p:cBhvr>
+                                        <p:cTn id="97" dur="1000"/>
+                                        <p:tgtEl>
+                                          <p:spTgt spid="11"/>
+                                        </p:tgtEl>
+                                      </p:cBhvr>
+                                    </p:animEffect>
+                                    <p:anim calcmode="lin" valueType="num">
+                                      <p:cBhvr>
+                                        <p:cTn id="98" dur="1000" fill="hold"/>
+                                        <p:tgtEl>
+                                          <p:spTgt spid="11"/>
+                                        </p:tgtEl>
+                                        <p:attrNameLst>
+                                          <p:attrName>ppt_x</p:attrName>
+                                        </p:attrNameLst>
+                                      </p:cBhvr>
+                                      <p:tavLst>
+                                        <p:tav tm="0">
+                                          <p:val>
+                                            <p:strVal val="#ppt_x"/>
+                                          </p:val>
+                                        </p:tav>
+                                        <p:tav tm="100000">
+                                          <p:val>
+                                            <p:strVal val="#ppt_x"/>
+                                          </p:val>
+                                        </p:tav>
+                                      </p:tavLst>
+                                    </p:anim>
+                                    <p:anim calcmode="lin" valueType="num">
+                                      <p:cBhvr>
+                                        <p:cTn id="99" dur="1000" fill="hold"/>
+                                        <p:tgtEl>
+                                          <p:spTgt spid="11"/>
+                                        </p:tgtEl>
+                                        <p:attrNameLst>
+                                          <p:attrName>ppt_y</p:attrName>
+                                        </p:attrNameLst>
+                                      </p:cBhvr>
+                                      <p:tavLst>
+                                        <p:tav tm="0">
+                                          <p:val>
+                                            <p:strVal val="#ppt_y+.1"/>
+                                          </p:val>
+                                        </p:tav>
+                                        <p:tav tm="100000">
+                                          <p:val>
+                                            <p:strVal val="#ppt_y"/>
+                                          </p:val>
+                                        </p:tav>
+                                      </p:tavLst>
+                                    </p:anim>
+                                  </p:childTnLst>
+                                </p:cTn>
+                              </p:par>
+                            </p:childTnLst>
+                          </p:cTn>
+                        </p:par>
+                      </p:childTnLst>
+                    </p:cTn>
+                  </p:par>
+                  <p:par>
+                    <p:cTn id="100" fill="hold">
+                      <p:stCondLst>
+                        <p:cond delay="indefinite"/>
+                      </p:stCondLst>
+                      <p:childTnLst>
+                        <p:par>
+                          <p:cTn id="101" fill="hold">
+                            <p:stCondLst>
+                              <p:cond delay="0"/>
+                            </p:stCondLst>
+                            <p:childTnLst>
+                              <p:par>
+                                <p:cTn id="102" presetID="16" presetClass="entr" presetSubtype="21" fill="hold" grpId="0" nodeType="clickEffect">
+                                  <p:stCondLst>
+                                    <p:cond delay="0"/>
+                                  </p:stCondLst>
+                                  <p:childTnLst>
+                                    <p:set>
+                                      <p:cBhvr>
+                                        <p:cTn id="103" dur="1" fill="hold">
+                                          <p:stCondLst>
+                                            <p:cond delay="0"/>
+                                          </p:stCondLst>
+                                        </p:cTn>
+                                        <p:tgtEl>
+                                          <p:spTgt spid="33"/>
+                                        </p:tgtEl>
+                                        <p:attrNameLst>
+                                          <p:attrName>style.visibility</p:attrName>
+                                        </p:attrNameLst>
+                                      </p:cBhvr>
+                                      <p:to>
+                                        <p:strVal val="visible"/>
+                                      </p:to>
+                                    </p:set>
+                                    <p:animEffect transition="in" filter="barn(inVertical)">
+                                      <p:cBhvr>
+                                        <p:cTn id="104" dur="500"/>
+                                        <p:tgtEl>
+                                          <p:spTgt spid="33"/>
+                                        </p:tgtEl>
+                                      </p:cBhvr>
+                                    </p:animEffect>
+                                  </p:childTnLst>
+                                </p:cTn>
+                              </p:par>
+                            </p:childTnLst>
+                          </p:cTn>
+                        </p:par>
+                      </p:childTnLst>
+                    </p:cTn>
+                  </p:par>
+                  <p:par>
+                    <p:cTn id="105" fill="hold">
+                      <p:stCondLst>
+                        <p:cond delay="indefinite"/>
+                      </p:stCondLst>
+                      <p:childTnLst>
+                        <p:par>
+                          <p:cTn id="106" fill="hold">
+                            <p:stCondLst>
+                              <p:cond delay="0"/>
+                            </p:stCondLst>
+                            <p:childTnLst>
+                              <p:par>
+                                <p:cTn id="107" presetID="42" presetClass="entr" presetSubtype="0" fill="hold" grpId="0" nodeType="clickEffect">
+                                  <p:stCondLst>
+                                    <p:cond delay="0"/>
+                                  </p:stCondLst>
+                                  <p:childTnLst>
+                                    <p:set>
+                                      <p:cBhvr>
+                                        <p:cTn id="108" dur="1" fill="hold">
+                                          <p:stCondLst>
+                                            <p:cond delay="0"/>
+                                          </p:stCondLst>
+                                        </p:cTn>
+                                        <p:tgtEl>
+                                          <p:spTgt spid="37"/>
+                                        </p:tgtEl>
+                                        <p:attrNameLst>
+                                          <p:attrName>style.visibility</p:attrName>
+                                        </p:attrNameLst>
+                                      </p:cBhvr>
+                                      <p:to>
+                                        <p:strVal val="visible"/>
+                                      </p:to>
+                                    </p:set>
+                                    <p:animEffect transition="in" filter="fade">
+                                      <p:cBhvr>
+                                        <p:cTn id="109" dur="1000"/>
+                                        <p:tgtEl>
+                                          <p:spTgt spid="37"/>
+                                        </p:tgtEl>
+                                      </p:cBhvr>
+                                    </p:animEffect>
+                                    <p:anim calcmode="lin" valueType="num">
+                                      <p:cBhvr>
+                                        <p:cTn id="110" dur="1000" fill="hold"/>
+                                        <p:tgtEl>
+                                          <p:spTgt spid="37"/>
+                                        </p:tgtEl>
+                                        <p:attrNameLst>
+                                          <p:attrName>ppt_x</p:attrName>
+                                        </p:attrNameLst>
+                                      </p:cBhvr>
+                                      <p:tavLst>
+                                        <p:tav tm="0">
+                                          <p:val>
+                                            <p:strVal val="#ppt_x"/>
+                                          </p:val>
+                                        </p:tav>
+                                        <p:tav tm="100000">
+                                          <p:val>
+                                            <p:strVal val="#ppt_x"/>
+                                          </p:val>
+                                        </p:tav>
+                                      </p:tavLst>
+                                    </p:anim>
+                                    <p:anim calcmode="lin" valueType="num">
+                                      <p:cBhvr>
+                                        <p:cTn id="111" dur="1000" fill="hold"/>
+                                        <p:tgtEl>
+                                          <p:spTgt spid="37"/>
+                                        </p:tgtEl>
+                                        <p:attrNameLst>
+                                          <p:attrName>ppt_y</p:attrName>
+                                        </p:attrNameLst>
+                                      </p:cBhvr>
+                                      <p:tavLst>
+                                        <p:tav tm="0">
+                                          <p:val>
+                                            <p:strVal val="#ppt_y+.1"/>
+                                          </p:val>
+                                        </p:tav>
+                                        <p:tav tm="100000">
+                                          <p:val>
+                                            <p:strVal val="#ppt_y"/>
+                                          </p:val>
+                                        </p:tav>
+                                      </p:tavLst>
+                                    </p:anim>
+                                  </p:childTnLst>
+                                </p:cTn>
+                              </p:par>
+                            </p:childTnLst>
+                          </p:cTn>
+                        </p:par>
+                      </p:childTnLst>
+                    </p:cTn>
+                  </p:par>
+                  <p:par>
+                    <p:cTn id="112" fill="hold">
+                      <p:stCondLst>
+                        <p:cond delay="indefinite"/>
+                      </p:stCondLst>
+                      <p:childTnLst>
+                        <p:par>
+                          <p:cTn id="113" fill="hold">
+                            <p:stCondLst>
+                              <p:cond delay="0"/>
+                            </p:stCondLst>
+                            <p:childTnLst>
+                              <p:par>
+                                <p:cTn id="114" presetID="42" presetClass="entr" presetSubtype="0" fill="hold" grpId="0" nodeType="clickEffect">
+                                  <p:stCondLst>
+                                    <p:cond delay="0"/>
+                                  </p:stCondLst>
+                                  <p:childTnLst>
+                                    <p:set>
+                                      <p:cBhvr>
+                                        <p:cTn id="115" dur="1" fill="hold">
+                                          <p:stCondLst>
+                                            <p:cond delay="0"/>
+                                          </p:stCondLst>
+                                        </p:cTn>
+                                        <p:tgtEl>
+                                          <p:spTgt spid="40"/>
+                                        </p:tgtEl>
+                                        <p:attrNameLst>
+                                          <p:attrName>style.visibility</p:attrName>
+                                        </p:attrNameLst>
+                                      </p:cBhvr>
+                                      <p:to>
+                                        <p:strVal val="visible"/>
+                                      </p:to>
+                                    </p:set>
+                                    <p:animEffect transition="in" filter="fade">
+                                      <p:cBhvr>
+                                        <p:cTn id="116" dur="1000"/>
+                                        <p:tgtEl>
+                                          <p:spTgt spid="40"/>
+                                        </p:tgtEl>
+                                      </p:cBhvr>
+                                    </p:animEffect>
+                                    <p:anim calcmode="lin" valueType="num">
+                                      <p:cBhvr>
+                                        <p:cTn id="117" dur="1000" fill="hold"/>
+                                        <p:tgtEl>
+                                          <p:spTgt spid="40"/>
+                                        </p:tgtEl>
+                                        <p:attrNameLst>
+                                          <p:attrName>ppt_x</p:attrName>
+                                        </p:attrNameLst>
+                                      </p:cBhvr>
+                                      <p:tavLst>
+                                        <p:tav tm="0">
+                                          <p:val>
+                                            <p:strVal val="#ppt_x"/>
+                                          </p:val>
+                                        </p:tav>
+                                        <p:tav tm="100000">
+                                          <p:val>
+                                            <p:strVal val="#ppt_x"/>
+                                          </p:val>
+                                        </p:tav>
+                                      </p:tavLst>
+                                    </p:anim>
+                                    <p:anim calcmode="lin" valueType="num">
+                                      <p:cBhvr>
+                                        <p:cTn id="118" dur="1000" fill="hold"/>
+                                        <p:tgtEl>
+                                          <p:spTgt spid="40"/>
+                                        </p:tgtEl>
+                                        <p:attrNameLst>
+                                          <p:attrName>ppt_y</p:attrName>
+                                        </p:attrNameLst>
+                                      </p:cBhvr>
+                                      <p:tavLst>
+                                        <p:tav tm="0">
+                                          <p:val>
+                                            <p:strVal val="#ppt_y+.1"/>
+                                          </p:val>
+                                        </p:tav>
+                                        <p:tav tm="100000">
+                                          <p:val>
+                                            <p:strVal val="#ppt_y"/>
+                                          </p:val>
+                                        </p:tav>
+                                      </p:tavLst>
+                                    </p:anim>
+                                  </p:childTnLst>
+                                </p:cTn>
+                              </p:par>
+                            </p:childTnLst>
+                          </p:cTn>
+                        </p:par>
+                      </p:childTnLst>
+                    </p:cTn>
+                  </p:par>
+                  <p:par>
+                    <p:cTn id="119" fill="hold">
+                      <p:stCondLst>
+                        <p:cond delay="indefinite"/>
+                      </p:stCondLst>
+                      <p:childTnLst>
+                        <p:par>
+                          <p:cTn id="120" fill="hold">
+                            <p:stCondLst>
+                              <p:cond delay="0"/>
+                            </p:stCondLst>
+                            <p:childTnLst>
+                              <p:par>
+                                <p:cTn id="121" presetID="10" presetClass="entr" presetSubtype="0" fill="hold" grpId="0" nodeType="clickEffect">
+                                  <p:stCondLst>
+                                    <p:cond delay="0"/>
+                                  </p:stCondLst>
+                                  <p:childTnLst>
+                                    <p:set>
+                                      <p:cBhvr>
+                                        <p:cTn id="122" dur="1" fill="hold">
+                                          <p:stCondLst>
+                                            <p:cond delay="0"/>
+                                          </p:stCondLst>
+                                        </p:cTn>
+                                        <p:tgtEl>
+                                          <p:spTgt spid="41"/>
+                                        </p:tgtEl>
+                                        <p:attrNameLst>
+                                          <p:attrName>style.visibility</p:attrName>
+                                        </p:attrNameLst>
+                                      </p:cBhvr>
+                                      <p:to>
+                                        <p:strVal val="visible"/>
+                                      </p:to>
+                                    </p:set>
+                                    <p:animEffect transition="in" filter="fade">
+                                      <p:cBhvr>
+                                        <p:cTn id="123" dur="500"/>
+                                        <p:tgtEl>
+                                          <p:spTgt spid="41"/>
+                                        </p:tgtEl>
+                                      </p:cBhvr>
+                                    </p:animEffect>
+                                  </p:childTnLst>
+                                </p:cTn>
+                              </p:par>
+                            </p:childTnLst>
+                          </p:cTn>
+                        </p:par>
+                      </p:childTnLst>
+                    </p:cTn>
+                  </p:par>
+                </p:childTnLst>
+              </p:cTn>
+              <p:prevCondLst>
+                <p:cond evt="onPrev" delay="0">
+                  <p:tgtEl>
+                    <p:sldTgt/>
+                  </p:tgtEl>
+                </p:cond>
+              </p:prevCondLst>
+              <p:nextCondLst>
+                <p:cond evt="onNext" delay="0">
+                  <p:tgtEl>
+                    <p:sldTgt/>
+                  </p:tgtEl>
+                </p:cond>
+              </p:nextCondLst>
+            </p:seq>
+          </p:childTnLst>
+        </p:cTn>
+      </p:par>
+    </p:tnLst>
+    <p:bldLst>
+      <p:bldP spid="8" grpId="0"/>
+      <p:bldP spid="9" grpId="0"/>
+      <p:bldP spid="10" grpId="0"/>
+      <p:bldP spid="11" grpId="0" animBg="1"/>
+      <p:bldP spid="17" grpId="0" animBg="1"/>
+      <p:bldP spid="33" grpId="0"/>
+      <p:bldP spid="34" grpId="0"/>
+      <p:bldP spid="37" grpId="0"/>
+      <p:bldP spid="40" grpId="0"/>
+      <p:bldP spid="41" grpId="0" animBg="1"/>
+      <p:bldP spid="42" grpId="0" animBg="1"/>
+      <p:bldP spid="71" grpId="0" animBg="1"/>
+      <p:bldP spid="43" grpId="0"/>
+      <p:bldP spid="50" grpId="0"/>
+      <p:bldP spid="51" grpId="0"/>
+    </p:bldLst>
+  </p:timing>
 </p:sld>
 </file>
 
@@ -26044,7 +30135,7 @@
             <p:ph idx="1"/>
             <p:extLst>
               <p:ext uri="{D42A27DB-BD31-4B8C-83A1-F6EECF244321}">
-                <p14:modId xmlns:p14="http://schemas.microsoft.com/office/powerpoint/2010/main" val="1956834485"/>
+                <p14:modId xmlns:p14="http://schemas.microsoft.com/office/powerpoint/2010/main" val="75463404"/>
               </p:ext>
             </p:extLst>
           </p:nvPr>
@@ -26069,6 +30160,140 @@
   <p:clrMapOvr>
     <a:masterClrMapping/>
   </p:clrMapOvr>
+  <p:timing>
+    <p:tnLst>
+      <p:par>
+        <p:cTn id="1" dur="indefinite" restart="never" nodeType="tmRoot">
+          <p:childTnLst>
+            <p:seq concurrent="1" nextAc="seek">
+              <p:cTn id="2" dur="indefinite" nodeType="mainSeq">
+                <p:childTnLst>
+                  <p:par>
+                    <p:cTn id="3" fill="hold">
+                      <p:stCondLst>
+                        <p:cond delay="indefinite"/>
+                      </p:stCondLst>
+                      <p:childTnLst>
+                        <p:par>
+                          <p:cTn id="4" fill="hold">
+                            <p:stCondLst>
+                              <p:cond delay="0"/>
+                            </p:stCondLst>
+                            <p:childTnLst>
+                              <p:par>
+                                <p:cTn id="5" presetID="42" presetClass="entr" presetSubtype="0" fill="hold" grpId="0" nodeType="clickEffect">
+                                  <p:stCondLst>
+                                    <p:cond delay="0"/>
+                                  </p:stCondLst>
+                                  <p:childTnLst>
+                                    <p:set>
+                                      <p:cBhvr>
+                                        <p:cTn id="6" dur="1" fill="hold">
+                                          <p:stCondLst>
+                                            <p:cond delay="0"/>
+                                          </p:stCondLst>
+                                        </p:cTn>
+                                        <p:tgtEl>
+                                          <p:spTgt spid="12"/>
+                                        </p:tgtEl>
+                                        <p:attrNameLst>
+                                          <p:attrName>style.visibility</p:attrName>
+                                        </p:attrNameLst>
+                                      </p:cBhvr>
+                                      <p:to>
+                                        <p:strVal val="visible"/>
+                                      </p:to>
+                                    </p:set>
+                                    <p:animEffect transition="in" filter="fade">
+                                      <p:cBhvr>
+                                        <p:cTn id="7" dur="1000"/>
+                                        <p:tgtEl>
+                                          <p:spTgt spid="12"/>
+                                        </p:tgtEl>
+                                      </p:cBhvr>
+                                    </p:animEffect>
+                                    <p:anim calcmode="lin" valueType="num">
+                                      <p:cBhvr>
+                                        <p:cTn id="8" dur="1000" fill="hold"/>
+                                        <p:tgtEl>
+                                          <p:spTgt spid="12"/>
+                                        </p:tgtEl>
+                                        <p:attrNameLst>
+                                          <p:attrName>ppt_x</p:attrName>
+                                        </p:attrNameLst>
+                                      </p:cBhvr>
+                                      <p:tavLst>
+                                        <p:tav tm="0">
+                                          <p:val>
+                                            <p:strVal val="#ppt_x"/>
+                                          </p:val>
+                                        </p:tav>
+                                        <p:tav tm="100000">
+                                          <p:val>
+                                            <p:strVal val="#ppt_x"/>
+                                          </p:val>
+                                        </p:tav>
+                                      </p:tavLst>
+                                    </p:anim>
+                                    <p:anim calcmode="lin" valueType="num">
+                                      <p:cBhvr>
+                                        <p:cTn id="9" dur="1000" fill="hold"/>
+                                        <p:tgtEl>
+                                          <p:spTgt spid="12"/>
+                                        </p:tgtEl>
+                                        <p:attrNameLst>
+                                          <p:attrName>ppt_y</p:attrName>
+                                        </p:attrNameLst>
+                                      </p:cBhvr>
+                                      <p:tavLst>
+                                        <p:tav tm="0">
+                                          <p:val>
+                                            <p:strVal val="#ppt_y+.1"/>
+                                          </p:val>
+                                        </p:tav>
+                                        <p:tav tm="100000">
+                                          <p:val>
+                                            <p:strVal val="#ppt_y"/>
+                                          </p:val>
+                                        </p:tav>
+                                      </p:tavLst>
+                                    </p:anim>
+                                  </p:childTnLst>
+                                </p:cTn>
+                              </p:par>
+                            </p:childTnLst>
+                          </p:cTn>
+                        </p:par>
+                      </p:childTnLst>
+                    </p:cTn>
+                  </p:par>
+                </p:childTnLst>
+              </p:cTn>
+              <p:prevCondLst>
+                <p:cond evt="onPrev" delay="0">
+                  <p:tgtEl>
+                    <p:sldTgt/>
+                  </p:tgtEl>
+                </p:cond>
+              </p:prevCondLst>
+              <p:nextCondLst>
+                <p:cond evt="onNext" delay="0">
+                  <p:tgtEl>
+                    <p:sldTgt/>
+                  </p:tgtEl>
+                </p:cond>
+              </p:nextCondLst>
+            </p:seq>
+          </p:childTnLst>
+        </p:cTn>
+      </p:par>
+    </p:tnLst>
+    <p:bldLst>
+      <p:bldGraphic spid="12" grpId="0">
+        <p:bldAsOne/>
+      </p:bldGraphic>
+    </p:bldLst>
+  </p:timing>
 </p:sld>
 </file>
 

--- a/Internship Presentation.pptx
+++ b/Internship Presentation.pptx
@@ -7709,6 +7709,243 @@
     <p:extLst>
       <p:ext uri="{BB962C8B-B14F-4D97-AF65-F5344CB8AC3E}">
         <p14:creationId xmlns:p14="http://schemas.microsoft.com/office/powerpoint/2010/main" val="1516716508"/>
+      </p:ext>
+    </p:extLst>
+  </p:cSld>
+  <p:clrMapOvr>
+    <a:masterClrMapping/>
+  </p:clrMapOvr>
+</p:notes>
+</file>
+
+<file path=ppt/notesSlides/notesSlide6.xml><?xml version="1.0" encoding="utf-8"?>
+<p:notes xmlns:a="http://schemas.openxmlformats.org/drawingml/2006/main" xmlns:r="http://schemas.openxmlformats.org/officeDocument/2006/relationships" xmlns:p="http://schemas.openxmlformats.org/presentationml/2006/main">
+  <p:cSld>
+    <p:spTree>
+      <p:nvGrpSpPr>
+        <p:cNvPr id="1" name=""/>
+        <p:cNvGrpSpPr/>
+        <p:nvPr/>
+      </p:nvGrpSpPr>
+      <p:grpSpPr>
+        <a:xfrm>
+          <a:off x="0" y="0"/>
+          <a:ext cx="0" cy="0"/>
+          <a:chOff x="0" y="0"/>
+          <a:chExt cx="0" cy="0"/>
+        </a:xfrm>
+      </p:grpSpPr>
+      <p:sp>
+        <p:nvSpPr>
+          <p:cNvPr id="2" name="Slide Image Placeholder 1"/>
+          <p:cNvSpPr>
+            <a:spLocks noGrp="1" noRot="1" noChangeAspect="1"/>
+          </p:cNvSpPr>
+          <p:nvPr>
+            <p:ph type="sldImg"/>
+          </p:nvPr>
+        </p:nvSpPr>
+        <p:spPr/>
+      </p:sp>
+      <p:sp>
+        <p:nvSpPr>
+          <p:cNvPr id="3" name="Notes Placeholder 2"/>
+          <p:cNvSpPr>
+            <a:spLocks noGrp="1"/>
+          </p:cNvSpPr>
+          <p:nvPr>
+            <p:ph type="body" idx="1"/>
+          </p:nvPr>
+        </p:nvSpPr>
+        <p:spPr/>
+        <p:txBody>
+          <a:bodyPr/>
+          <a:lstStyle/>
+          <a:p>
+            <a:pPr marL="171450" indent="-171450">
+              <a:buFontTx/>
+              <a:buChar char="-"/>
+            </a:pPr>
+            <a:r>
+              <a:rPr lang="en-US" dirty="0"/>
+              <a:t>Use the </a:t>
+            </a:r>
+            <a:r>
+              <a:rPr lang="en-US" dirty="0" err="1"/>
+              <a:t>roboclaw</a:t>
+            </a:r>
+            <a:r>
+              <a:rPr lang="en-US" dirty="0"/>
+              <a:t> motor and encoder to control the motor. It can called by a service which, as specific type of service that commands a desired height in cm. </a:t>
+            </a:r>
+          </a:p>
+          <a:p>
+            <a:pPr marL="171450" indent="-171450">
+              <a:buFontTx/>
+              <a:buChar char="-"/>
+            </a:pPr>
+            <a:r>
+              <a:rPr lang="en-US" dirty="0"/>
+              <a:t>I also make it can be go automatically to the target height, but also can be controlled manually by joystick. If automatic, the first step it needs to initialize first to the very bottom of the height, then it can go up. </a:t>
+            </a:r>
+          </a:p>
+          <a:p>
+            <a:pPr marL="171450" indent="-171450">
+              <a:buFontTx/>
+              <a:buChar char="-"/>
+            </a:pPr>
+            <a:r>
+              <a:rPr lang="en-US" dirty="0"/>
+              <a:t>And I also added some acceleration and deceleration mode for the tablet which will be explained in the next slide.</a:t>
+            </a:r>
+          </a:p>
+        </p:txBody>
+      </p:sp>
+      <p:sp>
+        <p:nvSpPr>
+          <p:cNvPr id="4" name="Slide Number Placeholder 3"/>
+          <p:cNvSpPr>
+            <a:spLocks noGrp="1"/>
+          </p:cNvSpPr>
+          <p:nvPr>
+            <p:ph type="sldNum" sz="quarter" idx="5"/>
+          </p:nvPr>
+        </p:nvSpPr>
+        <p:spPr/>
+        <p:txBody>
+          <a:bodyPr/>
+          <a:lstStyle/>
+          <a:p>
+            <a:fld id="{67590C20-280B-46AC-B664-8ED8A31C37AD}" type="slidenum">
+              <a:rPr lang="en-ID" smtClean="0"/>
+              <a:t>11</a:t>
+            </a:fld>
+            <a:endParaRPr lang="en-ID"/>
+          </a:p>
+        </p:txBody>
+      </p:sp>
+    </p:spTree>
+    <p:extLst>
+      <p:ext uri="{BB962C8B-B14F-4D97-AF65-F5344CB8AC3E}">
+        <p14:creationId xmlns:p14="http://schemas.microsoft.com/office/powerpoint/2010/main" val="4153627456"/>
+      </p:ext>
+    </p:extLst>
+  </p:cSld>
+  <p:clrMapOvr>
+    <a:masterClrMapping/>
+  </p:clrMapOvr>
+</p:notes>
+</file>
+
+<file path=ppt/notesSlides/notesSlide7.xml><?xml version="1.0" encoding="utf-8"?>
+<p:notes xmlns:a="http://schemas.openxmlformats.org/drawingml/2006/main" xmlns:r="http://schemas.openxmlformats.org/officeDocument/2006/relationships" xmlns:p="http://schemas.openxmlformats.org/presentationml/2006/main">
+  <p:cSld>
+    <p:spTree>
+      <p:nvGrpSpPr>
+        <p:cNvPr id="1" name=""/>
+        <p:cNvGrpSpPr/>
+        <p:nvPr/>
+      </p:nvGrpSpPr>
+      <p:grpSpPr>
+        <a:xfrm>
+          <a:off x="0" y="0"/>
+          <a:ext cx="0" cy="0"/>
+          <a:chOff x="0" y="0"/>
+          <a:chExt cx="0" cy="0"/>
+        </a:xfrm>
+      </p:grpSpPr>
+      <p:sp>
+        <p:nvSpPr>
+          <p:cNvPr id="2" name="Slide Image Placeholder 1"/>
+          <p:cNvSpPr>
+            <a:spLocks noGrp="1" noRot="1" noChangeAspect="1"/>
+          </p:cNvSpPr>
+          <p:nvPr>
+            <p:ph type="sldImg"/>
+          </p:nvPr>
+        </p:nvSpPr>
+        <p:spPr/>
+      </p:sp>
+      <p:sp>
+        <p:nvSpPr>
+          <p:cNvPr id="3" name="Notes Placeholder 2"/>
+          <p:cNvSpPr>
+            <a:spLocks noGrp="1"/>
+          </p:cNvSpPr>
+          <p:nvPr>
+            <p:ph type="body" idx="1"/>
+          </p:nvPr>
+        </p:nvSpPr>
+        <p:spPr/>
+        <p:txBody>
+          <a:bodyPr/>
+          <a:lstStyle/>
+          <a:p>
+            <a:pPr marL="171450" indent="-171450">
+              <a:buFontTx/>
+              <a:buChar char="-"/>
+            </a:pPr>
+            <a:r>
+              <a:rPr lang="en-US" dirty="0"/>
+              <a:t>So this is the diagram of the how the speed of the tablet when go up or down. </a:t>
+            </a:r>
+          </a:p>
+          <a:p>
+            <a:pPr marL="171450" indent="-171450">
+              <a:buFontTx/>
+              <a:buChar char="-"/>
+            </a:pPr>
+            <a:r>
+              <a:rPr lang="en-US" dirty="0"/>
+              <a:t>For acceleration is very straight forward, only use the increment function, as speed = speed + 2 and after maximum speed, it will change into constant speed</a:t>
+            </a:r>
+          </a:p>
+          <a:p>
+            <a:pPr marL="171450" indent="-171450">
+              <a:buFontTx/>
+              <a:buChar char="-"/>
+            </a:pPr>
+            <a:r>
+              <a:rPr lang="en-US" dirty="0"/>
+              <a:t>For the deceleration, first we need to calculate the total distance that will be traveled. And when to decelerate is actually can be change easily, but in here I am using, for safety reason, while if the goal distance is bigger, then when to decelerate is also bigger so it is more safety.</a:t>
+            </a:r>
+          </a:p>
+          <a:p>
+            <a:pPr marL="171450" indent="-171450">
+              <a:buFontTx/>
+              <a:buChar char="-"/>
+            </a:pPr>
+            <a:endParaRPr lang="en-ID" dirty="0"/>
+          </a:p>
+        </p:txBody>
+      </p:sp>
+      <p:sp>
+        <p:nvSpPr>
+          <p:cNvPr id="4" name="Slide Number Placeholder 3"/>
+          <p:cNvSpPr>
+            <a:spLocks noGrp="1"/>
+          </p:cNvSpPr>
+          <p:nvPr>
+            <p:ph type="sldNum" sz="quarter" idx="5"/>
+          </p:nvPr>
+        </p:nvSpPr>
+        <p:spPr/>
+        <p:txBody>
+          <a:bodyPr/>
+          <a:lstStyle/>
+          <a:p>
+            <a:fld id="{67590C20-280B-46AC-B664-8ED8A31C37AD}" type="slidenum">
+              <a:rPr lang="en-ID" smtClean="0"/>
+              <a:t>12</a:t>
+            </a:fld>
+            <a:endParaRPr lang="en-ID" dirty="0"/>
+          </a:p>
+        </p:txBody>
+      </p:sp>
+    </p:spTree>
+    <p:extLst>
+      <p:ext uri="{BB962C8B-B14F-4D97-AF65-F5344CB8AC3E}">
+        <p14:creationId xmlns:p14="http://schemas.microsoft.com/office/powerpoint/2010/main" val="3297761041"/>
       </p:ext>
     </p:extLst>
   </p:cSld>
@@ -17090,7 +17327,7 @@
       <p:sp>
         <p:nvSpPr>
           <p:cNvPr id="3" name="Action Button: Go Forward or Next 2">
-            <a:hlinkClick r:id="rId2" action="ppaction://hlinkfile" highlightClick="1"/>
+            <a:hlinkClick r:id="rId3" action="ppaction://hlinkfile" highlightClick="1"/>
             <a:extLst>
               <a:ext uri="{FF2B5EF4-FFF2-40B4-BE49-F238E27FC236}">
                 <a16:creationId xmlns:a16="http://schemas.microsoft.com/office/drawing/2014/main" id="{59B0B468-C037-4E45-AA8B-EACA770924A1}"/>
@@ -17954,8 +18191,8 @@
           </a:p>
         </p:txBody>
       </p:sp>
-      <mc:AlternateContent xmlns:mc="http://schemas.openxmlformats.org/markup-compatibility/2006" xmlns:a14="http://schemas.microsoft.com/office/drawing/2010/main">
-        <mc:Choice Requires="a14">
+      <mc:AlternateContent xmlns:mc="http://schemas.openxmlformats.org/markup-compatibility/2006">
+        <mc:Choice xmlns:a14="http://schemas.microsoft.com/office/drawing/2010/main" Requires="a14">
           <p:sp>
             <p:nvSpPr>
               <p:cNvPr id="6" name="TextBox 5">
@@ -17970,8 +18207,8 @@
             </p:nvSpPr>
             <p:spPr>
               <a:xfrm>
-                <a:off x="5030915" y="968263"/>
-                <a:ext cx="6395918" cy="1915974"/>
+                <a:off x="5030915" y="1180053"/>
+                <a:ext cx="6395918" cy="1477328"/>
               </a:xfrm>
               <a:prstGeom prst="rect">
                 <a:avLst/>
@@ -18136,96 +18373,6 @@
                 </a:pPr>
                 <a:r>
                   <a:rPr lang="en-US" dirty="0"/>
-                  <a:t>When to decelerate -&gt;</a:t>
-                </a:r>
-                <a14:m>
-                  <m:oMath xmlns:m="http://schemas.openxmlformats.org/officeDocument/2006/math">
-                    <m:f>
-                      <m:fPr>
-                        <m:ctrlPr>
-                          <a:rPr lang="en-US" i="1">
-                            <a:latin typeface="Cambria Math" panose="02040503050406030204" pitchFamily="18" charset="0"/>
-                          </a:rPr>
-                        </m:ctrlPr>
-                      </m:fPr>
-                      <m:num>
-                        <m:r>
-                          <a:rPr lang="en-US" i="1">
-                            <a:latin typeface="Cambria Math" panose="02040503050406030204" pitchFamily="18" charset="0"/>
-                          </a:rPr>
-                          <m:t>𝑡𝑜𝑡𝑎𝑙</m:t>
-                        </m:r>
-                        <m:r>
-                          <a:rPr lang="en-US" i="1">
-                            <a:latin typeface="Cambria Math" panose="02040503050406030204" pitchFamily="18" charset="0"/>
-                          </a:rPr>
-                          <m:t> </m:t>
-                        </m:r>
-                        <m:r>
-                          <a:rPr lang="en-US" i="1">
-                            <a:latin typeface="Cambria Math" panose="02040503050406030204" pitchFamily="18" charset="0"/>
-                          </a:rPr>
-                          <m:t>𝑑𝑖𝑠𝑡𝑎𝑛𝑐𝑒</m:t>
-                        </m:r>
-                      </m:num>
-                      <m:den>
-                        <m:r>
-                          <a:rPr lang="en-US" i="1">
-                            <a:latin typeface="Cambria Math" panose="02040503050406030204" pitchFamily="18" charset="0"/>
-                          </a:rPr>
-                          <m:t>(</m:t>
-                        </m:r>
-                        <m:r>
-                          <a:rPr lang="en-US" i="1">
-                            <a:latin typeface="Cambria Math" panose="02040503050406030204" pitchFamily="18" charset="0"/>
-                          </a:rPr>
-                          <m:t>𝑡𝑜𝑡𝑎𝑙</m:t>
-                        </m:r>
-                        <m:r>
-                          <a:rPr lang="en-US" i="1">
-                            <a:latin typeface="Cambria Math" panose="02040503050406030204" pitchFamily="18" charset="0"/>
-                          </a:rPr>
-                          <m:t> </m:t>
-                        </m:r>
-                        <m:r>
-                          <a:rPr lang="en-US" i="1">
-                            <a:latin typeface="Cambria Math" panose="02040503050406030204" pitchFamily="18" charset="0"/>
-                          </a:rPr>
-                          <m:t>𝑑𝑖𝑠𝑡𝑎𝑛𝑐𝑒</m:t>
-                        </m:r>
-                        <m:r>
-                          <a:rPr lang="en-US" i="1">
-                            <a:latin typeface="Cambria Math" panose="02040503050406030204" pitchFamily="18" charset="0"/>
-                          </a:rPr>
-                          <m:t> + 5)</m:t>
-                        </m:r>
-                      </m:den>
-                    </m:f>
-                  </m:oMath>
-                </a14:m>
-                <a:r>
-                  <a:rPr lang="en-ID" dirty="0"/>
-                  <a:t> = </a:t>
-                </a:r>
-                <a14:m>
-                  <m:oMath xmlns:m="http://schemas.openxmlformats.org/officeDocument/2006/math">
-                    <m:r>
-                      <a:rPr lang="en-US" i="1">
-                        <a:latin typeface="Cambria Math" panose="02040503050406030204" pitchFamily="18" charset="0"/>
-                      </a:rPr>
-                      <m:t>𝑑</m:t>
-                    </m:r>
-                  </m:oMath>
-                </a14:m>
-                <a:endParaRPr lang="en-US" dirty="0"/>
-              </a:p>
-              <a:p>
-                <a:pPr marL="285750" indent="-285750">
-                  <a:buFont typeface="Wingdings" panose="05000000000000000000" pitchFamily="2" charset="2"/>
-                  <a:buChar char="§"/>
-                </a:pPr>
-                <a:r>
-                  <a:rPr lang="en-US" dirty="0"/>
                   <a:t>Deceleration distance = </a:t>
                 </a:r>
                 <a14:m>
@@ -18306,7 +18453,7 @@
             </p:txBody>
           </p:sp>
         </mc:Choice>
-        <mc:Fallback xmlns="">
+        <mc:Fallback>
           <p:sp>
             <p:nvSpPr>
               <p:cNvPr id="6" name="TextBox 5">
@@ -18323,16 +18470,16 @@
             </p:nvSpPr>
             <p:spPr>
               <a:xfrm>
-                <a:off x="5030915" y="968263"/>
-                <a:ext cx="6395918" cy="1915974"/>
+                <a:off x="5030915" y="1180053"/>
+                <a:ext cx="6395918" cy="1477328"/>
               </a:xfrm>
               <a:prstGeom prst="rect">
                 <a:avLst/>
               </a:prstGeom>
               <a:blipFill>
-                <a:blip r:embed="rId2"/>
+                <a:blip r:embed="rId3"/>
                 <a:stretch>
-                  <a:fillRect l="-763" t="-1911" b="-4140"/>
+                  <a:fillRect l="-763" t="-2479" b="-5785"/>
                 </a:stretch>
               </a:blipFill>
             </p:spPr>
@@ -18503,8 +18650,8 @@
           </a:p>
         </p:txBody>
       </p:sp>
-      <mc:AlternateContent xmlns:mc="http://schemas.openxmlformats.org/markup-compatibility/2006" xmlns:a14="http://schemas.microsoft.com/office/drawing/2010/main">
-        <mc:Choice Requires="a14">
+      <mc:AlternateContent xmlns:mc="http://schemas.openxmlformats.org/markup-compatibility/2006">
+        <mc:Choice xmlns:a14="http://schemas.microsoft.com/office/drawing/2010/main" Requires="a14">
           <p:sp>
             <p:nvSpPr>
               <p:cNvPr id="32" name="TextBox 31">
@@ -18519,7 +18666,7 @@
             </p:nvSpPr>
             <p:spPr>
               <a:xfrm>
-                <a:off x="5179541" y="2971846"/>
+                <a:off x="5179541" y="2819724"/>
                 <a:ext cx="6888153" cy="414537"/>
               </a:xfrm>
               <a:prstGeom prst="rect">
@@ -18892,7 +19039,7 @@
             </p:txBody>
           </p:sp>
         </mc:Choice>
-        <mc:Fallback xmlns="">
+        <mc:Fallback>
           <p:sp>
             <p:nvSpPr>
               <p:cNvPr id="32" name="TextBox 31">
@@ -18909,14 +19056,14 @@
             </p:nvSpPr>
             <p:spPr>
               <a:xfrm>
-                <a:off x="5179541" y="2971846"/>
+                <a:off x="5179541" y="2819724"/>
                 <a:ext cx="6888153" cy="414537"/>
               </a:xfrm>
               <a:prstGeom prst="rect">
                 <a:avLst/>
               </a:prstGeom>
               <a:blipFill>
-                <a:blip r:embed="rId3"/>
+                <a:blip r:embed="rId4"/>
                 <a:stretch>
                   <a:fillRect l="-2124" t="-4412" b="-14706"/>
                 </a:stretch>
@@ -19126,7 +19273,7 @@
                 <a:avLst/>
               </a:prstGeom>
               <a:blipFill>
-                <a:blip r:embed="rId4"/>
+                <a:blip r:embed="rId5"/>
                 <a:stretch>
                   <a:fillRect/>
                 </a:stretch>
@@ -19257,7 +19404,7 @@
                 <a:avLst/>
               </a:prstGeom>
               <a:blipFill>
-                <a:blip r:embed="rId5"/>
+                <a:blip r:embed="rId6"/>
                 <a:stretch>
                   <a:fillRect l="-3306" b="-2174"/>
                 </a:stretch>
@@ -19443,10 +19590,17 @@
           <a:lstStyle/>
           <a:p>
             <a:r>
-              <a:rPr lang="en-US"/>
-              <a:t>Mixed Topics in MobiKa - Joshua Phartogi</a:t>
+              <a:rPr lang="en-US" dirty="0"/>
+              <a:t>Mixed Topics in </a:t>
             </a:r>
-            <a:endParaRPr lang="en-US" dirty="0"/>
+            <a:r>
+              <a:rPr lang="en-US" dirty="0" err="1"/>
+              <a:t>MobiKa</a:t>
+            </a:r>
+            <a:r>
+              <a:rPr lang="en-US" dirty="0"/>
+              <a:t> - Joshua Phartogi</a:t>
+            </a:r>
           </a:p>
         </p:txBody>
       </p:sp>
@@ -20054,7 +20208,7 @@
           <a:p>
             <a:r>
               <a:rPr lang="en-US" dirty="0"/>
-              <a:t>Publishing a TF between camera and the Marker and the 2D pose of the marker </a:t>
+              <a:t>Publishing a TF between camera and the Marker</a:t>
             </a:r>
           </a:p>
           <a:p>
@@ -29792,7 +29946,7 @@
         </p:blipFill>
         <p:spPr bwMode="auto">
           <a:xfrm>
-            <a:off x="7562088" y="2338064"/>
+            <a:off x="7656512" y="406906"/>
             <a:ext cx="3981455" cy="1861831"/>
           </a:xfrm>
           <a:prstGeom prst="rect">
@@ -30150,6 +30304,53 @@
           </a:graphicData>
         </a:graphic>
       </p:graphicFrame>
+      <p:pic>
+        <p:nvPicPr>
+          <p:cNvPr id="1026" name="Picture 2" descr="Respeaker Mic Array v2.0">
+            <a:extLst>
+              <a:ext uri="{FF2B5EF4-FFF2-40B4-BE49-F238E27FC236}">
+                <a16:creationId xmlns:a16="http://schemas.microsoft.com/office/drawing/2014/main" id="{D210B69A-E385-4DA4-9204-284FB4A80158}"/>
+              </a:ext>
+            </a:extLst>
+          </p:cNvPr>
+          <p:cNvPicPr>
+            <a:picLocks noChangeAspect="1" noChangeArrowheads="1"/>
+          </p:cNvPicPr>
+          <p:nvPr/>
+        </p:nvPicPr>
+        <p:blipFill>
+          <a:blip r:embed="rId8">
+            <a:extLst>
+              <a:ext uri="{28A0092B-C50C-407E-A947-70E740481C1C}">
+                <a14:useLocalDpi xmlns:a14="http://schemas.microsoft.com/office/drawing/2010/main" val="0"/>
+              </a:ext>
+            </a:extLst>
+          </a:blip>
+          <a:srcRect/>
+          <a:stretch>
+            <a:fillRect/>
+          </a:stretch>
+        </p:blipFill>
+        <p:spPr bwMode="auto">
+          <a:xfrm>
+            <a:off x="7656512" y="2681094"/>
+            <a:ext cx="4076700" cy="3452516"/>
+          </a:xfrm>
+          <a:prstGeom prst="rect">
+            <a:avLst/>
+          </a:prstGeom>
+          <a:noFill/>
+          <a:extLst>
+            <a:ext uri="{909E8E84-426E-40DD-AFC4-6F175D3DCCD1}">
+              <a14:hiddenFill xmlns:a14="http://schemas.microsoft.com/office/drawing/2010/main">
+                <a:solidFill>
+                  <a:srgbClr val="FFFFFF"/>
+                </a:solidFill>
+              </a14:hiddenFill>
+            </a:ext>
+          </a:extLst>
+        </p:spPr>
+      </p:pic>
     </p:spTree>
     <p:extLst>
       <p:ext uri="{BB962C8B-B14F-4D97-AF65-F5344CB8AC3E}">

--- a/Internship Presentation.pptx
+++ b/Internship Presentation.pptx
@@ -5,7 +5,7 @@
     <p:sldMasterId id="2147483648" r:id="rId1"/>
   </p:sldMasterIdLst>
   <p:notesMasterIdLst>
-    <p:notesMasterId r:id="rId15"/>
+    <p:notesMasterId r:id="rId16"/>
   </p:notesMasterIdLst>
   <p:sldIdLst>
     <p:sldId id="256" r:id="rId2"/>
@@ -16,11 +16,12 @@
     <p:sldId id="273" r:id="rId7"/>
     <p:sldId id="261" r:id="rId8"/>
     <p:sldId id="260" r:id="rId9"/>
-    <p:sldId id="263" r:id="rId10"/>
-    <p:sldId id="268" r:id="rId11"/>
-    <p:sldId id="269" r:id="rId12"/>
-    <p:sldId id="270" r:id="rId13"/>
-    <p:sldId id="271" r:id="rId14"/>
+    <p:sldId id="274" r:id="rId10"/>
+    <p:sldId id="263" r:id="rId11"/>
+    <p:sldId id="268" r:id="rId12"/>
+    <p:sldId id="269" r:id="rId13"/>
+    <p:sldId id="270" r:id="rId14"/>
+    <p:sldId id="271" r:id="rId15"/>
   </p:sldIdLst>
   <p:sldSz cx="12192000" cy="6858000"/>
   <p:notesSz cx="6858000" cy="9144000"/>
@@ -5710,7 +5711,7 @@
           <a:p>
             <a:fld id="{BF8DB953-018A-468F-A649-A8B3C5DAB22E}" type="datetimeFigureOut">
               <a:rPr lang="en-ID" smtClean="0"/>
-              <a:t>22/05/2019</a:t>
+              <a:t>23/05/2019</a:t>
             </a:fld>
             <a:endParaRPr lang="en-ID"/>
           </a:p>
@@ -6770,7 +6771,7 @@
           <a:p>
             <a:fld id="{67590C20-280B-46AC-B664-8ED8A31C37AD}" type="slidenum">
               <a:rPr lang="en-ID" smtClean="0"/>
-              <a:t>11</a:t>
+              <a:t>12</a:t>
             </a:fld>
             <a:endParaRPr lang="en-ID"/>
           </a:p>
@@ -6888,7 +6889,7 @@
           <a:p>
             <a:fld id="{67590C20-280B-46AC-B664-8ED8A31C37AD}" type="slidenum">
               <a:rPr lang="en-ID" smtClean="0"/>
-              <a:t>12</a:t>
+              <a:t>13</a:t>
             </a:fld>
             <a:endParaRPr lang="en-ID" dirty="0"/>
           </a:p>
@@ -7095,7 +7096,7 @@
           <a:p>
             <a:fld id="{A57F7DC4-C586-48FF-BAEF-20E01F248707}" type="datetime1">
               <a:rPr lang="en-US" smtClean="0"/>
-              <a:t>5/22/2019</a:t>
+              <a:t>5/23/2019</a:t>
             </a:fld>
             <a:endParaRPr lang="en-US" dirty="0"/>
           </a:p>
@@ -7433,7 +7434,7 @@
           <a:p>
             <a:fld id="{6CE20742-A01E-4568-B513-4CBFFF04FF64}" type="datetime1">
               <a:rPr lang="en-US" smtClean="0"/>
-              <a:t>5/22/2019</a:t>
+              <a:t>5/23/2019</a:t>
             </a:fld>
             <a:endParaRPr lang="en-US" dirty="0"/>
           </a:p>
@@ -7834,7 +7835,7 @@
           <a:p>
             <a:fld id="{75FAFBA7-0396-4C74-9BAD-7EE60AC79094}" type="datetime1">
               <a:rPr lang="en-US" smtClean="0"/>
-              <a:t>5/22/2019</a:t>
+              <a:t>5/23/2019</a:t>
             </a:fld>
             <a:endParaRPr lang="en-US" dirty="0"/>
           </a:p>
@@ -8170,7 +8171,7 @@
           <a:p>
             <a:fld id="{4D72ADD5-A9EA-48C4-BDBB-681399332988}" type="datetime1">
               <a:rPr lang="en-US" smtClean="0"/>
-              <a:t>5/22/2019</a:t>
+              <a:t>5/23/2019</a:t>
             </a:fld>
             <a:endParaRPr lang="en-US" dirty="0"/>
           </a:p>
@@ -8490,7 +8491,7 @@
           <a:p>
             <a:fld id="{9ECC264B-16D8-4BE9-806E-83F9B699F54B}" type="datetime1">
               <a:rPr lang="en-US" smtClean="0"/>
-              <a:t>5/22/2019</a:t>
+              <a:t>5/23/2019</a:t>
             </a:fld>
             <a:endParaRPr lang="en-US" dirty="0"/>
           </a:p>
@@ -8886,7 +8887,7 @@
           <a:p>
             <a:fld id="{BC50F5D9-3677-4285-87A8-D61638B76689}" type="datetime1">
               <a:rPr lang="en-US" smtClean="0"/>
-              <a:t>5/22/2019</a:t>
+              <a:t>5/23/2019</a:t>
             </a:fld>
             <a:endParaRPr lang="en-US" dirty="0"/>
           </a:p>
@@ -9143,7 +9144,7 @@
           <a:p>
             <a:fld id="{CA5997AC-FB80-4911-A972-E9F026C3057B}" type="datetime1">
               <a:rPr lang="en-US" smtClean="0"/>
-              <a:t>5/22/2019</a:t>
+              <a:t>5/23/2019</a:t>
             </a:fld>
             <a:endParaRPr lang="en-US" dirty="0"/>
           </a:p>
@@ -9405,7 +9406,7 @@
           <a:p>
             <a:fld id="{FEAF0D9A-E76F-4A0F-967A-958DDB4BD9E9}" type="datetime1">
               <a:rPr lang="en-US" smtClean="0"/>
-              <a:t>5/22/2019</a:t>
+              <a:t>5/23/2019</a:t>
             </a:fld>
             <a:endParaRPr lang="en-US" dirty="0"/>
           </a:p>
@@ -9667,7 +9668,7 @@
           <a:p>
             <a:fld id="{43A026AB-CAD4-4520-8E32-15D2A225933A}" type="datetime1">
               <a:rPr lang="en-US" smtClean="0"/>
-              <a:t>5/22/2019</a:t>
+              <a:t>5/23/2019</a:t>
             </a:fld>
             <a:endParaRPr lang="en-US" dirty="0"/>
           </a:p>
@@ -9996,7 +9997,7 @@
           <a:p>
             <a:fld id="{BE6021C7-B06C-4422-8C75-225ED1AB4762}" type="datetime1">
               <a:rPr lang="en-US" smtClean="0"/>
-              <a:t>5/22/2019</a:t>
+              <a:t>5/23/2019</a:t>
             </a:fld>
             <a:endParaRPr lang="en-US" dirty="0"/>
           </a:p>
@@ -10319,7 +10320,7 @@
           <a:p>
             <a:fld id="{1F05539E-5C3E-4226-93B8-84CB41B23959}" type="datetime1">
               <a:rPr lang="en-US" smtClean="0"/>
-              <a:t>5/22/2019</a:t>
+              <a:t>5/23/2019</a:t>
             </a:fld>
             <a:endParaRPr lang="en-US" dirty="0"/>
           </a:p>
@@ -10776,7 +10777,7 @@
           <a:p>
             <a:fld id="{3ABF9E1F-A449-432C-8F70-236C1B1DCE0C}" type="datetime1">
               <a:rPr lang="en-US" smtClean="0"/>
-              <a:t>5/22/2019</a:t>
+              <a:t>5/23/2019</a:t>
             </a:fld>
             <a:endParaRPr lang="en-US" dirty="0"/>
           </a:p>
@@ -10981,7 +10982,7 @@
           <a:p>
             <a:fld id="{6F7F48D0-5591-482C-A6B4-7D9DDF653F5E}" type="datetime1">
               <a:rPr lang="en-US" smtClean="0"/>
-              <a:t>5/22/2019</a:t>
+              <a:t>5/23/2019</a:t>
             </a:fld>
             <a:endParaRPr lang="en-US" dirty="0"/>
           </a:p>
@@ -11158,7 +11159,7 @@
           <a:p>
             <a:fld id="{D20EC0FA-FE3F-4A28-B783-546618C912FB}" type="datetime1">
               <a:rPr lang="en-US" smtClean="0"/>
-              <a:t>5/22/2019</a:t>
+              <a:t>5/23/2019</a:t>
             </a:fld>
             <a:endParaRPr lang="en-US" dirty="0"/>
           </a:p>
@@ -11491,7 +11492,7 @@
           <a:p>
             <a:fld id="{46E7B388-9E84-4F19-BEC0-D207A126F0BB}" type="datetime1">
               <a:rPr lang="en-US" smtClean="0"/>
-              <a:t>5/22/2019</a:t>
+              <a:t>5/23/2019</a:t>
             </a:fld>
             <a:endParaRPr lang="en-US" dirty="0"/>
           </a:p>
@@ -11836,7 +11837,7 @@
           <a:p>
             <a:fld id="{90DE0490-AE58-4AB8-A777-CA7C3A33BE63}" type="datetime1">
               <a:rPr lang="en-US" smtClean="0"/>
-              <a:t>5/22/2019</a:t>
+              <a:t>5/23/2019</a:t>
             </a:fld>
             <a:endParaRPr lang="en-US" dirty="0"/>
           </a:p>
@@ -13953,7 +13954,7 @@
           <a:p>
             <a:fld id="{A798A687-774A-491A-84CB-20B8888AB425}" type="datetime1">
               <a:rPr lang="en-US" smtClean="0"/>
-              <a:t>5/22/2019</a:t>
+              <a:t>5/23/2019</a:t>
             </a:fld>
             <a:endParaRPr lang="en-US" dirty="0"/>
           </a:p>
@@ -14844,6 +14845,882 @@
           <a:p>
             <a:r>
               <a:rPr lang="en-US" dirty="0"/>
+              <a:t>Speech Recognition</a:t>
+            </a:r>
+            <a:endParaRPr lang="en-ID" dirty="0">
+              <a:solidFill>
+                <a:srgbClr val="564836"/>
+              </a:solidFill>
+            </a:endParaRPr>
+          </a:p>
+        </p:txBody>
+      </p:sp>
+      <p:sp>
+        <p:nvSpPr>
+          <p:cNvPr id="16" name="Rectangle 15">
+            <a:extLst>
+              <a:ext uri="{FF2B5EF4-FFF2-40B4-BE49-F238E27FC236}">
+                <a16:creationId xmlns:a16="http://schemas.microsoft.com/office/drawing/2014/main" id="{11310D98-E16D-4AA1-8834-28F2202C0CC3}"/>
+              </a:ext>
+              <a:ext uri="{C183D7F6-B498-43B3-948B-1728B52AA6E4}">
+                <adec:decorative xmlns:adec="http://schemas.microsoft.com/office/drawing/2017/decorative" val="1"/>
+              </a:ext>
+            </a:extLst>
+          </p:cNvPr>
+          <p:cNvSpPr>
+            <a:spLocks noGrp="1" noRot="1" noChangeAspect="1" noMove="1" noResize="1" noEditPoints="1" noAdjustHandles="1" noChangeArrowheads="1" noChangeShapeType="1" noTextEdit="1"/>
+          </p:cNvSpPr>
+          <p:nvPr>
+            <p:extLst>
+              <p:ext uri="{386F3935-93C4-4BCD-93E2-E3B085C9AB24}">
+                <p16:designElem xmlns:p16="http://schemas.microsoft.com/office/powerpoint/2015/main" val="1"/>
+              </p:ext>
+            </p:extLst>
+          </p:nvPr>
+        </p:nvSpPr>
+        <p:spPr>
+          <a:xfrm>
+            <a:off x="0" y="0"/>
+            <a:ext cx="182880" cy="6858000"/>
+          </a:xfrm>
+          <a:prstGeom prst="rect">
+            <a:avLst/>
+          </a:prstGeom>
+          <a:solidFill>
+            <a:srgbClr val="564836"/>
+          </a:solidFill>
+          <a:ln>
+            <a:noFill/>
+          </a:ln>
+          <a:effectLst/>
+        </p:spPr>
+        <p:style>
+          <a:lnRef idx="1">
+            <a:schemeClr val="accent1"/>
+          </a:lnRef>
+          <a:fillRef idx="3">
+            <a:schemeClr val="accent1"/>
+          </a:fillRef>
+          <a:effectRef idx="2">
+            <a:schemeClr val="accent1"/>
+          </a:effectRef>
+          <a:fontRef idx="minor">
+            <a:schemeClr val="lt1"/>
+          </a:fontRef>
+        </p:style>
+      </p:sp>
+      <p:pic>
+        <p:nvPicPr>
+          <p:cNvPr id="9" name="Picture 2" descr="Image result for speech recognition">
+            <a:extLst>
+              <a:ext uri="{FF2B5EF4-FFF2-40B4-BE49-F238E27FC236}">
+                <a16:creationId xmlns:a16="http://schemas.microsoft.com/office/drawing/2014/main" id="{E8DD1BAB-20A5-4689-97EF-EAC18D5C796E}"/>
+              </a:ext>
+            </a:extLst>
+          </p:cNvPr>
+          <p:cNvPicPr>
+            <a:picLocks noChangeAspect="1" noChangeArrowheads="1"/>
+          </p:cNvPicPr>
+          <p:nvPr/>
+        </p:nvPicPr>
+        <p:blipFill>
+          <a:blip r:embed="rId2">
+            <a:extLst>
+              <a:ext uri="{28A0092B-C50C-407E-A947-70E740481C1C}">
+                <a14:useLocalDpi xmlns:a14="http://schemas.microsoft.com/office/drawing/2010/main" val="0"/>
+              </a:ext>
+            </a:extLst>
+          </a:blip>
+          <a:stretch>
+            <a:fillRect/>
+          </a:stretch>
+        </p:blipFill>
+        <p:spPr bwMode="auto">
+          <a:xfrm>
+            <a:off x="7656512" y="406906"/>
+            <a:ext cx="3981455" cy="1861831"/>
+          </a:xfrm>
+          <a:prstGeom prst="rect">
+            <a:avLst/>
+          </a:prstGeom>
+          <a:noFill/>
+          <a:extLst>
+            <a:ext uri="{909E8E84-426E-40DD-AFC4-6F175D3DCCD1}">
+              <a14:hiddenFill xmlns:a14="http://schemas.microsoft.com/office/drawing/2010/main">
+                <a:solidFill>
+                  <a:srgbClr val="FFFFFF"/>
+                </a:solidFill>
+              </a14:hiddenFill>
+            </a:ext>
+          </a:extLst>
+        </p:spPr>
+      </p:pic>
+      <p:sp>
+        <p:nvSpPr>
+          <p:cNvPr id="18" name="Freeform 10">
+            <a:extLst>
+              <a:ext uri="{FF2B5EF4-FFF2-40B4-BE49-F238E27FC236}">
+                <a16:creationId xmlns:a16="http://schemas.microsoft.com/office/drawing/2014/main" id="{5B65E675-687B-4B31-9CB4-880C4620538F}"/>
+              </a:ext>
+              <a:ext uri="{C183D7F6-B498-43B3-948B-1728B52AA6E4}">
+                <adec:decorative xmlns:adec="http://schemas.microsoft.com/office/drawing/2017/decorative" val="1"/>
+              </a:ext>
+            </a:extLst>
+          </p:cNvPr>
+          <p:cNvSpPr>
+            <a:spLocks noGrp="1" noRot="1" noChangeAspect="1" noMove="1" noResize="1" noEditPoints="1" noAdjustHandles="1" noChangeArrowheads="1" noChangeShapeType="1" noTextEdit="1"/>
+          </p:cNvSpPr>
+          <p:nvPr>
+            <p:extLst>
+              <p:ext uri="{386F3935-93C4-4BCD-93E2-E3B085C9AB24}">
+                <p16:designElem xmlns:p16="http://schemas.microsoft.com/office/powerpoint/2015/main" val="1"/>
+              </p:ext>
+            </p:extLst>
+          </p:nvPr>
+        </p:nvSpPr>
+        <p:spPr>
+          <a:xfrm>
+            <a:off x="-1" y="6061223"/>
+            <a:ext cx="1038036" cy="506277"/>
+          </a:xfrm>
+          <a:custGeom>
+            <a:avLst/>
+            <a:gdLst>
+              <a:gd name="connsiteX0" fmla="*/ 0 w 1038036"/>
+              <a:gd name="connsiteY0" fmla="*/ 0 h 506277"/>
+              <a:gd name="connsiteX1" fmla="*/ 182880 w 1038036"/>
+              <a:gd name="connsiteY1" fmla="*/ 0 h 506277"/>
+              <a:gd name="connsiteX2" fmla="*/ 291705 w 1038036"/>
+              <a:gd name="connsiteY2" fmla="*/ 0 h 506277"/>
+              <a:gd name="connsiteX3" fmla="*/ 291705 w 1038036"/>
+              <a:gd name="connsiteY3" fmla="*/ 151 h 506277"/>
+              <a:gd name="connsiteX4" fmla="*/ 692049 w 1038036"/>
+              <a:gd name="connsiteY4" fmla="*/ 705 h 506277"/>
+              <a:gd name="connsiteX5" fmla="*/ 782744 w 1038036"/>
+              <a:gd name="connsiteY5" fmla="*/ 705 h 506277"/>
+              <a:gd name="connsiteX6" fmla="*/ 797001 w 1038036"/>
+              <a:gd name="connsiteY6" fmla="*/ 5473 h 506277"/>
+              <a:gd name="connsiteX7" fmla="*/ 801982 w 1038036"/>
+              <a:gd name="connsiteY7" fmla="*/ 10242 h 506277"/>
+              <a:gd name="connsiteX8" fmla="*/ 1030951 w 1038036"/>
+              <a:gd name="connsiteY8" fmla="*/ 239185 h 506277"/>
+              <a:gd name="connsiteX9" fmla="*/ 1030951 w 1038036"/>
+              <a:gd name="connsiteY9" fmla="*/ 267797 h 506277"/>
+              <a:gd name="connsiteX10" fmla="*/ 801982 w 1038036"/>
+              <a:gd name="connsiteY10" fmla="*/ 496740 h 506277"/>
+              <a:gd name="connsiteX11" fmla="*/ 797001 w 1038036"/>
+              <a:gd name="connsiteY11" fmla="*/ 501508 h 506277"/>
+              <a:gd name="connsiteX12" fmla="*/ 782744 w 1038036"/>
+              <a:gd name="connsiteY12" fmla="*/ 506277 h 506277"/>
+              <a:gd name="connsiteX13" fmla="*/ 692049 w 1038036"/>
+              <a:gd name="connsiteY13" fmla="*/ 506277 h 506277"/>
+              <a:gd name="connsiteX14" fmla="*/ 291705 w 1038036"/>
+              <a:gd name="connsiteY14" fmla="*/ 505140 h 506277"/>
+              <a:gd name="connsiteX15" fmla="*/ 291705 w 1038036"/>
+              <a:gd name="connsiteY15" fmla="*/ 506277 h 506277"/>
+              <a:gd name="connsiteX16" fmla="*/ 0 w 1038036"/>
+              <a:gd name="connsiteY16" fmla="*/ 506277 h 506277"/>
+            </a:gdLst>
+            <a:ahLst/>
+            <a:cxnLst>
+              <a:cxn ang="0">
+                <a:pos x="connsiteX0" y="connsiteY0"/>
+              </a:cxn>
+              <a:cxn ang="0">
+                <a:pos x="connsiteX1" y="connsiteY1"/>
+              </a:cxn>
+              <a:cxn ang="0">
+                <a:pos x="connsiteX2" y="connsiteY2"/>
+              </a:cxn>
+              <a:cxn ang="0">
+                <a:pos x="connsiteX3" y="connsiteY3"/>
+              </a:cxn>
+              <a:cxn ang="0">
+                <a:pos x="connsiteX4" y="connsiteY4"/>
+              </a:cxn>
+              <a:cxn ang="0">
+                <a:pos x="connsiteX5" y="connsiteY5"/>
+              </a:cxn>
+              <a:cxn ang="0">
+                <a:pos x="connsiteX6" y="connsiteY6"/>
+              </a:cxn>
+              <a:cxn ang="0">
+                <a:pos x="connsiteX7" y="connsiteY7"/>
+              </a:cxn>
+              <a:cxn ang="0">
+                <a:pos x="connsiteX8" y="connsiteY8"/>
+              </a:cxn>
+              <a:cxn ang="0">
+                <a:pos x="connsiteX9" y="connsiteY9"/>
+              </a:cxn>
+              <a:cxn ang="0">
+                <a:pos x="connsiteX10" y="connsiteY10"/>
+              </a:cxn>
+              <a:cxn ang="0">
+                <a:pos x="connsiteX11" y="connsiteY11"/>
+              </a:cxn>
+              <a:cxn ang="0">
+                <a:pos x="connsiteX12" y="connsiteY12"/>
+              </a:cxn>
+              <a:cxn ang="0">
+                <a:pos x="connsiteX13" y="connsiteY13"/>
+              </a:cxn>
+              <a:cxn ang="0">
+                <a:pos x="connsiteX14" y="connsiteY14"/>
+              </a:cxn>
+              <a:cxn ang="0">
+                <a:pos x="connsiteX15" y="connsiteY15"/>
+              </a:cxn>
+              <a:cxn ang="0">
+                <a:pos x="connsiteX16" y="connsiteY16"/>
+              </a:cxn>
+            </a:cxnLst>
+            <a:rect l="l" t="t" r="r" b="b"/>
+            <a:pathLst>
+              <a:path w="1038036" h="506277">
+                <a:moveTo>
+                  <a:pt x="0" y="0"/>
+                </a:moveTo>
+                <a:lnTo>
+                  <a:pt x="182880" y="0"/>
+                </a:lnTo>
+                <a:lnTo>
+                  <a:pt x="291705" y="0"/>
+                </a:lnTo>
+                <a:lnTo>
+                  <a:pt x="291705" y="151"/>
+                </a:lnTo>
+                <a:lnTo>
+                  <a:pt x="692049" y="705"/>
+                </a:lnTo>
+                <a:lnTo>
+                  <a:pt x="782744" y="705"/>
+                </a:lnTo>
+                <a:cubicBezTo>
+                  <a:pt x="787553" y="705"/>
+                  <a:pt x="792363" y="5473"/>
+                  <a:pt x="797001" y="5473"/>
+                </a:cubicBezTo>
+                <a:cubicBezTo>
+                  <a:pt x="797001" y="10242"/>
+                  <a:pt x="801982" y="10242"/>
+                  <a:pt x="801982" y="10242"/>
+                </a:cubicBezTo>
+                <a:lnTo>
+                  <a:pt x="1030951" y="239185"/>
+                </a:lnTo>
+                <a:cubicBezTo>
+                  <a:pt x="1040398" y="248722"/>
+                  <a:pt x="1040398" y="258259"/>
+                  <a:pt x="1030951" y="267797"/>
+                </a:cubicBezTo>
+                <a:lnTo>
+                  <a:pt x="801982" y="496740"/>
+                </a:lnTo>
+                <a:cubicBezTo>
+                  <a:pt x="800436" y="498363"/>
+                  <a:pt x="798547" y="499885"/>
+                  <a:pt x="797001" y="501508"/>
+                </a:cubicBezTo>
+                <a:cubicBezTo>
+                  <a:pt x="792363" y="506277"/>
+                  <a:pt x="787553" y="506277"/>
+                  <a:pt x="782744" y="506277"/>
+                </a:cubicBezTo>
+                <a:lnTo>
+                  <a:pt x="692049" y="506277"/>
+                </a:lnTo>
+                <a:lnTo>
+                  <a:pt x="291705" y="505140"/>
+                </a:lnTo>
+                <a:lnTo>
+                  <a:pt x="291705" y="506277"/>
+                </a:lnTo>
+                <a:lnTo>
+                  <a:pt x="0" y="506277"/>
+                </a:lnTo>
+                <a:close/>
+              </a:path>
+            </a:pathLst>
+          </a:custGeom>
+          <a:ln>
+            <a:noFill/>
+          </a:ln>
+        </p:spPr>
+        <p:style>
+          <a:lnRef idx="2">
+            <a:schemeClr val="accent1">
+              <a:shade val="50000"/>
+            </a:schemeClr>
+          </a:lnRef>
+          <a:fillRef idx="1">
+            <a:schemeClr val="accent1"/>
+          </a:fillRef>
+          <a:effectRef idx="0">
+            <a:schemeClr val="accent1"/>
+          </a:effectRef>
+          <a:fontRef idx="minor">
+            <a:schemeClr val="lt1"/>
+          </a:fontRef>
+        </p:style>
+        <p:txBody>
+          <a:bodyPr rtlCol="0" anchor="ctr"/>
+          <a:lstStyle/>
+          <a:p>
+            <a:pPr algn="ctr"/>
+            <a:endParaRPr lang="en-US"/>
+          </a:p>
+        </p:txBody>
+      </p:sp>
+      <p:sp>
+        <p:nvSpPr>
+          <p:cNvPr id="5" name="Slide Number Placeholder 4">
+            <a:extLst>
+              <a:ext uri="{FF2B5EF4-FFF2-40B4-BE49-F238E27FC236}">
+                <a16:creationId xmlns:a16="http://schemas.microsoft.com/office/drawing/2014/main" id="{7B2D0B98-4AD8-435D-BF57-79BAD625DBEB}"/>
+              </a:ext>
+            </a:extLst>
+          </p:cNvPr>
+          <p:cNvSpPr>
+            <a:spLocks noGrp="1"/>
+          </p:cNvSpPr>
+          <p:nvPr>
+            <p:ph type="sldNum" sz="quarter" idx="12"/>
+          </p:nvPr>
+        </p:nvSpPr>
+        <p:spPr>
+          <a:xfrm>
+            <a:off x="121514" y="6133610"/>
+            <a:ext cx="779767" cy="365125"/>
+          </a:xfrm>
+        </p:spPr>
+        <p:txBody>
+          <a:bodyPr>
+            <a:normAutofit/>
+          </a:bodyPr>
+          <a:lstStyle/>
+          <a:p>
+            <a:pPr>
+              <a:lnSpc>
+                <a:spcPct val="90000"/>
+              </a:lnSpc>
+              <a:spcAft>
+                <a:spcPts val="600"/>
+              </a:spcAft>
+            </a:pPr>
+            <a:fld id="{D57F1E4F-1CFF-5643-939E-217C01CDF565}" type="slidenum">
+              <a:rPr lang="en-US" sz="1900" smtClean="0"/>
+              <a:pPr>
+                <a:lnSpc>
+                  <a:spcPct val="90000"/>
+                </a:lnSpc>
+                <a:spcAft>
+                  <a:spcPts val="600"/>
+                </a:spcAft>
+              </a:pPr>
+              <a:t>10</a:t>
+            </a:fld>
+            <a:endParaRPr lang="en-US" sz="1900"/>
+          </a:p>
+        </p:txBody>
+      </p:sp>
+      <p:sp>
+        <p:nvSpPr>
+          <p:cNvPr id="4" name="Footer Placeholder 3">
+            <a:extLst>
+              <a:ext uri="{FF2B5EF4-FFF2-40B4-BE49-F238E27FC236}">
+                <a16:creationId xmlns:a16="http://schemas.microsoft.com/office/drawing/2014/main" id="{DA3F1759-2B82-4336-926C-D45B6F445DF3}"/>
+              </a:ext>
+            </a:extLst>
+          </p:cNvPr>
+          <p:cNvSpPr>
+            <a:spLocks noGrp="1"/>
+          </p:cNvSpPr>
+          <p:nvPr>
+            <p:ph type="ftr" sz="quarter" idx="11"/>
+          </p:nvPr>
+        </p:nvSpPr>
+        <p:spPr>
+          <a:xfrm>
+            <a:off x="1220916" y="6135808"/>
+            <a:ext cx="7619999" cy="365125"/>
+          </a:xfrm>
+        </p:spPr>
+        <p:txBody>
+          <a:bodyPr>
+            <a:normAutofit/>
+          </a:bodyPr>
+          <a:lstStyle/>
+          <a:p>
+            <a:pPr>
+              <a:spcAft>
+                <a:spcPts val="600"/>
+              </a:spcAft>
+            </a:pPr>
+            <a:r>
+              <a:rPr lang="en-US"/>
+              <a:t>Mixed Topics in MobiKa - Joshua Phartogi</a:t>
+            </a:r>
+          </a:p>
+        </p:txBody>
+      </p:sp>
+      <p:graphicFrame>
+        <p:nvGraphicFramePr>
+          <p:cNvPr id="12" name="Content Placeholder 5">
+            <a:extLst>
+              <a:ext uri="{FF2B5EF4-FFF2-40B4-BE49-F238E27FC236}">
+                <a16:creationId xmlns:a16="http://schemas.microsoft.com/office/drawing/2014/main" id="{1A98AC1F-8E02-4C56-9EA1-3F5918DB61D8}"/>
+              </a:ext>
+            </a:extLst>
+          </p:cNvPr>
+          <p:cNvGraphicFramePr>
+            <a:graphicFrameLocks noGrp="1"/>
+          </p:cNvGraphicFramePr>
+          <p:nvPr>
+            <p:ph idx="1"/>
+            <p:extLst>
+              <p:ext uri="{D42A27DB-BD31-4B8C-83A1-F6EECF244321}">
+                <p14:modId xmlns:p14="http://schemas.microsoft.com/office/powerpoint/2010/main" val="75463404"/>
+              </p:ext>
+            </p:extLst>
+          </p:nvPr>
+        </p:nvGraphicFramePr>
+        <p:xfrm>
+          <a:off x="649288" y="2133600"/>
+          <a:ext cx="6573837" cy="3759200"/>
+        </p:xfrm>
+        <a:graphic>
+          <a:graphicData uri="http://schemas.openxmlformats.org/drawingml/2006/diagram">
+            <dgm:relIds xmlns:dgm="http://schemas.openxmlformats.org/drawingml/2006/diagram" xmlns:r="http://schemas.openxmlformats.org/officeDocument/2006/relationships" r:dm="rId3" r:lo="rId4" r:qs="rId5" r:cs="rId6"/>
+          </a:graphicData>
+        </a:graphic>
+      </p:graphicFrame>
+      <p:pic>
+        <p:nvPicPr>
+          <p:cNvPr id="1026" name="Picture 2" descr="Respeaker Mic Array v2.0">
+            <a:extLst>
+              <a:ext uri="{FF2B5EF4-FFF2-40B4-BE49-F238E27FC236}">
+                <a16:creationId xmlns:a16="http://schemas.microsoft.com/office/drawing/2014/main" id="{D210B69A-E385-4DA4-9204-284FB4A80158}"/>
+              </a:ext>
+            </a:extLst>
+          </p:cNvPr>
+          <p:cNvPicPr>
+            <a:picLocks noChangeAspect="1" noChangeArrowheads="1"/>
+          </p:cNvPicPr>
+          <p:nvPr/>
+        </p:nvPicPr>
+        <p:blipFill>
+          <a:blip r:embed="rId8">
+            <a:extLst>
+              <a:ext uri="{28A0092B-C50C-407E-A947-70E740481C1C}">
+                <a14:useLocalDpi xmlns:a14="http://schemas.microsoft.com/office/drawing/2010/main" val="0"/>
+              </a:ext>
+            </a:extLst>
+          </a:blip>
+          <a:srcRect/>
+          <a:stretch>
+            <a:fillRect/>
+          </a:stretch>
+        </p:blipFill>
+        <p:spPr bwMode="auto">
+          <a:xfrm>
+            <a:off x="7656512" y="2681094"/>
+            <a:ext cx="4076700" cy="3452516"/>
+          </a:xfrm>
+          <a:prstGeom prst="rect">
+            <a:avLst/>
+          </a:prstGeom>
+          <a:noFill/>
+          <a:extLst>
+            <a:ext uri="{909E8E84-426E-40DD-AFC4-6F175D3DCCD1}">
+              <a14:hiddenFill xmlns:a14="http://schemas.microsoft.com/office/drawing/2010/main">
+                <a:solidFill>
+                  <a:srgbClr val="FFFFFF"/>
+                </a:solidFill>
+              </a14:hiddenFill>
+            </a:ext>
+          </a:extLst>
+        </p:spPr>
+      </p:pic>
+    </p:spTree>
+    <p:extLst>
+      <p:ext uri="{BB962C8B-B14F-4D97-AF65-F5344CB8AC3E}">
+        <p14:creationId xmlns:p14="http://schemas.microsoft.com/office/powerpoint/2010/main" val="363200921"/>
+      </p:ext>
+    </p:extLst>
+  </p:cSld>
+  <p:clrMapOvr>
+    <a:masterClrMapping/>
+  </p:clrMapOvr>
+  <p:timing>
+    <p:tnLst>
+      <p:par>
+        <p:cTn id="1" dur="indefinite" restart="never" nodeType="tmRoot">
+          <p:childTnLst>
+            <p:seq concurrent="1" nextAc="seek">
+              <p:cTn id="2" dur="indefinite" nodeType="mainSeq">
+                <p:childTnLst>
+                  <p:par>
+                    <p:cTn id="3" fill="hold">
+                      <p:stCondLst>
+                        <p:cond delay="indefinite"/>
+                      </p:stCondLst>
+                      <p:childTnLst>
+                        <p:par>
+                          <p:cTn id="4" fill="hold">
+                            <p:stCondLst>
+                              <p:cond delay="0"/>
+                            </p:stCondLst>
+                            <p:childTnLst>
+                              <p:par>
+                                <p:cTn id="5" presetID="42" presetClass="entr" presetSubtype="0" fill="hold" grpId="0" nodeType="clickEffect">
+                                  <p:stCondLst>
+                                    <p:cond delay="0"/>
+                                  </p:stCondLst>
+                                  <p:childTnLst>
+                                    <p:set>
+                                      <p:cBhvr>
+                                        <p:cTn id="6" dur="1" fill="hold">
+                                          <p:stCondLst>
+                                            <p:cond delay="0"/>
+                                          </p:stCondLst>
+                                        </p:cTn>
+                                        <p:tgtEl>
+                                          <p:spTgt spid="12"/>
+                                        </p:tgtEl>
+                                        <p:attrNameLst>
+                                          <p:attrName>style.visibility</p:attrName>
+                                        </p:attrNameLst>
+                                      </p:cBhvr>
+                                      <p:to>
+                                        <p:strVal val="visible"/>
+                                      </p:to>
+                                    </p:set>
+                                    <p:animEffect transition="in" filter="fade">
+                                      <p:cBhvr>
+                                        <p:cTn id="7" dur="1000"/>
+                                        <p:tgtEl>
+                                          <p:spTgt spid="12"/>
+                                        </p:tgtEl>
+                                      </p:cBhvr>
+                                    </p:animEffect>
+                                    <p:anim calcmode="lin" valueType="num">
+                                      <p:cBhvr>
+                                        <p:cTn id="8" dur="1000" fill="hold"/>
+                                        <p:tgtEl>
+                                          <p:spTgt spid="12"/>
+                                        </p:tgtEl>
+                                        <p:attrNameLst>
+                                          <p:attrName>ppt_x</p:attrName>
+                                        </p:attrNameLst>
+                                      </p:cBhvr>
+                                      <p:tavLst>
+                                        <p:tav tm="0">
+                                          <p:val>
+                                            <p:strVal val="#ppt_x"/>
+                                          </p:val>
+                                        </p:tav>
+                                        <p:tav tm="100000">
+                                          <p:val>
+                                            <p:strVal val="#ppt_x"/>
+                                          </p:val>
+                                        </p:tav>
+                                      </p:tavLst>
+                                    </p:anim>
+                                    <p:anim calcmode="lin" valueType="num">
+                                      <p:cBhvr>
+                                        <p:cTn id="9" dur="1000" fill="hold"/>
+                                        <p:tgtEl>
+                                          <p:spTgt spid="12"/>
+                                        </p:tgtEl>
+                                        <p:attrNameLst>
+                                          <p:attrName>ppt_y</p:attrName>
+                                        </p:attrNameLst>
+                                      </p:cBhvr>
+                                      <p:tavLst>
+                                        <p:tav tm="0">
+                                          <p:val>
+                                            <p:strVal val="#ppt_y+.1"/>
+                                          </p:val>
+                                        </p:tav>
+                                        <p:tav tm="100000">
+                                          <p:val>
+                                            <p:strVal val="#ppt_y"/>
+                                          </p:val>
+                                        </p:tav>
+                                      </p:tavLst>
+                                    </p:anim>
+                                  </p:childTnLst>
+                                </p:cTn>
+                              </p:par>
+                            </p:childTnLst>
+                          </p:cTn>
+                        </p:par>
+                      </p:childTnLst>
+                    </p:cTn>
+                  </p:par>
+                </p:childTnLst>
+              </p:cTn>
+              <p:prevCondLst>
+                <p:cond evt="onPrev" delay="0">
+                  <p:tgtEl>
+                    <p:sldTgt/>
+                  </p:tgtEl>
+                </p:cond>
+              </p:prevCondLst>
+              <p:nextCondLst>
+                <p:cond evt="onNext" delay="0">
+                  <p:tgtEl>
+                    <p:sldTgt/>
+                  </p:tgtEl>
+                </p:cond>
+              </p:nextCondLst>
+            </p:seq>
+          </p:childTnLst>
+        </p:cTn>
+      </p:par>
+    </p:tnLst>
+    <p:bldLst>
+      <p:bldGraphic spid="12" grpId="0">
+        <p:bldAsOne/>
+      </p:bldGraphic>
+    </p:bldLst>
+  </p:timing>
+</p:sld>
+</file>
+
+<file path=ppt/slides/slide11.xml><?xml version="1.0" encoding="utf-8"?>
+<p:sld xmlns:a="http://schemas.openxmlformats.org/drawingml/2006/main" xmlns:r="http://schemas.openxmlformats.org/officeDocument/2006/relationships" xmlns:p="http://schemas.openxmlformats.org/presentationml/2006/main">
+  <p:cSld>
+    <p:bg>
+      <p:bgPr>
+        <a:gradFill rotWithShape="1">
+          <a:gsLst>
+            <a:gs pos="0">
+              <a:schemeClr val="bg1">
+                <a:tint val="90000"/>
+                <a:satMod val="92000"/>
+                <a:lumMod val="120000"/>
+              </a:schemeClr>
+            </a:gs>
+            <a:gs pos="100000">
+              <a:schemeClr val="bg1">
+                <a:shade val="98000"/>
+                <a:satMod val="120000"/>
+                <a:lumMod val="98000"/>
+              </a:schemeClr>
+            </a:gs>
+          </a:gsLst>
+          <a:path path="circle">
+            <a:fillToRect l="50000" t="50000" r="100000" b="100000"/>
+          </a:path>
+        </a:gradFill>
+        <a:effectLst/>
+      </p:bgPr>
+    </p:bg>
+    <p:spTree>
+      <p:nvGrpSpPr>
+        <p:cNvPr id="1" name=""/>
+        <p:cNvGrpSpPr/>
+        <p:nvPr/>
+      </p:nvGrpSpPr>
+      <p:grpSpPr>
+        <a:xfrm>
+          <a:off x="0" y="0"/>
+          <a:ext cx="0" cy="0"/>
+          <a:chOff x="0" y="0"/>
+          <a:chExt cx="0" cy="0"/>
+        </a:xfrm>
+      </p:grpSpPr>
+      <p:sp useBgFill="1">
+        <p:nvSpPr>
+          <p:cNvPr id="14" name="Rectangle 13">
+            <a:extLst>
+              <a:ext uri="{FF2B5EF4-FFF2-40B4-BE49-F238E27FC236}">
+                <a16:creationId xmlns:a16="http://schemas.microsoft.com/office/drawing/2014/main" id="{A45303F1-AF94-4311-B5EF-A9C5F6D18D94}"/>
+              </a:ext>
+              <a:ext uri="{C183D7F6-B498-43B3-948B-1728B52AA6E4}">
+                <adec:decorative xmlns:adec="http://schemas.microsoft.com/office/drawing/2017/decorative" val="1"/>
+              </a:ext>
+            </a:extLst>
+          </p:cNvPr>
+          <p:cNvSpPr>
+            <a:spLocks noGrp="1" noRot="1" noChangeAspect="1" noMove="1" noResize="1" noEditPoints="1" noAdjustHandles="1" noChangeArrowheads="1" noChangeShapeType="1" noTextEdit="1"/>
+          </p:cNvSpPr>
+          <p:nvPr>
+            <p:extLst>
+              <p:ext uri="{386F3935-93C4-4BCD-93E2-E3B085C9AB24}">
+                <p16:designElem xmlns:p16="http://schemas.microsoft.com/office/powerpoint/2015/main" val="1"/>
+              </p:ext>
+            </p:extLst>
+          </p:nvPr>
+        </p:nvSpPr>
+        <p:spPr>
+          <a:xfrm>
+            <a:off x="0" y="-1"/>
+            <a:ext cx="12188952" cy="6858001"/>
+          </a:xfrm>
+          <a:prstGeom prst="rect">
+            <a:avLst/>
+          </a:prstGeom>
+          <a:ln>
+            <a:noFill/>
+          </a:ln>
+        </p:spPr>
+        <p:style>
+          <a:lnRef idx="2">
+            <a:schemeClr val="accent1">
+              <a:shade val="50000"/>
+            </a:schemeClr>
+          </a:lnRef>
+          <a:fillRef idx="1">
+            <a:schemeClr val="accent1"/>
+          </a:fillRef>
+          <a:effectRef idx="0">
+            <a:schemeClr val="accent1"/>
+          </a:effectRef>
+          <a:fontRef idx="minor">
+            <a:schemeClr val="lt1"/>
+          </a:fontRef>
+        </p:style>
+        <p:txBody>
+          <a:bodyPr rot="0" spcFirstLastPara="0" vert="horz" wrap="square" lIns="91440" tIns="45720" rIns="91440" bIns="45720" numCol="1" spcCol="0" rtlCol="0" fromWordArt="0" anchor="ctr" anchorCtr="0" forceAA="0" compatLnSpc="1">
+            <a:prstTxWarp prst="textNoShape">
+              <a:avLst/>
+            </a:prstTxWarp>
+            <a:noAutofit/>
+          </a:bodyPr>
+          <a:lstStyle>
+            <a:defPPr>
+              <a:defRPr lang="en-US"/>
+            </a:defPPr>
+            <a:lvl1pPr marL="0" algn="l" defTabSz="914400" rtl="0" eaLnBrk="1" latinLnBrk="0" hangingPunct="1">
+              <a:defRPr sz="1800" kern="1200">
+                <a:solidFill>
+                  <a:schemeClr val="lt1"/>
+                </a:solidFill>
+                <a:latin typeface="+mn-lt"/>
+                <a:ea typeface="+mn-ea"/>
+                <a:cs typeface="+mn-cs"/>
+              </a:defRPr>
+            </a:lvl1pPr>
+            <a:lvl2pPr marL="457200" algn="l" defTabSz="914400" rtl="0" eaLnBrk="1" latinLnBrk="0" hangingPunct="1">
+              <a:defRPr sz="1800" kern="1200">
+                <a:solidFill>
+                  <a:schemeClr val="lt1"/>
+                </a:solidFill>
+                <a:latin typeface="+mn-lt"/>
+                <a:ea typeface="+mn-ea"/>
+                <a:cs typeface="+mn-cs"/>
+              </a:defRPr>
+            </a:lvl2pPr>
+            <a:lvl3pPr marL="914400" algn="l" defTabSz="914400" rtl="0" eaLnBrk="1" latinLnBrk="0" hangingPunct="1">
+              <a:defRPr sz="1800" kern="1200">
+                <a:solidFill>
+                  <a:schemeClr val="lt1"/>
+                </a:solidFill>
+                <a:latin typeface="+mn-lt"/>
+                <a:ea typeface="+mn-ea"/>
+                <a:cs typeface="+mn-cs"/>
+              </a:defRPr>
+            </a:lvl3pPr>
+            <a:lvl4pPr marL="1371600" algn="l" defTabSz="914400" rtl="0" eaLnBrk="1" latinLnBrk="0" hangingPunct="1">
+              <a:defRPr sz="1800" kern="1200">
+                <a:solidFill>
+                  <a:schemeClr val="lt1"/>
+                </a:solidFill>
+                <a:latin typeface="+mn-lt"/>
+                <a:ea typeface="+mn-ea"/>
+                <a:cs typeface="+mn-cs"/>
+              </a:defRPr>
+            </a:lvl4pPr>
+            <a:lvl5pPr marL="1828800" algn="l" defTabSz="914400" rtl="0" eaLnBrk="1" latinLnBrk="0" hangingPunct="1">
+              <a:defRPr sz="1800" kern="1200">
+                <a:solidFill>
+                  <a:schemeClr val="lt1"/>
+                </a:solidFill>
+                <a:latin typeface="+mn-lt"/>
+                <a:ea typeface="+mn-ea"/>
+                <a:cs typeface="+mn-cs"/>
+              </a:defRPr>
+            </a:lvl5pPr>
+            <a:lvl6pPr marL="2286000" algn="l" defTabSz="914400" rtl="0" eaLnBrk="1" latinLnBrk="0" hangingPunct="1">
+              <a:defRPr sz="1800" kern="1200">
+                <a:solidFill>
+                  <a:schemeClr val="lt1"/>
+                </a:solidFill>
+                <a:latin typeface="+mn-lt"/>
+                <a:ea typeface="+mn-ea"/>
+                <a:cs typeface="+mn-cs"/>
+              </a:defRPr>
+            </a:lvl6pPr>
+            <a:lvl7pPr marL="2743200" algn="l" defTabSz="914400" rtl="0" eaLnBrk="1" latinLnBrk="0" hangingPunct="1">
+              <a:defRPr sz="1800" kern="1200">
+                <a:solidFill>
+                  <a:schemeClr val="lt1"/>
+                </a:solidFill>
+                <a:latin typeface="+mn-lt"/>
+                <a:ea typeface="+mn-ea"/>
+                <a:cs typeface="+mn-cs"/>
+              </a:defRPr>
+            </a:lvl7pPr>
+            <a:lvl8pPr marL="3200400" algn="l" defTabSz="914400" rtl="0" eaLnBrk="1" latinLnBrk="0" hangingPunct="1">
+              <a:defRPr sz="1800" kern="1200">
+                <a:solidFill>
+                  <a:schemeClr val="lt1"/>
+                </a:solidFill>
+                <a:latin typeface="+mn-lt"/>
+                <a:ea typeface="+mn-ea"/>
+                <a:cs typeface="+mn-cs"/>
+              </a:defRPr>
+            </a:lvl8pPr>
+            <a:lvl9pPr marL="3657600" algn="l" defTabSz="914400" rtl="0" eaLnBrk="1" latinLnBrk="0" hangingPunct="1">
+              <a:defRPr sz="1800" kern="1200">
+                <a:solidFill>
+                  <a:schemeClr val="lt1"/>
+                </a:solidFill>
+                <a:latin typeface="+mn-lt"/>
+                <a:ea typeface="+mn-ea"/>
+                <a:cs typeface="+mn-cs"/>
+              </a:defRPr>
+            </a:lvl9pPr>
+          </a:lstStyle>
+          <a:p>
+            <a:pPr algn="ctr"/>
+            <a:endParaRPr lang="en-US"/>
+          </a:p>
+        </p:txBody>
+      </p:sp>
+      <p:sp>
+        <p:nvSpPr>
+          <p:cNvPr id="2" name="Title 1">
+            <a:extLst>
+              <a:ext uri="{FF2B5EF4-FFF2-40B4-BE49-F238E27FC236}">
+                <a16:creationId xmlns:a16="http://schemas.microsoft.com/office/drawing/2014/main" id="{8D3C6595-9F39-4D5A-B17B-56A950328BFB}"/>
+              </a:ext>
+            </a:extLst>
+          </p:cNvPr>
+          <p:cNvSpPr>
+            <a:spLocks noGrp="1"/>
+          </p:cNvSpPr>
+          <p:nvPr>
+            <p:ph type="title"/>
+          </p:nvPr>
+        </p:nvSpPr>
+        <p:spPr>
+          <a:xfrm>
+            <a:off x="649224" y="645106"/>
+            <a:ext cx="6574536" cy="1259894"/>
+          </a:xfrm>
+        </p:spPr>
+        <p:txBody>
+          <a:bodyPr>
+            <a:normAutofit/>
+          </a:bodyPr>
+          <a:lstStyle/>
+          <a:p>
+            <a:r>
+              <a:rPr lang="en-US" dirty="0"/>
               <a:t>Demo Speech Recognition</a:t>
             </a:r>
             <a:endParaRPr lang="en-ID" dirty="0">
@@ -15171,7 +16048,7 @@
                   <a:spcPts val="600"/>
                 </a:spcAft>
               </a:pPr>
-              <a:t>10</a:t>
+              <a:t>11</a:t>
             </a:fld>
             <a:endParaRPr lang="en-US" sz="1900"/>
           </a:p>
@@ -15573,7 +16450,7 @@
 </p:sld>
 </file>
 
-<file path=ppt/slides/slide11.xml><?xml version="1.0" encoding="utf-8"?>
+<file path=ppt/slides/slide12.xml><?xml version="1.0" encoding="utf-8"?>
 <p:sld xmlns:a="http://schemas.openxmlformats.org/drawingml/2006/main" xmlns:r="http://schemas.openxmlformats.org/officeDocument/2006/relationships" xmlns:p="http://schemas.openxmlformats.org/presentationml/2006/main">
   <p:cSld>
     <p:bg>
@@ -16132,7 +17009,7 @@
                   <a:spcPts val="600"/>
                 </a:spcAft>
               </a:pPr>
-              <a:t>11</a:t>
+              <a:t>12</a:t>
             </a:fld>
             <a:endParaRPr lang="en-US" sz="1900"/>
           </a:p>
@@ -17036,7 +17913,7 @@
 </p:sld>
 </file>
 
-<file path=ppt/slides/slide12.xml><?xml version="1.0" encoding="utf-8"?>
+<file path=ppt/slides/slide13.xml><?xml version="1.0" encoding="utf-8"?>
 <p:sld xmlns:a="http://schemas.openxmlformats.org/drawingml/2006/main" xmlns:r="http://schemas.openxmlformats.org/officeDocument/2006/relationships" xmlns:p="http://schemas.openxmlformats.org/presentationml/2006/main">
   <p:cSld>
     <p:bg>
@@ -17595,7 +18472,7 @@
                   <a:spcPts val="600"/>
                 </a:spcAft>
               </a:pPr>
-              <a:t>12</a:t>
+              <a:t>13</a:t>
             </a:fld>
             <a:endParaRPr lang="en-US" sz="1900"/>
           </a:p>
@@ -17855,8 +18732,8 @@
             </p:nvSpPr>
             <p:spPr>
               <a:xfrm>
-                <a:off x="5381767" y="1094703"/>
-                <a:ext cx="6395918" cy="1200329"/>
+                <a:off x="5055267" y="1286897"/>
+                <a:ext cx="7048917" cy="1323439"/>
               </a:xfrm>
               <a:prstGeom prst="rect">
                 <a:avLst/>
@@ -17870,51 +18747,51 @@
               <a:lstStyle/>
               <a:p>
                 <a:r>
-                  <a:rPr lang="en-US" dirty="0"/>
+                  <a:rPr lang="en-US" sz="2000" dirty="0"/>
                   <a:t>Accelerate : s</a:t>
                 </a:r>
                 <a14:m>
                   <m:oMath xmlns:m="http://schemas.openxmlformats.org/officeDocument/2006/math">
                     <m:r>
-                      <a:rPr lang="en-US" i="1">
+                      <a:rPr lang="en-US" sz="2000" i="1">
                         <a:latin typeface="Cambria Math" panose="02040503050406030204" pitchFamily="18" charset="0"/>
                       </a:rPr>
                       <m:t>𝑝𝑒𝑒𝑑</m:t>
                     </m:r>
                     <m:r>
-                      <a:rPr lang="en-US" b="0" i="1" smtClean="0">
+                      <a:rPr lang="en-US" sz="2000" b="0" i="1" smtClean="0">
                         <a:latin typeface="Cambria Math" panose="02040503050406030204" pitchFamily="18" charset="0"/>
                       </a:rPr>
                       <m:t>=</m:t>
                     </m:r>
                     <m:r>
-                      <a:rPr lang="en-US" b="0" i="1" smtClean="0">
+                      <a:rPr lang="en-US" sz="2000" b="0" i="1" smtClean="0">
                         <a:latin typeface="Cambria Math" panose="02040503050406030204" pitchFamily="18" charset="0"/>
                       </a:rPr>
                       <m:t>𝑠𝑝𝑒𝑒𝑑</m:t>
                     </m:r>
                     <m:r>
-                      <a:rPr lang="en-US" b="0" i="1" smtClean="0">
+                      <a:rPr lang="en-US" sz="2000" b="0" i="1" smtClean="0">
                         <a:latin typeface="Cambria Math" panose="02040503050406030204" pitchFamily="18" charset="0"/>
                       </a:rPr>
                       <m:t>+</m:t>
                     </m:r>
                     <m:r>
-                      <a:rPr lang="en-US" b="0" i="1" smtClean="0">
+                      <a:rPr lang="en-US" sz="2000" b="0" i="1" smtClean="0">
                         <a:latin typeface="Cambria Math" panose="02040503050406030204" pitchFamily="18" charset="0"/>
                       </a:rPr>
                       <m:t>𝑥</m:t>
                     </m:r>
                   </m:oMath>
                 </a14:m>
-                <a:endParaRPr lang="en-ID" dirty="0"/>
+                <a:endParaRPr lang="en-ID" sz="2000" dirty="0"/>
               </a:p>
               <a:p>
-                <a:endParaRPr lang="en-US" dirty="0"/>
+                <a:endParaRPr lang="en-US" sz="2000" dirty="0"/>
               </a:p>
               <a:p>
                 <a:r>
-                  <a:rPr lang="en-US" dirty="0"/>
+                  <a:rPr lang="en-US" sz="2000" dirty="0"/>
                   <a:t>Decelerate : </a:t>
                 </a:r>
               </a:p>
@@ -17924,7 +18801,7 @@
                   <a:buChar char="§"/>
                 </a:pPr>
                 <a:r>
-                  <a:rPr lang="en-US" dirty="0"/>
+                  <a:rPr lang="en-US" sz="2000" dirty="0"/>
                   <a:t>Deceleration distance = </a:t>
                 </a:r>
                 <a14:m>
@@ -17934,50 +18811,50 @@
                         <m:begChr m:val="|"/>
                         <m:endChr m:val="|"/>
                         <m:ctrlPr>
-                          <a:rPr lang="en-US" i="1" smtClean="0">
+                          <a:rPr lang="en-US" sz="2000" i="1" smtClean="0">
                             <a:latin typeface="Cambria Math" panose="02040503050406030204" pitchFamily="18" charset="0"/>
                           </a:rPr>
                         </m:ctrlPr>
                       </m:dPr>
                       <m:e>
                         <m:r>
-                          <a:rPr lang="en-US" b="0" i="1" smtClean="0">
+                          <a:rPr lang="en-US" sz="2000" b="0" i="1" smtClean="0">
                             <a:latin typeface="Cambria Math" panose="02040503050406030204" pitchFamily="18" charset="0"/>
                           </a:rPr>
                           <m:t>𝑔𝑜𝑎𝑙</m:t>
                         </m:r>
                         <m:r>
-                          <a:rPr lang="en-US" b="0" i="1" smtClean="0">
+                          <a:rPr lang="en-US" sz="2000" b="0" i="1" smtClean="0">
                             <a:latin typeface="Cambria Math" panose="02040503050406030204" pitchFamily="18" charset="0"/>
                           </a:rPr>
                           <m:t> </m:t>
                         </m:r>
                         <m:r>
-                          <a:rPr lang="en-US" b="0" i="1" smtClean="0">
+                          <a:rPr lang="en-US" sz="2000" b="0" i="1" smtClean="0">
                             <a:latin typeface="Cambria Math" panose="02040503050406030204" pitchFamily="18" charset="0"/>
                           </a:rPr>
                           <m:t>𝑑𝑖𝑠𝑡</m:t>
                         </m:r>
                         <m:r>
-                          <a:rPr lang="en-US" b="0" i="1" smtClean="0">
+                          <a:rPr lang="en-US" sz="2000" b="0" i="1" smtClean="0">
                             <a:latin typeface="Cambria Math" panose="02040503050406030204" pitchFamily="18" charset="0"/>
                           </a:rPr>
                           <m:t> −</m:t>
                         </m:r>
                         <m:r>
-                          <a:rPr lang="en-US" b="0" i="1" smtClean="0">
+                          <a:rPr lang="en-US" sz="2000" b="0" i="1" smtClean="0">
                             <a:latin typeface="Cambria Math" panose="02040503050406030204" pitchFamily="18" charset="0"/>
                           </a:rPr>
                           <m:t>𝑠𝑡𝑎𝑟𝑡𝑖𝑛𝑔</m:t>
                         </m:r>
                         <m:r>
-                          <a:rPr lang="en-US" b="0" i="1" smtClean="0">
+                          <a:rPr lang="en-US" sz="2000" b="0" i="1" smtClean="0">
                             <a:latin typeface="Cambria Math" panose="02040503050406030204" pitchFamily="18" charset="0"/>
                           </a:rPr>
                           <m:t> </m:t>
                         </m:r>
                         <m:r>
-                          <a:rPr lang="en-US" b="0" i="1" smtClean="0">
+                          <a:rPr lang="en-US" sz="2000" b="0" i="1" smtClean="0">
                             <a:latin typeface="Cambria Math" panose="02040503050406030204" pitchFamily="18" charset="0"/>
                           </a:rPr>
                           <m:t>𝑑𝑖𝑠𝑡</m:t>
@@ -17987,20 +18864,20 @@
                   </m:oMath>
                 </a14:m>
                 <a:r>
-                  <a:rPr lang="en-ID" dirty="0"/>
+                  <a:rPr lang="en-ID" sz="2000" dirty="0"/>
                   <a:t> = </a:t>
                 </a:r>
                 <a14:m>
                   <m:oMath xmlns:m="http://schemas.openxmlformats.org/officeDocument/2006/math">
                     <m:r>
-                      <a:rPr lang="en-US" b="0" i="1" smtClean="0">
+                      <a:rPr lang="en-US" sz="2000" b="0" i="1" smtClean="0">
                         <a:latin typeface="Cambria Math" panose="02040503050406030204" pitchFamily="18" charset="0"/>
                       </a:rPr>
                       <m:t>𝑑</m:t>
                     </m:r>
                   </m:oMath>
                 </a14:m>
-                <a:endParaRPr lang="en-ID" dirty="0"/>
+                <a:endParaRPr lang="en-ID" sz="2000" dirty="0"/>
               </a:p>
             </p:txBody>
           </p:sp>
@@ -18022,8 +18899,8 @@
             </p:nvSpPr>
             <p:spPr>
               <a:xfrm>
-                <a:off x="5381767" y="1094703"/>
-                <a:ext cx="6395918" cy="1200329"/>
+                <a:off x="5055267" y="1286897"/>
+                <a:ext cx="7048917" cy="1323439"/>
               </a:xfrm>
               <a:prstGeom prst="rect">
                 <a:avLst/>
@@ -18031,7 +18908,7 @@
               <a:blipFill>
                 <a:blip r:embed="rId3"/>
                 <a:stretch>
-                  <a:fillRect l="-858" t="-3061" b="-7653"/>
+                  <a:fillRect l="-864" t="-2304" b="-7373"/>
                 </a:stretch>
               </a:blipFill>
             </p:spPr>
@@ -18761,8 +19638,8 @@
           </a:fontRef>
         </p:style>
       </p:cxnSp>
-      <mc:AlternateContent xmlns:mc="http://schemas.openxmlformats.org/markup-compatibility/2006">
-        <mc:Choice xmlns:a14="http://schemas.microsoft.com/office/drawing/2010/main" Requires="a14">
+      <mc:AlternateContent xmlns:mc="http://schemas.openxmlformats.org/markup-compatibility/2006" xmlns:a14="http://schemas.microsoft.com/office/drawing/2010/main">
+        <mc:Choice Requires="a14">
           <p:sp>
             <p:nvSpPr>
               <p:cNvPr id="26" name="TextBox 25">
@@ -18846,7 +19723,7 @@
             </p:txBody>
           </p:sp>
         </mc:Choice>
-        <mc:Fallback>
+        <mc:Fallback xmlns="">
           <p:sp>
             <p:nvSpPr>
               <p:cNvPr id="26" name="TextBox 25">
@@ -18891,8 +19768,8 @@
           </p:sp>
         </mc:Fallback>
       </mc:AlternateContent>
-      <mc:AlternateContent xmlns:mc="http://schemas.openxmlformats.org/markup-compatibility/2006">
-        <mc:Choice xmlns:a14="http://schemas.microsoft.com/office/drawing/2010/main" Requires="a14">
+      <mc:AlternateContent xmlns:mc="http://schemas.openxmlformats.org/markup-compatibility/2006" xmlns:a14="http://schemas.microsoft.com/office/drawing/2010/main">
+        <mc:Choice Requires="a14">
           <p:sp>
             <p:nvSpPr>
               <p:cNvPr id="27" name="TextBox 26">
@@ -18977,7 +19854,7 @@
             </p:txBody>
           </p:sp>
         </mc:Choice>
-        <mc:Fallback>
+        <mc:Fallback xmlns="">
           <p:sp>
             <p:nvSpPr>
               <p:cNvPr id="27" name="TextBox 26">
@@ -19104,8 +19981,8 @@
           </a:fontRef>
         </p:style>
       </p:cxnSp>
-      <mc:AlternateContent xmlns:mc="http://schemas.openxmlformats.org/markup-compatibility/2006">
-        <mc:Choice xmlns:a14="http://schemas.microsoft.com/office/drawing/2010/main" Requires="a14">
+      <mc:AlternateContent xmlns:mc="http://schemas.openxmlformats.org/markup-compatibility/2006" xmlns:a14="http://schemas.microsoft.com/office/drawing/2010/main">
+        <mc:Choice Requires="a14">
           <p:sp>
             <p:nvSpPr>
               <p:cNvPr id="36" name="TextBox 35">
@@ -19189,7 +20066,7 @@
             </p:txBody>
           </p:sp>
         </mc:Choice>
-        <mc:Fallback>
+        <mc:Fallback xmlns="">
           <p:sp>
             <p:nvSpPr>
               <p:cNvPr id="36" name="TextBox 35">
@@ -19234,8 +20111,8 @@
           </p:sp>
         </mc:Fallback>
       </mc:AlternateContent>
-      <mc:AlternateContent xmlns:mc="http://schemas.openxmlformats.org/markup-compatibility/2006">
-        <mc:Choice xmlns:a14="http://schemas.microsoft.com/office/drawing/2010/main" Requires="a14">
+      <mc:AlternateContent xmlns:mc="http://schemas.openxmlformats.org/markup-compatibility/2006" xmlns:a14="http://schemas.microsoft.com/office/drawing/2010/main">
+        <mc:Choice Requires="a14">
           <p:sp>
             <p:nvSpPr>
               <p:cNvPr id="37" name="TextBox 36">
@@ -19320,7 +20197,7 @@
             </p:txBody>
           </p:sp>
         </mc:Choice>
-        <mc:Fallback>
+        <mc:Fallback xmlns="">
           <p:sp>
             <p:nvSpPr>
               <p:cNvPr id="37" name="TextBox 36">
@@ -19378,7 +20255,7 @@
 </p:sld>
 </file>
 
-<file path=ppt/slides/slide13.xml><?xml version="1.0" encoding="utf-8"?>
+<file path=ppt/slides/slide14.xml><?xml version="1.0" encoding="utf-8"?>
 <p:sld xmlns:a="http://schemas.openxmlformats.org/drawingml/2006/main" xmlns:r="http://schemas.openxmlformats.org/officeDocument/2006/relationships" xmlns:p="http://schemas.openxmlformats.org/presentationml/2006/main">
   <p:cSld>
     <p:spTree>
@@ -19525,7 +20402,7 @@
             <a:fld id="{D57F1E4F-1CFF-5643-939E-217C01CDF565}" type="slidenum">
               <a:rPr lang="en-US" smtClean="0"/>
               <a:pPr/>
-              <a:t>13</a:t>
+              <a:t>14</a:t>
             </a:fld>
             <a:endParaRPr lang="en-US" dirty="0"/>
           </a:p>
@@ -20590,7 +21467,7 @@
         </p:nvSpPr>
         <p:spPr>
           <a:xfrm>
-            <a:off x="649224" y="114178"/>
+            <a:off x="686415" y="41601"/>
             <a:ext cx="6574536" cy="1259894"/>
           </a:xfrm>
         </p:spPr>
@@ -20680,7 +21557,7 @@
         </p:nvSpPr>
         <p:spPr>
           <a:xfrm>
-            <a:off x="750834" y="1546606"/>
+            <a:off x="661782" y="1166495"/>
             <a:ext cx="6574535" cy="3759253"/>
           </a:xfrm>
         </p:spPr>
@@ -20691,36 +21568,36 @@
           <a:lstStyle/>
           <a:p>
             <a:r>
-              <a:rPr lang="en-US" dirty="0"/>
+              <a:rPr lang="en-US" sz="2000" dirty="0"/>
               <a:t>Standard </a:t>
             </a:r>
             <a:r>
-              <a:rPr lang="en-US" dirty="0" err="1"/>
+              <a:rPr lang="en-US" sz="2000" dirty="0" err="1"/>
               <a:t>Aruco</a:t>
             </a:r>
             <a:r>
-              <a:rPr lang="en-US" dirty="0"/>
+              <a:rPr lang="en-US" sz="2000" dirty="0"/>
               <a:t> Marker Library </a:t>
             </a:r>
             <a:r>
-              <a:rPr lang="en-ID" dirty="0">
+              <a:rPr lang="en-ID" sz="2000" dirty="0">
                 <a:hlinkClick r:id="rId3"/>
               </a:rPr>
               <a:t>http://wiki.ros.org/aruco_detect</a:t>
             </a:r>
             <a:r>
-              <a:rPr lang="en-ID" dirty="0"/>
+              <a:rPr lang="en-ID" sz="2000" dirty="0"/>
               <a:t> to detect the marker</a:t>
             </a:r>
           </a:p>
           <a:p>
             <a:r>
-              <a:rPr lang="en-US" dirty="0"/>
+              <a:rPr lang="en-US" sz="2000" dirty="0"/>
               <a:t>Publishing a TF between camera (robot) and the Marker</a:t>
             </a:r>
           </a:p>
           <a:p>
-            <a:endParaRPr lang="en-ID" dirty="0"/>
+            <a:endParaRPr lang="en-ID" sz="1600" dirty="0"/>
           </a:p>
         </p:txBody>
       </p:sp>
@@ -24948,14 +25825,14 @@
           <a:lstStyle/>
           <a:p>
             <a:r>
-              <a:rPr lang="en-US">
+              <a:rPr lang="en-US" dirty="0">
                 <a:solidFill>
                   <a:srgbClr val="4D3346"/>
                 </a:solidFill>
               </a:rPr>
               <a:t>Camera pose estimation</a:t>
             </a:r>
-            <a:endParaRPr lang="en-ID">
+            <a:endParaRPr lang="en-ID" dirty="0">
               <a:solidFill>
                 <a:srgbClr val="4D3346"/>
               </a:solidFill>
@@ -25036,12 +25913,12 @@
         <p:spPr>
           <a:xfrm>
             <a:off x="649225" y="2133600"/>
-            <a:ext cx="3650278" cy="3759253"/>
+            <a:ext cx="10815944" cy="3759253"/>
           </a:xfrm>
         </p:spPr>
         <p:txBody>
           <a:bodyPr>
-            <a:normAutofit lnSpcReduction="10000"/>
+            <a:normAutofit/>
           </a:bodyPr>
           <a:lstStyle/>
           <a:p>
@@ -25054,7 +25931,7 @@
               </a:buClr>
             </a:pPr>
             <a:r>
-              <a:rPr lang="en-US" sz="1400" dirty="0"/>
+              <a:rPr lang="en-US" sz="2200" dirty="0"/>
               <a:t>Using the static feature in the robot ( Lidar ) to detect the pose of the camera</a:t>
             </a:r>
           </a:p>
@@ -25068,16 +25945,16 @@
               </a:buClr>
             </a:pPr>
             <a:r>
-              <a:rPr lang="en-US" sz="1400" dirty="0"/>
+              <a:rPr lang="en-US" sz="2200" dirty="0"/>
               <a:t>Using the Hough circle transformation </a:t>
             </a:r>
             <a:r>
-              <a:rPr lang="en-ID" sz="1400" dirty="0">
+              <a:rPr lang="en-ID" sz="2200" dirty="0">
                 <a:hlinkClick r:id="rId3"/>
               </a:rPr>
               <a:t>https://docs.opencv.org/2.4/doc/tutorials/imgproc/imgtrans/hough_circle/hough_circle.html</a:t>
             </a:r>
-            <a:endParaRPr lang="en-US" sz="1400" dirty="0"/>
+            <a:endParaRPr lang="en-US" sz="2200" dirty="0"/>
           </a:p>
           <a:p>
             <a:pPr>
@@ -25089,8 +25966,8 @@
               </a:buClr>
             </a:pPr>
             <a:r>
-              <a:rPr lang="en-US" sz="1400" dirty="0"/>
-              <a:t>Publish the TF of the camera pose</a:t>
+              <a:rPr lang="en-US" sz="2200" dirty="0"/>
+              <a:t>Publish the TF of the camera</a:t>
             </a:r>
           </a:p>
           <a:p>
@@ -25103,7 +25980,7 @@
               </a:buClr>
             </a:pPr>
             <a:r>
-              <a:rPr lang="en-US" sz="1400" dirty="0"/>
+              <a:rPr lang="en-US" sz="2200" dirty="0"/>
               <a:t>Create 2 mode, debugging and not debugging mode. </a:t>
             </a:r>
           </a:p>
@@ -25117,7 +25994,7 @@
               </a:buClr>
             </a:pPr>
             <a:r>
-              <a:rPr lang="en-US" sz="1400" dirty="0"/>
+              <a:rPr lang="en-US" sz="2200" dirty="0"/>
               <a:t>Debugging mode is always calculating the pose</a:t>
             </a:r>
           </a:p>
@@ -25131,7 +26008,7 @@
               </a:buClr>
             </a:pPr>
             <a:r>
-              <a:rPr lang="en-US" sz="1400" dirty="0"/>
+              <a:rPr lang="en-US" sz="2200" dirty="0"/>
               <a:t>Not-debugging mode take 10 data and get the median of the data as final data.</a:t>
             </a:r>
           </a:p>
@@ -25160,51 +26037,6 @@
           </a:p>
         </p:txBody>
       </p:sp>
-      <p:pic>
-        <p:nvPicPr>
-          <p:cNvPr id="3" name="Picture 2" descr="https://raw.githubusercontent.com/Jphartogi/Ipa_final_presentation/master/Hough%20oke%20banget.png">
-            <a:extLst>
-              <a:ext uri="{FF2B5EF4-FFF2-40B4-BE49-F238E27FC236}">
-                <a16:creationId xmlns:a16="http://schemas.microsoft.com/office/drawing/2014/main" id="{DE37B147-04BF-4902-932B-2BE4826C0A15}"/>
-              </a:ext>
-            </a:extLst>
-          </p:cNvPr>
-          <p:cNvPicPr>
-            <a:picLocks noChangeAspect="1" noChangeArrowheads="1"/>
-          </p:cNvPicPr>
-          <p:nvPr/>
-        </p:nvPicPr>
-        <p:blipFill rotWithShape="1">
-          <a:blip r:embed="rId4">
-            <a:extLst>
-              <a:ext uri="{28A0092B-C50C-407E-A947-70E740481C1C}">
-                <a14:useLocalDpi xmlns:a14="http://schemas.microsoft.com/office/drawing/2010/main" val="0"/>
-              </a:ext>
-            </a:extLst>
-          </a:blip>
-          <a:srcRect l="17256" t="1" r="18752" b="1"/>
-          <a:stretch/>
-        </p:blipFill>
-        <p:spPr bwMode="auto">
-          <a:xfrm>
-            <a:off x="4765846" y="357067"/>
-            <a:ext cx="6987147" cy="6141668"/>
-          </a:xfrm>
-          <a:prstGeom prst="rect">
-            <a:avLst/>
-          </a:prstGeom>
-          <a:noFill/>
-          <a:extLst>
-            <a:ext uri="{909E8E84-426E-40DD-AFC4-6F175D3DCCD1}">
-              <a14:hiddenFill xmlns:a14="http://schemas.microsoft.com/office/drawing/2010/main">
-                <a:solidFill>
-                  <a:srgbClr val="FFFFFF"/>
-                </a:solidFill>
-              </a14:hiddenFill>
-            </a:ext>
-          </a:extLst>
-        </p:spPr>
-      </p:pic>
       <p:sp>
         <p:nvSpPr>
           <p:cNvPr id="113" name="Freeform 11">
@@ -28051,8 +28883,8 @@
           </p:sp>
         </mc:Fallback>
       </mc:AlternateContent>
-      <mc:AlternateContent xmlns:mc="http://schemas.openxmlformats.org/markup-compatibility/2006" xmlns:a14="http://schemas.microsoft.com/office/drawing/2010/main">
-        <mc:Choice Requires="a14">
+      <mc:AlternateContent xmlns:mc="http://schemas.openxmlformats.org/markup-compatibility/2006">
+        <mc:Choice xmlns:a14="http://schemas.microsoft.com/office/drawing/2010/main" Requires="a14">
           <p:sp>
             <p:nvSpPr>
               <p:cNvPr id="40" name="TextBox 39">
@@ -28067,14 +28899,27 @@
             </p:nvSpPr>
             <p:spPr>
               <a:xfrm>
-                <a:off x="5300793" y="1585445"/>
-                <a:ext cx="5237268" cy="646331"/>
+                <a:off x="5285350" y="1488265"/>
+                <a:ext cx="5794600" cy="707886"/>
               </a:xfrm>
               <a:prstGeom prst="rect">
                 <a:avLst/>
               </a:prstGeom>
-              <a:noFill/>
             </p:spPr>
+            <p:style>
+              <a:lnRef idx="1">
+                <a:schemeClr val="accent1"/>
+              </a:lnRef>
+              <a:fillRef idx="3">
+                <a:schemeClr val="accent1"/>
+              </a:fillRef>
+              <a:effectRef idx="2">
+                <a:schemeClr val="accent1"/>
+              </a:effectRef>
+              <a:fontRef idx="minor">
+                <a:schemeClr val="lt1"/>
+              </a:fontRef>
+            </p:style>
             <p:txBody>
               <a:bodyPr wrap="none" rtlCol="0">
                 <a:spAutoFit/>
@@ -28082,7 +28927,7 @@
               <a:lstStyle/>
               <a:p>
                 <a:r>
-                  <a:rPr lang="en-US" dirty="0"/>
+                  <a:rPr lang="en-US" sz="2000" dirty="0"/>
                   <a:t>Where </a:t>
                 </a:r>
                 <a14:m>
@@ -28090,7 +28935,7 @@
                     <m:sSub>
                       <m:sSubPr>
                         <m:ctrlPr>
-                          <a:rPr lang="en-US" i="1">
+                          <a:rPr lang="en-US" sz="2000" i="1">
                             <a:latin typeface="Cambria Math" panose="02040503050406030204" pitchFamily="18" charset="0"/>
                             <a:ea typeface="Cambria Math" panose="02040503050406030204" pitchFamily="18" charset="0"/>
                           </a:rPr>
@@ -28098,7 +28943,7 @@
                       </m:sSubPr>
                       <m:e>
                         <m:r>
-                          <a:rPr lang="en-US" i="1">
+                          <a:rPr lang="en-US" sz="2000" i="1">
                             <a:latin typeface="Cambria Math" panose="02040503050406030204" pitchFamily="18" charset="0"/>
                             <a:ea typeface="Cambria Math" panose="02040503050406030204" pitchFamily="18" charset="0"/>
                           </a:rPr>
@@ -28107,7 +28952,7 @@
                       </m:e>
                       <m:sub>
                         <m:r>
-                          <a:rPr lang="en-US" i="1">
+                          <a:rPr lang="en-US" sz="2000" i="1">
                             <a:latin typeface="Cambria Math" panose="02040503050406030204" pitchFamily="18" charset="0"/>
                             <a:ea typeface="Cambria Math" panose="02040503050406030204" pitchFamily="18" charset="0"/>
                           </a:rPr>
@@ -28118,25 +28963,25 @@
                   </m:oMath>
                 </a14:m>
                 <a:r>
-                  <a:rPr lang="en-ID" dirty="0"/>
+                  <a:rPr lang="en-ID" sz="2000" dirty="0"/>
                   <a:t> = Reference gradient (</a:t>
                 </a:r>
                 <a:r>
-                  <a:rPr lang="en-ID" dirty="0" err="1"/>
+                  <a:rPr lang="en-ID" sz="2000" dirty="0" err="1"/>
                   <a:t>const</a:t>
                 </a:r>
                 <a:r>
-                  <a:rPr lang="en-ID" dirty="0"/>
+                  <a:rPr lang="en-ID" sz="2000" dirty="0"/>
                   <a:t>), and </a:t>
                 </a:r>
               </a:p>
               <a:p>
                 <a:r>
-                  <a:rPr lang="en-US" dirty="0"/>
+                  <a:rPr lang="en-US" sz="2000" dirty="0"/>
                   <a:t> </a:t>
                 </a:r>
                 <a:r>
-                  <a:rPr lang="en-ID" dirty="0"/>
+                  <a:rPr lang="en-ID" sz="2000" dirty="0"/>
                   <a:t>	     </a:t>
                 </a:r>
                 <a14:m>
@@ -28144,7 +28989,7 @@
                     <m:sSub>
                       <m:sSubPr>
                         <m:ctrlPr>
-                          <a:rPr lang="en-US" i="1">
+                          <a:rPr lang="en-US" sz="2000" i="1">
                             <a:latin typeface="Cambria Math" panose="02040503050406030204" pitchFamily="18" charset="0"/>
                             <a:ea typeface="Cambria Math" panose="02040503050406030204" pitchFamily="18" charset="0"/>
                           </a:rPr>
@@ -28152,7 +28997,14 @@
                       </m:sSubPr>
                       <m:e>
                         <m:r>
-                          <a:rPr lang="en-US" i="1">
+                          <a:rPr lang="en-US" sz="2000" b="0" i="1" smtClean="0">
+                            <a:latin typeface="Cambria Math" panose="02040503050406030204" pitchFamily="18" charset="0"/>
+                            <a:ea typeface="Cambria Math" panose="02040503050406030204" pitchFamily="18" charset="0"/>
+                          </a:rPr>
+                          <m:t> </m:t>
+                        </m:r>
+                        <m:r>
+                          <a:rPr lang="en-US" sz="2000" i="1">
                             <a:latin typeface="Cambria Math" panose="02040503050406030204" pitchFamily="18" charset="0"/>
                             <a:ea typeface="Cambria Math" panose="02040503050406030204" pitchFamily="18" charset="0"/>
                           </a:rPr>
@@ -28161,7 +29013,7 @@
                       </m:e>
                       <m:sub>
                         <m:r>
-                          <a:rPr lang="en-US" i="1">
+                          <a:rPr lang="en-US" sz="2000" i="1">
                             <a:latin typeface="Cambria Math" panose="02040503050406030204" pitchFamily="18" charset="0"/>
                             <a:ea typeface="Cambria Math" panose="02040503050406030204" pitchFamily="18" charset="0"/>
                           </a:rPr>
@@ -28172,14 +29024,14 @@
                   </m:oMath>
                 </a14:m>
                 <a:r>
-                  <a:rPr lang="en-ID" dirty="0"/>
+                  <a:rPr lang="en-ID" sz="2000" dirty="0"/>
                   <a:t> = Detected circle gradient</a:t>
                 </a:r>
               </a:p>
             </p:txBody>
           </p:sp>
         </mc:Choice>
-        <mc:Fallback xmlns="">
+        <mc:Fallback>
           <p:sp>
             <p:nvSpPr>
               <p:cNvPr id="40" name="TextBox 39">
@@ -28196,8 +29048,8 @@
             </p:nvSpPr>
             <p:spPr>
               <a:xfrm>
-                <a:off x="5300793" y="1585445"/>
-                <a:ext cx="5237268" cy="646331"/>
+                <a:off x="5285350" y="1488265"/>
+                <a:ext cx="5794600" cy="707886"/>
               </a:xfrm>
               <a:prstGeom prst="rect">
                 <a:avLst/>
@@ -28205,7 +29057,7 @@
               <a:blipFill>
                 <a:blip r:embed="rId7"/>
                 <a:stretch>
-                  <a:fillRect l="-1048" t="-4717" b="-14151"/>
+                  <a:fillRect/>
                 </a:stretch>
               </a:blipFill>
             </p:spPr>
@@ -28909,6 +29761,83 @@
           <a:xfrm flipV="1">
             <a:off x="7232073" y="5722542"/>
             <a:ext cx="166254" cy="408518"/>
+          </a:xfrm>
+          <a:prstGeom prst="straightConnector1">
+            <a:avLst/>
+          </a:prstGeom>
+          <a:ln>
+            <a:tailEnd type="triangle"/>
+          </a:ln>
+        </p:spPr>
+        <p:style>
+          <a:lnRef idx="1">
+            <a:schemeClr val="accent1"/>
+          </a:lnRef>
+          <a:fillRef idx="0">
+            <a:schemeClr val="accent1"/>
+          </a:fillRef>
+          <a:effectRef idx="0">
+            <a:schemeClr val="accent1"/>
+          </a:effectRef>
+          <a:fontRef idx="minor">
+            <a:schemeClr val="tx1"/>
+          </a:fontRef>
+        </p:style>
+      </p:cxnSp>
+      <p:sp>
+        <p:nvSpPr>
+          <p:cNvPr id="3" name="TextBox 2">
+            <a:extLst>
+              <a:ext uri="{FF2B5EF4-FFF2-40B4-BE49-F238E27FC236}">
+                <a16:creationId xmlns:a16="http://schemas.microsoft.com/office/drawing/2014/main" id="{C55E2D70-0441-4CB8-A473-16DD2AFE18ED}"/>
+              </a:ext>
+            </a:extLst>
+          </p:cNvPr>
+          <p:cNvSpPr txBox="1"/>
+          <p:nvPr/>
+        </p:nvSpPr>
+        <p:spPr>
+          <a:xfrm>
+            <a:off x="5125324" y="5644457"/>
+            <a:ext cx="1478475" cy="646331"/>
+          </a:xfrm>
+          <a:prstGeom prst="rect">
+            <a:avLst/>
+          </a:prstGeom>
+          <a:noFill/>
+        </p:spPr>
+        <p:txBody>
+          <a:bodyPr wrap="square" rtlCol="0">
+            <a:spAutoFit/>
+          </a:bodyPr>
+          <a:lstStyle/>
+          <a:p>
+            <a:r>
+              <a:rPr lang="en-US" dirty="0"/>
+              <a:t>Detected circle</a:t>
+            </a:r>
+            <a:endParaRPr lang="en-ID" dirty="0"/>
+          </a:p>
+        </p:txBody>
+      </p:sp>
+      <p:cxnSp>
+        <p:nvCxnSpPr>
+          <p:cNvPr id="12" name="Straight Arrow Connector 11">
+            <a:extLst>
+              <a:ext uri="{FF2B5EF4-FFF2-40B4-BE49-F238E27FC236}">
+                <a16:creationId xmlns:a16="http://schemas.microsoft.com/office/drawing/2014/main" id="{E90A8635-5E73-4042-80B3-AB6F6BE35F15}"/>
+              </a:ext>
+            </a:extLst>
+          </p:cNvPr>
+          <p:cNvCxnSpPr>
+            <a:stCxn id="3" idx="0"/>
+          </p:cNvCxnSpPr>
+          <p:nvPr/>
+        </p:nvCxnSpPr>
+        <p:spPr>
+          <a:xfrm flipV="1">
+            <a:off x="5864562" y="5385122"/>
+            <a:ext cx="1136779" cy="259335"/>
           </a:xfrm>
           <a:prstGeom prst="straightConnector1">
             <a:avLst/>
@@ -30884,7 +31813,7 @@
           <p:cNvPr id="14" name="Rectangle 13">
             <a:extLst>
               <a:ext uri="{FF2B5EF4-FFF2-40B4-BE49-F238E27FC236}">
-                <a16:creationId xmlns:a16="http://schemas.microsoft.com/office/drawing/2014/main" id="{A45303F1-AF94-4311-B5EF-A9C5F6D18D94}"/>
+                <a16:creationId xmlns:a16="http://schemas.microsoft.com/office/drawing/2014/main" id="{E9D11FD5-487C-4A6B-836F-3831DC830FB7}"/>
               </a:ext>
               <a:ext uri="{C183D7F6-B498-43B3-948B-1728B52AA6E4}">
                 <adec:decorative xmlns:adec="http://schemas.microsoft.com/office/drawing/2017/decorative" val="1"/>
@@ -31043,7 +31972,7 @@
           <p:cNvPr id="2" name="Title 1">
             <a:extLst>
               <a:ext uri="{FF2B5EF4-FFF2-40B4-BE49-F238E27FC236}">
-                <a16:creationId xmlns:a16="http://schemas.microsoft.com/office/drawing/2014/main" id="{8D3C6595-9F39-4D5A-B17B-56A950328BFB}"/>
+                <a16:creationId xmlns:a16="http://schemas.microsoft.com/office/drawing/2014/main" id="{54D77256-DBF1-4D3D-AB97-B6F94D75CEA6}"/>
               </a:ext>
             </a:extLst>
           </p:cNvPr>
@@ -31057,7 +31986,7 @@
         <p:spPr>
           <a:xfrm>
             <a:off x="649224" y="645106"/>
-            <a:ext cx="6574536" cy="1259894"/>
+            <a:ext cx="3650279" cy="1259894"/>
           </a:xfrm>
         </p:spPr>
         <p:txBody>
@@ -31067,12 +31996,16 @@
           <a:lstStyle/>
           <a:p>
             <a:r>
-              <a:rPr lang="en-US" dirty="0"/>
-              <a:t>Speech Recognition</a:t>
+              <a:rPr lang="en-US" dirty="0">
+                <a:solidFill>
+                  <a:srgbClr val="4D3346"/>
+                </a:solidFill>
+              </a:rPr>
+              <a:t>Result</a:t>
             </a:r>
             <a:endParaRPr lang="en-ID" dirty="0">
               <a:solidFill>
-                <a:srgbClr val="564836"/>
+                <a:srgbClr val="4D3346"/>
               </a:solidFill>
             </a:endParaRPr>
           </a:p>
@@ -31083,7 +32016,7 @@
           <p:cNvPr id="16" name="Rectangle 15">
             <a:extLst>
               <a:ext uri="{FF2B5EF4-FFF2-40B4-BE49-F238E27FC236}">
-                <a16:creationId xmlns:a16="http://schemas.microsoft.com/office/drawing/2014/main" id="{11310D98-E16D-4AA1-8834-28F2202C0CC3}"/>
+                <a16:creationId xmlns:a16="http://schemas.microsoft.com/office/drawing/2014/main" id="{99765169-F70D-4841-BE65-62E10CBED84D}"/>
               </a:ext>
               <a:ext uri="{C183D7F6-B498-43B3-948B-1728B52AA6E4}">
                 <adec:decorative xmlns:adec="http://schemas.microsoft.com/office/drawing/2017/decorative" val="1"/>
@@ -31110,7 +32043,7 @@
             <a:avLst/>
           </a:prstGeom>
           <a:solidFill>
-            <a:srgbClr val="564836"/>
+            <a:srgbClr val="4D3346"/>
           </a:solidFill>
           <a:ln>
             <a:noFill/>
@@ -31132,12 +32065,49 @@
           </a:fontRef>
         </p:style>
       </p:sp>
+      <p:sp>
+        <p:nvSpPr>
+          <p:cNvPr id="11" name="Content Placeholder 10">
+            <a:extLst>
+              <a:ext uri="{FF2B5EF4-FFF2-40B4-BE49-F238E27FC236}">
+                <a16:creationId xmlns:a16="http://schemas.microsoft.com/office/drawing/2014/main" id="{6B521946-660B-46D3-9683-19FFFF5C0DF6}"/>
+              </a:ext>
+            </a:extLst>
+          </p:cNvPr>
+          <p:cNvSpPr>
+            <a:spLocks noGrp="1"/>
+          </p:cNvSpPr>
+          <p:nvPr>
+            <p:ph idx="1"/>
+          </p:nvPr>
+        </p:nvSpPr>
+        <p:spPr>
+          <a:xfrm>
+            <a:off x="649225" y="2133600"/>
+            <a:ext cx="3650278" cy="3759253"/>
+          </a:xfrm>
+        </p:spPr>
+        <p:txBody>
+          <a:bodyPr>
+            <a:normAutofit/>
+          </a:bodyPr>
+          <a:lstStyle/>
+          <a:p>
+            <a:pPr>
+              <a:buClr>
+                <a:srgbClr val="FF9700"/>
+              </a:buClr>
+            </a:pPr>
+            <a:endParaRPr lang="en-US"/>
+          </a:p>
+        </p:txBody>
+      </p:sp>
       <p:pic>
         <p:nvPicPr>
-          <p:cNvPr id="9" name="Picture 2" descr="Image result for speech recognition">
+          <p:cNvPr id="9" name="Content Placeholder 5" descr="https://raw.githubusercontent.com/Jphartogi/Ipa_final_presentation/master/Hough%20oke%20banget.png">
             <a:extLst>
               <a:ext uri="{FF2B5EF4-FFF2-40B4-BE49-F238E27FC236}">
-                <a16:creationId xmlns:a16="http://schemas.microsoft.com/office/drawing/2014/main" id="{E8DD1BAB-20A5-4689-97EF-EAC18D5C796E}"/>
+                <a16:creationId xmlns:a16="http://schemas.microsoft.com/office/drawing/2014/main" id="{E6C55879-0CBE-4C51-9A07-25AF0EAE0097}"/>
               </a:ext>
             </a:extLst>
           </p:cNvPr>
@@ -31146,7 +32116,7 @@
           </p:cNvPicPr>
           <p:nvPr/>
         </p:nvPicPr>
-        <p:blipFill>
+        <p:blipFill rotWithShape="1">
           <a:blip r:embed="rId2">
             <a:extLst>
               <a:ext uri="{28A0092B-C50C-407E-A947-70E740481C1C}">
@@ -31154,14 +32124,13 @@
               </a:ext>
             </a:extLst>
           </a:blip>
-          <a:stretch>
-            <a:fillRect/>
-          </a:stretch>
+          <a:srcRect l="17256" t="1" r="18752" b="1"/>
+          <a:stretch/>
         </p:blipFill>
         <p:spPr bwMode="auto">
           <a:xfrm>
-            <a:off x="7656512" y="406906"/>
-            <a:ext cx="3981455" cy="1861831"/>
+            <a:off x="3675761" y="0"/>
+            <a:ext cx="8433475" cy="7413010"/>
           </a:xfrm>
           <a:prstGeom prst="rect">
             <a:avLst/>
@@ -31180,10 +32149,10 @@
       </p:pic>
       <p:sp>
         <p:nvSpPr>
-          <p:cNvPr id="18" name="Freeform 10">
+          <p:cNvPr id="18" name="Freeform 14">
             <a:extLst>
               <a:ext uri="{FF2B5EF4-FFF2-40B4-BE49-F238E27FC236}">
-                <a16:creationId xmlns:a16="http://schemas.microsoft.com/office/drawing/2014/main" id="{5B65E675-687B-4B31-9CB4-880C4620538F}"/>
+                <a16:creationId xmlns:a16="http://schemas.microsoft.com/office/drawing/2014/main" id="{2A2CC818-8106-45C0-93D5-7051F99F2C81}"/>
               </a:ext>
               <a:ext uri="{C183D7F6-B498-43B3-948B-1728B52AA6E4}">
                 <adec:decorative xmlns:adec="http://schemas.microsoft.com/office/drawing/2017/decorative" val="1"/>
@@ -31400,7 +32369,7 @@
           <p:cNvPr id="5" name="Slide Number Placeholder 4">
             <a:extLst>
               <a:ext uri="{FF2B5EF4-FFF2-40B4-BE49-F238E27FC236}">
-                <a16:creationId xmlns:a16="http://schemas.microsoft.com/office/drawing/2014/main" id="{7B2D0B98-4AD8-435D-BF57-79BAD625DBEB}"/>
+                <a16:creationId xmlns:a16="http://schemas.microsoft.com/office/drawing/2014/main" id="{19AE0FDF-F20B-4AC6-AEC3-2344199371D1}"/>
               </a:ext>
             </a:extLst>
           </p:cNvPr>
@@ -31452,7 +32421,7 @@
           <p:cNvPr id="4" name="Footer Placeholder 3">
             <a:extLst>
               <a:ext uri="{FF2B5EF4-FFF2-40B4-BE49-F238E27FC236}">
-                <a16:creationId xmlns:a16="http://schemas.microsoft.com/office/drawing/2014/main" id="{DA3F1759-2B82-4336-926C-D45B6F445DF3}"/>
+                <a16:creationId xmlns:a16="http://schemas.microsoft.com/office/drawing/2014/main" id="{6DD8976A-E1EB-47ED-AACB-E78D5920C54B}"/>
               </a:ext>
             </a:extLst>
           </p:cNvPr>
@@ -31487,228 +32456,16 @@
           </a:p>
         </p:txBody>
       </p:sp>
-      <p:graphicFrame>
-        <p:nvGraphicFramePr>
-          <p:cNvPr id="12" name="Content Placeholder 5">
-            <a:extLst>
-              <a:ext uri="{FF2B5EF4-FFF2-40B4-BE49-F238E27FC236}">
-                <a16:creationId xmlns:a16="http://schemas.microsoft.com/office/drawing/2014/main" id="{1A98AC1F-8E02-4C56-9EA1-3F5918DB61D8}"/>
-              </a:ext>
-            </a:extLst>
-          </p:cNvPr>
-          <p:cNvGraphicFramePr>
-            <a:graphicFrameLocks noGrp="1"/>
-          </p:cNvGraphicFramePr>
-          <p:nvPr>
-            <p:ph idx="1"/>
-            <p:extLst>
-              <p:ext uri="{D42A27DB-BD31-4B8C-83A1-F6EECF244321}">
-                <p14:modId xmlns:p14="http://schemas.microsoft.com/office/powerpoint/2010/main" val="75463404"/>
-              </p:ext>
-            </p:extLst>
-          </p:nvPr>
-        </p:nvGraphicFramePr>
-        <p:xfrm>
-          <a:off x="649288" y="2133600"/>
-          <a:ext cx="6573837" cy="3759200"/>
-        </p:xfrm>
-        <a:graphic>
-          <a:graphicData uri="http://schemas.openxmlformats.org/drawingml/2006/diagram">
-            <dgm:relIds xmlns:dgm="http://schemas.openxmlformats.org/drawingml/2006/diagram" xmlns:r="http://schemas.openxmlformats.org/officeDocument/2006/relationships" r:dm="rId3" r:lo="rId4" r:qs="rId5" r:cs="rId6"/>
-          </a:graphicData>
-        </a:graphic>
-      </p:graphicFrame>
-      <p:pic>
-        <p:nvPicPr>
-          <p:cNvPr id="1026" name="Picture 2" descr="Respeaker Mic Array v2.0">
-            <a:extLst>
-              <a:ext uri="{FF2B5EF4-FFF2-40B4-BE49-F238E27FC236}">
-                <a16:creationId xmlns:a16="http://schemas.microsoft.com/office/drawing/2014/main" id="{D210B69A-E385-4DA4-9204-284FB4A80158}"/>
-              </a:ext>
-            </a:extLst>
-          </p:cNvPr>
-          <p:cNvPicPr>
-            <a:picLocks noChangeAspect="1" noChangeArrowheads="1"/>
-          </p:cNvPicPr>
-          <p:nvPr/>
-        </p:nvPicPr>
-        <p:blipFill>
-          <a:blip r:embed="rId8">
-            <a:extLst>
-              <a:ext uri="{28A0092B-C50C-407E-A947-70E740481C1C}">
-                <a14:useLocalDpi xmlns:a14="http://schemas.microsoft.com/office/drawing/2010/main" val="0"/>
-              </a:ext>
-            </a:extLst>
-          </a:blip>
-          <a:srcRect/>
-          <a:stretch>
-            <a:fillRect/>
-          </a:stretch>
-        </p:blipFill>
-        <p:spPr bwMode="auto">
-          <a:xfrm>
-            <a:off x="7656512" y="2681094"/>
-            <a:ext cx="4076700" cy="3452516"/>
-          </a:xfrm>
-          <a:prstGeom prst="rect">
-            <a:avLst/>
-          </a:prstGeom>
-          <a:noFill/>
-          <a:extLst>
-            <a:ext uri="{909E8E84-426E-40DD-AFC4-6F175D3DCCD1}">
-              <a14:hiddenFill xmlns:a14="http://schemas.microsoft.com/office/drawing/2010/main">
-                <a:solidFill>
-                  <a:srgbClr val="FFFFFF"/>
-                </a:solidFill>
-              </a14:hiddenFill>
-            </a:ext>
-          </a:extLst>
-        </p:spPr>
-      </p:pic>
     </p:spTree>
     <p:extLst>
       <p:ext uri="{BB962C8B-B14F-4D97-AF65-F5344CB8AC3E}">
-        <p14:creationId xmlns:p14="http://schemas.microsoft.com/office/powerpoint/2010/main" val="363200921"/>
+        <p14:creationId xmlns:p14="http://schemas.microsoft.com/office/powerpoint/2010/main" val="2715649238"/>
       </p:ext>
     </p:extLst>
   </p:cSld>
   <p:clrMapOvr>
     <a:masterClrMapping/>
   </p:clrMapOvr>
-  <p:timing>
-    <p:tnLst>
-      <p:par>
-        <p:cTn id="1" dur="indefinite" restart="never" nodeType="tmRoot">
-          <p:childTnLst>
-            <p:seq concurrent="1" nextAc="seek">
-              <p:cTn id="2" dur="indefinite" nodeType="mainSeq">
-                <p:childTnLst>
-                  <p:par>
-                    <p:cTn id="3" fill="hold">
-                      <p:stCondLst>
-                        <p:cond delay="indefinite"/>
-                      </p:stCondLst>
-                      <p:childTnLst>
-                        <p:par>
-                          <p:cTn id="4" fill="hold">
-                            <p:stCondLst>
-                              <p:cond delay="0"/>
-                            </p:stCondLst>
-                            <p:childTnLst>
-                              <p:par>
-                                <p:cTn id="5" presetID="42" presetClass="entr" presetSubtype="0" fill="hold" grpId="0" nodeType="clickEffect">
-                                  <p:stCondLst>
-                                    <p:cond delay="0"/>
-                                  </p:stCondLst>
-                                  <p:childTnLst>
-                                    <p:set>
-                                      <p:cBhvr>
-                                        <p:cTn id="6" dur="1" fill="hold">
-                                          <p:stCondLst>
-                                            <p:cond delay="0"/>
-                                          </p:stCondLst>
-                                        </p:cTn>
-                                        <p:tgtEl>
-                                          <p:spTgt spid="12"/>
-                                        </p:tgtEl>
-                                        <p:attrNameLst>
-                                          <p:attrName>style.visibility</p:attrName>
-                                        </p:attrNameLst>
-                                      </p:cBhvr>
-                                      <p:to>
-                                        <p:strVal val="visible"/>
-                                      </p:to>
-                                    </p:set>
-                                    <p:animEffect transition="in" filter="fade">
-                                      <p:cBhvr>
-                                        <p:cTn id="7" dur="1000"/>
-                                        <p:tgtEl>
-                                          <p:spTgt spid="12"/>
-                                        </p:tgtEl>
-                                      </p:cBhvr>
-                                    </p:animEffect>
-                                    <p:anim calcmode="lin" valueType="num">
-                                      <p:cBhvr>
-                                        <p:cTn id="8" dur="1000" fill="hold"/>
-                                        <p:tgtEl>
-                                          <p:spTgt spid="12"/>
-                                        </p:tgtEl>
-                                        <p:attrNameLst>
-                                          <p:attrName>ppt_x</p:attrName>
-                                        </p:attrNameLst>
-                                      </p:cBhvr>
-                                      <p:tavLst>
-                                        <p:tav tm="0">
-                                          <p:val>
-                                            <p:strVal val="#ppt_x"/>
-                                          </p:val>
-                                        </p:tav>
-                                        <p:tav tm="100000">
-                                          <p:val>
-                                            <p:strVal val="#ppt_x"/>
-                                          </p:val>
-                                        </p:tav>
-                                      </p:tavLst>
-                                    </p:anim>
-                                    <p:anim calcmode="lin" valueType="num">
-                                      <p:cBhvr>
-                                        <p:cTn id="9" dur="1000" fill="hold"/>
-                                        <p:tgtEl>
-                                          <p:spTgt spid="12"/>
-                                        </p:tgtEl>
-                                        <p:attrNameLst>
-                                          <p:attrName>ppt_y</p:attrName>
-                                        </p:attrNameLst>
-                                      </p:cBhvr>
-                                      <p:tavLst>
-                                        <p:tav tm="0">
-                                          <p:val>
-                                            <p:strVal val="#ppt_y+.1"/>
-                                          </p:val>
-                                        </p:tav>
-                                        <p:tav tm="100000">
-                                          <p:val>
-                                            <p:strVal val="#ppt_y"/>
-                                          </p:val>
-                                        </p:tav>
-                                      </p:tavLst>
-                                    </p:anim>
-                                  </p:childTnLst>
-                                </p:cTn>
-                              </p:par>
-                            </p:childTnLst>
-                          </p:cTn>
-                        </p:par>
-                      </p:childTnLst>
-                    </p:cTn>
-                  </p:par>
-                </p:childTnLst>
-              </p:cTn>
-              <p:prevCondLst>
-                <p:cond evt="onPrev" delay="0">
-                  <p:tgtEl>
-                    <p:sldTgt/>
-                  </p:tgtEl>
-                </p:cond>
-              </p:prevCondLst>
-              <p:nextCondLst>
-                <p:cond evt="onNext" delay="0">
-                  <p:tgtEl>
-                    <p:sldTgt/>
-                  </p:tgtEl>
-                </p:cond>
-              </p:nextCondLst>
-            </p:seq>
-          </p:childTnLst>
-        </p:cTn>
-      </p:par>
-    </p:tnLst>
-    <p:bldLst>
-      <p:bldGraphic spid="12" grpId="0">
-        <p:bldAsOne/>
-      </p:bldGraphic>
-    </p:bldLst>
-  </p:timing>
 </p:sld>
 </file>
 
